--- a/Presentation/AutoCyPlex File Saving Setup.pptx
+++ b/Presentation/AutoCyPlex File Saving Setup.pptx
@@ -9,6 +9,9 @@
     <p:sldId id="257" r:id="rId3"/>
     <p:sldId id="258" r:id="rId4"/>
     <p:sldId id="259" r:id="rId5"/>
+    <p:sldId id="260" r:id="rId6"/>
+    <p:sldId id="261" r:id="rId7"/>
+    <p:sldId id="262" r:id="rId8"/>
   </p:sldIdLst>
   <p:sldSz cx="12192000" cy="6858000"/>
   <p:notesSz cx="6858000" cy="9144000"/>
@@ -107,6 +110,11 @@
       </a:defRPr>
     </a:lvl9pPr>
   </p:defaultTextStyle>
+  <p:extLst>
+    <p:ext uri="{EFAFB233-063F-42B5-8137-9DF3F51BA10A}">
+      <p15:sldGuideLst xmlns:p15="http://schemas.microsoft.com/office/powerpoint/2012/main"/>
+    </p:ext>
+  </p:extLst>
 </p:presentation>
 </file>
 
@@ -857,6 +865,1500 @@
 </dgm:colorsDef>
 </file>
 
+<file path=ppt/diagrams/colors2.xml><?xml version="1.0" encoding="utf-8"?>
+<dgm:colorsDef xmlns:dgm="http://schemas.openxmlformats.org/drawingml/2006/diagram" xmlns:a="http://schemas.openxmlformats.org/drawingml/2006/main" uniqueId="urn:microsoft.com/office/officeart/2005/8/colors/accent1_2">
+  <dgm:title val=""/>
+  <dgm:desc val=""/>
+  <dgm:catLst>
+    <dgm:cat type="accent1" pri="11200"/>
+  </dgm:catLst>
+  <dgm:styleLbl name="node0">
+    <dgm:fillClrLst meth="repeat">
+      <a:schemeClr val="accent1"/>
+    </dgm:fillClrLst>
+    <dgm:linClrLst meth="repeat">
+      <a:schemeClr val="lt1"/>
+    </dgm:linClrLst>
+    <dgm:effectClrLst/>
+    <dgm:txLinClrLst/>
+    <dgm:txFillClrLst/>
+    <dgm:txEffectClrLst/>
+  </dgm:styleLbl>
+  <dgm:styleLbl name="alignNode1">
+    <dgm:fillClrLst meth="repeat">
+      <a:schemeClr val="accent1"/>
+    </dgm:fillClrLst>
+    <dgm:linClrLst meth="repeat">
+      <a:schemeClr val="accent1"/>
+    </dgm:linClrLst>
+    <dgm:effectClrLst/>
+    <dgm:txLinClrLst/>
+    <dgm:txFillClrLst/>
+    <dgm:txEffectClrLst/>
+  </dgm:styleLbl>
+  <dgm:styleLbl name="node1">
+    <dgm:fillClrLst meth="repeat">
+      <a:schemeClr val="accent1"/>
+    </dgm:fillClrLst>
+    <dgm:linClrLst meth="repeat">
+      <a:schemeClr val="lt1"/>
+    </dgm:linClrLst>
+    <dgm:effectClrLst/>
+    <dgm:txLinClrLst/>
+    <dgm:txFillClrLst/>
+    <dgm:txEffectClrLst/>
+  </dgm:styleLbl>
+  <dgm:styleLbl name="lnNode1">
+    <dgm:fillClrLst meth="repeat">
+      <a:schemeClr val="accent1"/>
+    </dgm:fillClrLst>
+    <dgm:linClrLst meth="repeat">
+      <a:schemeClr val="lt1"/>
+    </dgm:linClrLst>
+    <dgm:effectClrLst/>
+    <dgm:txLinClrLst/>
+    <dgm:txFillClrLst/>
+    <dgm:txEffectClrLst/>
+  </dgm:styleLbl>
+  <dgm:styleLbl name="vennNode1">
+    <dgm:fillClrLst meth="repeat">
+      <a:schemeClr val="accent1">
+        <a:alpha val="50000"/>
+      </a:schemeClr>
+    </dgm:fillClrLst>
+    <dgm:linClrLst meth="repeat">
+      <a:schemeClr val="lt1"/>
+    </dgm:linClrLst>
+    <dgm:effectClrLst/>
+    <dgm:txLinClrLst/>
+    <dgm:txFillClrLst/>
+    <dgm:txEffectClrLst/>
+  </dgm:styleLbl>
+  <dgm:styleLbl name="node2">
+    <dgm:fillClrLst meth="repeat">
+      <a:schemeClr val="accent1"/>
+    </dgm:fillClrLst>
+    <dgm:linClrLst meth="repeat">
+      <a:schemeClr val="lt1"/>
+    </dgm:linClrLst>
+    <dgm:effectClrLst/>
+    <dgm:txLinClrLst/>
+    <dgm:txFillClrLst/>
+    <dgm:txEffectClrLst/>
+  </dgm:styleLbl>
+  <dgm:styleLbl name="node3">
+    <dgm:fillClrLst meth="repeat">
+      <a:schemeClr val="accent1"/>
+    </dgm:fillClrLst>
+    <dgm:linClrLst meth="repeat">
+      <a:schemeClr val="lt1"/>
+    </dgm:linClrLst>
+    <dgm:effectClrLst/>
+    <dgm:txLinClrLst/>
+    <dgm:txFillClrLst/>
+    <dgm:txEffectClrLst/>
+  </dgm:styleLbl>
+  <dgm:styleLbl name="node4">
+    <dgm:fillClrLst meth="repeat">
+      <a:schemeClr val="accent1"/>
+    </dgm:fillClrLst>
+    <dgm:linClrLst meth="repeat">
+      <a:schemeClr val="lt1"/>
+    </dgm:linClrLst>
+    <dgm:effectClrLst/>
+    <dgm:txLinClrLst/>
+    <dgm:txFillClrLst/>
+    <dgm:txEffectClrLst/>
+  </dgm:styleLbl>
+  <dgm:styleLbl name="fgImgPlace1">
+    <dgm:fillClrLst meth="repeat">
+      <a:schemeClr val="accent1">
+        <a:tint val="50000"/>
+      </a:schemeClr>
+    </dgm:fillClrLst>
+    <dgm:linClrLst meth="repeat">
+      <a:schemeClr val="lt1"/>
+    </dgm:linClrLst>
+    <dgm:effectClrLst/>
+    <dgm:txLinClrLst/>
+    <dgm:txFillClrLst meth="repeat">
+      <a:schemeClr val="lt1"/>
+    </dgm:txFillClrLst>
+    <dgm:txEffectClrLst/>
+  </dgm:styleLbl>
+  <dgm:styleLbl name="alignImgPlace1">
+    <dgm:fillClrLst meth="repeat">
+      <a:schemeClr val="accent1">
+        <a:tint val="50000"/>
+      </a:schemeClr>
+    </dgm:fillClrLst>
+    <dgm:linClrLst meth="repeat">
+      <a:schemeClr val="lt1"/>
+    </dgm:linClrLst>
+    <dgm:effectClrLst/>
+    <dgm:txLinClrLst/>
+    <dgm:txFillClrLst meth="repeat">
+      <a:schemeClr val="lt1"/>
+    </dgm:txFillClrLst>
+    <dgm:txEffectClrLst/>
+  </dgm:styleLbl>
+  <dgm:styleLbl name="bgImgPlace1">
+    <dgm:fillClrLst meth="repeat">
+      <a:schemeClr val="accent1">
+        <a:tint val="50000"/>
+      </a:schemeClr>
+    </dgm:fillClrLst>
+    <dgm:linClrLst meth="repeat">
+      <a:schemeClr val="lt1"/>
+    </dgm:linClrLst>
+    <dgm:effectClrLst/>
+    <dgm:txLinClrLst/>
+    <dgm:txFillClrLst meth="repeat">
+      <a:schemeClr val="lt1"/>
+    </dgm:txFillClrLst>
+    <dgm:txEffectClrLst/>
+  </dgm:styleLbl>
+  <dgm:styleLbl name="sibTrans2D1">
+    <dgm:fillClrLst meth="repeat">
+      <a:schemeClr val="accent1">
+        <a:tint val="60000"/>
+      </a:schemeClr>
+    </dgm:fillClrLst>
+    <dgm:linClrLst meth="repeat">
+      <a:schemeClr val="accent1">
+        <a:tint val="60000"/>
+      </a:schemeClr>
+    </dgm:linClrLst>
+    <dgm:effectClrLst/>
+    <dgm:txLinClrLst/>
+    <dgm:txFillClrLst/>
+    <dgm:txEffectClrLst/>
+  </dgm:styleLbl>
+  <dgm:styleLbl name="fgSibTrans2D1">
+    <dgm:fillClrLst meth="repeat">
+      <a:schemeClr val="accent1">
+        <a:tint val="60000"/>
+      </a:schemeClr>
+    </dgm:fillClrLst>
+    <dgm:linClrLst meth="repeat">
+      <a:schemeClr val="accent1">
+        <a:tint val="60000"/>
+      </a:schemeClr>
+    </dgm:linClrLst>
+    <dgm:effectClrLst/>
+    <dgm:txLinClrLst/>
+    <dgm:txFillClrLst/>
+    <dgm:txEffectClrLst/>
+  </dgm:styleLbl>
+  <dgm:styleLbl name="bgSibTrans2D1">
+    <dgm:fillClrLst meth="repeat">
+      <a:schemeClr val="accent1">
+        <a:tint val="60000"/>
+      </a:schemeClr>
+    </dgm:fillClrLst>
+    <dgm:linClrLst meth="repeat">
+      <a:schemeClr val="accent1">
+        <a:tint val="60000"/>
+      </a:schemeClr>
+    </dgm:linClrLst>
+    <dgm:effectClrLst/>
+    <dgm:txLinClrLst/>
+    <dgm:txFillClrLst/>
+    <dgm:txEffectClrLst/>
+  </dgm:styleLbl>
+  <dgm:styleLbl name="sibTrans1D1">
+    <dgm:fillClrLst meth="repeat">
+      <a:schemeClr val="accent1"/>
+    </dgm:fillClrLst>
+    <dgm:linClrLst meth="repeat">
+      <a:schemeClr val="accent1"/>
+    </dgm:linClrLst>
+    <dgm:effectClrLst/>
+    <dgm:txLinClrLst/>
+    <dgm:txFillClrLst meth="repeat">
+      <a:schemeClr val="tx1"/>
+    </dgm:txFillClrLst>
+    <dgm:txEffectClrLst/>
+  </dgm:styleLbl>
+  <dgm:styleLbl name="callout">
+    <dgm:fillClrLst meth="repeat">
+      <a:schemeClr val="accent1"/>
+    </dgm:fillClrLst>
+    <dgm:linClrLst meth="repeat">
+      <a:schemeClr val="accent1">
+        <a:tint val="50000"/>
+      </a:schemeClr>
+    </dgm:linClrLst>
+    <dgm:effectClrLst/>
+    <dgm:txLinClrLst/>
+    <dgm:txFillClrLst meth="repeat">
+      <a:schemeClr val="tx1"/>
+    </dgm:txFillClrLst>
+    <dgm:txEffectClrLst/>
+  </dgm:styleLbl>
+  <dgm:styleLbl name="asst0">
+    <dgm:fillClrLst meth="repeat">
+      <a:schemeClr val="accent1"/>
+    </dgm:fillClrLst>
+    <dgm:linClrLst meth="repeat">
+      <a:schemeClr val="lt1"/>
+    </dgm:linClrLst>
+    <dgm:effectClrLst/>
+    <dgm:txLinClrLst/>
+    <dgm:txFillClrLst/>
+    <dgm:txEffectClrLst/>
+  </dgm:styleLbl>
+  <dgm:styleLbl name="asst1">
+    <dgm:fillClrLst meth="repeat">
+      <a:schemeClr val="accent1"/>
+    </dgm:fillClrLst>
+    <dgm:linClrLst meth="repeat">
+      <a:schemeClr val="lt1"/>
+    </dgm:linClrLst>
+    <dgm:effectClrLst/>
+    <dgm:txLinClrLst/>
+    <dgm:txFillClrLst/>
+    <dgm:txEffectClrLst/>
+  </dgm:styleLbl>
+  <dgm:styleLbl name="asst2">
+    <dgm:fillClrLst meth="repeat">
+      <a:schemeClr val="accent1"/>
+    </dgm:fillClrLst>
+    <dgm:linClrLst meth="repeat">
+      <a:schemeClr val="lt1"/>
+    </dgm:linClrLst>
+    <dgm:effectClrLst/>
+    <dgm:txLinClrLst/>
+    <dgm:txFillClrLst/>
+    <dgm:txEffectClrLst/>
+  </dgm:styleLbl>
+  <dgm:styleLbl name="asst3">
+    <dgm:fillClrLst meth="repeat">
+      <a:schemeClr val="accent1"/>
+    </dgm:fillClrLst>
+    <dgm:linClrLst meth="repeat">
+      <a:schemeClr val="lt1"/>
+    </dgm:linClrLst>
+    <dgm:effectClrLst/>
+    <dgm:txLinClrLst/>
+    <dgm:txFillClrLst/>
+    <dgm:txEffectClrLst/>
+  </dgm:styleLbl>
+  <dgm:styleLbl name="asst4">
+    <dgm:fillClrLst meth="repeat">
+      <a:schemeClr val="accent1"/>
+    </dgm:fillClrLst>
+    <dgm:linClrLst meth="repeat">
+      <a:schemeClr val="lt1"/>
+    </dgm:linClrLst>
+    <dgm:effectClrLst/>
+    <dgm:txLinClrLst/>
+    <dgm:txFillClrLst/>
+    <dgm:txEffectClrLst/>
+  </dgm:styleLbl>
+  <dgm:styleLbl name="parChTrans2D1">
+    <dgm:fillClrLst meth="repeat">
+      <a:schemeClr val="accent1">
+        <a:tint val="60000"/>
+      </a:schemeClr>
+    </dgm:fillClrLst>
+    <dgm:linClrLst meth="repeat">
+      <a:schemeClr val="accent1">
+        <a:tint val="60000"/>
+      </a:schemeClr>
+    </dgm:linClrLst>
+    <dgm:effectClrLst/>
+    <dgm:txLinClrLst/>
+    <dgm:txFillClrLst meth="repeat">
+      <a:schemeClr val="lt1"/>
+    </dgm:txFillClrLst>
+    <dgm:txEffectClrLst/>
+  </dgm:styleLbl>
+  <dgm:styleLbl name="parChTrans2D2">
+    <dgm:fillClrLst meth="repeat">
+      <a:schemeClr val="accent1"/>
+    </dgm:fillClrLst>
+    <dgm:linClrLst meth="repeat">
+      <a:schemeClr val="accent1"/>
+    </dgm:linClrLst>
+    <dgm:effectClrLst/>
+    <dgm:txLinClrLst/>
+    <dgm:txFillClrLst meth="repeat">
+      <a:schemeClr val="lt1"/>
+    </dgm:txFillClrLst>
+    <dgm:txEffectClrLst/>
+  </dgm:styleLbl>
+  <dgm:styleLbl name="parChTrans2D3">
+    <dgm:fillClrLst meth="repeat">
+      <a:schemeClr val="accent1"/>
+    </dgm:fillClrLst>
+    <dgm:linClrLst meth="repeat">
+      <a:schemeClr val="accent1"/>
+    </dgm:linClrLst>
+    <dgm:effectClrLst/>
+    <dgm:txLinClrLst/>
+    <dgm:txFillClrLst meth="repeat">
+      <a:schemeClr val="lt1"/>
+    </dgm:txFillClrLst>
+    <dgm:txEffectClrLst/>
+  </dgm:styleLbl>
+  <dgm:styleLbl name="parChTrans2D4">
+    <dgm:fillClrLst meth="repeat">
+      <a:schemeClr val="accent1"/>
+    </dgm:fillClrLst>
+    <dgm:linClrLst meth="repeat">
+      <a:schemeClr val="accent1"/>
+    </dgm:linClrLst>
+    <dgm:effectClrLst/>
+    <dgm:txLinClrLst/>
+    <dgm:txFillClrLst meth="repeat">
+      <a:schemeClr val="lt1"/>
+    </dgm:txFillClrLst>
+    <dgm:txEffectClrLst/>
+  </dgm:styleLbl>
+  <dgm:styleLbl name="parChTrans1D1">
+    <dgm:fillClrLst meth="repeat">
+      <a:schemeClr val="accent1"/>
+    </dgm:fillClrLst>
+    <dgm:linClrLst meth="repeat">
+      <a:schemeClr val="accent1">
+        <a:shade val="60000"/>
+      </a:schemeClr>
+    </dgm:linClrLst>
+    <dgm:effectClrLst/>
+    <dgm:txLinClrLst/>
+    <dgm:txFillClrLst meth="repeat">
+      <a:schemeClr val="tx1"/>
+    </dgm:txFillClrLst>
+    <dgm:txEffectClrLst/>
+  </dgm:styleLbl>
+  <dgm:styleLbl name="parChTrans1D2">
+    <dgm:fillClrLst meth="repeat">
+      <a:schemeClr val="accent1"/>
+    </dgm:fillClrLst>
+    <dgm:linClrLst meth="repeat">
+      <a:schemeClr val="accent1">
+        <a:shade val="60000"/>
+      </a:schemeClr>
+    </dgm:linClrLst>
+    <dgm:effectClrLst/>
+    <dgm:txLinClrLst/>
+    <dgm:txFillClrLst meth="repeat">
+      <a:schemeClr val="tx1"/>
+    </dgm:txFillClrLst>
+    <dgm:txEffectClrLst/>
+  </dgm:styleLbl>
+  <dgm:styleLbl name="parChTrans1D3">
+    <dgm:fillClrLst meth="repeat">
+      <a:schemeClr val="accent1"/>
+    </dgm:fillClrLst>
+    <dgm:linClrLst meth="repeat">
+      <a:schemeClr val="accent1">
+        <a:shade val="80000"/>
+      </a:schemeClr>
+    </dgm:linClrLst>
+    <dgm:effectClrLst/>
+    <dgm:txLinClrLst/>
+    <dgm:txFillClrLst meth="repeat">
+      <a:schemeClr val="tx1"/>
+    </dgm:txFillClrLst>
+    <dgm:txEffectClrLst/>
+  </dgm:styleLbl>
+  <dgm:styleLbl name="parChTrans1D4">
+    <dgm:fillClrLst meth="repeat">
+      <a:schemeClr val="accent1"/>
+    </dgm:fillClrLst>
+    <dgm:linClrLst meth="repeat">
+      <a:schemeClr val="accent1">
+        <a:shade val="80000"/>
+      </a:schemeClr>
+    </dgm:linClrLst>
+    <dgm:effectClrLst/>
+    <dgm:txLinClrLst/>
+    <dgm:txFillClrLst meth="repeat">
+      <a:schemeClr val="tx1"/>
+    </dgm:txFillClrLst>
+    <dgm:txEffectClrLst/>
+  </dgm:styleLbl>
+  <dgm:styleLbl name="fgAcc1">
+    <dgm:fillClrLst meth="repeat">
+      <a:schemeClr val="lt1">
+        <a:alpha val="90000"/>
+      </a:schemeClr>
+    </dgm:fillClrLst>
+    <dgm:linClrLst meth="repeat">
+      <a:schemeClr val="accent1"/>
+    </dgm:linClrLst>
+    <dgm:effectClrLst/>
+    <dgm:txLinClrLst/>
+    <dgm:txFillClrLst meth="repeat">
+      <a:schemeClr val="dk1"/>
+    </dgm:txFillClrLst>
+    <dgm:txEffectClrLst/>
+  </dgm:styleLbl>
+  <dgm:styleLbl name="conFgAcc1">
+    <dgm:fillClrLst meth="repeat">
+      <a:schemeClr val="lt1">
+        <a:alpha val="90000"/>
+      </a:schemeClr>
+    </dgm:fillClrLst>
+    <dgm:linClrLst meth="repeat">
+      <a:schemeClr val="accent1"/>
+    </dgm:linClrLst>
+    <dgm:effectClrLst/>
+    <dgm:txLinClrLst/>
+    <dgm:txFillClrLst meth="repeat">
+      <a:schemeClr val="dk1"/>
+    </dgm:txFillClrLst>
+    <dgm:txEffectClrLst/>
+  </dgm:styleLbl>
+  <dgm:styleLbl name="alignAcc1">
+    <dgm:fillClrLst meth="repeat">
+      <a:schemeClr val="lt1">
+        <a:alpha val="90000"/>
+      </a:schemeClr>
+    </dgm:fillClrLst>
+    <dgm:linClrLst meth="repeat">
+      <a:schemeClr val="accent1"/>
+    </dgm:linClrLst>
+    <dgm:effectClrLst/>
+    <dgm:txLinClrLst/>
+    <dgm:txFillClrLst meth="repeat">
+      <a:schemeClr val="dk1"/>
+    </dgm:txFillClrLst>
+    <dgm:txEffectClrLst/>
+  </dgm:styleLbl>
+  <dgm:styleLbl name="trAlignAcc1">
+    <dgm:fillClrLst meth="repeat">
+      <a:schemeClr val="lt1">
+        <a:alpha val="40000"/>
+      </a:schemeClr>
+    </dgm:fillClrLst>
+    <dgm:linClrLst meth="repeat">
+      <a:schemeClr val="accent1"/>
+    </dgm:linClrLst>
+    <dgm:effectClrLst/>
+    <dgm:txLinClrLst/>
+    <dgm:txFillClrLst meth="repeat">
+      <a:schemeClr val="dk1"/>
+    </dgm:txFillClrLst>
+    <dgm:txEffectClrLst/>
+  </dgm:styleLbl>
+  <dgm:styleLbl name="bgAcc1">
+    <dgm:fillClrLst meth="repeat">
+      <a:schemeClr val="lt1">
+        <a:alpha val="90000"/>
+      </a:schemeClr>
+    </dgm:fillClrLst>
+    <dgm:linClrLst meth="repeat">
+      <a:schemeClr val="accent1"/>
+    </dgm:linClrLst>
+    <dgm:effectClrLst/>
+    <dgm:txLinClrLst/>
+    <dgm:txFillClrLst meth="repeat">
+      <a:schemeClr val="dk1"/>
+    </dgm:txFillClrLst>
+    <dgm:txEffectClrLst/>
+  </dgm:styleLbl>
+  <dgm:styleLbl name="solidFgAcc1">
+    <dgm:fillClrLst meth="repeat">
+      <a:schemeClr val="lt1"/>
+    </dgm:fillClrLst>
+    <dgm:linClrLst meth="repeat">
+      <a:schemeClr val="accent1"/>
+    </dgm:linClrLst>
+    <dgm:effectClrLst/>
+    <dgm:txLinClrLst/>
+    <dgm:txFillClrLst meth="repeat">
+      <a:schemeClr val="dk1"/>
+    </dgm:txFillClrLst>
+    <dgm:txEffectClrLst/>
+  </dgm:styleLbl>
+  <dgm:styleLbl name="solidAlignAcc1">
+    <dgm:fillClrLst meth="repeat">
+      <a:schemeClr val="lt1"/>
+    </dgm:fillClrLst>
+    <dgm:linClrLst meth="repeat">
+      <a:schemeClr val="accent1"/>
+    </dgm:linClrLst>
+    <dgm:effectClrLst/>
+    <dgm:txLinClrLst/>
+    <dgm:txFillClrLst meth="repeat">
+      <a:schemeClr val="dk1"/>
+    </dgm:txFillClrLst>
+    <dgm:txEffectClrLst/>
+  </dgm:styleLbl>
+  <dgm:styleLbl name="solidBgAcc1">
+    <dgm:fillClrLst meth="repeat">
+      <a:schemeClr val="lt1"/>
+    </dgm:fillClrLst>
+    <dgm:linClrLst meth="repeat">
+      <a:schemeClr val="accent1"/>
+    </dgm:linClrLst>
+    <dgm:effectClrLst/>
+    <dgm:txLinClrLst/>
+    <dgm:txFillClrLst meth="repeat">
+      <a:schemeClr val="dk1"/>
+    </dgm:txFillClrLst>
+    <dgm:txEffectClrLst/>
+  </dgm:styleLbl>
+  <dgm:styleLbl name="fgAccFollowNode1">
+    <dgm:fillClrLst meth="repeat">
+      <a:schemeClr val="accent1">
+        <a:alpha val="90000"/>
+        <a:tint val="40000"/>
+      </a:schemeClr>
+    </dgm:fillClrLst>
+    <dgm:linClrLst meth="repeat">
+      <a:schemeClr val="accent1">
+        <a:alpha val="90000"/>
+        <a:tint val="40000"/>
+      </a:schemeClr>
+    </dgm:linClrLst>
+    <dgm:effectClrLst/>
+    <dgm:txLinClrLst/>
+    <dgm:txFillClrLst meth="repeat">
+      <a:schemeClr val="dk1"/>
+    </dgm:txFillClrLst>
+    <dgm:txEffectClrLst/>
+  </dgm:styleLbl>
+  <dgm:styleLbl name="alignAccFollowNode1">
+    <dgm:fillClrLst meth="repeat">
+      <a:schemeClr val="accent1">
+        <a:alpha val="90000"/>
+        <a:tint val="40000"/>
+      </a:schemeClr>
+    </dgm:fillClrLst>
+    <dgm:linClrLst meth="repeat">
+      <a:schemeClr val="accent1">
+        <a:alpha val="90000"/>
+        <a:tint val="40000"/>
+      </a:schemeClr>
+    </dgm:linClrLst>
+    <dgm:effectClrLst/>
+    <dgm:txLinClrLst/>
+    <dgm:txFillClrLst meth="repeat">
+      <a:schemeClr val="dk1"/>
+    </dgm:txFillClrLst>
+    <dgm:txEffectClrLst/>
+  </dgm:styleLbl>
+  <dgm:styleLbl name="bgAccFollowNode1">
+    <dgm:fillClrLst meth="repeat">
+      <a:schemeClr val="accent1">
+        <a:alpha val="90000"/>
+        <a:tint val="40000"/>
+      </a:schemeClr>
+    </dgm:fillClrLst>
+    <dgm:linClrLst meth="repeat">
+      <a:schemeClr val="accent1">
+        <a:alpha val="90000"/>
+        <a:tint val="40000"/>
+      </a:schemeClr>
+    </dgm:linClrLst>
+    <dgm:effectClrLst/>
+    <dgm:txLinClrLst/>
+    <dgm:txFillClrLst meth="repeat">
+      <a:schemeClr val="dk1"/>
+    </dgm:txFillClrLst>
+    <dgm:txEffectClrLst/>
+  </dgm:styleLbl>
+  <dgm:styleLbl name="fgAcc0">
+    <dgm:fillClrLst meth="repeat">
+      <a:schemeClr val="lt1">
+        <a:alpha val="90000"/>
+      </a:schemeClr>
+    </dgm:fillClrLst>
+    <dgm:linClrLst meth="repeat">
+      <a:schemeClr val="accent1"/>
+    </dgm:linClrLst>
+    <dgm:effectClrLst/>
+    <dgm:txLinClrLst/>
+    <dgm:txFillClrLst meth="repeat">
+      <a:schemeClr val="dk1"/>
+    </dgm:txFillClrLst>
+    <dgm:txEffectClrLst/>
+  </dgm:styleLbl>
+  <dgm:styleLbl name="fgAcc2">
+    <dgm:fillClrLst meth="repeat">
+      <a:schemeClr val="lt1">
+        <a:alpha val="90000"/>
+      </a:schemeClr>
+    </dgm:fillClrLst>
+    <dgm:linClrLst meth="repeat">
+      <a:schemeClr val="accent1"/>
+    </dgm:linClrLst>
+    <dgm:effectClrLst/>
+    <dgm:txLinClrLst/>
+    <dgm:txFillClrLst meth="repeat">
+      <a:schemeClr val="dk1"/>
+    </dgm:txFillClrLst>
+    <dgm:txEffectClrLst/>
+  </dgm:styleLbl>
+  <dgm:styleLbl name="fgAcc3">
+    <dgm:fillClrLst meth="repeat">
+      <a:schemeClr val="lt1">
+        <a:alpha val="90000"/>
+      </a:schemeClr>
+    </dgm:fillClrLst>
+    <dgm:linClrLst meth="repeat">
+      <a:schemeClr val="accent1"/>
+    </dgm:linClrLst>
+    <dgm:effectClrLst/>
+    <dgm:txLinClrLst/>
+    <dgm:txFillClrLst meth="repeat">
+      <a:schemeClr val="dk1"/>
+    </dgm:txFillClrLst>
+    <dgm:txEffectClrLst/>
+  </dgm:styleLbl>
+  <dgm:styleLbl name="fgAcc4">
+    <dgm:fillClrLst meth="repeat">
+      <a:schemeClr val="lt1">
+        <a:alpha val="90000"/>
+      </a:schemeClr>
+    </dgm:fillClrLst>
+    <dgm:linClrLst meth="repeat">
+      <a:schemeClr val="accent1"/>
+    </dgm:linClrLst>
+    <dgm:effectClrLst/>
+    <dgm:txLinClrLst/>
+    <dgm:txFillClrLst meth="repeat">
+      <a:schemeClr val="dk1"/>
+    </dgm:txFillClrLst>
+    <dgm:txEffectClrLst/>
+  </dgm:styleLbl>
+  <dgm:styleLbl name="bgShp">
+    <dgm:fillClrLst meth="repeat">
+      <a:schemeClr val="accent1">
+        <a:tint val="40000"/>
+      </a:schemeClr>
+    </dgm:fillClrLst>
+    <dgm:linClrLst meth="repeat">
+      <a:schemeClr val="accent1"/>
+    </dgm:linClrLst>
+    <dgm:effectClrLst/>
+    <dgm:txLinClrLst/>
+    <dgm:txFillClrLst meth="repeat">
+      <a:schemeClr val="dk1"/>
+    </dgm:txFillClrLst>
+    <dgm:txEffectClrLst/>
+  </dgm:styleLbl>
+  <dgm:styleLbl name="dkBgShp">
+    <dgm:fillClrLst meth="repeat">
+      <a:schemeClr val="accent1">
+        <a:shade val="80000"/>
+      </a:schemeClr>
+    </dgm:fillClrLst>
+    <dgm:linClrLst meth="repeat">
+      <a:schemeClr val="accent1"/>
+    </dgm:linClrLst>
+    <dgm:effectClrLst/>
+    <dgm:txLinClrLst/>
+    <dgm:txFillClrLst meth="repeat">
+      <a:schemeClr val="lt1"/>
+    </dgm:txFillClrLst>
+    <dgm:txEffectClrLst/>
+  </dgm:styleLbl>
+  <dgm:styleLbl name="trBgShp">
+    <dgm:fillClrLst meth="repeat">
+      <a:schemeClr val="accent1">
+        <a:tint val="50000"/>
+        <a:alpha val="40000"/>
+      </a:schemeClr>
+    </dgm:fillClrLst>
+    <dgm:linClrLst meth="repeat">
+      <a:schemeClr val="accent1"/>
+    </dgm:linClrLst>
+    <dgm:effectClrLst/>
+    <dgm:txLinClrLst/>
+    <dgm:txFillClrLst meth="repeat">
+      <a:schemeClr val="lt1"/>
+    </dgm:txFillClrLst>
+    <dgm:txEffectClrLst/>
+  </dgm:styleLbl>
+  <dgm:styleLbl name="fgShp">
+    <dgm:fillClrLst meth="repeat">
+      <a:schemeClr val="accent1">
+        <a:tint val="60000"/>
+      </a:schemeClr>
+    </dgm:fillClrLst>
+    <dgm:linClrLst meth="repeat">
+      <a:schemeClr val="lt1"/>
+    </dgm:linClrLst>
+    <dgm:effectClrLst/>
+    <dgm:txLinClrLst/>
+    <dgm:txFillClrLst meth="repeat">
+      <a:schemeClr val="dk1"/>
+    </dgm:txFillClrLst>
+    <dgm:txEffectClrLst/>
+  </dgm:styleLbl>
+  <dgm:styleLbl name="revTx">
+    <dgm:fillClrLst meth="repeat">
+      <a:schemeClr val="lt1">
+        <a:alpha val="0"/>
+      </a:schemeClr>
+    </dgm:fillClrLst>
+    <dgm:linClrLst meth="repeat">
+      <a:schemeClr val="dk1">
+        <a:alpha val="0"/>
+      </a:schemeClr>
+    </dgm:linClrLst>
+    <dgm:effectClrLst/>
+    <dgm:txLinClrLst/>
+    <dgm:txFillClrLst meth="repeat">
+      <a:schemeClr val="tx1"/>
+    </dgm:txFillClrLst>
+    <dgm:txEffectClrLst/>
+  </dgm:styleLbl>
+</dgm:colorsDef>
+</file>
+
+<file path=ppt/diagrams/colors3.xml><?xml version="1.0" encoding="utf-8"?>
+<dgm:colorsDef xmlns:dgm="http://schemas.openxmlformats.org/drawingml/2006/diagram" xmlns:a="http://schemas.openxmlformats.org/drawingml/2006/main" uniqueId="urn:microsoft.com/office/officeart/2005/8/colors/accent1_2">
+  <dgm:title val=""/>
+  <dgm:desc val=""/>
+  <dgm:catLst>
+    <dgm:cat type="accent1" pri="11200"/>
+  </dgm:catLst>
+  <dgm:styleLbl name="node0">
+    <dgm:fillClrLst meth="repeat">
+      <a:schemeClr val="accent1"/>
+    </dgm:fillClrLst>
+    <dgm:linClrLst meth="repeat">
+      <a:schemeClr val="lt1"/>
+    </dgm:linClrLst>
+    <dgm:effectClrLst/>
+    <dgm:txLinClrLst/>
+    <dgm:txFillClrLst/>
+    <dgm:txEffectClrLst/>
+  </dgm:styleLbl>
+  <dgm:styleLbl name="alignNode1">
+    <dgm:fillClrLst meth="repeat">
+      <a:schemeClr val="accent1"/>
+    </dgm:fillClrLst>
+    <dgm:linClrLst meth="repeat">
+      <a:schemeClr val="accent1"/>
+    </dgm:linClrLst>
+    <dgm:effectClrLst/>
+    <dgm:txLinClrLst/>
+    <dgm:txFillClrLst/>
+    <dgm:txEffectClrLst/>
+  </dgm:styleLbl>
+  <dgm:styleLbl name="node1">
+    <dgm:fillClrLst meth="repeat">
+      <a:schemeClr val="accent1"/>
+    </dgm:fillClrLst>
+    <dgm:linClrLst meth="repeat">
+      <a:schemeClr val="lt1"/>
+    </dgm:linClrLst>
+    <dgm:effectClrLst/>
+    <dgm:txLinClrLst/>
+    <dgm:txFillClrLst/>
+    <dgm:txEffectClrLst/>
+  </dgm:styleLbl>
+  <dgm:styleLbl name="lnNode1">
+    <dgm:fillClrLst meth="repeat">
+      <a:schemeClr val="accent1"/>
+    </dgm:fillClrLst>
+    <dgm:linClrLst meth="repeat">
+      <a:schemeClr val="lt1"/>
+    </dgm:linClrLst>
+    <dgm:effectClrLst/>
+    <dgm:txLinClrLst/>
+    <dgm:txFillClrLst/>
+    <dgm:txEffectClrLst/>
+  </dgm:styleLbl>
+  <dgm:styleLbl name="vennNode1">
+    <dgm:fillClrLst meth="repeat">
+      <a:schemeClr val="accent1">
+        <a:alpha val="50000"/>
+      </a:schemeClr>
+    </dgm:fillClrLst>
+    <dgm:linClrLst meth="repeat">
+      <a:schemeClr val="lt1"/>
+    </dgm:linClrLst>
+    <dgm:effectClrLst/>
+    <dgm:txLinClrLst/>
+    <dgm:txFillClrLst/>
+    <dgm:txEffectClrLst/>
+  </dgm:styleLbl>
+  <dgm:styleLbl name="node2">
+    <dgm:fillClrLst meth="repeat">
+      <a:schemeClr val="accent1"/>
+    </dgm:fillClrLst>
+    <dgm:linClrLst meth="repeat">
+      <a:schemeClr val="lt1"/>
+    </dgm:linClrLst>
+    <dgm:effectClrLst/>
+    <dgm:txLinClrLst/>
+    <dgm:txFillClrLst/>
+    <dgm:txEffectClrLst/>
+  </dgm:styleLbl>
+  <dgm:styleLbl name="node3">
+    <dgm:fillClrLst meth="repeat">
+      <a:schemeClr val="accent1"/>
+    </dgm:fillClrLst>
+    <dgm:linClrLst meth="repeat">
+      <a:schemeClr val="lt1"/>
+    </dgm:linClrLst>
+    <dgm:effectClrLst/>
+    <dgm:txLinClrLst/>
+    <dgm:txFillClrLst/>
+    <dgm:txEffectClrLst/>
+  </dgm:styleLbl>
+  <dgm:styleLbl name="node4">
+    <dgm:fillClrLst meth="repeat">
+      <a:schemeClr val="accent1"/>
+    </dgm:fillClrLst>
+    <dgm:linClrLst meth="repeat">
+      <a:schemeClr val="lt1"/>
+    </dgm:linClrLst>
+    <dgm:effectClrLst/>
+    <dgm:txLinClrLst/>
+    <dgm:txFillClrLst/>
+    <dgm:txEffectClrLst/>
+  </dgm:styleLbl>
+  <dgm:styleLbl name="fgImgPlace1">
+    <dgm:fillClrLst meth="repeat">
+      <a:schemeClr val="accent1">
+        <a:tint val="50000"/>
+      </a:schemeClr>
+    </dgm:fillClrLst>
+    <dgm:linClrLst meth="repeat">
+      <a:schemeClr val="lt1"/>
+    </dgm:linClrLst>
+    <dgm:effectClrLst/>
+    <dgm:txLinClrLst/>
+    <dgm:txFillClrLst meth="repeat">
+      <a:schemeClr val="lt1"/>
+    </dgm:txFillClrLst>
+    <dgm:txEffectClrLst/>
+  </dgm:styleLbl>
+  <dgm:styleLbl name="alignImgPlace1">
+    <dgm:fillClrLst meth="repeat">
+      <a:schemeClr val="accent1">
+        <a:tint val="50000"/>
+      </a:schemeClr>
+    </dgm:fillClrLst>
+    <dgm:linClrLst meth="repeat">
+      <a:schemeClr val="lt1"/>
+    </dgm:linClrLst>
+    <dgm:effectClrLst/>
+    <dgm:txLinClrLst/>
+    <dgm:txFillClrLst meth="repeat">
+      <a:schemeClr val="lt1"/>
+    </dgm:txFillClrLst>
+    <dgm:txEffectClrLst/>
+  </dgm:styleLbl>
+  <dgm:styleLbl name="bgImgPlace1">
+    <dgm:fillClrLst meth="repeat">
+      <a:schemeClr val="accent1">
+        <a:tint val="50000"/>
+      </a:schemeClr>
+    </dgm:fillClrLst>
+    <dgm:linClrLst meth="repeat">
+      <a:schemeClr val="lt1"/>
+    </dgm:linClrLst>
+    <dgm:effectClrLst/>
+    <dgm:txLinClrLst/>
+    <dgm:txFillClrLst meth="repeat">
+      <a:schemeClr val="lt1"/>
+    </dgm:txFillClrLst>
+    <dgm:txEffectClrLst/>
+  </dgm:styleLbl>
+  <dgm:styleLbl name="sibTrans2D1">
+    <dgm:fillClrLst meth="repeat">
+      <a:schemeClr val="accent1">
+        <a:tint val="60000"/>
+      </a:schemeClr>
+    </dgm:fillClrLst>
+    <dgm:linClrLst meth="repeat">
+      <a:schemeClr val="accent1">
+        <a:tint val="60000"/>
+      </a:schemeClr>
+    </dgm:linClrLst>
+    <dgm:effectClrLst/>
+    <dgm:txLinClrLst/>
+    <dgm:txFillClrLst/>
+    <dgm:txEffectClrLst/>
+  </dgm:styleLbl>
+  <dgm:styleLbl name="fgSibTrans2D1">
+    <dgm:fillClrLst meth="repeat">
+      <a:schemeClr val="accent1">
+        <a:tint val="60000"/>
+      </a:schemeClr>
+    </dgm:fillClrLst>
+    <dgm:linClrLst meth="repeat">
+      <a:schemeClr val="accent1">
+        <a:tint val="60000"/>
+      </a:schemeClr>
+    </dgm:linClrLst>
+    <dgm:effectClrLst/>
+    <dgm:txLinClrLst/>
+    <dgm:txFillClrLst/>
+    <dgm:txEffectClrLst/>
+  </dgm:styleLbl>
+  <dgm:styleLbl name="bgSibTrans2D1">
+    <dgm:fillClrLst meth="repeat">
+      <a:schemeClr val="accent1">
+        <a:tint val="60000"/>
+      </a:schemeClr>
+    </dgm:fillClrLst>
+    <dgm:linClrLst meth="repeat">
+      <a:schemeClr val="accent1">
+        <a:tint val="60000"/>
+      </a:schemeClr>
+    </dgm:linClrLst>
+    <dgm:effectClrLst/>
+    <dgm:txLinClrLst/>
+    <dgm:txFillClrLst/>
+    <dgm:txEffectClrLst/>
+  </dgm:styleLbl>
+  <dgm:styleLbl name="sibTrans1D1">
+    <dgm:fillClrLst meth="repeat">
+      <a:schemeClr val="accent1"/>
+    </dgm:fillClrLst>
+    <dgm:linClrLst meth="repeat">
+      <a:schemeClr val="accent1"/>
+    </dgm:linClrLst>
+    <dgm:effectClrLst/>
+    <dgm:txLinClrLst/>
+    <dgm:txFillClrLst meth="repeat">
+      <a:schemeClr val="tx1"/>
+    </dgm:txFillClrLst>
+    <dgm:txEffectClrLst/>
+  </dgm:styleLbl>
+  <dgm:styleLbl name="callout">
+    <dgm:fillClrLst meth="repeat">
+      <a:schemeClr val="accent1"/>
+    </dgm:fillClrLst>
+    <dgm:linClrLst meth="repeat">
+      <a:schemeClr val="accent1">
+        <a:tint val="50000"/>
+      </a:schemeClr>
+    </dgm:linClrLst>
+    <dgm:effectClrLst/>
+    <dgm:txLinClrLst/>
+    <dgm:txFillClrLst meth="repeat">
+      <a:schemeClr val="tx1"/>
+    </dgm:txFillClrLst>
+    <dgm:txEffectClrLst/>
+  </dgm:styleLbl>
+  <dgm:styleLbl name="asst0">
+    <dgm:fillClrLst meth="repeat">
+      <a:schemeClr val="accent1"/>
+    </dgm:fillClrLst>
+    <dgm:linClrLst meth="repeat">
+      <a:schemeClr val="lt1"/>
+    </dgm:linClrLst>
+    <dgm:effectClrLst/>
+    <dgm:txLinClrLst/>
+    <dgm:txFillClrLst/>
+    <dgm:txEffectClrLst/>
+  </dgm:styleLbl>
+  <dgm:styleLbl name="asst1">
+    <dgm:fillClrLst meth="repeat">
+      <a:schemeClr val="accent1"/>
+    </dgm:fillClrLst>
+    <dgm:linClrLst meth="repeat">
+      <a:schemeClr val="lt1"/>
+    </dgm:linClrLst>
+    <dgm:effectClrLst/>
+    <dgm:txLinClrLst/>
+    <dgm:txFillClrLst/>
+    <dgm:txEffectClrLst/>
+  </dgm:styleLbl>
+  <dgm:styleLbl name="asst2">
+    <dgm:fillClrLst meth="repeat">
+      <a:schemeClr val="accent1"/>
+    </dgm:fillClrLst>
+    <dgm:linClrLst meth="repeat">
+      <a:schemeClr val="lt1"/>
+    </dgm:linClrLst>
+    <dgm:effectClrLst/>
+    <dgm:txLinClrLst/>
+    <dgm:txFillClrLst/>
+    <dgm:txEffectClrLst/>
+  </dgm:styleLbl>
+  <dgm:styleLbl name="asst3">
+    <dgm:fillClrLst meth="repeat">
+      <a:schemeClr val="accent1"/>
+    </dgm:fillClrLst>
+    <dgm:linClrLst meth="repeat">
+      <a:schemeClr val="lt1"/>
+    </dgm:linClrLst>
+    <dgm:effectClrLst/>
+    <dgm:txLinClrLst/>
+    <dgm:txFillClrLst/>
+    <dgm:txEffectClrLst/>
+  </dgm:styleLbl>
+  <dgm:styleLbl name="asst4">
+    <dgm:fillClrLst meth="repeat">
+      <a:schemeClr val="accent1"/>
+    </dgm:fillClrLst>
+    <dgm:linClrLst meth="repeat">
+      <a:schemeClr val="lt1"/>
+    </dgm:linClrLst>
+    <dgm:effectClrLst/>
+    <dgm:txLinClrLst/>
+    <dgm:txFillClrLst/>
+    <dgm:txEffectClrLst/>
+  </dgm:styleLbl>
+  <dgm:styleLbl name="parChTrans2D1">
+    <dgm:fillClrLst meth="repeat">
+      <a:schemeClr val="accent1">
+        <a:tint val="60000"/>
+      </a:schemeClr>
+    </dgm:fillClrLst>
+    <dgm:linClrLst meth="repeat">
+      <a:schemeClr val="accent1">
+        <a:tint val="60000"/>
+      </a:schemeClr>
+    </dgm:linClrLst>
+    <dgm:effectClrLst/>
+    <dgm:txLinClrLst/>
+    <dgm:txFillClrLst meth="repeat">
+      <a:schemeClr val="lt1"/>
+    </dgm:txFillClrLst>
+    <dgm:txEffectClrLst/>
+  </dgm:styleLbl>
+  <dgm:styleLbl name="parChTrans2D2">
+    <dgm:fillClrLst meth="repeat">
+      <a:schemeClr val="accent1"/>
+    </dgm:fillClrLst>
+    <dgm:linClrLst meth="repeat">
+      <a:schemeClr val="accent1"/>
+    </dgm:linClrLst>
+    <dgm:effectClrLst/>
+    <dgm:txLinClrLst/>
+    <dgm:txFillClrLst meth="repeat">
+      <a:schemeClr val="lt1"/>
+    </dgm:txFillClrLst>
+    <dgm:txEffectClrLst/>
+  </dgm:styleLbl>
+  <dgm:styleLbl name="parChTrans2D3">
+    <dgm:fillClrLst meth="repeat">
+      <a:schemeClr val="accent1"/>
+    </dgm:fillClrLst>
+    <dgm:linClrLst meth="repeat">
+      <a:schemeClr val="accent1"/>
+    </dgm:linClrLst>
+    <dgm:effectClrLst/>
+    <dgm:txLinClrLst/>
+    <dgm:txFillClrLst meth="repeat">
+      <a:schemeClr val="lt1"/>
+    </dgm:txFillClrLst>
+    <dgm:txEffectClrLst/>
+  </dgm:styleLbl>
+  <dgm:styleLbl name="parChTrans2D4">
+    <dgm:fillClrLst meth="repeat">
+      <a:schemeClr val="accent1"/>
+    </dgm:fillClrLst>
+    <dgm:linClrLst meth="repeat">
+      <a:schemeClr val="accent1"/>
+    </dgm:linClrLst>
+    <dgm:effectClrLst/>
+    <dgm:txLinClrLst/>
+    <dgm:txFillClrLst meth="repeat">
+      <a:schemeClr val="lt1"/>
+    </dgm:txFillClrLst>
+    <dgm:txEffectClrLst/>
+  </dgm:styleLbl>
+  <dgm:styleLbl name="parChTrans1D1">
+    <dgm:fillClrLst meth="repeat">
+      <a:schemeClr val="accent1"/>
+    </dgm:fillClrLst>
+    <dgm:linClrLst meth="repeat">
+      <a:schemeClr val="accent1">
+        <a:shade val="60000"/>
+      </a:schemeClr>
+    </dgm:linClrLst>
+    <dgm:effectClrLst/>
+    <dgm:txLinClrLst/>
+    <dgm:txFillClrLst meth="repeat">
+      <a:schemeClr val="tx1"/>
+    </dgm:txFillClrLst>
+    <dgm:txEffectClrLst/>
+  </dgm:styleLbl>
+  <dgm:styleLbl name="parChTrans1D2">
+    <dgm:fillClrLst meth="repeat">
+      <a:schemeClr val="accent1"/>
+    </dgm:fillClrLst>
+    <dgm:linClrLst meth="repeat">
+      <a:schemeClr val="accent1">
+        <a:shade val="60000"/>
+      </a:schemeClr>
+    </dgm:linClrLst>
+    <dgm:effectClrLst/>
+    <dgm:txLinClrLst/>
+    <dgm:txFillClrLst meth="repeat">
+      <a:schemeClr val="tx1"/>
+    </dgm:txFillClrLst>
+    <dgm:txEffectClrLst/>
+  </dgm:styleLbl>
+  <dgm:styleLbl name="parChTrans1D3">
+    <dgm:fillClrLst meth="repeat">
+      <a:schemeClr val="accent1"/>
+    </dgm:fillClrLst>
+    <dgm:linClrLst meth="repeat">
+      <a:schemeClr val="accent1">
+        <a:shade val="80000"/>
+      </a:schemeClr>
+    </dgm:linClrLst>
+    <dgm:effectClrLst/>
+    <dgm:txLinClrLst/>
+    <dgm:txFillClrLst meth="repeat">
+      <a:schemeClr val="tx1"/>
+    </dgm:txFillClrLst>
+    <dgm:txEffectClrLst/>
+  </dgm:styleLbl>
+  <dgm:styleLbl name="parChTrans1D4">
+    <dgm:fillClrLst meth="repeat">
+      <a:schemeClr val="accent1"/>
+    </dgm:fillClrLst>
+    <dgm:linClrLst meth="repeat">
+      <a:schemeClr val="accent1">
+        <a:shade val="80000"/>
+      </a:schemeClr>
+    </dgm:linClrLst>
+    <dgm:effectClrLst/>
+    <dgm:txLinClrLst/>
+    <dgm:txFillClrLst meth="repeat">
+      <a:schemeClr val="tx1"/>
+    </dgm:txFillClrLst>
+    <dgm:txEffectClrLst/>
+  </dgm:styleLbl>
+  <dgm:styleLbl name="fgAcc1">
+    <dgm:fillClrLst meth="repeat">
+      <a:schemeClr val="lt1">
+        <a:alpha val="90000"/>
+      </a:schemeClr>
+    </dgm:fillClrLst>
+    <dgm:linClrLst meth="repeat">
+      <a:schemeClr val="accent1"/>
+    </dgm:linClrLst>
+    <dgm:effectClrLst/>
+    <dgm:txLinClrLst/>
+    <dgm:txFillClrLst meth="repeat">
+      <a:schemeClr val="dk1"/>
+    </dgm:txFillClrLst>
+    <dgm:txEffectClrLst/>
+  </dgm:styleLbl>
+  <dgm:styleLbl name="conFgAcc1">
+    <dgm:fillClrLst meth="repeat">
+      <a:schemeClr val="lt1">
+        <a:alpha val="90000"/>
+      </a:schemeClr>
+    </dgm:fillClrLst>
+    <dgm:linClrLst meth="repeat">
+      <a:schemeClr val="accent1"/>
+    </dgm:linClrLst>
+    <dgm:effectClrLst/>
+    <dgm:txLinClrLst/>
+    <dgm:txFillClrLst meth="repeat">
+      <a:schemeClr val="dk1"/>
+    </dgm:txFillClrLst>
+    <dgm:txEffectClrLst/>
+  </dgm:styleLbl>
+  <dgm:styleLbl name="alignAcc1">
+    <dgm:fillClrLst meth="repeat">
+      <a:schemeClr val="lt1">
+        <a:alpha val="90000"/>
+      </a:schemeClr>
+    </dgm:fillClrLst>
+    <dgm:linClrLst meth="repeat">
+      <a:schemeClr val="accent1"/>
+    </dgm:linClrLst>
+    <dgm:effectClrLst/>
+    <dgm:txLinClrLst/>
+    <dgm:txFillClrLst meth="repeat">
+      <a:schemeClr val="dk1"/>
+    </dgm:txFillClrLst>
+    <dgm:txEffectClrLst/>
+  </dgm:styleLbl>
+  <dgm:styleLbl name="trAlignAcc1">
+    <dgm:fillClrLst meth="repeat">
+      <a:schemeClr val="lt1">
+        <a:alpha val="40000"/>
+      </a:schemeClr>
+    </dgm:fillClrLst>
+    <dgm:linClrLst meth="repeat">
+      <a:schemeClr val="accent1"/>
+    </dgm:linClrLst>
+    <dgm:effectClrLst/>
+    <dgm:txLinClrLst/>
+    <dgm:txFillClrLst meth="repeat">
+      <a:schemeClr val="dk1"/>
+    </dgm:txFillClrLst>
+    <dgm:txEffectClrLst/>
+  </dgm:styleLbl>
+  <dgm:styleLbl name="bgAcc1">
+    <dgm:fillClrLst meth="repeat">
+      <a:schemeClr val="lt1">
+        <a:alpha val="90000"/>
+      </a:schemeClr>
+    </dgm:fillClrLst>
+    <dgm:linClrLst meth="repeat">
+      <a:schemeClr val="accent1"/>
+    </dgm:linClrLst>
+    <dgm:effectClrLst/>
+    <dgm:txLinClrLst/>
+    <dgm:txFillClrLst meth="repeat">
+      <a:schemeClr val="dk1"/>
+    </dgm:txFillClrLst>
+    <dgm:txEffectClrLst/>
+  </dgm:styleLbl>
+  <dgm:styleLbl name="solidFgAcc1">
+    <dgm:fillClrLst meth="repeat">
+      <a:schemeClr val="lt1"/>
+    </dgm:fillClrLst>
+    <dgm:linClrLst meth="repeat">
+      <a:schemeClr val="accent1"/>
+    </dgm:linClrLst>
+    <dgm:effectClrLst/>
+    <dgm:txLinClrLst/>
+    <dgm:txFillClrLst meth="repeat">
+      <a:schemeClr val="dk1"/>
+    </dgm:txFillClrLst>
+    <dgm:txEffectClrLst/>
+  </dgm:styleLbl>
+  <dgm:styleLbl name="solidAlignAcc1">
+    <dgm:fillClrLst meth="repeat">
+      <a:schemeClr val="lt1"/>
+    </dgm:fillClrLst>
+    <dgm:linClrLst meth="repeat">
+      <a:schemeClr val="accent1"/>
+    </dgm:linClrLst>
+    <dgm:effectClrLst/>
+    <dgm:txLinClrLst/>
+    <dgm:txFillClrLst meth="repeat">
+      <a:schemeClr val="dk1"/>
+    </dgm:txFillClrLst>
+    <dgm:txEffectClrLst/>
+  </dgm:styleLbl>
+  <dgm:styleLbl name="solidBgAcc1">
+    <dgm:fillClrLst meth="repeat">
+      <a:schemeClr val="lt1"/>
+    </dgm:fillClrLst>
+    <dgm:linClrLst meth="repeat">
+      <a:schemeClr val="accent1"/>
+    </dgm:linClrLst>
+    <dgm:effectClrLst/>
+    <dgm:txLinClrLst/>
+    <dgm:txFillClrLst meth="repeat">
+      <a:schemeClr val="dk1"/>
+    </dgm:txFillClrLst>
+    <dgm:txEffectClrLst/>
+  </dgm:styleLbl>
+  <dgm:styleLbl name="fgAccFollowNode1">
+    <dgm:fillClrLst meth="repeat">
+      <a:schemeClr val="accent1">
+        <a:alpha val="90000"/>
+        <a:tint val="40000"/>
+      </a:schemeClr>
+    </dgm:fillClrLst>
+    <dgm:linClrLst meth="repeat">
+      <a:schemeClr val="accent1">
+        <a:alpha val="90000"/>
+        <a:tint val="40000"/>
+      </a:schemeClr>
+    </dgm:linClrLst>
+    <dgm:effectClrLst/>
+    <dgm:txLinClrLst/>
+    <dgm:txFillClrLst meth="repeat">
+      <a:schemeClr val="dk1"/>
+    </dgm:txFillClrLst>
+    <dgm:txEffectClrLst/>
+  </dgm:styleLbl>
+  <dgm:styleLbl name="alignAccFollowNode1">
+    <dgm:fillClrLst meth="repeat">
+      <a:schemeClr val="accent1">
+        <a:alpha val="90000"/>
+        <a:tint val="40000"/>
+      </a:schemeClr>
+    </dgm:fillClrLst>
+    <dgm:linClrLst meth="repeat">
+      <a:schemeClr val="accent1">
+        <a:alpha val="90000"/>
+        <a:tint val="40000"/>
+      </a:schemeClr>
+    </dgm:linClrLst>
+    <dgm:effectClrLst/>
+    <dgm:txLinClrLst/>
+    <dgm:txFillClrLst meth="repeat">
+      <a:schemeClr val="dk1"/>
+    </dgm:txFillClrLst>
+    <dgm:txEffectClrLst/>
+  </dgm:styleLbl>
+  <dgm:styleLbl name="bgAccFollowNode1">
+    <dgm:fillClrLst meth="repeat">
+      <a:schemeClr val="accent1">
+        <a:alpha val="90000"/>
+        <a:tint val="40000"/>
+      </a:schemeClr>
+    </dgm:fillClrLst>
+    <dgm:linClrLst meth="repeat">
+      <a:schemeClr val="accent1">
+        <a:alpha val="90000"/>
+        <a:tint val="40000"/>
+      </a:schemeClr>
+    </dgm:linClrLst>
+    <dgm:effectClrLst/>
+    <dgm:txLinClrLst/>
+    <dgm:txFillClrLst meth="repeat">
+      <a:schemeClr val="dk1"/>
+    </dgm:txFillClrLst>
+    <dgm:txEffectClrLst/>
+  </dgm:styleLbl>
+  <dgm:styleLbl name="fgAcc0">
+    <dgm:fillClrLst meth="repeat">
+      <a:schemeClr val="lt1">
+        <a:alpha val="90000"/>
+      </a:schemeClr>
+    </dgm:fillClrLst>
+    <dgm:linClrLst meth="repeat">
+      <a:schemeClr val="accent1"/>
+    </dgm:linClrLst>
+    <dgm:effectClrLst/>
+    <dgm:txLinClrLst/>
+    <dgm:txFillClrLst meth="repeat">
+      <a:schemeClr val="dk1"/>
+    </dgm:txFillClrLst>
+    <dgm:txEffectClrLst/>
+  </dgm:styleLbl>
+  <dgm:styleLbl name="fgAcc2">
+    <dgm:fillClrLst meth="repeat">
+      <a:schemeClr val="lt1">
+        <a:alpha val="90000"/>
+      </a:schemeClr>
+    </dgm:fillClrLst>
+    <dgm:linClrLst meth="repeat">
+      <a:schemeClr val="accent1"/>
+    </dgm:linClrLst>
+    <dgm:effectClrLst/>
+    <dgm:txLinClrLst/>
+    <dgm:txFillClrLst meth="repeat">
+      <a:schemeClr val="dk1"/>
+    </dgm:txFillClrLst>
+    <dgm:txEffectClrLst/>
+  </dgm:styleLbl>
+  <dgm:styleLbl name="fgAcc3">
+    <dgm:fillClrLst meth="repeat">
+      <a:schemeClr val="lt1">
+        <a:alpha val="90000"/>
+      </a:schemeClr>
+    </dgm:fillClrLst>
+    <dgm:linClrLst meth="repeat">
+      <a:schemeClr val="accent1"/>
+    </dgm:linClrLst>
+    <dgm:effectClrLst/>
+    <dgm:txLinClrLst/>
+    <dgm:txFillClrLst meth="repeat">
+      <a:schemeClr val="dk1"/>
+    </dgm:txFillClrLst>
+    <dgm:txEffectClrLst/>
+  </dgm:styleLbl>
+  <dgm:styleLbl name="fgAcc4">
+    <dgm:fillClrLst meth="repeat">
+      <a:schemeClr val="lt1">
+        <a:alpha val="90000"/>
+      </a:schemeClr>
+    </dgm:fillClrLst>
+    <dgm:linClrLst meth="repeat">
+      <a:schemeClr val="accent1"/>
+    </dgm:linClrLst>
+    <dgm:effectClrLst/>
+    <dgm:txLinClrLst/>
+    <dgm:txFillClrLst meth="repeat">
+      <a:schemeClr val="dk1"/>
+    </dgm:txFillClrLst>
+    <dgm:txEffectClrLst/>
+  </dgm:styleLbl>
+  <dgm:styleLbl name="bgShp">
+    <dgm:fillClrLst meth="repeat">
+      <a:schemeClr val="accent1">
+        <a:tint val="40000"/>
+      </a:schemeClr>
+    </dgm:fillClrLst>
+    <dgm:linClrLst meth="repeat">
+      <a:schemeClr val="accent1"/>
+    </dgm:linClrLst>
+    <dgm:effectClrLst/>
+    <dgm:txLinClrLst/>
+    <dgm:txFillClrLst meth="repeat">
+      <a:schemeClr val="dk1"/>
+    </dgm:txFillClrLst>
+    <dgm:txEffectClrLst/>
+  </dgm:styleLbl>
+  <dgm:styleLbl name="dkBgShp">
+    <dgm:fillClrLst meth="repeat">
+      <a:schemeClr val="accent1">
+        <a:shade val="80000"/>
+      </a:schemeClr>
+    </dgm:fillClrLst>
+    <dgm:linClrLst meth="repeat">
+      <a:schemeClr val="accent1"/>
+    </dgm:linClrLst>
+    <dgm:effectClrLst/>
+    <dgm:txLinClrLst/>
+    <dgm:txFillClrLst meth="repeat">
+      <a:schemeClr val="lt1"/>
+    </dgm:txFillClrLst>
+    <dgm:txEffectClrLst/>
+  </dgm:styleLbl>
+  <dgm:styleLbl name="trBgShp">
+    <dgm:fillClrLst meth="repeat">
+      <a:schemeClr val="accent1">
+        <a:tint val="50000"/>
+        <a:alpha val="40000"/>
+      </a:schemeClr>
+    </dgm:fillClrLst>
+    <dgm:linClrLst meth="repeat">
+      <a:schemeClr val="accent1"/>
+    </dgm:linClrLst>
+    <dgm:effectClrLst/>
+    <dgm:txLinClrLst/>
+    <dgm:txFillClrLst meth="repeat">
+      <a:schemeClr val="lt1"/>
+    </dgm:txFillClrLst>
+    <dgm:txEffectClrLst/>
+  </dgm:styleLbl>
+  <dgm:styleLbl name="fgShp">
+    <dgm:fillClrLst meth="repeat">
+      <a:schemeClr val="accent1">
+        <a:tint val="60000"/>
+      </a:schemeClr>
+    </dgm:fillClrLst>
+    <dgm:linClrLst meth="repeat">
+      <a:schemeClr val="lt1"/>
+    </dgm:linClrLst>
+    <dgm:effectClrLst/>
+    <dgm:txLinClrLst/>
+    <dgm:txFillClrLst meth="repeat">
+      <a:schemeClr val="dk1"/>
+    </dgm:txFillClrLst>
+    <dgm:txEffectClrLst/>
+  </dgm:styleLbl>
+  <dgm:styleLbl name="revTx">
+    <dgm:fillClrLst meth="repeat">
+      <a:schemeClr val="lt1">
+        <a:alpha val="0"/>
+      </a:schemeClr>
+    </dgm:fillClrLst>
+    <dgm:linClrLst meth="repeat">
+      <a:schemeClr val="dk1">
+        <a:alpha val="0"/>
+      </a:schemeClr>
+    </dgm:linClrLst>
+    <dgm:effectClrLst/>
+    <dgm:txLinClrLst/>
+    <dgm:txFillClrLst meth="repeat">
+      <a:schemeClr val="tx1"/>
+    </dgm:txFillClrLst>
+    <dgm:txEffectClrLst/>
+  </dgm:styleLbl>
+</dgm:colorsDef>
+</file>
+
 <file path=ppt/diagrams/data1.xml><?xml version="1.0" encoding="utf-8"?>
 <dgm:dataModel xmlns:dgm="http://schemas.openxmlformats.org/drawingml/2006/diagram" xmlns:a="http://schemas.openxmlformats.org/drawingml/2006/main">
   <dgm:ptLst>
@@ -1239,46 +2741,6 @@
         </a:p>
       </dgm:t>
     </dgm:pt>
-    <dgm:pt modelId="{83913243-C0B5-4400-A0AB-286BC4D6C11A}">
-      <dgm:prSet phldrT="[Text]"/>
-      <dgm:spPr/>
-      <dgm:t>
-        <a:bodyPr/>
-        <a:lstStyle/>
-        <a:p>
-          <a:r>
-            <a:rPr lang="en-US" dirty="0" err="1"/>
-            <a:t>Quick_Tiles</a:t>
-          </a:r>
-          <a:endParaRPr lang="en-US" dirty="0"/>
-        </a:p>
-      </dgm:t>
-    </dgm:pt>
-    <dgm:pt modelId="{CC12E434-5EAC-4043-BC09-6544E77A19F2}" type="parTrans" cxnId="{E03CF4CC-FC02-4EF9-945E-E4F40DF7D9BF}">
-      <dgm:prSet/>
-      <dgm:spPr/>
-      <dgm:t>
-        <a:bodyPr/>
-        <a:lstStyle/>
-        <a:p>
-          <a:endParaRPr lang="en-US"/>
-        </a:p>
-      </dgm:t>
-    </dgm:pt>
-    <dgm:pt modelId="{313A53BF-82AF-48A0-8A3F-52B1D389718C}" type="sibTrans" cxnId="{E03CF4CC-FC02-4EF9-945E-E4F40DF7D9BF}">
-      <dgm:prSet/>
-      <dgm:spPr/>
-      <dgm:t>
-        <a:bodyPr/>
-        <a:lstStyle/>
-        <a:p>
-          <a:r>
-            <a:rPr lang="en-US" dirty="0"/>
-            <a:t>Exactly same as top folder</a:t>
-          </a:r>
-        </a:p>
-      </dgm:t>
-    </dgm:pt>
     <dgm:pt modelId="{1E7E690A-CAD0-4718-9E88-60789A6BFB6F}">
       <dgm:prSet phldrT="[Text]"/>
       <dgm:spPr/>
@@ -1348,6 +2810,137 @@
         <a:lstStyle/>
         <a:p>
           <a:endParaRPr lang="en-US"/>
+        </a:p>
+      </dgm:t>
+    </dgm:pt>
+    <dgm:pt modelId="{B8437945-A1E9-4F59-8ACD-D74FFF2545CF}">
+      <dgm:prSet/>
+      <dgm:spPr/>
+      <dgm:t>
+        <a:bodyPr/>
+        <a:lstStyle/>
+        <a:p>
+          <a:r>
+            <a:rPr lang="en-US" dirty="0"/>
+            <a:t>Focused</a:t>
+          </a:r>
+        </a:p>
+      </dgm:t>
+    </dgm:pt>
+    <dgm:pt modelId="{824F95C8-3AF2-433E-AC68-FCD6E11D262E}" type="parTrans" cxnId="{0FD61D7B-8B75-48D4-BB92-868027E632A6}">
+      <dgm:prSet/>
+      <dgm:spPr/>
+      <dgm:t>
+        <a:bodyPr/>
+        <a:lstStyle/>
+        <a:p>
+          <a:endParaRPr lang="en-US"/>
+        </a:p>
+      </dgm:t>
+    </dgm:pt>
+    <dgm:pt modelId="{715D7F2C-3016-448C-A8A5-1033127A3BD6}" type="sibTrans" cxnId="{0FD61D7B-8B75-48D4-BB92-868027E632A6}">
+      <dgm:prSet/>
+      <dgm:spPr/>
+      <dgm:t>
+        <a:bodyPr/>
+        <a:lstStyle/>
+        <a:p>
+          <a:r>
+            <a:rPr lang="en-US" dirty="0"/>
+            <a:t>In focus reconstructed tiles</a:t>
+          </a:r>
+        </a:p>
+      </dgm:t>
+    </dgm:pt>
+    <dgm:pt modelId="{386E3BB0-6A2D-4AD2-B573-23A925F94A2C}">
+      <dgm:prSet/>
+      <dgm:spPr/>
+      <dgm:t>
+        <a:bodyPr/>
+        <a:lstStyle/>
+        <a:p>
+          <a:r>
+            <a:rPr lang="en-US" dirty="0" err="1"/>
+            <a:t>Numpy</a:t>
+          </a:r>
+          <a:endParaRPr lang="en-US" dirty="0"/>
+        </a:p>
+      </dgm:t>
+    </dgm:pt>
+    <dgm:pt modelId="{4C5FDF77-14CF-4EC8-9984-E87F331F713C}" type="parTrans" cxnId="{70CA9835-9F60-4FF5-832D-3508DF4AFA04}">
+      <dgm:prSet/>
+      <dgm:spPr/>
+      <dgm:t>
+        <a:bodyPr/>
+        <a:lstStyle/>
+        <a:p>
+          <a:endParaRPr lang="en-US"/>
+        </a:p>
+      </dgm:t>
+    </dgm:pt>
+    <dgm:pt modelId="{7BCD2A4A-8E3D-484A-9D88-B1F0FEC03507}" type="sibTrans" cxnId="{70CA9835-9F60-4FF5-832D-3508DF4AFA04}">
+      <dgm:prSet/>
+      <dgm:spPr/>
+      <dgm:t>
+        <a:bodyPr/>
+        <a:lstStyle/>
+        <a:p>
+          <a:r>
+            <a:rPr lang="en-US" dirty="0" err="1"/>
+            <a:t>Numpy</a:t>
+          </a:r>
+          <a:r>
+            <a:rPr lang="en-US" dirty="0"/>
+            <a:t> arrays for focus map and exposures</a:t>
+          </a:r>
+        </a:p>
+      </dgm:t>
+    </dgm:pt>
+    <dgm:pt modelId="{DCF578A4-1BE3-4758-B529-EA01B200E92F}">
+      <dgm:prSet/>
+      <dgm:spPr/>
+      <dgm:t>
+        <a:bodyPr/>
+        <a:lstStyle/>
+        <a:p>
+          <a:r>
+            <a:rPr lang="en-US" dirty="0" err="1"/>
+            <a:t>Mcmicro</a:t>
+          </a:r>
+          <a:endParaRPr lang="en-US" dirty="0"/>
+        </a:p>
+      </dgm:t>
+    </dgm:pt>
+    <dgm:pt modelId="{2A68AD6D-9860-4034-AA97-B6567BEEA927}" type="parTrans" cxnId="{80B6968C-00F6-4279-8F74-58ACFB7DA29C}">
+      <dgm:prSet/>
+      <dgm:spPr/>
+      <dgm:t>
+        <a:bodyPr/>
+        <a:lstStyle/>
+        <a:p>
+          <a:endParaRPr lang="en-US"/>
+        </a:p>
+      </dgm:t>
+    </dgm:pt>
+    <dgm:pt modelId="{AB29DBAD-3046-40CA-97C3-99F949A36209}" type="sibTrans" cxnId="{80B6968C-00F6-4279-8F74-58ACFB7DA29C}">
+      <dgm:prSet/>
+      <dgm:spPr/>
+      <dgm:t>
+        <a:bodyPr/>
+        <a:lstStyle/>
+        <a:p>
+          <a:r>
+            <a:rPr lang="en-US" dirty="0" err="1"/>
+            <a:t>Mcmicro</a:t>
+          </a:r>
+          <a:r>
+            <a:rPr lang="en-US"/>
+            <a:t> input </a:t>
+          </a:r>
+          <a:r>
+            <a:rPr lang="en-US" dirty="0"/>
+            <a:t>data</a:t>
+          </a:r>
         </a:p>
       </dgm:t>
     </dgm:pt>
@@ -1395,7 +2988,7 @@
       <dgm:spPr/>
     </dgm:pt>
     <dgm:pt modelId="{5FD36EAE-3C1B-401E-BBF0-72799973ACE4}" type="pres">
-      <dgm:prSet presAssocID="{0E8A5CE1-7B5E-4A02-BBA8-2B33A2B90A0C}" presName="rootConnector1" presStyleLbl="node1" presStyleIdx="0" presStyleCnt="12"/>
+      <dgm:prSet presAssocID="{0E8A5CE1-7B5E-4A02-BBA8-2B33A2B90A0C}" presName="rootConnector1" presStyleLbl="node1" presStyleIdx="0" presStyleCnt="14"/>
       <dgm:spPr/>
     </dgm:pt>
     <dgm:pt modelId="{D5D9CEA2-C432-4834-935A-EAB7A15540C0}" type="pres">
@@ -1403,7 +2996,7 @@
       <dgm:spPr/>
     </dgm:pt>
     <dgm:pt modelId="{21D37559-9DE5-4D44-BACA-4636A405A464}" type="pres">
-      <dgm:prSet presAssocID="{487C6DCC-1484-4D34-87E8-65CB6B74D865}" presName="Name37" presStyleLbl="parChTrans1D2" presStyleIdx="0" presStyleCnt="5"/>
+      <dgm:prSet presAssocID="{487C6DCC-1484-4D34-87E8-65CB6B74D865}" presName="Name37" presStyleLbl="parChTrans1D2" presStyleIdx="0" presStyleCnt="7"/>
       <dgm:spPr/>
     </dgm:pt>
     <dgm:pt modelId="{360DB32B-363B-48F8-827E-433CAB4D039C}" type="pres">
@@ -1419,7 +3012,7 @@
       <dgm:spPr/>
     </dgm:pt>
     <dgm:pt modelId="{8E76F066-6C77-4E75-B4FC-9511995F26E0}" type="pres">
-      <dgm:prSet presAssocID="{59C4480F-EA89-4BEA-9666-8357D42A0611}" presName="rootText" presStyleLbl="node1" presStyleIdx="0" presStyleCnt="12">
+      <dgm:prSet presAssocID="{59C4480F-EA89-4BEA-9666-8357D42A0611}" presName="rootText" presStyleLbl="node1" presStyleIdx="0" presStyleCnt="14">
         <dgm:presLayoutVars>
           <dgm:chMax/>
           <dgm:chPref val="3"/>
@@ -1428,7 +3021,7 @@
       <dgm:spPr/>
     </dgm:pt>
     <dgm:pt modelId="{23A5FF22-1D76-4F9D-9DC8-99AA04427688}" type="pres">
-      <dgm:prSet presAssocID="{59C4480F-EA89-4BEA-9666-8357D42A0611}" presName="titleText2" presStyleLbl="fgAcc1" presStyleIdx="0" presStyleCnt="12" custScaleX="111298" custScaleY="287032" custLinFactNeighborX="-11310" custLinFactNeighborY="82425">
+      <dgm:prSet presAssocID="{59C4480F-EA89-4BEA-9666-8357D42A0611}" presName="titleText2" presStyleLbl="fgAcc1" presStyleIdx="0" presStyleCnt="14" custScaleX="111298" custScaleY="287032" custLinFactNeighborX="-11310" custLinFactNeighborY="82425">
         <dgm:presLayoutVars>
           <dgm:chMax val="0"/>
           <dgm:chPref val="0"/>
@@ -1448,8 +3041,100 @@
       <dgm:prSet presAssocID="{59C4480F-EA89-4BEA-9666-8357D42A0611}" presName="hierChild5" presStyleCnt="0"/>
       <dgm:spPr/>
     </dgm:pt>
+    <dgm:pt modelId="{A4B9E23F-EFCC-45A8-866B-31F65AF72579}" type="pres">
+      <dgm:prSet presAssocID="{2A68AD6D-9860-4034-AA97-B6567BEEA927}" presName="Name37" presStyleLbl="parChTrans1D2" presStyleIdx="1" presStyleCnt="7"/>
+      <dgm:spPr/>
+    </dgm:pt>
+    <dgm:pt modelId="{B9DDF51E-45C3-482F-B086-33C98450E93C}" type="pres">
+      <dgm:prSet presAssocID="{DCF578A4-1BE3-4758-B529-EA01B200E92F}" presName="hierRoot2" presStyleCnt="0">
+        <dgm:presLayoutVars>
+          <dgm:hierBranch val="init"/>
+        </dgm:presLayoutVars>
+      </dgm:prSet>
+      <dgm:spPr/>
+    </dgm:pt>
+    <dgm:pt modelId="{30B5B32B-EC56-4386-A09F-30F71C8524F7}" type="pres">
+      <dgm:prSet presAssocID="{DCF578A4-1BE3-4758-B529-EA01B200E92F}" presName="rootComposite" presStyleCnt="0"/>
+      <dgm:spPr/>
+    </dgm:pt>
+    <dgm:pt modelId="{63113784-90C7-4BC6-B1B4-7508E8078CC5}" type="pres">
+      <dgm:prSet presAssocID="{DCF578A4-1BE3-4758-B529-EA01B200E92F}" presName="rootText" presStyleLbl="node1" presStyleIdx="1" presStyleCnt="14">
+        <dgm:presLayoutVars>
+          <dgm:chMax/>
+          <dgm:chPref val="3"/>
+        </dgm:presLayoutVars>
+      </dgm:prSet>
+      <dgm:spPr/>
+    </dgm:pt>
+    <dgm:pt modelId="{5DDDA7F8-099B-4942-870A-A1589194340E}" type="pres">
+      <dgm:prSet presAssocID="{DCF578A4-1BE3-4758-B529-EA01B200E92F}" presName="titleText2" presStyleLbl="fgAcc1" presStyleIdx="1" presStyleCnt="14">
+        <dgm:presLayoutVars>
+          <dgm:chMax val="0"/>
+          <dgm:chPref val="0"/>
+        </dgm:presLayoutVars>
+      </dgm:prSet>
+      <dgm:spPr/>
+    </dgm:pt>
+    <dgm:pt modelId="{722AB1DD-EB85-47BC-A36A-A5DC53D82AA8}" type="pres">
+      <dgm:prSet presAssocID="{DCF578A4-1BE3-4758-B529-EA01B200E92F}" presName="rootConnector" presStyleLbl="node2" presStyleIdx="0" presStyleCnt="0"/>
+      <dgm:spPr/>
+    </dgm:pt>
+    <dgm:pt modelId="{2ACB5D92-C04F-4A1E-8CD5-428C4EB0DEB3}" type="pres">
+      <dgm:prSet presAssocID="{DCF578A4-1BE3-4758-B529-EA01B200E92F}" presName="hierChild4" presStyleCnt="0"/>
+      <dgm:spPr/>
+    </dgm:pt>
+    <dgm:pt modelId="{3A85EE8B-F6B8-42BF-A337-F006552E2D62}" type="pres">
+      <dgm:prSet presAssocID="{DCF578A4-1BE3-4758-B529-EA01B200E92F}" presName="hierChild5" presStyleCnt="0"/>
+      <dgm:spPr/>
+    </dgm:pt>
+    <dgm:pt modelId="{72D81A41-C5CD-4EC7-A20D-79AC46B7B7CF}" type="pres">
+      <dgm:prSet presAssocID="{4C5FDF77-14CF-4EC8-9984-E87F331F713C}" presName="Name37" presStyleLbl="parChTrans1D2" presStyleIdx="2" presStyleCnt="7"/>
+      <dgm:spPr/>
+    </dgm:pt>
+    <dgm:pt modelId="{9B3EBDAF-82D7-4B2E-BDC8-5E4888DDF8BF}" type="pres">
+      <dgm:prSet presAssocID="{386E3BB0-6A2D-4AD2-B573-23A925F94A2C}" presName="hierRoot2" presStyleCnt="0">
+        <dgm:presLayoutVars>
+          <dgm:hierBranch val="init"/>
+        </dgm:presLayoutVars>
+      </dgm:prSet>
+      <dgm:spPr/>
+    </dgm:pt>
+    <dgm:pt modelId="{1FCFAE6A-1D03-424F-82AE-13306FB56908}" type="pres">
+      <dgm:prSet presAssocID="{386E3BB0-6A2D-4AD2-B573-23A925F94A2C}" presName="rootComposite" presStyleCnt="0"/>
+      <dgm:spPr/>
+    </dgm:pt>
+    <dgm:pt modelId="{0C12107F-41D4-4DFC-B4A4-1A81BB298E5B}" type="pres">
+      <dgm:prSet presAssocID="{386E3BB0-6A2D-4AD2-B573-23A925F94A2C}" presName="rootText" presStyleLbl="node1" presStyleIdx="2" presStyleCnt="14">
+        <dgm:presLayoutVars>
+          <dgm:chMax/>
+          <dgm:chPref val="3"/>
+        </dgm:presLayoutVars>
+      </dgm:prSet>
+      <dgm:spPr/>
+    </dgm:pt>
+    <dgm:pt modelId="{3B3DB5D1-A977-429D-B85F-44B08C9097E0}" type="pres">
+      <dgm:prSet presAssocID="{386E3BB0-6A2D-4AD2-B573-23A925F94A2C}" presName="titleText2" presStyleLbl="fgAcc1" presStyleIdx="2" presStyleCnt="14" custScaleX="110171" custScaleY="157101" custLinFactNeighborX="-12251" custLinFactNeighborY="25555">
+        <dgm:presLayoutVars>
+          <dgm:chMax val="0"/>
+          <dgm:chPref val="0"/>
+        </dgm:presLayoutVars>
+      </dgm:prSet>
+      <dgm:spPr/>
+    </dgm:pt>
+    <dgm:pt modelId="{C5AA7DD0-5158-4831-8E70-4C4FF2AFC575}" type="pres">
+      <dgm:prSet presAssocID="{386E3BB0-6A2D-4AD2-B573-23A925F94A2C}" presName="rootConnector" presStyleLbl="node2" presStyleIdx="0" presStyleCnt="0"/>
+      <dgm:spPr/>
+    </dgm:pt>
+    <dgm:pt modelId="{7CE84454-1DAF-436D-A56A-F7A5C99A4568}" type="pres">
+      <dgm:prSet presAssocID="{386E3BB0-6A2D-4AD2-B573-23A925F94A2C}" presName="hierChild4" presStyleCnt="0"/>
+      <dgm:spPr/>
+    </dgm:pt>
+    <dgm:pt modelId="{E289C459-FB09-4860-AE2E-FFCE19CACC83}" type="pres">
+      <dgm:prSet presAssocID="{386E3BB0-6A2D-4AD2-B573-23A925F94A2C}" presName="hierChild5" presStyleCnt="0"/>
+      <dgm:spPr/>
+    </dgm:pt>
     <dgm:pt modelId="{B35614C4-8A5F-484A-B701-053E7C6ABB28}" type="pres">
-      <dgm:prSet presAssocID="{856B9768-78B9-4861-91AD-053526392ED6}" presName="Name37" presStyleLbl="parChTrans1D2" presStyleIdx="1" presStyleCnt="5"/>
+      <dgm:prSet presAssocID="{856B9768-78B9-4861-91AD-053526392ED6}" presName="Name37" presStyleLbl="parChTrans1D2" presStyleIdx="3" presStyleCnt="7"/>
       <dgm:spPr/>
     </dgm:pt>
     <dgm:pt modelId="{03BFF13F-A950-48A5-A70B-5CCB2E78A988}" type="pres">
@@ -1465,7 +3150,7 @@
       <dgm:spPr/>
     </dgm:pt>
     <dgm:pt modelId="{EFA9F0B3-8231-47B9-9137-5189FE2ABB55}" type="pres">
-      <dgm:prSet presAssocID="{1A90AC7B-27E3-4379-8408-68468DAB2B10}" presName="rootText" presStyleLbl="node1" presStyleIdx="1" presStyleCnt="12">
+      <dgm:prSet presAssocID="{1A90AC7B-27E3-4379-8408-68468DAB2B10}" presName="rootText" presStyleLbl="node1" presStyleIdx="3" presStyleCnt="14">
         <dgm:presLayoutVars>
           <dgm:chMax/>
           <dgm:chPref val="3"/>
@@ -1474,7 +3159,7 @@
       <dgm:spPr/>
     </dgm:pt>
     <dgm:pt modelId="{1DF30EDE-B6C6-484D-8A7A-8B50AE3E34F0}" type="pres">
-      <dgm:prSet presAssocID="{1A90AC7B-27E3-4379-8408-68468DAB2B10}" presName="titleText2" presStyleLbl="fgAcc1" presStyleIdx="1" presStyleCnt="12">
+      <dgm:prSet presAssocID="{1A90AC7B-27E3-4379-8408-68468DAB2B10}" presName="titleText2" presStyleLbl="fgAcc1" presStyleIdx="3" presStyleCnt="14">
         <dgm:presLayoutVars>
           <dgm:chMax val="0"/>
           <dgm:chPref val="0"/>
@@ -1495,7 +3180,7 @@
       <dgm:spPr/>
     </dgm:pt>
     <dgm:pt modelId="{8718CC41-612E-440C-9CCD-F93ED88A55F7}" type="pres">
-      <dgm:prSet presAssocID="{D0CEA76E-7D46-4133-AE72-066A44911C68}" presName="Name37" presStyleLbl="parChTrans1D2" presStyleIdx="2" presStyleCnt="5"/>
+      <dgm:prSet presAssocID="{D0CEA76E-7D46-4133-AE72-066A44911C68}" presName="Name37" presStyleLbl="parChTrans1D2" presStyleIdx="4" presStyleCnt="7"/>
       <dgm:spPr/>
     </dgm:pt>
     <dgm:pt modelId="{C23E7FDC-DEF3-4865-9433-E39DDAE4FBC1}" type="pres">
@@ -1511,7 +3196,7 @@
       <dgm:spPr/>
     </dgm:pt>
     <dgm:pt modelId="{6C1C8BAD-0FBB-4BD2-A28C-F18ACE1CB45E}" type="pres">
-      <dgm:prSet presAssocID="{11030DF7-1FF9-4C82-B99F-90412CE23C7C}" presName="rootText" presStyleLbl="node1" presStyleIdx="2" presStyleCnt="12">
+      <dgm:prSet presAssocID="{11030DF7-1FF9-4C82-B99F-90412CE23C7C}" presName="rootText" presStyleLbl="node1" presStyleIdx="4" presStyleCnt="14">
         <dgm:presLayoutVars>
           <dgm:chMax/>
           <dgm:chPref val="3"/>
@@ -1520,7 +3205,7 @@
       <dgm:spPr/>
     </dgm:pt>
     <dgm:pt modelId="{08218965-AD87-41B6-A675-D8B1B4D2FE43}" type="pres">
-      <dgm:prSet presAssocID="{11030DF7-1FF9-4C82-B99F-90412CE23C7C}" presName="titleText2" presStyleLbl="fgAcc1" presStyleIdx="2" presStyleCnt="12">
+      <dgm:prSet presAssocID="{11030DF7-1FF9-4C82-B99F-90412CE23C7C}" presName="titleText2" presStyleLbl="fgAcc1" presStyleIdx="4" presStyleCnt="14">
         <dgm:presLayoutVars>
           <dgm:chMax val="0"/>
           <dgm:chPref val="0"/>
@@ -1553,7 +3238,7 @@
       <dgm:spPr/>
     </dgm:pt>
     <dgm:pt modelId="{39CBADE7-8064-48AF-A84A-C2B842AB7264}" type="pres">
-      <dgm:prSet presAssocID="{132EB76A-8726-460D-93FE-E16642B1C5C0}" presName="rootText" presStyleLbl="node1" presStyleIdx="3" presStyleCnt="12">
+      <dgm:prSet presAssocID="{132EB76A-8726-460D-93FE-E16642B1C5C0}" presName="rootText" presStyleLbl="node1" presStyleIdx="5" presStyleCnt="14">
         <dgm:presLayoutVars>
           <dgm:chMax/>
           <dgm:chPref val="3"/>
@@ -1562,7 +3247,7 @@
       <dgm:spPr/>
     </dgm:pt>
     <dgm:pt modelId="{E0FDC599-4800-4564-AA0E-62DB9DCD17E9}" type="pres">
-      <dgm:prSet presAssocID="{132EB76A-8726-460D-93FE-E16642B1C5C0}" presName="titleText2" presStyleLbl="fgAcc1" presStyleIdx="3" presStyleCnt="12">
+      <dgm:prSet presAssocID="{132EB76A-8726-460D-93FE-E16642B1C5C0}" presName="titleText2" presStyleLbl="fgAcc1" presStyleIdx="5" presStyleCnt="14">
         <dgm:presLayoutVars>
           <dgm:chMax val="0"/>
           <dgm:chPref val="0"/>
@@ -1595,7 +3280,7 @@
       <dgm:spPr/>
     </dgm:pt>
     <dgm:pt modelId="{F236C608-0E62-4B5E-A4A1-2A25630065C8}" type="pres">
-      <dgm:prSet presAssocID="{4E55A449-2F54-4BED-A6E1-3E84F6E09C80}" presName="rootText" presStyleLbl="node1" presStyleIdx="4" presStyleCnt="12">
+      <dgm:prSet presAssocID="{4E55A449-2F54-4BED-A6E1-3E84F6E09C80}" presName="rootText" presStyleLbl="node1" presStyleIdx="6" presStyleCnt="14">
         <dgm:presLayoutVars>
           <dgm:chMax/>
           <dgm:chPref val="3"/>
@@ -1604,7 +3289,7 @@
       <dgm:spPr/>
     </dgm:pt>
     <dgm:pt modelId="{DF213635-EC72-4882-9D8E-FECF9822BA63}" type="pres">
-      <dgm:prSet presAssocID="{4E55A449-2F54-4BED-A6E1-3E84F6E09C80}" presName="titleText2" presStyleLbl="fgAcc1" presStyleIdx="4" presStyleCnt="12">
+      <dgm:prSet presAssocID="{4E55A449-2F54-4BED-A6E1-3E84F6E09C80}" presName="titleText2" presStyleLbl="fgAcc1" presStyleIdx="6" presStyleCnt="14">
         <dgm:presLayoutVars>
           <dgm:chMax val="0"/>
           <dgm:chPref val="0"/>
@@ -1637,7 +3322,7 @@
       <dgm:spPr/>
     </dgm:pt>
     <dgm:pt modelId="{4CBEF5D7-0886-4739-9E39-875F595D453C}" type="pres">
-      <dgm:prSet presAssocID="{9A7B9B89-1C00-4660-BFEB-1EEEDAE13F56}" presName="rootText" presStyleLbl="node1" presStyleIdx="5" presStyleCnt="12" custLinFactNeighborX="1927" custLinFactNeighborY="-9924">
+      <dgm:prSet presAssocID="{9A7B9B89-1C00-4660-BFEB-1EEEDAE13F56}" presName="rootText" presStyleLbl="node1" presStyleIdx="7" presStyleCnt="14" custLinFactNeighborX="1927" custLinFactNeighborY="-9924">
         <dgm:presLayoutVars>
           <dgm:chMax/>
           <dgm:chPref val="3"/>
@@ -1646,7 +3331,7 @@
       <dgm:spPr/>
     </dgm:pt>
     <dgm:pt modelId="{35ECACF9-C2B6-4724-B10F-922137ACA879}" type="pres">
-      <dgm:prSet presAssocID="{9A7B9B89-1C00-4660-BFEB-1EEEDAE13F56}" presName="titleText2" presStyleLbl="fgAcc1" presStyleIdx="5" presStyleCnt="12" custScaleX="78780" custScaleY="189719" custLinFactY="94061" custLinFactNeighborX="-24178" custLinFactNeighborY="100000">
+      <dgm:prSet presAssocID="{9A7B9B89-1C00-4660-BFEB-1EEEDAE13F56}" presName="titleText2" presStyleLbl="fgAcc1" presStyleIdx="7" presStyleCnt="14" custScaleX="78780" custScaleY="189719" custLinFactNeighborX="-14246" custLinFactNeighborY="-5715">
         <dgm:presLayoutVars>
           <dgm:chMax val="0"/>
           <dgm:chPref val="0"/>
@@ -1662,28 +3347,24 @@
       <dgm:prSet presAssocID="{9A7B9B89-1C00-4660-BFEB-1EEEDAE13F56}" presName="hierChild4" presStyleCnt="0"/>
       <dgm:spPr/>
     </dgm:pt>
-    <dgm:pt modelId="{F5A11ED4-F26B-4024-AA2C-FB7927044986}" type="pres">
-      <dgm:prSet presAssocID="{9A7B9B89-1C00-4660-BFEB-1EEEDAE13F56}" presName="hierChild5" presStyleCnt="0"/>
-      <dgm:spPr/>
-    </dgm:pt>
-    <dgm:pt modelId="{7755AA9A-A6E1-405F-AA76-F8034A2D4EC7}" type="pres">
-      <dgm:prSet presAssocID="{CC12E434-5EAC-4043-BC09-6544E77A19F2}" presName="Name37" presStyleLbl="parChTrans1D4" presStyleIdx="2" presStyleCnt="5"/>
-      <dgm:spPr/>
-    </dgm:pt>
-    <dgm:pt modelId="{C1744938-D503-420C-BEF4-592B78505E31}" type="pres">
-      <dgm:prSet presAssocID="{83913243-C0B5-4400-A0AB-286BC4D6C11A}" presName="hierRoot2" presStyleCnt="0">
+    <dgm:pt modelId="{A30393DF-3A4B-4106-842D-73A689893135}" type="pres">
+      <dgm:prSet presAssocID="{824F95C8-3AF2-433E-AC68-FCD6E11D262E}" presName="Name37" presStyleLbl="parChTrans1D4" presStyleIdx="2" presStyleCnt="5"/>
+      <dgm:spPr/>
+    </dgm:pt>
+    <dgm:pt modelId="{8B55477A-3F23-46BD-9299-187F0D5E8228}" type="pres">
+      <dgm:prSet presAssocID="{B8437945-A1E9-4F59-8ACD-D74FFF2545CF}" presName="hierRoot2" presStyleCnt="0">
         <dgm:presLayoutVars>
           <dgm:hierBranch val="init"/>
         </dgm:presLayoutVars>
       </dgm:prSet>
       <dgm:spPr/>
     </dgm:pt>
-    <dgm:pt modelId="{A175786B-F1DD-4F51-A590-A7F1E32B0BFB}" type="pres">
-      <dgm:prSet presAssocID="{83913243-C0B5-4400-A0AB-286BC4D6C11A}" presName="rootComposite" presStyleCnt="0"/>
-      <dgm:spPr/>
-    </dgm:pt>
-    <dgm:pt modelId="{A7166C54-72AB-4F1E-AEBA-77309A55B7CD}" type="pres">
-      <dgm:prSet presAssocID="{83913243-C0B5-4400-A0AB-286BC4D6C11A}" presName="rootText" presStyleLbl="node1" presStyleIdx="6" presStyleCnt="12">
+    <dgm:pt modelId="{1E5D162E-BFB8-4214-BE5F-636CF8969DEA}" type="pres">
+      <dgm:prSet presAssocID="{B8437945-A1E9-4F59-8ACD-D74FFF2545CF}" presName="rootComposite" presStyleCnt="0"/>
+      <dgm:spPr/>
+    </dgm:pt>
+    <dgm:pt modelId="{F559EE92-E088-4CEA-A285-1FAC85078D30}" type="pres">
+      <dgm:prSet presAssocID="{B8437945-A1E9-4F59-8ACD-D74FFF2545CF}" presName="rootText" presStyleLbl="node1" presStyleIdx="8" presStyleCnt="14" custLinFactNeighborX="7491" custLinFactNeighborY="-1233">
         <dgm:presLayoutVars>
           <dgm:chMax/>
           <dgm:chPref val="3"/>
@@ -1691,8 +3372,8 @@
       </dgm:prSet>
       <dgm:spPr/>
     </dgm:pt>
-    <dgm:pt modelId="{D15CE218-707B-43F4-8E53-A5EA96CF9765}" type="pres">
-      <dgm:prSet presAssocID="{83913243-C0B5-4400-A0AB-286BC4D6C11A}" presName="titleText2" presStyleLbl="fgAcc1" presStyleIdx="6" presStyleCnt="12">
+    <dgm:pt modelId="{5C7CE374-60E9-4888-B103-D10062AF7D7D}" type="pres">
+      <dgm:prSet presAssocID="{B8437945-A1E9-4F59-8ACD-D74FFF2545CF}" presName="titleText2" presStyleLbl="fgAcc1" presStyleIdx="8" presStyleCnt="14">
         <dgm:presLayoutVars>
           <dgm:chMax val="0"/>
           <dgm:chPref val="0"/>
@@ -1700,16 +3381,20 @@
       </dgm:prSet>
       <dgm:spPr/>
     </dgm:pt>
-    <dgm:pt modelId="{F18C431A-893B-45E8-9FEF-61D464FA74E3}" type="pres">
-      <dgm:prSet presAssocID="{83913243-C0B5-4400-A0AB-286BC4D6C11A}" presName="rootConnector" presStyleLbl="node4" presStyleIdx="0" presStyleCnt="0"/>
-      <dgm:spPr/>
-    </dgm:pt>
-    <dgm:pt modelId="{78D0F9BA-EA9F-4B76-BD6B-F288D53109C8}" type="pres">
-      <dgm:prSet presAssocID="{83913243-C0B5-4400-A0AB-286BC4D6C11A}" presName="hierChild4" presStyleCnt="0"/>
-      <dgm:spPr/>
-    </dgm:pt>
-    <dgm:pt modelId="{AF198AF8-EB4F-4B5C-ACDD-AB27272A6E9E}" type="pres">
-      <dgm:prSet presAssocID="{83913243-C0B5-4400-A0AB-286BC4D6C11A}" presName="hierChild5" presStyleCnt="0"/>
+    <dgm:pt modelId="{DF8F1D46-3BFD-4BCC-A8F8-B83311F83BDE}" type="pres">
+      <dgm:prSet presAssocID="{B8437945-A1E9-4F59-8ACD-D74FFF2545CF}" presName="rootConnector" presStyleLbl="node4" presStyleIdx="0" presStyleCnt="0"/>
+      <dgm:spPr/>
+    </dgm:pt>
+    <dgm:pt modelId="{65EC6E70-6C7F-4853-BB75-7B2D6CB1C534}" type="pres">
+      <dgm:prSet presAssocID="{B8437945-A1E9-4F59-8ACD-D74FFF2545CF}" presName="hierChild4" presStyleCnt="0"/>
+      <dgm:spPr/>
+    </dgm:pt>
+    <dgm:pt modelId="{163C0673-7869-4F25-87CF-C431123EE35C}" type="pres">
+      <dgm:prSet presAssocID="{B8437945-A1E9-4F59-8ACD-D74FFF2545CF}" presName="hierChild5" presStyleCnt="0"/>
+      <dgm:spPr/>
+    </dgm:pt>
+    <dgm:pt modelId="{F5A11ED4-F26B-4024-AA2C-FB7927044986}" type="pres">
+      <dgm:prSet presAssocID="{9A7B9B89-1C00-4660-BFEB-1EEEDAE13F56}" presName="hierChild5" presStyleCnt="0"/>
       <dgm:spPr/>
     </dgm:pt>
     <dgm:pt modelId="{9B86955E-E6E1-4D11-AECE-8E91A2AF79DE}" type="pres">
@@ -1733,7 +3418,7 @@
       <dgm:spPr/>
     </dgm:pt>
     <dgm:pt modelId="{B24C0770-9774-4F0B-A1CB-34F8B6218FEB}" type="pres">
-      <dgm:prSet presAssocID="{ABEBAE0E-9C59-4A45-8123-E922664A4C60}" presName="rootText" presStyleLbl="node1" presStyleIdx="7" presStyleCnt="12">
+      <dgm:prSet presAssocID="{ABEBAE0E-9C59-4A45-8123-E922664A4C60}" presName="rootText" presStyleLbl="node1" presStyleIdx="9" presStyleCnt="14">
         <dgm:presLayoutVars>
           <dgm:chMax/>
           <dgm:chPref val="3"/>
@@ -1742,7 +3427,7 @@
       <dgm:spPr/>
     </dgm:pt>
     <dgm:pt modelId="{949639F2-AFEC-4891-A66E-B302918916F6}" type="pres">
-      <dgm:prSet presAssocID="{ABEBAE0E-9C59-4A45-8123-E922664A4C60}" presName="titleText2" presStyleLbl="fgAcc1" presStyleIdx="7" presStyleCnt="12">
+      <dgm:prSet presAssocID="{ABEBAE0E-9C59-4A45-8123-E922664A4C60}" presName="titleText2" presStyleLbl="fgAcc1" presStyleIdx="9" presStyleCnt="14">
         <dgm:presLayoutVars>
           <dgm:chMax val="0"/>
           <dgm:chPref val="0"/>
@@ -1779,7 +3464,7 @@
       <dgm:spPr/>
     </dgm:pt>
     <dgm:pt modelId="{1A9F24C7-9601-4F95-84B7-56762ACC6326}" type="pres">
-      <dgm:prSet presAssocID="{F7A986FD-5536-44C6-8BB3-8D22A212BF7D}" presName="rootText" presStyleLbl="node1" presStyleIdx="8" presStyleCnt="12">
+      <dgm:prSet presAssocID="{F7A986FD-5536-44C6-8BB3-8D22A212BF7D}" presName="rootText" presStyleLbl="node1" presStyleIdx="10" presStyleCnt="14">
         <dgm:presLayoutVars>
           <dgm:chMax/>
           <dgm:chPref val="3"/>
@@ -1788,7 +3473,7 @@
       <dgm:spPr/>
     </dgm:pt>
     <dgm:pt modelId="{046D40A8-BDE2-431A-A8E7-EC0AF795CD8D}" type="pres">
-      <dgm:prSet presAssocID="{F7A986FD-5536-44C6-8BB3-8D22A212BF7D}" presName="titleText2" presStyleLbl="fgAcc1" presStyleIdx="8" presStyleCnt="12">
+      <dgm:prSet presAssocID="{F7A986FD-5536-44C6-8BB3-8D22A212BF7D}" presName="titleText2" presStyleLbl="fgAcc1" presStyleIdx="10" presStyleCnt="14">
         <dgm:presLayoutVars>
           <dgm:chMax val="0"/>
           <dgm:chPref val="0"/>
@@ -1829,7 +3514,7 @@
       <dgm:spPr/>
     </dgm:pt>
     <dgm:pt modelId="{1973478A-FF96-4EA6-B3B8-E32EDF0680DD}" type="pres">
-      <dgm:prSet presAssocID="{1E7E690A-CAD0-4718-9E88-60789A6BFB6F}" presName="rootText" presStyleLbl="node1" presStyleIdx="9" presStyleCnt="12">
+      <dgm:prSet presAssocID="{1E7E690A-CAD0-4718-9E88-60789A6BFB6F}" presName="rootText" presStyleLbl="node1" presStyleIdx="11" presStyleCnt="14">
         <dgm:presLayoutVars>
           <dgm:chMax/>
           <dgm:chPref val="3"/>
@@ -1838,7 +3523,7 @@
       <dgm:spPr/>
     </dgm:pt>
     <dgm:pt modelId="{ADD686FB-F1BA-413B-956A-FAD4BFFB374B}" type="pres">
-      <dgm:prSet presAssocID="{1E7E690A-CAD0-4718-9E88-60789A6BFB6F}" presName="titleText2" presStyleLbl="fgAcc1" presStyleIdx="9" presStyleCnt="12">
+      <dgm:prSet presAssocID="{1E7E690A-CAD0-4718-9E88-60789A6BFB6F}" presName="titleText2" presStyleLbl="fgAcc1" presStyleIdx="11" presStyleCnt="14">
         <dgm:presLayoutVars>
           <dgm:chMax val="0"/>
           <dgm:chPref val="0"/>
@@ -1863,7 +3548,7 @@
       <dgm:spPr/>
     </dgm:pt>
     <dgm:pt modelId="{927345DB-384D-4AC5-83B8-85E911369928}" type="pres">
-      <dgm:prSet presAssocID="{21256580-7E72-43AD-9E23-A926A85EFE3A}" presName="Name37" presStyleLbl="parChTrans1D2" presStyleIdx="3" presStyleCnt="5"/>
+      <dgm:prSet presAssocID="{21256580-7E72-43AD-9E23-A926A85EFE3A}" presName="Name37" presStyleLbl="parChTrans1D2" presStyleIdx="5" presStyleCnt="7"/>
       <dgm:spPr/>
     </dgm:pt>
     <dgm:pt modelId="{129E4687-B5B2-4570-9349-613472162676}" type="pres">
@@ -1879,7 +3564,7 @@
       <dgm:spPr/>
     </dgm:pt>
     <dgm:pt modelId="{A0AB0266-667D-431D-856E-23F91F6A02C4}" type="pres">
-      <dgm:prSet presAssocID="{0535ECB9-90F7-470C-89A5-97758913E811}" presName="rootText" presStyleLbl="node1" presStyleIdx="10" presStyleCnt="12">
+      <dgm:prSet presAssocID="{0535ECB9-90F7-470C-89A5-97758913E811}" presName="rootText" presStyleLbl="node1" presStyleIdx="12" presStyleCnt="14">
         <dgm:presLayoutVars>
           <dgm:chMax/>
           <dgm:chPref val="3"/>
@@ -1888,7 +3573,7 @@
       <dgm:spPr/>
     </dgm:pt>
     <dgm:pt modelId="{1D154E4C-9EE6-4F82-BE44-2A2F6A21D814}" type="pres">
-      <dgm:prSet presAssocID="{0535ECB9-90F7-470C-89A5-97758913E811}" presName="titleText2" presStyleLbl="fgAcc1" presStyleIdx="10" presStyleCnt="12">
+      <dgm:prSet presAssocID="{0535ECB9-90F7-470C-89A5-97758913E811}" presName="titleText2" presStyleLbl="fgAcc1" presStyleIdx="12" presStyleCnt="14">
         <dgm:presLayoutVars>
           <dgm:chMax val="0"/>
           <dgm:chPref val="0"/>
@@ -1909,7 +3594,7 @@
       <dgm:spPr/>
     </dgm:pt>
     <dgm:pt modelId="{39AE0B3B-8243-431D-8E3A-66236372DCBA}" type="pres">
-      <dgm:prSet presAssocID="{88049134-026C-4750-8A52-E4CAAA380B1F}" presName="Name37" presStyleLbl="parChTrans1D2" presStyleIdx="4" presStyleCnt="5"/>
+      <dgm:prSet presAssocID="{88049134-026C-4750-8A52-E4CAAA380B1F}" presName="Name37" presStyleLbl="parChTrans1D2" presStyleIdx="6" presStyleCnt="7"/>
       <dgm:spPr/>
     </dgm:pt>
     <dgm:pt modelId="{BD63E1CA-0048-40B7-BF0F-197B7150F84B}" type="pres">
@@ -1925,7 +3610,7 @@
       <dgm:spPr/>
     </dgm:pt>
     <dgm:pt modelId="{6750009E-174C-4648-BFC6-4D19F450A086}" type="pres">
-      <dgm:prSet presAssocID="{1C13E089-8F4A-4F20-B77C-1AA54124BBCE}" presName="rootText" presStyleLbl="node1" presStyleIdx="11" presStyleCnt="12">
+      <dgm:prSet presAssocID="{1C13E089-8F4A-4F20-B77C-1AA54124BBCE}" presName="rootText" presStyleLbl="node1" presStyleIdx="13" presStyleCnt="14">
         <dgm:presLayoutVars>
           <dgm:chMax/>
           <dgm:chPref val="3"/>
@@ -1934,7 +3619,7 @@
       <dgm:spPr/>
     </dgm:pt>
     <dgm:pt modelId="{FD150DA8-934E-4D36-986A-8F655151C716}" type="pres">
-      <dgm:prSet presAssocID="{1C13E089-8F4A-4F20-B77C-1AA54124BBCE}" presName="titleText2" presStyleLbl="fgAcc1" presStyleIdx="11" presStyleCnt="12">
+      <dgm:prSet presAssocID="{1C13E089-8F4A-4F20-B77C-1AA54124BBCE}" presName="titleText2" presStyleLbl="fgAcc1" presStyleIdx="13" presStyleCnt="14">
         <dgm:presLayoutVars>
           <dgm:chMax val="0"/>
           <dgm:chPref val="0"/>
@@ -1966,21 +3651,26 @@
     <dgm:cxn modelId="{AD172B10-3234-45EA-8633-88150E131CD6}" type="presOf" srcId="{4E55A449-2F54-4BED-A6E1-3E84F6E09C80}" destId="{D43FF065-1270-4D8B-BCEF-E78AF7BA6BC0}" srcOrd="1" destOrd="0" presId="urn:microsoft.com/office/officeart/2008/layout/NameandTitleOrganizationalChart"/>
     <dgm:cxn modelId="{0648BE10-51CB-4DC0-8156-4D1F24E7DDAB}" type="presOf" srcId="{0535ECB9-90F7-470C-89A5-97758913E811}" destId="{49477053-4B07-4B4A-AEBE-4E5B0CD724F4}" srcOrd="1" destOrd="0" presId="urn:microsoft.com/office/officeart/2008/layout/NameandTitleOrganizationalChart"/>
     <dgm:cxn modelId="{4687CE11-FEC3-4DF8-A667-D2B10980B540}" srcId="{11030DF7-1FF9-4C82-B99F-90412CE23C7C}" destId="{132EB76A-8726-460D-93FE-E16642B1C5C0}" srcOrd="0" destOrd="0" parTransId="{CDB499F4-5866-42C6-9868-5BF201354BF2}" sibTransId="{2CAB26C5-5545-41CD-88FD-579EB633FF3F}"/>
-    <dgm:cxn modelId="{39D4661A-AFE2-4B80-800C-CC0A11E988EC}" srcId="{0E8A5CE1-7B5E-4A02-BBA8-2B33A2B90A0C}" destId="{11030DF7-1FF9-4C82-B99F-90412CE23C7C}" srcOrd="2" destOrd="0" parTransId="{D0CEA76E-7D46-4133-AE72-066A44911C68}" sibTransId="{5D7245C6-32B8-48F1-9CE3-4E11C588D9D6}"/>
-    <dgm:cxn modelId="{F75A5825-F7C5-4B46-AACF-54E1A82E62C3}" srcId="{0E8A5CE1-7B5E-4A02-BBA8-2B33A2B90A0C}" destId="{0535ECB9-90F7-470C-89A5-97758913E811}" srcOrd="3" destOrd="0" parTransId="{21256580-7E72-43AD-9E23-A926A85EFE3A}" sibTransId="{9F6E4818-2C60-4745-AA27-52721FC5223A}"/>
+    <dgm:cxn modelId="{39D4661A-AFE2-4B80-800C-CC0A11E988EC}" srcId="{0E8A5CE1-7B5E-4A02-BBA8-2B33A2B90A0C}" destId="{11030DF7-1FF9-4C82-B99F-90412CE23C7C}" srcOrd="4" destOrd="0" parTransId="{D0CEA76E-7D46-4133-AE72-066A44911C68}" sibTransId="{5D7245C6-32B8-48F1-9CE3-4E11C588D9D6}"/>
+    <dgm:cxn modelId="{F75A5825-F7C5-4B46-AACF-54E1A82E62C3}" srcId="{0E8A5CE1-7B5E-4A02-BBA8-2B33A2B90A0C}" destId="{0535ECB9-90F7-470C-89A5-97758913E811}" srcOrd="5" destOrd="0" parTransId="{21256580-7E72-43AD-9E23-A926A85EFE3A}" sibTransId="{9F6E4818-2C60-4745-AA27-52721FC5223A}"/>
     <dgm:cxn modelId="{D810F925-4029-4D94-A860-40311B7B244B}" type="presOf" srcId="{0E8A5CE1-7B5E-4A02-BBA8-2B33A2B90A0C}" destId="{5FD36EAE-3C1B-401E-BBF0-72799973ACE4}" srcOrd="1" destOrd="0" presId="urn:microsoft.com/office/officeart/2008/layout/NameandTitleOrganizationalChart"/>
     <dgm:cxn modelId="{4341FF27-6033-432C-8DA7-403B8D071F31}" type="presOf" srcId="{132EB76A-8726-460D-93FE-E16642B1C5C0}" destId="{39CBADE7-8064-48AF-A84A-C2B842AB7264}" srcOrd="0" destOrd="0" presId="urn:microsoft.com/office/officeart/2008/layout/NameandTitleOrganizationalChart"/>
     <dgm:cxn modelId="{4C246728-C6AF-4743-834E-419E28B8CEA1}" type="presOf" srcId="{2CAB26C5-5545-41CD-88FD-579EB633FF3F}" destId="{E0FDC599-4800-4564-AA0E-62DB9DCD17E9}" srcOrd="0" destOrd="0" presId="urn:microsoft.com/office/officeart/2008/layout/NameandTitleOrganizationalChart"/>
+    <dgm:cxn modelId="{602D322E-52DD-48F4-8B9A-AA0834AF72A9}" type="presOf" srcId="{B8437945-A1E9-4F59-8ACD-D74FFF2545CF}" destId="{F559EE92-E088-4CEA-A285-1FAC85078D30}" srcOrd="0" destOrd="0" presId="urn:microsoft.com/office/officeart/2008/layout/NameandTitleOrganizationalChart"/>
     <dgm:cxn modelId="{DAAA7031-5D4D-4B54-B28E-2AA8887E17C1}" type="presOf" srcId="{1D1F92DF-149E-43F0-8464-5EE7E4989D35}" destId="{C4B4AE1B-8403-405A-AB6B-0224CB579703}" srcOrd="0" destOrd="0" presId="urn:microsoft.com/office/officeart/2008/layout/NameandTitleOrganizationalChart"/>
-    <dgm:cxn modelId="{2124D13A-4164-4C52-BBF5-9FC5B532EE57}" type="presOf" srcId="{83913243-C0B5-4400-A0AB-286BC4D6C11A}" destId="{A7166C54-72AB-4F1E-AEBA-77309A55B7CD}" srcOrd="0" destOrd="0" presId="urn:microsoft.com/office/officeart/2008/layout/NameandTitleOrganizationalChart"/>
+    <dgm:cxn modelId="{70CA9835-9F60-4FF5-832D-3508DF4AFA04}" srcId="{0E8A5CE1-7B5E-4A02-BBA8-2B33A2B90A0C}" destId="{386E3BB0-6A2D-4AD2-B573-23A925F94A2C}" srcOrd="2" destOrd="0" parTransId="{4C5FDF77-14CF-4EC8-9984-E87F331F713C}" sibTransId="{7BCD2A4A-8E3D-484A-9D88-B1F0FEC03507}"/>
+    <dgm:cxn modelId="{350EB73D-767C-440A-907F-0C4BD3B8D369}" type="presOf" srcId="{715D7F2C-3016-448C-A8A5-1033127A3BD6}" destId="{5C7CE374-60E9-4888-B103-D10062AF7D7D}" srcOrd="0" destOrd="0" presId="urn:microsoft.com/office/officeart/2008/layout/NameandTitleOrganizationalChart"/>
     <dgm:cxn modelId="{DF6E893E-CDF0-40E4-9326-26FA5F61D51D}" type="presOf" srcId="{0535ECB9-90F7-470C-89A5-97758913E811}" destId="{A0AB0266-667D-431D-856E-23F91F6A02C4}" srcOrd="0" destOrd="0" presId="urn:microsoft.com/office/officeart/2008/layout/NameandTitleOrganizationalChart"/>
     <dgm:cxn modelId="{31AB4061-601D-4955-99D8-B78E23A430D0}" type="presOf" srcId="{0220B0EB-FB0D-49F2-955B-0EB3C2F206AA}" destId="{35ECACF9-C2B6-4724-B10F-922137ACA879}" srcOrd="0" destOrd="0" presId="urn:microsoft.com/office/officeart/2008/layout/NameandTitleOrganizationalChart"/>
     <dgm:cxn modelId="{56781363-7D75-489F-9689-94D8BBB2889E}" type="presOf" srcId="{69D1032B-23CD-401B-990C-9159E49D1053}" destId="{1C69EE7A-807C-4C48-8939-895793841BD9}" srcOrd="0" destOrd="0" presId="urn:microsoft.com/office/officeart/2008/layout/NameandTitleOrganizationalChart"/>
     <dgm:cxn modelId="{091E4C44-BF8E-4646-9CEF-802CABDD2839}" type="presOf" srcId="{CDB499F4-5866-42C6-9868-5BF201354BF2}" destId="{D3E222F6-8A03-44CE-B384-3BC254EFECB8}" srcOrd="0" destOrd="0" presId="urn:microsoft.com/office/officeart/2008/layout/NameandTitleOrganizationalChart"/>
     <dgm:cxn modelId="{DE0DE065-298C-4343-8630-8DF3E428E607}" type="presOf" srcId="{D0CEA76E-7D46-4133-AE72-066A44911C68}" destId="{8718CC41-612E-440C-9CCD-F93ED88A55F7}" srcOrd="0" destOrd="0" presId="urn:microsoft.com/office/officeart/2008/layout/NameandTitleOrganizationalChart"/>
+    <dgm:cxn modelId="{13421366-C31A-451F-9217-4DE229929FD3}" type="presOf" srcId="{2A68AD6D-9860-4034-AA97-B6567BEEA927}" destId="{A4B9E23F-EFCC-45A8-866B-31F65AF72579}" srcOrd="0" destOrd="0" presId="urn:microsoft.com/office/officeart/2008/layout/NameandTitleOrganizationalChart"/>
     <dgm:cxn modelId="{5EDBA346-6DB1-4587-B369-C719508BC31C}" type="presOf" srcId="{11030DF7-1FF9-4C82-B99F-90412CE23C7C}" destId="{DA3D76A1-440C-46D7-8B0E-26481C49B840}" srcOrd="1" destOrd="0" presId="urn:microsoft.com/office/officeart/2008/layout/NameandTitleOrganizationalChart"/>
     <dgm:cxn modelId="{7511ED67-C6AA-4AFE-ABCC-749EA93602D8}" type="presOf" srcId="{88049134-026C-4750-8A52-E4CAAA380B1F}" destId="{39AE0B3B-8243-431D-8E3A-66236372DCBA}" srcOrd="0" destOrd="0" presId="urn:microsoft.com/office/officeart/2008/layout/NameandTitleOrganizationalChart"/>
+    <dgm:cxn modelId="{6DE46148-FC63-424F-A9D7-2D06B6D3A633}" type="presOf" srcId="{824F95C8-3AF2-433E-AC68-FCD6E11D262E}" destId="{A30393DF-3A4B-4106-842D-73A689893135}" srcOrd="0" destOrd="0" presId="urn:microsoft.com/office/officeart/2008/layout/NameandTitleOrganizationalChart"/>
     <dgm:cxn modelId="{C8997448-A6B4-47DA-A4B4-75940B8D62A0}" srcId="{11030DF7-1FF9-4C82-B99F-90412CE23C7C}" destId="{1E7E690A-CAD0-4718-9E88-60789A6BFB6F}" srcOrd="1" destOrd="0" parTransId="{C2C9DF5D-64E3-4B8F-BDAD-2841AC8FACE9}" sibTransId="{CFA3EA48-1929-4520-B78B-93F33004A96C}"/>
+    <dgm:cxn modelId="{C186A869-6471-4B59-92C2-6C73E4CDD736}" type="presOf" srcId="{DCF578A4-1BE3-4758-B529-EA01B200E92F}" destId="{63113784-90C7-4BC6-B1B4-7508E8078CC5}" srcOrd="0" destOrd="0" presId="urn:microsoft.com/office/officeart/2008/layout/NameandTitleOrganizationalChart"/>
     <dgm:cxn modelId="{410B9D4A-CC87-44E7-A0DF-93EF7523F0F4}" type="presOf" srcId="{1A90AC7B-27E3-4379-8408-68468DAB2B10}" destId="{9846FD12-7838-4CA1-A4C3-6AD9AE070051}" srcOrd="1" destOrd="0" presId="urn:microsoft.com/office/officeart/2008/layout/NameandTitleOrganizationalChart"/>
     <dgm:cxn modelId="{576A4C6B-032E-455E-BE0A-4669BED3E5F2}" srcId="{132EB76A-8726-460D-93FE-E16642B1C5C0}" destId="{4E55A449-2F54-4BED-A6E1-3E84F6E09C80}" srcOrd="0" destOrd="0" parTransId="{796D6803-CD56-4A32-B452-64372ED71DB0}" sibTransId="{98A7CA43-E162-4ED7-8916-57C42CC8390F}"/>
     <dgm:cxn modelId="{1BF7116D-7186-4079-B36D-7B1FDA050C3B}" type="presOf" srcId="{1E7E690A-CAD0-4718-9E88-60789A6BFB6F}" destId="{1973478A-FF96-4EA6-B3B8-E32EDF0680DD}" srcOrd="0" destOrd="0" presId="urn:microsoft.com/office/officeart/2008/layout/NameandTitleOrganizationalChart"/>
@@ -1988,10 +3678,14 @@
     <dgm:cxn modelId="{24434570-FA62-4931-A59E-E26C29428ECC}" type="presOf" srcId="{98A7CA43-E162-4ED7-8916-57C42CC8390F}" destId="{DF213635-EC72-4882-9D8E-FECF9822BA63}" srcOrd="0" destOrd="0" presId="urn:microsoft.com/office/officeart/2008/layout/NameandTitleOrganizationalChart"/>
     <dgm:cxn modelId="{17697A70-80DA-4056-8FEA-5D969D81AA35}" type="presOf" srcId="{1A90AC7B-27E3-4379-8408-68468DAB2B10}" destId="{EFA9F0B3-8231-47B9-9137-5189FE2ABB55}" srcOrd="0" destOrd="0" presId="urn:microsoft.com/office/officeart/2008/layout/NameandTitleOrganizationalChart"/>
     <dgm:cxn modelId="{412C9656-D4F5-4A94-9EEF-72C5DA89188C}" type="presOf" srcId="{0E8A5CE1-7B5E-4A02-BBA8-2B33A2B90A0C}" destId="{4AE88BB1-5FC3-4FC6-831F-4EC2D1CD8A9E}" srcOrd="0" destOrd="0" presId="urn:microsoft.com/office/officeart/2008/layout/NameandTitleOrganizationalChart"/>
+    <dgm:cxn modelId="{4D4DD977-4198-4A00-B228-5FE8BD550930}" type="presOf" srcId="{B8437945-A1E9-4F59-8ACD-D74FFF2545CF}" destId="{DF8F1D46-3BFD-4BCC-A8F8-B83311F83BDE}" srcOrd="1" destOrd="0" presId="urn:microsoft.com/office/officeart/2008/layout/NameandTitleOrganizationalChart"/>
     <dgm:cxn modelId="{0752BC79-3C63-49EF-AC1A-0D203F1E9F20}" type="presOf" srcId="{F7A986FD-5536-44C6-8BB3-8D22A212BF7D}" destId="{21B698D1-B8C0-45C8-8B93-C9B4C7B303B4}" srcOrd="1" destOrd="0" presId="urn:microsoft.com/office/officeart/2008/layout/NameandTitleOrganizationalChart"/>
+    <dgm:cxn modelId="{0FD61D7B-8B75-48D4-BB92-868027E632A6}" srcId="{9A7B9B89-1C00-4660-BFEB-1EEEDAE13F56}" destId="{B8437945-A1E9-4F59-8ACD-D74FFF2545CF}" srcOrd="0" destOrd="0" parTransId="{824F95C8-3AF2-433E-AC68-FCD6E11D262E}" sibTransId="{715D7F2C-3016-448C-A8A5-1033127A3BD6}"/>
     <dgm:cxn modelId="{41F9F77F-66D6-4CC8-BC56-D21A6D8AA4D7}" type="presOf" srcId="{4E55A449-2F54-4BED-A6E1-3E84F6E09C80}" destId="{F236C608-0E62-4B5E-A4A1-2A25630065C8}" srcOrd="0" destOrd="0" presId="urn:microsoft.com/office/officeart/2008/layout/NameandTitleOrganizationalChart"/>
     <dgm:cxn modelId="{58183C84-BF52-4DBC-892E-8510F92755A2}" srcId="{0E8A5CE1-7B5E-4A02-BBA8-2B33A2B90A0C}" destId="{59C4480F-EA89-4BEA-9666-8357D42A0611}" srcOrd="0" destOrd="0" parTransId="{487C6DCC-1484-4D34-87E8-65CB6B74D865}" sibTransId="{76857829-6F49-470E-BB9D-AB1A0B821C68}"/>
     <dgm:cxn modelId="{133F2B8B-E595-467A-8ED0-4EEAE0041104}" type="presOf" srcId="{D6DC1924-1679-4827-92C2-822D096A63F3}" destId="{1DF30EDE-B6C6-484D-8A7A-8B50AE3E34F0}" srcOrd="0" destOrd="0" presId="urn:microsoft.com/office/officeart/2008/layout/NameandTitleOrganizationalChart"/>
+    <dgm:cxn modelId="{80B6968C-00F6-4279-8F74-58ACFB7DA29C}" srcId="{0E8A5CE1-7B5E-4A02-BBA8-2B33A2B90A0C}" destId="{DCF578A4-1BE3-4758-B529-EA01B200E92F}" srcOrd="1" destOrd="0" parTransId="{2A68AD6D-9860-4034-AA97-B6567BEEA927}" sibTransId="{AB29DBAD-3046-40CA-97C3-99F949A36209}"/>
+    <dgm:cxn modelId="{5E84DE94-2223-4592-88FB-9A0A8BFE0B76}" type="presOf" srcId="{4C5FDF77-14CF-4EC8-9984-E87F331F713C}" destId="{72D81A41-C5CD-4EC7-A20D-79AC46B7B7CF}" srcOrd="0" destOrd="0" presId="urn:microsoft.com/office/officeart/2008/layout/NameandTitleOrganizationalChart"/>
     <dgm:cxn modelId="{31E23995-FD5E-414D-86B2-07C3AFC712F3}" type="presOf" srcId="{6616E066-865A-4BC9-98C3-CC093491BEAC}" destId="{3DE32E9D-DA12-4EB5-9010-0838C4639AA2}" srcOrd="0" destOrd="0" presId="urn:microsoft.com/office/officeart/2008/layout/NameandTitleOrganizationalChart"/>
     <dgm:cxn modelId="{433045A0-5455-4F1F-9E6B-0A2C1D529BB0}" type="presOf" srcId="{71D6EBC9-3001-40A9-9A1E-68B56B6CF976}" destId="{5F7AE9DC-03C6-4A8A-8687-2A2C95C3307B}" srcOrd="0" destOrd="0" presId="urn:microsoft.com/office/officeart/2008/layout/NameandTitleOrganizationalChart"/>
     <dgm:cxn modelId="{C064A7A0-28BC-4547-97F0-7BFBBFCA13E7}" type="presOf" srcId="{132EB76A-8726-460D-93FE-E16642B1C5C0}" destId="{470CB026-3348-40F9-81BA-00663F6E1EC2}" srcOrd="1" destOrd="0" presId="urn:microsoft.com/office/officeart/2008/layout/NameandTitleOrganizationalChart"/>
@@ -1999,24 +3693,25 @@
     <dgm:cxn modelId="{F283A7A4-0036-4BC8-9225-95C74194274C}" type="presOf" srcId="{76857829-6F49-470E-BB9D-AB1A0B821C68}" destId="{23A5FF22-1D76-4F9D-9DC8-99AA04427688}" srcOrd="0" destOrd="0" presId="urn:microsoft.com/office/officeart/2008/layout/NameandTitleOrganizationalChart"/>
     <dgm:cxn modelId="{6077BBA5-D5D0-4E6C-B2F4-19A435C7056C}" type="presOf" srcId="{856B9768-78B9-4861-91AD-053526392ED6}" destId="{B35614C4-8A5F-484A-B701-053E7C6ABB28}" srcOrd="0" destOrd="0" presId="urn:microsoft.com/office/officeart/2008/layout/NameandTitleOrganizationalChart"/>
     <dgm:cxn modelId="{37EE0FA7-F6EE-4488-854C-51BA80CC4EF5}" type="presOf" srcId="{21256580-7E72-43AD-9E23-A926A85EFE3A}" destId="{927345DB-384D-4AC5-83B8-85E911369928}" srcOrd="0" destOrd="0" presId="urn:microsoft.com/office/officeart/2008/layout/NameandTitleOrganizationalChart"/>
-    <dgm:cxn modelId="{3BBD93A8-3259-4E84-B6AE-B9AF26AF7CE1}" srcId="{0E8A5CE1-7B5E-4A02-BBA8-2B33A2B90A0C}" destId="{1A90AC7B-27E3-4379-8408-68468DAB2B10}" srcOrd="1" destOrd="0" parTransId="{856B9768-78B9-4861-91AD-053526392ED6}" sibTransId="{D6DC1924-1679-4827-92C2-822D096A63F3}"/>
+    <dgm:cxn modelId="{3BBD93A8-3259-4E84-B6AE-B9AF26AF7CE1}" srcId="{0E8A5CE1-7B5E-4A02-BBA8-2B33A2B90A0C}" destId="{1A90AC7B-27E3-4379-8408-68468DAB2B10}" srcOrd="3" destOrd="0" parTransId="{856B9768-78B9-4861-91AD-053526392ED6}" sibTransId="{D6DC1924-1679-4827-92C2-822D096A63F3}"/>
+    <dgm:cxn modelId="{492EC8AD-10DF-4E98-A8B5-793AA476A55F}" type="presOf" srcId="{386E3BB0-6A2D-4AD2-B573-23A925F94A2C}" destId="{C5AA7DD0-5158-4831-8E70-4C4FF2AFC575}" srcOrd="1" destOrd="0" presId="urn:microsoft.com/office/officeart/2008/layout/NameandTitleOrganizationalChart"/>
+    <dgm:cxn modelId="{65565BAE-4602-4963-96EB-D5D50F2A0A36}" type="presOf" srcId="{AB29DBAD-3046-40CA-97C3-99F949A36209}" destId="{5DDDA7F8-099B-4942-870A-A1589194340E}" srcOrd="0" destOrd="0" presId="urn:microsoft.com/office/officeart/2008/layout/NameandTitleOrganizationalChart"/>
+    <dgm:cxn modelId="{A0DCFEAE-33BB-4652-99D6-2E76BD8E72EE}" type="presOf" srcId="{DCF578A4-1BE3-4758-B529-EA01B200E92F}" destId="{722AB1DD-EB85-47BC-A36A-A5DC53D82AA8}" srcOrd="1" destOrd="0" presId="urn:microsoft.com/office/officeart/2008/layout/NameandTitleOrganizationalChart"/>
     <dgm:cxn modelId="{9EB1F3B5-D0E1-47F3-9C5A-94F14FEBC974}" type="presOf" srcId="{1E7E690A-CAD0-4718-9E88-60789A6BFB6F}" destId="{1E88D450-8C9F-4EEB-9132-28454171FC65}" srcOrd="1" destOrd="0" presId="urn:microsoft.com/office/officeart/2008/layout/NameandTitleOrganizationalChart"/>
     <dgm:cxn modelId="{D21D4CB9-98C8-4963-8A80-E627866C394C}" type="presOf" srcId="{C2C9DF5D-64E3-4B8F-BDAD-2841AC8FACE9}" destId="{3A872C65-F8DD-463E-A74C-40BA94771C5A}" srcOrd="0" destOrd="0" presId="urn:microsoft.com/office/officeart/2008/layout/NameandTitleOrganizationalChart"/>
-    <dgm:cxn modelId="{85F08EBA-29A3-44D0-9FCC-3970BAD3AF95}" type="presOf" srcId="{83913243-C0B5-4400-A0AB-286BC4D6C11A}" destId="{F18C431A-893B-45E8-9FEF-61D464FA74E3}" srcOrd="1" destOrd="0" presId="urn:microsoft.com/office/officeart/2008/layout/NameandTitleOrganizationalChart"/>
     <dgm:cxn modelId="{62D588C1-26EC-497D-B6C6-C8227031332B}" srcId="{132EB76A-8726-460D-93FE-E16642B1C5C0}" destId="{F7A986FD-5536-44C6-8BB3-8D22A212BF7D}" srcOrd="2" destOrd="0" parTransId="{1D1F92DF-149E-43F0-8464-5EE7E4989D35}" sibTransId="{9E99CE89-41EB-489B-9417-5A3A06BE3BC4}"/>
+    <dgm:cxn modelId="{9C15D5C7-4FE8-4E5F-AD8C-28E47453A7E3}" type="presOf" srcId="{386E3BB0-6A2D-4AD2-B573-23A925F94A2C}" destId="{0C12107F-41D4-4DFC-B4A4-1A81BB298E5B}" srcOrd="0" destOrd="0" presId="urn:microsoft.com/office/officeart/2008/layout/NameandTitleOrganizationalChart"/>
+    <dgm:cxn modelId="{FD1707C8-FFED-4B09-B59D-D5AE294F15B1}" type="presOf" srcId="{7BCD2A4A-8E3D-484A-9D88-B1F0FEC03507}" destId="{3B3DB5D1-A977-429D-B85F-44B08C9097E0}" srcOrd="0" destOrd="0" presId="urn:microsoft.com/office/officeart/2008/layout/NameandTitleOrganizationalChart"/>
     <dgm:cxn modelId="{88D08DCA-BAF3-4BCE-B92E-06036FFD7EC9}" type="presOf" srcId="{487C6DCC-1484-4D34-87E8-65CB6B74D865}" destId="{21D37559-9DE5-4D44-BACA-4636A405A464}" srcOrd="0" destOrd="0" presId="urn:microsoft.com/office/officeart/2008/layout/NameandTitleOrganizationalChart"/>
-    <dgm:cxn modelId="{E03CF4CC-FC02-4EF9-945E-E4F40DF7D9BF}" srcId="{4E55A449-2F54-4BED-A6E1-3E84F6E09C80}" destId="{83913243-C0B5-4400-A0AB-286BC4D6C11A}" srcOrd="1" destOrd="0" parTransId="{CC12E434-5EAC-4043-BC09-6544E77A19F2}" sibTransId="{313A53BF-82AF-48A0-8A3F-52B1D389718C}"/>
-    <dgm:cxn modelId="{585128D1-3CFB-45D5-B3DA-F3D580E68FF1}" type="presOf" srcId="{313A53BF-82AF-48A0-8A3F-52B1D389718C}" destId="{D15CE218-707B-43F4-8E53-A5EA96CF9765}" srcOrd="0" destOrd="0" presId="urn:microsoft.com/office/officeart/2008/layout/NameandTitleOrganizationalChart"/>
     <dgm:cxn modelId="{436336D2-D281-42D1-86A3-5B6C66CE88A7}" type="presOf" srcId="{ABEBAE0E-9C59-4A45-8123-E922664A4C60}" destId="{6B98647F-4B33-4700-9AB3-0AF9C963026B}" srcOrd="1" destOrd="0" presId="urn:microsoft.com/office/officeart/2008/layout/NameandTitleOrganizationalChart"/>
     <dgm:cxn modelId="{C8E1D1D9-8446-4FCB-AAF4-5B3E425A2172}" type="presOf" srcId="{1C13E089-8F4A-4F20-B77C-1AA54124BBCE}" destId="{6750009E-174C-4648-BFC6-4D19F450A086}" srcOrd="0" destOrd="0" presId="urn:microsoft.com/office/officeart/2008/layout/NameandTitleOrganizationalChart"/>
     <dgm:cxn modelId="{8D3839DB-BAD1-4447-86DA-1E248CD2B397}" type="presOf" srcId="{9E99CE89-41EB-489B-9417-5A3A06BE3BC4}" destId="{046D40A8-BDE2-431A-A8E7-EC0AF795CD8D}" srcOrd="0" destOrd="0" presId="urn:microsoft.com/office/officeart/2008/layout/NameandTitleOrganizationalChart"/>
     <dgm:cxn modelId="{9549D4DB-F924-4260-9C09-1A76CB1A3BD4}" type="presOf" srcId="{11030DF7-1FF9-4C82-B99F-90412CE23C7C}" destId="{6C1C8BAD-0FBB-4BD2-A28C-F18ACE1CB45E}" srcOrd="0" destOrd="0" presId="urn:microsoft.com/office/officeart/2008/layout/NameandTitleOrganizationalChart"/>
     <dgm:cxn modelId="{1B0EE9E1-38AD-479A-8CD4-21037FAB920A}" srcId="{4E55A449-2F54-4BED-A6E1-3E84F6E09C80}" destId="{9A7B9B89-1C00-4660-BFEB-1EEEDAE13F56}" srcOrd="0" destOrd="0" parTransId="{6FB54591-C776-4EAD-98B3-024FCD720AE9}" sibTransId="{0220B0EB-FB0D-49F2-955B-0EB3C2F206AA}"/>
-    <dgm:cxn modelId="{4FD152E9-D663-4E6E-965E-727D45A98632}" srcId="{0E8A5CE1-7B5E-4A02-BBA8-2B33A2B90A0C}" destId="{1C13E089-8F4A-4F20-B77C-1AA54124BBCE}" srcOrd="4" destOrd="0" parTransId="{88049134-026C-4750-8A52-E4CAAA380B1F}" sibTransId="{3314E66A-47AF-4D3B-B0FC-8FC259ABB487}"/>
+    <dgm:cxn modelId="{4FD152E9-D663-4E6E-965E-727D45A98632}" srcId="{0E8A5CE1-7B5E-4A02-BBA8-2B33A2B90A0C}" destId="{1C13E089-8F4A-4F20-B77C-1AA54124BBCE}" srcOrd="6" destOrd="0" parTransId="{88049134-026C-4750-8A52-E4CAAA380B1F}" sibTransId="{3314E66A-47AF-4D3B-B0FC-8FC259ABB487}"/>
     <dgm:cxn modelId="{EF2A33EA-10F3-44E3-892C-5CDA5C48F3D6}" type="presOf" srcId="{6FB54591-C776-4EAD-98B3-024FCD720AE9}" destId="{42648A71-0B41-49B0-90E0-EAC35A5F36C7}" srcOrd="0" destOrd="0" presId="urn:microsoft.com/office/officeart/2008/layout/NameandTitleOrganizationalChart"/>
     <dgm:cxn modelId="{1AE7A1EF-7E95-4229-8766-2597D93BE822}" type="presOf" srcId="{CFA3EA48-1929-4520-B78B-93F33004A96C}" destId="{ADD686FB-F1BA-413B-956A-FAD4BFFB374B}" srcOrd="0" destOrd="0" presId="urn:microsoft.com/office/officeart/2008/layout/NameandTitleOrganizationalChart"/>
     <dgm:cxn modelId="{1E3AC9F1-BCEA-4E06-88AE-FBFA6606FDA7}" type="presOf" srcId="{5D7245C6-32B8-48F1-9CE3-4E11C588D9D6}" destId="{08218965-AD87-41B6-A675-D8B1B4D2FE43}" srcOrd="0" destOrd="0" presId="urn:microsoft.com/office/officeart/2008/layout/NameandTitleOrganizationalChart"/>
-    <dgm:cxn modelId="{7EE95AF2-2D7E-4FD6-9DE4-48A2B96428AA}" type="presOf" srcId="{CC12E434-5EAC-4043-BC09-6544E77A19F2}" destId="{7755AA9A-A6E1-405F-AA76-F8034A2D4EC7}" srcOrd="0" destOrd="0" presId="urn:microsoft.com/office/officeart/2008/layout/NameandTitleOrganizationalChart"/>
     <dgm:cxn modelId="{533B66F3-49BD-4AAC-89C2-A1A132AC767B}" srcId="{69D1032B-23CD-401B-990C-9159E49D1053}" destId="{0E8A5CE1-7B5E-4A02-BBA8-2B33A2B90A0C}" srcOrd="0" destOrd="0" parTransId="{78910F4F-9EDF-47C5-ADDF-460B25947E6B}" sibTransId="{6616E066-865A-4BC9-98C3-CC093491BEAC}"/>
     <dgm:cxn modelId="{A51890F3-8370-45BE-B304-F86E64965D26}" type="presOf" srcId="{9F6E4818-2C60-4745-AA27-52721FC5223A}" destId="{1D154E4C-9EE6-4F82-BE44-2A2F6A21D814}" srcOrd="0" destOrd="0" presId="urn:microsoft.com/office/officeart/2008/layout/NameandTitleOrganizationalChart"/>
     <dgm:cxn modelId="{E33C25F4-5B99-4A9D-9AB9-D99BCDC759CC}" type="presOf" srcId="{796D6803-CD56-4A32-B452-64372ED71DB0}" destId="{8F9F5AB4-CA89-46C7-B3F2-8B6594CA5253}" srcOrd="0" destOrd="0" presId="urn:microsoft.com/office/officeart/2008/layout/NameandTitleOrganizationalChart"/>
@@ -2039,16 +3734,32 @@
     <dgm:cxn modelId="{F415AE4D-93B0-47EE-A816-1774C7AB72A4}" type="presParOf" srcId="{70E2E744-5E3B-42C7-8D98-2669B02BEBE2}" destId="{896B6B75-4C39-4BCA-B88C-C8ABDF7EE300}" srcOrd="2" destOrd="0" presId="urn:microsoft.com/office/officeart/2008/layout/NameandTitleOrganizationalChart"/>
     <dgm:cxn modelId="{28694A48-3CB8-4271-8CBC-B7E495184EF5}" type="presParOf" srcId="{360DB32B-363B-48F8-827E-433CAB4D039C}" destId="{D1CF356B-1E1B-4B93-A32F-3202D9C19D86}" srcOrd="1" destOrd="0" presId="urn:microsoft.com/office/officeart/2008/layout/NameandTitleOrganizationalChart"/>
     <dgm:cxn modelId="{E4C87F29-10BB-4BA7-90D4-D948D901D50D}" type="presParOf" srcId="{360DB32B-363B-48F8-827E-433CAB4D039C}" destId="{69FD6701-CB81-4447-839F-A6E12EBF8585}" srcOrd="2" destOrd="0" presId="urn:microsoft.com/office/officeart/2008/layout/NameandTitleOrganizationalChart"/>
-    <dgm:cxn modelId="{F4B303D2-1B16-4F32-922E-CF2B835235C8}" type="presParOf" srcId="{D5D9CEA2-C432-4834-935A-EAB7A15540C0}" destId="{B35614C4-8A5F-484A-B701-053E7C6ABB28}" srcOrd="2" destOrd="0" presId="urn:microsoft.com/office/officeart/2008/layout/NameandTitleOrganizationalChart"/>
-    <dgm:cxn modelId="{D434114A-80B5-4F54-966E-7A4BF3ADA9F6}" type="presParOf" srcId="{D5D9CEA2-C432-4834-935A-EAB7A15540C0}" destId="{03BFF13F-A950-48A5-A70B-5CCB2E78A988}" srcOrd="3" destOrd="0" presId="urn:microsoft.com/office/officeart/2008/layout/NameandTitleOrganizationalChart"/>
+    <dgm:cxn modelId="{211A54DB-3D2A-4D68-821E-2034F634D37E}" type="presParOf" srcId="{D5D9CEA2-C432-4834-935A-EAB7A15540C0}" destId="{A4B9E23F-EFCC-45A8-866B-31F65AF72579}" srcOrd="2" destOrd="0" presId="urn:microsoft.com/office/officeart/2008/layout/NameandTitleOrganizationalChart"/>
+    <dgm:cxn modelId="{20DEBF69-C91B-4388-9CE3-C6D7DE7E68A2}" type="presParOf" srcId="{D5D9CEA2-C432-4834-935A-EAB7A15540C0}" destId="{B9DDF51E-45C3-482F-B086-33C98450E93C}" srcOrd="3" destOrd="0" presId="urn:microsoft.com/office/officeart/2008/layout/NameandTitleOrganizationalChart"/>
+    <dgm:cxn modelId="{5AC5BDDD-C462-4E42-A6CF-56EF88D3BE57}" type="presParOf" srcId="{B9DDF51E-45C3-482F-B086-33C98450E93C}" destId="{30B5B32B-EC56-4386-A09F-30F71C8524F7}" srcOrd="0" destOrd="0" presId="urn:microsoft.com/office/officeart/2008/layout/NameandTitleOrganizationalChart"/>
+    <dgm:cxn modelId="{53574C69-E6D8-47C5-BA4F-5557ABA4443F}" type="presParOf" srcId="{30B5B32B-EC56-4386-A09F-30F71C8524F7}" destId="{63113784-90C7-4BC6-B1B4-7508E8078CC5}" srcOrd="0" destOrd="0" presId="urn:microsoft.com/office/officeart/2008/layout/NameandTitleOrganizationalChart"/>
+    <dgm:cxn modelId="{B600D811-6A19-44AE-B9E0-EBACA972F4AB}" type="presParOf" srcId="{30B5B32B-EC56-4386-A09F-30F71C8524F7}" destId="{5DDDA7F8-099B-4942-870A-A1589194340E}" srcOrd="1" destOrd="0" presId="urn:microsoft.com/office/officeart/2008/layout/NameandTitleOrganizationalChart"/>
+    <dgm:cxn modelId="{C610AF77-ACB0-4C1C-BD99-A9B09675E42C}" type="presParOf" srcId="{30B5B32B-EC56-4386-A09F-30F71C8524F7}" destId="{722AB1DD-EB85-47BC-A36A-A5DC53D82AA8}" srcOrd="2" destOrd="0" presId="urn:microsoft.com/office/officeart/2008/layout/NameandTitleOrganizationalChart"/>
+    <dgm:cxn modelId="{6DD3E35A-2012-4ACA-B487-3152B9214362}" type="presParOf" srcId="{B9DDF51E-45C3-482F-B086-33C98450E93C}" destId="{2ACB5D92-C04F-4A1E-8CD5-428C4EB0DEB3}" srcOrd="1" destOrd="0" presId="urn:microsoft.com/office/officeart/2008/layout/NameandTitleOrganizationalChart"/>
+    <dgm:cxn modelId="{053A28A1-45EE-4909-A587-62C82E0ED042}" type="presParOf" srcId="{B9DDF51E-45C3-482F-B086-33C98450E93C}" destId="{3A85EE8B-F6B8-42BF-A337-F006552E2D62}" srcOrd="2" destOrd="0" presId="urn:microsoft.com/office/officeart/2008/layout/NameandTitleOrganizationalChart"/>
+    <dgm:cxn modelId="{9068ABFF-08B1-4176-B316-7E1BA91C0A09}" type="presParOf" srcId="{D5D9CEA2-C432-4834-935A-EAB7A15540C0}" destId="{72D81A41-C5CD-4EC7-A20D-79AC46B7B7CF}" srcOrd="4" destOrd="0" presId="urn:microsoft.com/office/officeart/2008/layout/NameandTitleOrganizationalChart"/>
+    <dgm:cxn modelId="{92885F8B-F07E-45D3-AE1E-8929A154E3FB}" type="presParOf" srcId="{D5D9CEA2-C432-4834-935A-EAB7A15540C0}" destId="{9B3EBDAF-82D7-4B2E-BDC8-5E4888DDF8BF}" srcOrd="5" destOrd="0" presId="urn:microsoft.com/office/officeart/2008/layout/NameandTitleOrganizationalChart"/>
+    <dgm:cxn modelId="{EBAD097C-3BBC-4E75-8DE0-E4B6A6D43405}" type="presParOf" srcId="{9B3EBDAF-82D7-4B2E-BDC8-5E4888DDF8BF}" destId="{1FCFAE6A-1D03-424F-82AE-13306FB56908}" srcOrd="0" destOrd="0" presId="urn:microsoft.com/office/officeart/2008/layout/NameandTitleOrganizationalChart"/>
+    <dgm:cxn modelId="{22975E0B-B4BA-4D97-859C-3BD5770D0E92}" type="presParOf" srcId="{1FCFAE6A-1D03-424F-82AE-13306FB56908}" destId="{0C12107F-41D4-4DFC-B4A4-1A81BB298E5B}" srcOrd="0" destOrd="0" presId="urn:microsoft.com/office/officeart/2008/layout/NameandTitleOrganizationalChart"/>
+    <dgm:cxn modelId="{8762B9A1-743A-458F-A28C-F252EADCFD23}" type="presParOf" srcId="{1FCFAE6A-1D03-424F-82AE-13306FB56908}" destId="{3B3DB5D1-A977-429D-B85F-44B08C9097E0}" srcOrd="1" destOrd="0" presId="urn:microsoft.com/office/officeart/2008/layout/NameandTitleOrganizationalChart"/>
+    <dgm:cxn modelId="{808543B3-CAC9-4DA1-A596-A757C7550794}" type="presParOf" srcId="{1FCFAE6A-1D03-424F-82AE-13306FB56908}" destId="{C5AA7DD0-5158-4831-8E70-4C4FF2AFC575}" srcOrd="2" destOrd="0" presId="urn:microsoft.com/office/officeart/2008/layout/NameandTitleOrganizationalChart"/>
+    <dgm:cxn modelId="{A61CA7AE-4A48-463C-B509-1D614BA94490}" type="presParOf" srcId="{9B3EBDAF-82D7-4B2E-BDC8-5E4888DDF8BF}" destId="{7CE84454-1DAF-436D-A56A-F7A5C99A4568}" srcOrd="1" destOrd="0" presId="urn:microsoft.com/office/officeart/2008/layout/NameandTitleOrganizationalChart"/>
+    <dgm:cxn modelId="{B4B92657-3ECF-441A-A89B-A5BDA681836C}" type="presParOf" srcId="{9B3EBDAF-82D7-4B2E-BDC8-5E4888DDF8BF}" destId="{E289C459-FB09-4860-AE2E-FFCE19CACC83}" srcOrd="2" destOrd="0" presId="urn:microsoft.com/office/officeart/2008/layout/NameandTitleOrganizationalChart"/>
+    <dgm:cxn modelId="{F4B303D2-1B16-4F32-922E-CF2B835235C8}" type="presParOf" srcId="{D5D9CEA2-C432-4834-935A-EAB7A15540C0}" destId="{B35614C4-8A5F-484A-B701-053E7C6ABB28}" srcOrd="6" destOrd="0" presId="urn:microsoft.com/office/officeart/2008/layout/NameandTitleOrganizationalChart"/>
+    <dgm:cxn modelId="{D434114A-80B5-4F54-966E-7A4BF3ADA9F6}" type="presParOf" srcId="{D5D9CEA2-C432-4834-935A-EAB7A15540C0}" destId="{03BFF13F-A950-48A5-A70B-5CCB2E78A988}" srcOrd="7" destOrd="0" presId="urn:microsoft.com/office/officeart/2008/layout/NameandTitleOrganizationalChart"/>
     <dgm:cxn modelId="{EA3CD59C-2F7C-49B8-B1D9-44BB966CDFD7}" type="presParOf" srcId="{03BFF13F-A950-48A5-A70B-5CCB2E78A988}" destId="{BCF30527-9B43-4172-99A8-10914455E8C0}" srcOrd="0" destOrd="0" presId="urn:microsoft.com/office/officeart/2008/layout/NameandTitleOrganizationalChart"/>
     <dgm:cxn modelId="{5330266A-5C4F-4A0D-82C6-8008CA8C44B2}" type="presParOf" srcId="{BCF30527-9B43-4172-99A8-10914455E8C0}" destId="{EFA9F0B3-8231-47B9-9137-5189FE2ABB55}" srcOrd="0" destOrd="0" presId="urn:microsoft.com/office/officeart/2008/layout/NameandTitleOrganizationalChart"/>
     <dgm:cxn modelId="{857711C4-8004-4224-90FD-78AD89083AFF}" type="presParOf" srcId="{BCF30527-9B43-4172-99A8-10914455E8C0}" destId="{1DF30EDE-B6C6-484D-8A7A-8B50AE3E34F0}" srcOrd="1" destOrd="0" presId="urn:microsoft.com/office/officeart/2008/layout/NameandTitleOrganizationalChart"/>
     <dgm:cxn modelId="{DB27E5BA-F4F0-40B3-A106-C92F9C557F66}" type="presParOf" srcId="{BCF30527-9B43-4172-99A8-10914455E8C0}" destId="{9846FD12-7838-4CA1-A4C3-6AD9AE070051}" srcOrd="2" destOrd="0" presId="urn:microsoft.com/office/officeart/2008/layout/NameandTitleOrganizationalChart"/>
     <dgm:cxn modelId="{74F54B78-1F4C-4CCC-951B-1373472F2062}" type="presParOf" srcId="{03BFF13F-A950-48A5-A70B-5CCB2E78A988}" destId="{A80D73D2-9839-40B2-89A5-6EB6F5C2C462}" srcOrd="1" destOrd="0" presId="urn:microsoft.com/office/officeart/2008/layout/NameandTitleOrganizationalChart"/>
     <dgm:cxn modelId="{9AA6F599-A209-4650-A1F8-DB13370E5409}" type="presParOf" srcId="{03BFF13F-A950-48A5-A70B-5CCB2E78A988}" destId="{ED53AC27-31DE-4DF4-9AAF-924377471076}" srcOrd="2" destOrd="0" presId="urn:microsoft.com/office/officeart/2008/layout/NameandTitleOrganizationalChart"/>
-    <dgm:cxn modelId="{84BEBA38-5B28-43EA-AAFA-AD6C2610DEAA}" type="presParOf" srcId="{D5D9CEA2-C432-4834-935A-EAB7A15540C0}" destId="{8718CC41-612E-440C-9CCD-F93ED88A55F7}" srcOrd="4" destOrd="0" presId="urn:microsoft.com/office/officeart/2008/layout/NameandTitleOrganizationalChart"/>
-    <dgm:cxn modelId="{51FA26D8-3FAB-4B8E-A5F4-F757DA5CDB0D}" type="presParOf" srcId="{D5D9CEA2-C432-4834-935A-EAB7A15540C0}" destId="{C23E7FDC-DEF3-4865-9433-E39DDAE4FBC1}" srcOrd="5" destOrd="0" presId="urn:microsoft.com/office/officeart/2008/layout/NameandTitleOrganizationalChart"/>
+    <dgm:cxn modelId="{84BEBA38-5B28-43EA-AAFA-AD6C2610DEAA}" type="presParOf" srcId="{D5D9CEA2-C432-4834-935A-EAB7A15540C0}" destId="{8718CC41-612E-440C-9CCD-F93ED88A55F7}" srcOrd="8" destOrd="0" presId="urn:microsoft.com/office/officeart/2008/layout/NameandTitleOrganizationalChart"/>
+    <dgm:cxn modelId="{51FA26D8-3FAB-4B8E-A5F4-F757DA5CDB0D}" type="presParOf" srcId="{D5D9CEA2-C432-4834-935A-EAB7A15540C0}" destId="{C23E7FDC-DEF3-4865-9433-E39DDAE4FBC1}" srcOrd="9" destOrd="0" presId="urn:microsoft.com/office/officeart/2008/layout/NameandTitleOrganizationalChart"/>
     <dgm:cxn modelId="{F94DC49E-5B99-4383-80A5-5F3782CE8DFC}" type="presParOf" srcId="{C23E7FDC-DEF3-4865-9433-E39DDAE4FBC1}" destId="{13187331-0E50-4181-96D1-EEAC2EF907C6}" srcOrd="0" destOrd="0" presId="urn:microsoft.com/office/officeart/2008/layout/NameandTitleOrganizationalChart"/>
     <dgm:cxn modelId="{23096549-B95A-447A-81FE-68526B3FC422}" type="presParOf" srcId="{13187331-0E50-4181-96D1-EEAC2EF907C6}" destId="{6C1C8BAD-0FBB-4BD2-A28C-F18ACE1CB45E}" srcOrd="0" destOrd="0" presId="urn:microsoft.com/office/officeart/2008/layout/NameandTitleOrganizationalChart"/>
     <dgm:cxn modelId="{AFF2FB6C-233D-4B4D-8DFD-AEAB4D785412}" type="presParOf" srcId="{13187331-0E50-4181-96D1-EEAC2EF907C6}" destId="{08218965-AD87-41B6-A675-D8B1B4D2FE43}" srcOrd="1" destOrd="0" presId="urn:microsoft.com/office/officeart/2008/layout/NameandTitleOrganizationalChart"/>
@@ -2075,15 +3786,15 @@
     <dgm:cxn modelId="{A1AE0871-3B21-4647-86CC-0A3DC4FAEAB5}" type="presParOf" srcId="{7CDDA2C6-CD7F-4AA4-9DAA-6A02DBD65835}" destId="{35ECACF9-C2B6-4724-B10F-922137ACA879}" srcOrd="1" destOrd="0" presId="urn:microsoft.com/office/officeart/2008/layout/NameandTitleOrganizationalChart"/>
     <dgm:cxn modelId="{906222E9-AB1B-4162-83AC-789A6F05C770}" type="presParOf" srcId="{7CDDA2C6-CD7F-4AA4-9DAA-6A02DBD65835}" destId="{40883471-E353-44B0-83F0-B4999E5D569D}" srcOrd="2" destOrd="0" presId="urn:microsoft.com/office/officeart/2008/layout/NameandTitleOrganizationalChart"/>
     <dgm:cxn modelId="{BAE74E26-C16D-45F5-A991-D14B0EFEC6BD}" type="presParOf" srcId="{B7952C5C-94EF-47C7-A710-98C6145447F5}" destId="{27F57182-FD6C-4422-83BE-0D1A347643BC}" srcOrd="1" destOrd="0" presId="urn:microsoft.com/office/officeart/2008/layout/NameandTitleOrganizationalChart"/>
+    <dgm:cxn modelId="{ADFBA5BD-D2C4-455C-A6F8-C81B81E7586B}" type="presParOf" srcId="{27F57182-FD6C-4422-83BE-0D1A347643BC}" destId="{A30393DF-3A4B-4106-842D-73A689893135}" srcOrd="0" destOrd="0" presId="urn:microsoft.com/office/officeart/2008/layout/NameandTitleOrganizationalChart"/>
+    <dgm:cxn modelId="{25F1C19C-8B98-479C-B057-8D957AEE93FA}" type="presParOf" srcId="{27F57182-FD6C-4422-83BE-0D1A347643BC}" destId="{8B55477A-3F23-46BD-9299-187F0D5E8228}" srcOrd="1" destOrd="0" presId="urn:microsoft.com/office/officeart/2008/layout/NameandTitleOrganizationalChart"/>
+    <dgm:cxn modelId="{41B363B4-4347-46C9-BA83-4F10EBE3963C}" type="presParOf" srcId="{8B55477A-3F23-46BD-9299-187F0D5E8228}" destId="{1E5D162E-BFB8-4214-BE5F-636CF8969DEA}" srcOrd="0" destOrd="0" presId="urn:microsoft.com/office/officeart/2008/layout/NameandTitleOrganizationalChart"/>
+    <dgm:cxn modelId="{576507A8-8410-4654-901F-7A680178E8F0}" type="presParOf" srcId="{1E5D162E-BFB8-4214-BE5F-636CF8969DEA}" destId="{F559EE92-E088-4CEA-A285-1FAC85078D30}" srcOrd="0" destOrd="0" presId="urn:microsoft.com/office/officeart/2008/layout/NameandTitleOrganizationalChart"/>
+    <dgm:cxn modelId="{96A3E502-6F02-4C23-BF0E-B67B1887F3E7}" type="presParOf" srcId="{1E5D162E-BFB8-4214-BE5F-636CF8969DEA}" destId="{5C7CE374-60E9-4888-B103-D10062AF7D7D}" srcOrd="1" destOrd="0" presId="urn:microsoft.com/office/officeart/2008/layout/NameandTitleOrganizationalChart"/>
+    <dgm:cxn modelId="{AE547DB2-3C3F-4073-B19E-623BFE009924}" type="presParOf" srcId="{1E5D162E-BFB8-4214-BE5F-636CF8969DEA}" destId="{DF8F1D46-3BFD-4BCC-A8F8-B83311F83BDE}" srcOrd="2" destOrd="0" presId="urn:microsoft.com/office/officeart/2008/layout/NameandTitleOrganizationalChart"/>
+    <dgm:cxn modelId="{B0B31D69-804D-40F9-9862-05938F54649D}" type="presParOf" srcId="{8B55477A-3F23-46BD-9299-187F0D5E8228}" destId="{65EC6E70-6C7F-4853-BB75-7B2D6CB1C534}" srcOrd="1" destOrd="0" presId="urn:microsoft.com/office/officeart/2008/layout/NameandTitleOrganizationalChart"/>
+    <dgm:cxn modelId="{7D2E0E80-0226-4219-82AB-C23E313C4AF1}" type="presParOf" srcId="{8B55477A-3F23-46BD-9299-187F0D5E8228}" destId="{163C0673-7869-4F25-87CF-C431123EE35C}" srcOrd="2" destOrd="0" presId="urn:microsoft.com/office/officeart/2008/layout/NameandTitleOrganizationalChart"/>
     <dgm:cxn modelId="{DC2DEECD-CA72-4C46-894A-15960256A2A0}" type="presParOf" srcId="{B7952C5C-94EF-47C7-A710-98C6145447F5}" destId="{F5A11ED4-F26B-4024-AA2C-FB7927044986}" srcOrd="2" destOrd="0" presId="urn:microsoft.com/office/officeart/2008/layout/NameandTitleOrganizationalChart"/>
-    <dgm:cxn modelId="{2F724CF0-33B7-4A9C-8EEA-5779F4A201D9}" type="presParOf" srcId="{E3FDC99B-8BE3-457C-8AB3-9978F5267278}" destId="{7755AA9A-A6E1-405F-AA76-F8034A2D4EC7}" srcOrd="2" destOrd="0" presId="urn:microsoft.com/office/officeart/2008/layout/NameandTitleOrganizationalChart"/>
-    <dgm:cxn modelId="{13E98CD5-40BE-4B9C-AA80-51CE5B5A6406}" type="presParOf" srcId="{E3FDC99B-8BE3-457C-8AB3-9978F5267278}" destId="{C1744938-D503-420C-BEF4-592B78505E31}" srcOrd="3" destOrd="0" presId="urn:microsoft.com/office/officeart/2008/layout/NameandTitleOrganizationalChart"/>
-    <dgm:cxn modelId="{798C72A4-00CE-4200-B3C5-EDEB7E4B4979}" type="presParOf" srcId="{C1744938-D503-420C-BEF4-592B78505E31}" destId="{A175786B-F1DD-4F51-A590-A7F1E32B0BFB}" srcOrd="0" destOrd="0" presId="urn:microsoft.com/office/officeart/2008/layout/NameandTitleOrganizationalChart"/>
-    <dgm:cxn modelId="{134D58CB-9D73-4B1B-9C8F-97E3E3347023}" type="presParOf" srcId="{A175786B-F1DD-4F51-A590-A7F1E32B0BFB}" destId="{A7166C54-72AB-4F1E-AEBA-77309A55B7CD}" srcOrd="0" destOrd="0" presId="urn:microsoft.com/office/officeart/2008/layout/NameandTitleOrganizationalChart"/>
-    <dgm:cxn modelId="{F2F911D2-7383-4A39-A208-FD3181FC7EB5}" type="presParOf" srcId="{A175786B-F1DD-4F51-A590-A7F1E32B0BFB}" destId="{D15CE218-707B-43F4-8E53-A5EA96CF9765}" srcOrd="1" destOrd="0" presId="urn:microsoft.com/office/officeart/2008/layout/NameandTitleOrganizationalChart"/>
-    <dgm:cxn modelId="{63D99C5C-D56A-4C0A-A668-0E8AA8107FAC}" type="presParOf" srcId="{A175786B-F1DD-4F51-A590-A7F1E32B0BFB}" destId="{F18C431A-893B-45E8-9FEF-61D464FA74E3}" srcOrd="2" destOrd="0" presId="urn:microsoft.com/office/officeart/2008/layout/NameandTitleOrganizationalChart"/>
-    <dgm:cxn modelId="{1FCF1E98-6CA5-4AF4-B6C2-4CB92466A08A}" type="presParOf" srcId="{C1744938-D503-420C-BEF4-592B78505E31}" destId="{78D0F9BA-EA9F-4B76-BD6B-F288D53109C8}" srcOrd="1" destOrd="0" presId="urn:microsoft.com/office/officeart/2008/layout/NameandTitleOrganizationalChart"/>
-    <dgm:cxn modelId="{AB95B054-FEE6-4F05-850F-845533263AB5}" type="presParOf" srcId="{C1744938-D503-420C-BEF4-592B78505E31}" destId="{AF198AF8-EB4F-4B5C-ACDD-AB27272A6E9E}" srcOrd="2" destOrd="0" presId="urn:microsoft.com/office/officeart/2008/layout/NameandTitleOrganizationalChart"/>
     <dgm:cxn modelId="{7457D462-6061-4347-BD2B-B091FDAAAB6B}" type="presParOf" srcId="{59465728-78E6-45B7-A5EA-CB81E26DE499}" destId="{9B86955E-E6E1-4D11-AECE-8E91A2AF79DE}" srcOrd="2" destOrd="0" presId="urn:microsoft.com/office/officeart/2008/layout/NameandTitleOrganizationalChart"/>
     <dgm:cxn modelId="{AA30C3E1-CC33-4D96-A50D-F1FE7692CE2E}" type="presParOf" srcId="{A381460C-6E29-46D1-BE49-96C358705A19}" destId="{5F7AE9DC-03C6-4A8A-8687-2A2C95C3307B}" srcOrd="2" destOrd="0" presId="urn:microsoft.com/office/officeart/2008/layout/NameandTitleOrganizationalChart"/>
     <dgm:cxn modelId="{D78477C8-72AD-4DAF-ADB4-B5450F319C65}" type="presParOf" srcId="{A381460C-6E29-46D1-BE49-96C358705A19}" destId="{C65A85CB-8CAD-438E-AA28-DC16D6B99543}" srcOrd="3" destOrd="0" presId="urn:microsoft.com/office/officeart/2008/layout/NameandTitleOrganizationalChart"/>
@@ -2111,16 +3822,16 @@
     <dgm:cxn modelId="{510252ED-4A2B-42AC-8456-2A29EEA5661B}" type="presParOf" srcId="{2C6C2F1F-7B62-4487-B7C6-29FDAFE559AC}" destId="{A5ED05A4-3B14-46F1-89DF-4DA258DA7FD2}" srcOrd="1" destOrd="0" presId="urn:microsoft.com/office/officeart/2008/layout/NameandTitleOrganizationalChart"/>
     <dgm:cxn modelId="{F7E8C691-F304-44B4-A1A4-FA9CDB5BE21A}" type="presParOf" srcId="{2C6C2F1F-7B62-4487-B7C6-29FDAFE559AC}" destId="{EA4B1614-917D-4A28-9365-D6F0A1D9B785}" srcOrd="2" destOrd="0" presId="urn:microsoft.com/office/officeart/2008/layout/NameandTitleOrganizationalChart"/>
     <dgm:cxn modelId="{6222F4A4-110E-4737-A78A-31EAB63E5182}" type="presParOf" srcId="{C23E7FDC-DEF3-4865-9433-E39DDAE4FBC1}" destId="{1866ADEA-6D4F-471E-8F26-B30E426D7F95}" srcOrd="2" destOrd="0" presId="urn:microsoft.com/office/officeart/2008/layout/NameandTitleOrganizationalChart"/>
-    <dgm:cxn modelId="{76B2FE12-364B-486E-83E9-8C688A7CE93F}" type="presParOf" srcId="{D5D9CEA2-C432-4834-935A-EAB7A15540C0}" destId="{927345DB-384D-4AC5-83B8-85E911369928}" srcOrd="6" destOrd="0" presId="urn:microsoft.com/office/officeart/2008/layout/NameandTitleOrganizationalChart"/>
-    <dgm:cxn modelId="{9A83352A-6E47-40FE-8E08-53FDC734185A}" type="presParOf" srcId="{D5D9CEA2-C432-4834-935A-EAB7A15540C0}" destId="{129E4687-B5B2-4570-9349-613472162676}" srcOrd="7" destOrd="0" presId="urn:microsoft.com/office/officeart/2008/layout/NameandTitleOrganizationalChart"/>
+    <dgm:cxn modelId="{76B2FE12-364B-486E-83E9-8C688A7CE93F}" type="presParOf" srcId="{D5D9CEA2-C432-4834-935A-EAB7A15540C0}" destId="{927345DB-384D-4AC5-83B8-85E911369928}" srcOrd="10" destOrd="0" presId="urn:microsoft.com/office/officeart/2008/layout/NameandTitleOrganizationalChart"/>
+    <dgm:cxn modelId="{9A83352A-6E47-40FE-8E08-53FDC734185A}" type="presParOf" srcId="{D5D9CEA2-C432-4834-935A-EAB7A15540C0}" destId="{129E4687-B5B2-4570-9349-613472162676}" srcOrd="11" destOrd="0" presId="urn:microsoft.com/office/officeart/2008/layout/NameandTitleOrganizationalChart"/>
     <dgm:cxn modelId="{54D83A02-C3A2-4D4C-8585-F77078DA439C}" type="presParOf" srcId="{129E4687-B5B2-4570-9349-613472162676}" destId="{8433CC68-09B6-4584-BAEC-CA7A626C2113}" srcOrd="0" destOrd="0" presId="urn:microsoft.com/office/officeart/2008/layout/NameandTitleOrganizationalChart"/>
     <dgm:cxn modelId="{C8B96D75-D6B3-4042-9180-50E129CAE285}" type="presParOf" srcId="{8433CC68-09B6-4584-BAEC-CA7A626C2113}" destId="{A0AB0266-667D-431D-856E-23F91F6A02C4}" srcOrd="0" destOrd="0" presId="urn:microsoft.com/office/officeart/2008/layout/NameandTitleOrganizationalChart"/>
     <dgm:cxn modelId="{D0E9C276-8CD4-438B-88A1-E79555BD1DC5}" type="presParOf" srcId="{8433CC68-09B6-4584-BAEC-CA7A626C2113}" destId="{1D154E4C-9EE6-4F82-BE44-2A2F6A21D814}" srcOrd="1" destOrd="0" presId="urn:microsoft.com/office/officeart/2008/layout/NameandTitleOrganizationalChart"/>
     <dgm:cxn modelId="{52C73C97-ACB8-4B05-973E-A48350918770}" type="presParOf" srcId="{8433CC68-09B6-4584-BAEC-CA7A626C2113}" destId="{49477053-4B07-4B4A-AEBE-4E5B0CD724F4}" srcOrd="2" destOrd="0" presId="urn:microsoft.com/office/officeart/2008/layout/NameandTitleOrganizationalChart"/>
     <dgm:cxn modelId="{B7679AA7-696A-4F96-927D-026D020D3CCE}" type="presParOf" srcId="{129E4687-B5B2-4570-9349-613472162676}" destId="{FB09C687-041F-4EBF-90E2-14B92FBD7E9A}" srcOrd="1" destOrd="0" presId="urn:microsoft.com/office/officeart/2008/layout/NameandTitleOrganizationalChart"/>
     <dgm:cxn modelId="{772C80EA-7FB8-4600-B20D-90829C540136}" type="presParOf" srcId="{129E4687-B5B2-4570-9349-613472162676}" destId="{F58F14B3-9EB3-4EE1-A5C1-70C979BE55D6}" srcOrd="2" destOrd="0" presId="urn:microsoft.com/office/officeart/2008/layout/NameandTitleOrganizationalChart"/>
-    <dgm:cxn modelId="{0F767640-C409-4B0B-87D9-25F63C13DD85}" type="presParOf" srcId="{D5D9CEA2-C432-4834-935A-EAB7A15540C0}" destId="{39AE0B3B-8243-431D-8E3A-66236372DCBA}" srcOrd="8" destOrd="0" presId="urn:microsoft.com/office/officeart/2008/layout/NameandTitleOrganizationalChart"/>
-    <dgm:cxn modelId="{F5020623-98DD-47DB-9BE8-F920041807BB}" type="presParOf" srcId="{D5D9CEA2-C432-4834-935A-EAB7A15540C0}" destId="{BD63E1CA-0048-40B7-BF0F-197B7150F84B}" srcOrd="9" destOrd="0" presId="urn:microsoft.com/office/officeart/2008/layout/NameandTitleOrganizationalChart"/>
+    <dgm:cxn modelId="{0F767640-C409-4B0B-87D9-25F63C13DD85}" type="presParOf" srcId="{D5D9CEA2-C432-4834-935A-EAB7A15540C0}" destId="{39AE0B3B-8243-431D-8E3A-66236372DCBA}" srcOrd="12" destOrd="0" presId="urn:microsoft.com/office/officeart/2008/layout/NameandTitleOrganizationalChart"/>
+    <dgm:cxn modelId="{F5020623-98DD-47DB-9BE8-F920041807BB}" type="presParOf" srcId="{D5D9CEA2-C432-4834-935A-EAB7A15540C0}" destId="{BD63E1CA-0048-40B7-BF0F-197B7150F84B}" srcOrd="13" destOrd="0" presId="urn:microsoft.com/office/officeart/2008/layout/NameandTitleOrganizationalChart"/>
     <dgm:cxn modelId="{5DDE5A06-DA0F-4AE2-BD5B-88BB79BF83FD}" type="presParOf" srcId="{BD63E1CA-0048-40B7-BF0F-197B7150F84B}" destId="{F90B5129-C558-4499-B301-113F96B9EBD2}" srcOrd="0" destOrd="0" presId="urn:microsoft.com/office/officeart/2008/layout/NameandTitleOrganizationalChart"/>
     <dgm:cxn modelId="{31F47CEB-F03F-4D3E-8F00-CEA216F7E068}" type="presParOf" srcId="{F90B5129-C558-4499-B301-113F96B9EBD2}" destId="{6750009E-174C-4648-BFC6-4D19F450A086}" srcOrd="0" destOrd="0" presId="urn:microsoft.com/office/officeart/2008/layout/NameandTitleOrganizationalChart"/>
     <dgm:cxn modelId="{83185922-793B-46E1-879E-0C0454C4EE61}" type="presParOf" srcId="{F90B5129-C558-4499-B301-113F96B9EBD2}" destId="{FD150DA8-934E-4D36-986A-8F655151C716}" srcOrd="1" destOrd="0" presId="urn:microsoft.com/office/officeart/2008/layout/NameandTitleOrganizationalChart"/>
@@ -2134,6 +3845,826 @@
   <dgm:extLst>
     <a:ext uri="http://schemas.microsoft.com/office/drawing/2008/diagram">
       <dsp:dataModelExt xmlns:dsp="http://schemas.microsoft.com/office/drawing/2008/diagram" relId="rId6" minVer="http://schemas.openxmlformats.org/drawingml/2006/diagram"/>
+    </a:ext>
+  </dgm:extLst>
+</dgm:dataModel>
+</file>
+
+<file path=ppt/diagrams/data2.xml><?xml version="1.0" encoding="utf-8"?>
+<dgm:dataModel xmlns:dgm="http://schemas.openxmlformats.org/drawingml/2006/diagram" xmlns:a="http://schemas.openxmlformats.org/drawingml/2006/main">
+  <dgm:ptLst>
+    <dgm:pt modelId="{FC34F87B-9BD4-4B6B-9344-D8C527F6152C}" type="doc">
+      <dgm:prSet loTypeId="urn:microsoft.com/office/officeart/2005/8/layout/process1" loCatId="process" qsTypeId="urn:microsoft.com/office/officeart/2005/8/quickstyle/simple1" qsCatId="simple" csTypeId="urn:microsoft.com/office/officeart/2005/8/colors/accent1_2" csCatId="accent1" phldr="1"/>
+      <dgm:spPr/>
+      <dgm:t>
+        <a:bodyPr/>
+        <a:lstStyle/>
+        <a:p>
+          <a:endParaRPr lang="en-US"/>
+        </a:p>
+      </dgm:t>
+    </dgm:pt>
+    <dgm:pt modelId="{E20BF611-ED8F-4B7E-8BBC-60C29CD39248}">
+      <dgm:prSet phldrT="[Text]"/>
+      <dgm:spPr/>
+      <dgm:t>
+        <a:bodyPr/>
+        <a:lstStyle/>
+        <a:p>
+          <a:r>
+            <a:rPr lang="en-US" dirty="0" err="1"/>
+            <a:t>metadata_generator</a:t>
+          </a:r>
+          <a:endParaRPr lang="en-US" dirty="0"/>
+        </a:p>
+      </dgm:t>
+    </dgm:pt>
+    <dgm:pt modelId="{A45A6721-2E0D-4CDB-B85B-5B7D8791E19F}" type="parTrans" cxnId="{184883AF-4E09-48A8-AF39-7AC6E62D007B}">
+      <dgm:prSet/>
+      <dgm:spPr/>
+      <dgm:t>
+        <a:bodyPr/>
+        <a:lstStyle/>
+        <a:p>
+          <a:endParaRPr lang="en-US"/>
+        </a:p>
+      </dgm:t>
+    </dgm:pt>
+    <dgm:pt modelId="{B9E21CAE-2623-4A6F-B9E7-E89DFC25FA48}" type="sibTrans" cxnId="{184883AF-4E09-48A8-AF39-7AC6E62D007B}">
+      <dgm:prSet/>
+      <dgm:spPr/>
+      <dgm:t>
+        <a:bodyPr/>
+        <a:lstStyle/>
+        <a:p>
+          <a:endParaRPr lang="en-US"/>
+        </a:p>
+      </dgm:t>
+    </dgm:pt>
+    <dgm:pt modelId="{829C5F95-8678-4885-A2E5-80BD3A320A59}">
+      <dgm:prSet phldrT="[Text]"/>
+      <dgm:spPr/>
+      <dgm:t>
+        <a:bodyPr/>
+        <a:lstStyle/>
+        <a:p>
+          <a:r>
+            <a:rPr lang="en-US" dirty="0" err="1"/>
+            <a:t>metadata_generator</a:t>
+          </a:r>
+          <a:endParaRPr lang="en-US" dirty="0"/>
+        </a:p>
+      </dgm:t>
+    </dgm:pt>
+    <dgm:pt modelId="{87E4B44E-9D57-4392-A99B-405D215A28FB}" type="parTrans" cxnId="{6D129EBA-841E-4770-B961-037F2373911C}">
+      <dgm:prSet/>
+      <dgm:spPr/>
+      <dgm:t>
+        <a:bodyPr/>
+        <a:lstStyle/>
+        <a:p>
+          <a:endParaRPr lang="en-US"/>
+        </a:p>
+      </dgm:t>
+    </dgm:pt>
+    <dgm:pt modelId="{DD2397E8-1899-4CEC-B6CE-16085075AFD3}" type="sibTrans" cxnId="{6D129EBA-841E-4770-B961-037F2373911C}">
+      <dgm:prSet/>
+      <dgm:spPr/>
+      <dgm:t>
+        <a:bodyPr/>
+        <a:lstStyle/>
+        <a:p>
+          <a:endParaRPr lang="en-US"/>
+        </a:p>
+      </dgm:t>
+    </dgm:pt>
+    <dgm:pt modelId="{9DC7BC22-3CBA-498F-8EF6-647D5D043390}">
+      <dgm:prSet phldrT="[Text]"/>
+      <dgm:spPr/>
+      <dgm:t>
+        <a:bodyPr/>
+        <a:lstStyle/>
+        <a:p>
+          <a:r>
+            <a:rPr lang="en-US" dirty="0" err="1"/>
+            <a:t>infocus</a:t>
+          </a:r>
+          <a:endParaRPr lang="en-US" dirty="0"/>
+        </a:p>
+      </dgm:t>
+    </dgm:pt>
+    <dgm:pt modelId="{F2E84212-3EE9-4742-9C43-85A0AFF34A8D}" type="parTrans" cxnId="{64AA5531-1A6F-4904-8FDF-9F8C6C3977F7}">
+      <dgm:prSet/>
+      <dgm:spPr/>
+      <dgm:t>
+        <a:bodyPr/>
+        <a:lstStyle/>
+        <a:p>
+          <a:endParaRPr lang="en-US"/>
+        </a:p>
+      </dgm:t>
+    </dgm:pt>
+    <dgm:pt modelId="{86B08366-7C36-4561-87D8-48FA2F2CE8D7}" type="sibTrans" cxnId="{64AA5531-1A6F-4904-8FDF-9F8C6C3977F7}">
+      <dgm:prSet/>
+      <dgm:spPr/>
+      <dgm:t>
+        <a:bodyPr/>
+        <a:lstStyle/>
+        <a:p>
+          <a:endParaRPr lang="en-US"/>
+        </a:p>
+      </dgm:t>
+    </dgm:pt>
+    <dgm:pt modelId="{67F1601A-0C55-43ED-817B-0E44200AB47A}">
+      <dgm:prSet/>
+      <dgm:spPr/>
+      <dgm:t>
+        <a:bodyPr/>
+        <a:lstStyle/>
+        <a:p>
+          <a:r>
+            <a:rPr lang="en-US" dirty="0" err="1"/>
+            <a:t>mcmicro_image_stack_generator</a:t>
+          </a:r>
+          <a:endParaRPr lang="en-US" dirty="0"/>
+        </a:p>
+      </dgm:t>
+    </dgm:pt>
+    <dgm:pt modelId="{020A6645-3534-44FB-B7F6-38BA232B477D}" type="parTrans" cxnId="{AA1257E2-3C34-4D61-867C-D50AEAE604FD}">
+      <dgm:prSet/>
+      <dgm:spPr/>
+      <dgm:t>
+        <a:bodyPr/>
+        <a:lstStyle/>
+        <a:p>
+          <a:endParaRPr lang="en-US"/>
+        </a:p>
+      </dgm:t>
+    </dgm:pt>
+    <dgm:pt modelId="{69FB4DCD-8019-4748-B2E3-28F708C80949}" type="sibTrans" cxnId="{AA1257E2-3C34-4D61-867C-D50AEAE604FD}">
+      <dgm:prSet/>
+      <dgm:spPr/>
+      <dgm:t>
+        <a:bodyPr/>
+        <a:lstStyle/>
+        <a:p>
+          <a:endParaRPr lang="en-US"/>
+        </a:p>
+      </dgm:t>
+    </dgm:pt>
+    <dgm:pt modelId="{468D9883-046C-4B44-8F76-FE0ED9300BB7}">
+      <dgm:prSet/>
+      <dgm:spPr/>
+      <dgm:t>
+        <a:bodyPr/>
+        <a:lstStyle/>
+        <a:p>
+          <a:r>
+            <a:rPr lang="en-US" dirty="0" err="1"/>
+            <a:t>stage_placement</a:t>
+          </a:r>
+          <a:endParaRPr lang="en-US" dirty="0"/>
+        </a:p>
+      </dgm:t>
+    </dgm:pt>
+    <dgm:pt modelId="{D69559C0-4110-4E5B-A68C-000E00DC2584}" type="parTrans" cxnId="{434F5D19-C129-4B3F-BE06-4C4885CE9FA9}">
+      <dgm:prSet/>
+      <dgm:spPr/>
+      <dgm:t>
+        <a:bodyPr/>
+        <a:lstStyle/>
+        <a:p>
+          <a:endParaRPr lang="en-US"/>
+        </a:p>
+      </dgm:t>
+    </dgm:pt>
+    <dgm:pt modelId="{F762155E-FA9E-4E4E-9621-7B5779D03E5A}" type="sibTrans" cxnId="{434F5D19-C129-4B3F-BE06-4C4885CE9FA9}">
+      <dgm:prSet/>
+      <dgm:spPr/>
+      <dgm:t>
+        <a:bodyPr/>
+        <a:lstStyle/>
+        <a:p>
+          <a:endParaRPr lang="en-US"/>
+        </a:p>
+      </dgm:t>
+    </dgm:pt>
+    <dgm:pt modelId="{2621206B-59EC-43E8-954A-76A298354E68}">
+      <dgm:prSet/>
+      <dgm:spPr/>
+      <dgm:t>
+        <a:bodyPr/>
+        <a:lstStyle/>
+        <a:p>
+          <a:r>
+            <a:rPr lang="en-US" dirty="0" err="1"/>
+            <a:t>mcmicro</a:t>
+          </a:r>
+          <a:endParaRPr lang="en-US" dirty="0"/>
+        </a:p>
+      </dgm:t>
+    </dgm:pt>
+    <dgm:pt modelId="{B822F2DD-22C3-42AB-885C-877005B5DD1B}" type="parTrans" cxnId="{ABDB4F99-BF43-40EF-8E5F-5DA366E5B5D3}">
+      <dgm:prSet/>
+      <dgm:spPr/>
+      <dgm:t>
+        <a:bodyPr/>
+        <a:lstStyle/>
+        <a:p>
+          <a:endParaRPr lang="en-US"/>
+        </a:p>
+      </dgm:t>
+    </dgm:pt>
+    <dgm:pt modelId="{012AE56D-19C1-4660-85C0-4D41E57C6EA7}" type="sibTrans" cxnId="{ABDB4F99-BF43-40EF-8E5F-5DA366E5B5D3}">
+      <dgm:prSet/>
+      <dgm:spPr/>
+      <dgm:t>
+        <a:bodyPr/>
+        <a:lstStyle/>
+        <a:p>
+          <a:endParaRPr lang="en-US"/>
+        </a:p>
+      </dgm:t>
+    </dgm:pt>
+    <dgm:pt modelId="{5500036B-9C20-48EB-97ED-E904F3500E58}" type="pres">
+      <dgm:prSet presAssocID="{FC34F87B-9BD4-4B6B-9344-D8C527F6152C}" presName="Name0" presStyleCnt="0">
+        <dgm:presLayoutVars>
+          <dgm:dir/>
+          <dgm:resizeHandles val="exact"/>
+        </dgm:presLayoutVars>
+      </dgm:prSet>
+      <dgm:spPr/>
+    </dgm:pt>
+    <dgm:pt modelId="{E5F2B085-442B-466F-918C-869FCC8E2764}" type="pres">
+      <dgm:prSet presAssocID="{E20BF611-ED8F-4B7E-8BBC-60C29CD39248}" presName="node" presStyleLbl="node1" presStyleIdx="0" presStyleCnt="6">
+        <dgm:presLayoutVars>
+          <dgm:bulletEnabled val="1"/>
+        </dgm:presLayoutVars>
+      </dgm:prSet>
+      <dgm:spPr/>
+    </dgm:pt>
+    <dgm:pt modelId="{602301A9-9BF2-4047-A0FE-89357D5ACB04}" type="pres">
+      <dgm:prSet presAssocID="{B9E21CAE-2623-4A6F-B9E7-E89DFC25FA48}" presName="sibTrans" presStyleLbl="sibTrans2D1" presStyleIdx="0" presStyleCnt="5"/>
+      <dgm:spPr/>
+    </dgm:pt>
+    <dgm:pt modelId="{40F4C580-B6BB-4460-903E-CB236FF9E7C5}" type="pres">
+      <dgm:prSet presAssocID="{B9E21CAE-2623-4A6F-B9E7-E89DFC25FA48}" presName="connectorText" presStyleLbl="sibTrans2D1" presStyleIdx="0" presStyleCnt="5"/>
+      <dgm:spPr/>
+    </dgm:pt>
+    <dgm:pt modelId="{627BEA87-6B8A-4711-8F0A-F3893914B4B1}" type="pres">
+      <dgm:prSet presAssocID="{829C5F95-8678-4885-A2E5-80BD3A320A59}" presName="node" presStyleLbl="node1" presStyleIdx="1" presStyleCnt="6">
+        <dgm:presLayoutVars>
+          <dgm:bulletEnabled val="1"/>
+        </dgm:presLayoutVars>
+      </dgm:prSet>
+      <dgm:spPr/>
+    </dgm:pt>
+    <dgm:pt modelId="{CD0BC564-4B1B-4547-8AAA-95501A14F142}" type="pres">
+      <dgm:prSet presAssocID="{DD2397E8-1899-4CEC-B6CE-16085075AFD3}" presName="sibTrans" presStyleLbl="sibTrans2D1" presStyleIdx="1" presStyleCnt="5"/>
+      <dgm:spPr/>
+    </dgm:pt>
+    <dgm:pt modelId="{BDFC9D9B-4E3A-47D4-8C1D-DC559B2F7ADF}" type="pres">
+      <dgm:prSet presAssocID="{DD2397E8-1899-4CEC-B6CE-16085075AFD3}" presName="connectorText" presStyleLbl="sibTrans2D1" presStyleIdx="1" presStyleCnt="5"/>
+      <dgm:spPr/>
+    </dgm:pt>
+    <dgm:pt modelId="{933A2555-BA65-404E-A947-E43ED22CEA0B}" type="pres">
+      <dgm:prSet presAssocID="{9DC7BC22-3CBA-498F-8EF6-647D5D043390}" presName="node" presStyleLbl="node1" presStyleIdx="2" presStyleCnt="6">
+        <dgm:presLayoutVars>
+          <dgm:bulletEnabled val="1"/>
+        </dgm:presLayoutVars>
+      </dgm:prSet>
+      <dgm:spPr/>
+    </dgm:pt>
+    <dgm:pt modelId="{27E3A82B-605A-4D2C-9B0E-4C622D42D5E4}" type="pres">
+      <dgm:prSet presAssocID="{86B08366-7C36-4561-87D8-48FA2F2CE8D7}" presName="sibTrans" presStyleLbl="sibTrans2D1" presStyleIdx="2" presStyleCnt="5"/>
+      <dgm:spPr/>
+    </dgm:pt>
+    <dgm:pt modelId="{3ABF7EAA-2B97-4CF0-B883-2AD752E50B99}" type="pres">
+      <dgm:prSet presAssocID="{86B08366-7C36-4561-87D8-48FA2F2CE8D7}" presName="connectorText" presStyleLbl="sibTrans2D1" presStyleIdx="2" presStyleCnt="5"/>
+      <dgm:spPr/>
+    </dgm:pt>
+    <dgm:pt modelId="{B7A39CCF-21DE-4D66-ACA3-31C09CA67E6A}" type="pres">
+      <dgm:prSet presAssocID="{67F1601A-0C55-43ED-817B-0E44200AB47A}" presName="node" presStyleLbl="node1" presStyleIdx="3" presStyleCnt="6">
+        <dgm:presLayoutVars>
+          <dgm:bulletEnabled val="1"/>
+        </dgm:presLayoutVars>
+      </dgm:prSet>
+      <dgm:spPr/>
+    </dgm:pt>
+    <dgm:pt modelId="{83BD270E-A4E8-45C6-92FD-E8A58F0BF7F7}" type="pres">
+      <dgm:prSet presAssocID="{69FB4DCD-8019-4748-B2E3-28F708C80949}" presName="sibTrans" presStyleLbl="sibTrans2D1" presStyleIdx="3" presStyleCnt="5"/>
+      <dgm:spPr/>
+    </dgm:pt>
+    <dgm:pt modelId="{473A2C6D-74ED-4D9F-8D19-ACF3D886E5AA}" type="pres">
+      <dgm:prSet presAssocID="{69FB4DCD-8019-4748-B2E3-28F708C80949}" presName="connectorText" presStyleLbl="sibTrans2D1" presStyleIdx="3" presStyleCnt="5"/>
+      <dgm:spPr/>
+    </dgm:pt>
+    <dgm:pt modelId="{C50117A7-E94D-448C-A5AB-63F31D1D5F0B}" type="pres">
+      <dgm:prSet presAssocID="{468D9883-046C-4B44-8F76-FE0ED9300BB7}" presName="node" presStyleLbl="node1" presStyleIdx="4" presStyleCnt="6">
+        <dgm:presLayoutVars>
+          <dgm:bulletEnabled val="1"/>
+        </dgm:presLayoutVars>
+      </dgm:prSet>
+      <dgm:spPr/>
+    </dgm:pt>
+    <dgm:pt modelId="{9C0ED22B-B3A0-43C3-A710-52397272F7DC}" type="pres">
+      <dgm:prSet presAssocID="{F762155E-FA9E-4E4E-9621-7B5779D03E5A}" presName="sibTrans" presStyleLbl="sibTrans2D1" presStyleIdx="4" presStyleCnt="5"/>
+      <dgm:spPr/>
+    </dgm:pt>
+    <dgm:pt modelId="{CD4F3B46-017C-4F77-9CE8-9D9C870C9ACF}" type="pres">
+      <dgm:prSet presAssocID="{F762155E-FA9E-4E4E-9621-7B5779D03E5A}" presName="connectorText" presStyleLbl="sibTrans2D1" presStyleIdx="4" presStyleCnt="5"/>
+      <dgm:spPr/>
+    </dgm:pt>
+    <dgm:pt modelId="{6DE442BC-8DCF-49B9-AF47-073E7DCE6769}" type="pres">
+      <dgm:prSet presAssocID="{2621206B-59EC-43E8-954A-76A298354E68}" presName="node" presStyleLbl="node1" presStyleIdx="5" presStyleCnt="6">
+        <dgm:presLayoutVars>
+          <dgm:bulletEnabled val="1"/>
+        </dgm:presLayoutVars>
+      </dgm:prSet>
+      <dgm:spPr/>
+    </dgm:pt>
+  </dgm:ptLst>
+  <dgm:cxnLst>
+    <dgm:cxn modelId="{434F5D19-C129-4B3F-BE06-4C4885CE9FA9}" srcId="{FC34F87B-9BD4-4B6B-9344-D8C527F6152C}" destId="{468D9883-046C-4B44-8F76-FE0ED9300BB7}" srcOrd="4" destOrd="0" parTransId="{D69559C0-4110-4E5B-A68C-000E00DC2584}" sibTransId="{F762155E-FA9E-4E4E-9621-7B5779D03E5A}"/>
+    <dgm:cxn modelId="{DC71312E-EB8A-40DD-9585-CE16F4D0CDF3}" type="presOf" srcId="{468D9883-046C-4B44-8F76-FE0ED9300BB7}" destId="{C50117A7-E94D-448C-A5AB-63F31D1D5F0B}" srcOrd="0" destOrd="0" presId="urn:microsoft.com/office/officeart/2005/8/layout/process1"/>
+    <dgm:cxn modelId="{31F88330-F0A4-4999-BE65-F7E306781797}" type="presOf" srcId="{9DC7BC22-3CBA-498F-8EF6-647D5D043390}" destId="{933A2555-BA65-404E-A947-E43ED22CEA0B}" srcOrd="0" destOrd="0" presId="urn:microsoft.com/office/officeart/2005/8/layout/process1"/>
+    <dgm:cxn modelId="{64AA5531-1A6F-4904-8FDF-9F8C6C3977F7}" srcId="{FC34F87B-9BD4-4B6B-9344-D8C527F6152C}" destId="{9DC7BC22-3CBA-498F-8EF6-647D5D043390}" srcOrd="2" destOrd="0" parTransId="{F2E84212-3EE9-4742-9C43-85A0AFF34A8D}" sibTransId="{86B08366-7C36-4561-87D8-48FA2F2CE8D7}"/>
+    <dgm:cxn modelId="{E3811F38-A9A8-4F57-B3C9-DF11DB20F2E1}" type="presOf" srcId="{69FB4DCD-8019-4748-B2E3-28F708C80949}" destId="{473A2C6D-74ED-4D9F-8D19-ACF3D886E5AA}" srcOrd="1" destOrd="0" presId="urn:microsoft.com/office/officeart/2005/8/layout/process1"/>
+    <dgm:cxn modelId="{AB6B783A-3F48-40B8-87B1-71514B36FD04}" type="presOf" srcId="{829C5F95-8678-4885-A2E5-80BD3A320A59}" destId="{627BEA87-6B8A-4711-8F0A-F3893914B4B1}" srcOrd="0" destOrd="0" presId="urn:microsoft.com/office/officeart/2005/8/layout/process1"/>
+    <dgm:cxn modelId="{C010F15F-964A-4339-95C1-C8D962F61C49}" type="presOf" srcId="{E20BF611-ED8F-4B7E-8BBC-60C29CD39248}" destId="{E5F2B085-442B-466F-918C-869FCC8E2764}" srcOrd="0" destOrd="0" presId="urn:microsoft.com/office/officeart/2005/8/layout/process1"/>
+    <dgm:cxn modelId="{4CE63162-8B5A-4669-97E4-F53A4233E099}" type="presOf" srcId="{67F1601A-0C55-43ED-817B-0E44200AB47A}" destId="{B7A39CCF-21DE-4D66-ACA3-31C09CA67E6A}" srcOrd="0" destOrd="0" presId="urn:microsoft.com/office/officeart/2005/8/layout/process1"/>
+    <dgm:cxn modelId="{42132D50-BE85-4ABC-AA28-B9FA35AC8819}" type="presOf" srcId="{F762155E-FA9E-4E4E-9621-7B5779D03E5A}" destId="{CD4F3B46-017C-4F77-9CE8-9D9C870C9ACF}" srcOrd="1" destOrd="0" presId="urn:microsoft.com/office/officeart/2005/8/layout/process1"/>
+    <dgm:cxn modelId="{ABDB4F99-BF43-40EF-8E5F-5DA366E5B5D3}" srcId="{FC34F87B-9BD4-4B6B-9344-D8C527F6152C}" destId="{2621206B-59EC-43E8-954A-76A298354E68}" srcOrd="5" destOrd="0" parTransId="{B822F2DD-22C3-42AB-885C-877005B5DD1B}" sibTransId="{012AE56D-19C1-4660-85C0-4D41E57C6EA7}"/>
+    <dgm:cxn modelId="{E933E19A-34C0-4D1D-8DA6-2FF316862D05}" type="presOf" srcId="{86B08366-7C36-4561-87D8-48FA2F2CE8D7}" destId="{27E3A82B-605A-4D2C-9B0E-4C622D42D5E4}" srcOrd="0" destOrd="0" presId="urn:microsoft.com/office/officeart/2005/8/layout/process1"/>
+    <dgm:cxn modelId="{C8750DAD-07DC-4674-945B-7BBD61F54501}" type="presOf" srcId="{DD2397E8-1899-4CEC-B6CE-16085075AFD3}" destId="{BDFC9D9B-4E3A-47D4-8C1D-DC559B2F7ADF}" srcOrd="1" destOrd="0" presId="urn:microsoft.com/office/officeart/2005/8/layout/process1"/>
+    <dgm:cxn modelId="{184883AF-4E09-48A8-AF39-7AC6E62D007B}" srcId="{FC34F87B-9BD4-4B6B-9344-D8C527F6152C}" destId="{E20BF611-ED8F-4B7E-8BBC-60C29CD39248}" srcOrd="0" destOrd="0" parTransId="{A45A6721-2E0D-4CDB-B85B-5B7D8791E19F}" sibTransId="{B9E21CAE-2623-4A6F-B9E7-E89DFC25FA48}"/>
+    <dgm:cxn modelId="{41CCB1B1-64EA-49EC-AA5F-2D314A64BE54}" type="presOf" srcId="{2621206B-59EC-43E8-954A-76A298354E68}" destId="{6DE442BC-8DCF-49B9-AF47-073E7DCE6769}" srcOrd="0" destOrd="0" presId="urn:microsoft.com/office/officeart/2005/8/layout/process1"/>
+    <dgm:cxn modelId="{6D129EBA-841E-4770-B961-037F2373911C}" srcId="{FC34F87B-9BD4-4B6B-9344-D8C527F6152C}" destId="{829C5F95-8678-4885-A2E5-80BD3A320A59}" srcOrd="1" destOrd="0" parTransId="{87E4B44E-9D57-4392-A99B-405D215A28FB}" sibTransId="{DD2397E8-1899-4CEC-B6CE-16085075AFD3}"/>
+    <dgm:cxn modelId="{690F80CC-D8A1-4EDB-A76F-6090D6856B86}" type="presOf" srcId="{69FB4DCD-8019-4748-B2E3-28F708C80949}" destId="{83BD270E-A4E8-45C6-92FD-E8A58F0BF7F7}" srcOrd="0" destOrd="0" presId="urn:microsoft.com/office/officeart/2005/8/layout/process1"/>
+    <dgm:cxn modelId="{922FC8CD-E348-4DB6-B78D-8BDFED34C66E}" type="presOf" srcId="{F762155E-FA9E-4E4E-9621-7B5779D03E5A}" destId="{9C0ED22B-B3A0-43C3-A710-52397272F7DC}" srcOrd="0" destOrd="0" presId="urn:microsoft.com/office/officeart/2005/8/layout/process1"/>
+    <dgm:cxn modelId="{AA1257E2-3C34-4D61-867C-D50AEAE604FD}" srcId="{FC34F87B-9BD4-4B6B-9344-D8C527F6152C}" destId="{67F1601A-0C55-43ED-817B-0E44200AB47A}" srcOrd="3" destOrd="0" parTransId="{020A6645-3534-44FB-B7F6-38BA232B477D}" sibTransId="{69FB4DCD-8019-4748-B2E3-28F708C80949}"/>
+    <dgm:cxn modelId="{3BCD8AE3-6929-4DA2-B133-2A17ACEA59AC}" type="presOf" srcId="{DD2397E8-1899-4CEC-B6CE-16085075AFD3}" destId="{CD0BC564-4B1B-4547-8AAA-95501A14F142}" srcOrd="0" destOrd="0" presId="urn:microsoft.com/office/officeart/2005/8/layout/process1"/>
+    <dgm:cxn modelId="{07B3A2E4-EF48-445F-AD43-3B40195BB6C4}" type="presOf" srcId="{FC34F87B-9BD4-4B6B-9344-D8C527F6152C}" destId="{5500036B-9C20-48EB-97ED-E904F3500E58}" srcOrd="0" destOrd="0" presId="urn:microsoft.com/office/officeart/2005/8/layout/process1"/>
+    <dgm:cxn modelId="{D675F7F8-47BD-484F-8B07-2B96AC839465}" type="presOf" srcId="{B9E21CAE-2623-4A6F-B9E7-E89DFC25FA48}" destId="{40F4C580-B6BB-4460-903E-CB236FF9E7C5}" srcOrd="1" destOrd="0" presId="urn:microsoft.com/office/officeart/2005/8/layout/process1"/>
+    <dgm:cxn modelId="{0E5FF7FB-3269-4D9A-9E7B-16750D722D09}" type="presOf" srcId="{86B08366-7C36-4561-87D8-48FA2F2CE8D7}" destId="{3ABF7EAA-2B97-4CF0-B883-2AD752E50B99}" srcOrd="1" destOrd="0" presId="urn:microsoft.com/office/officeart/2005/8/layout/process1"/>
+    <dgm:cxn modelId="{3FB218FD-79D2-4A90-B428-7E5FF24A9ACF}" type="presOf" srcId="{B9E21CAE-2623-4A6F-B9E7-E89DFC25FA48}" destId="{602301A9-9BF2-4047-A0FE-89357D5ACB04}" srcOrd="0" destOrd="0" presId="urn:microsoft.com/office/officeart/2005/8/layout/process1"/>
+    <dgm:cxn modelId="{74286E43-A2CD-4430-AF79-718F31BBD574}" type="presParOf" srcId="{5500036B-9C20-48EB-97ED-E904F3500E58}" destId="{E5F2B085-442B-466F-918C-869FCC8E2764}" srcOrd="0" destOrd="0" presId="urn:microsoft.com/office/officeart/2005/8/layout/process1"/>
+    <dgm:cxn modelId="{66017756-B986-46C0-9BEA-431808FC842E}" type="presParOf" srcId="{5500036B-9C20-48EB-97ED-E904F3500E58}" destId="{602301A9-9BF2-4047-A0FE-89357D5ACB04}" srcOrd="1" destOrd="0" presId="urn:microsoft.com/office/officeart/2005/8/layout/process1"/>
+    <dgm:cxn modelId="{4D45AB04-4982-41EC-945C-8ACADDD55F6D}" type="presParOf" srcId="{602301A9-9BF2-4047-A0FE-89357D5ACB04}" destId="{40F4C580-B6BB-4460-903E-CB236FF9E7C5}" srcOrd="0" destOrd="0" presId="urn:microsoft.com/office/officeart/2005/8/layout/process1"/>
+    <dgm:cxn modelId="{D8426314-3414-46F8-9F18-74D7B42B52FE}" type="presParOf" srcId="{5500036B-9C20-48EB-97ED-E904F3500E58}" destId="{627BEA87-6B8A-4711-8F0A-F3893914B4B1}" srcOrd="2" destOrd="0" presId="urn:microsoft.com/office/officeart/2005/8/layout/process1"/>
+    <dgm:cxn modelId="{29C8C591-E984-4084-9757-04875A6501D7}" type="presParOf" srcId="{5500036B-9C20-48EB-97ED-E904F3500E58}" destId="{CD0BC564-4B1B-4547-8AAA-95501A14F142}" srcOrd="3" destOrd="0" presId="urn:microsoft.com/office/officeart/2005/8/layout/process1"/>
+    <dgm:cxn modelId="{B498E672-3180-4B7F-8631-BB908E5E37B7}" type="presParOf" srcId="{CD0BC564-4B1B-4547-8AAA-95501A14F142}" destId="{BDFC9D9B-4E3A-47D4-8C1D-DC559B2F7ADF}" srcOrd="0" destOrd="0" presId="urn:microsoft.com/office/officeart/2005/8/layout/process1"/>
+    <dgm:cxn modelId="{C6BC5CC8-AFC8-40BC-B1CD-6AD14263F4F3}" type="presParOf" srcId="{5500036B-9C20-48EB-97ED-E904F3500E58}" destId="{933A2555-BA65-404E-A947-E43ED22CEA0B}" srcOrd="4" destOrd="0" presId="urn:microsoft.com/office/officeart/2005/8/layout/process1"/>
+    <dgm:cxn modelId="{C422CFF0-C137-4181-BC8A-7ABD53CA1D10}" type="presParOf" srcId="{5500036B-9C20-48EB-97ED-E904F3500E58}" destId="{27E3A82B-605A-4D2C-9B0E-4C622D42D5E4}" srcOrd="5" destOrd="0" presId="urn:microsoft.com/office/officeart/2005/8/layout/process1"/>
+    <dgm:cxn modelId="{EF06DB57-D56E-476C-96CD-9B0973F14956}" type="presParOf" srcId="{27E3A82B-605A-4D2C-9B0E-4C622D42D5E4}" destId="{3ABF7EAA-2B97-4CF0-B883-2AD752E50B99}" srcOrd="0" destOrd="0" presId="urn:microsoft.com/office/officeart/2005/8/layout/process1"/>
+    <dgm:cxn modelId="{58D8A932-88EB-45AB-8685-6B9000B72874}" type="presParOf" srcId="{5500036B-9C20-48EB-97ED-E904F3500E58}" destId="{B7A39CCF-21DE-4D66-ACA3-31C09CA67E6A}" srcOrd="6" destOrd="0" presId="urn:microsoft.com/office/officeart/2005/8/layout/process1"/>
+    <dgm:cxn modelId="{8387E3EC-5145-4688-AF03-B1D4AE8D5BB3}" type="presParOf" srcId="{5500036B-9C20-48EB-97ED-E904F3500E58}" destId="{83BD270E-A4E8-45C6-92FD-E8A58F0BF7F7}" srcOrd="7" destOrd="0" presId="urn:microsoft.com/office/officeart/2005/8/layout/process1"/>
+    <dgm:cxn modelId="{79439B2E-B76B-4433-A51D-104D77587C5A}" type="presParOf" srcId="{83BD270E-A4E8-45C6-92FD-E8A58F0BF7F7}" destId="{473A2C6D-74ED-4D9F-8D19-ACF3D886E5AA}" srcOrd="0" destOrd="0" presId="urn:microsoft.com/office/officeart/2005/8/layout/process1"/>
+    <dgm:cxn modelId="{F3FF9196-3CC0-41D1-9A8D-67D733702D03}" type="presParOf" srcId="{5500036B-9C20-48EB-97ED-E904F3500E58}" destId="{C50117A7-E94D-448C-A5AB-63F31D1D5F0B}" srcOrd="8" destOrd="0" presId="urn:microsoft.com/office/officeart/2005/8/layout/process1"/>
+    <dgm:cxn modelId="{5E146465-EAC3-417E-8539-1C82CCA33523}" type="presParOf" srcId="{5500036B-9C20-48EB-97ED-E904F3500E58}" destId="{9C0ED22B-B3A0-43C3-A710-52397272F7DC}" srcOrd="9" destOrd="0" presId="urn:microsoft.com/office/officeart/2005/8/layout/process1"/>
+    <dgm:cxn modelId="{5202D4F9-9B95-47F0-8ECF-979F2D3D6DF8}" type="presParOf" srcId="{9C0ED22B-B3A0-43C3-A710-52397272F7DC}" destId="{CD4F3B46-017C-4F77-9CE8-9D9C870C9ACF}" srcOrd="0" destOrd="0" presId="urn:microsoft.com/office/officeart/2005/8/layout/process1"/>
+    <dgm:cxn modelId="{07063C88-A44C-4E68-A262-79C9A2806504}" type="presParOf" srcId="{5500036B-9C20-48EB-97ED-E904F3500E58}" destId="{6DE442BC-8DCF-49B9-AF47-073E7DCE6769}" srcOrd="10" destOrd="0" presId="urn:microsoft.com/office/officeart/2005/8/layout/process1"/>
+  </dgm:cxnLst>
+  <dgm:bg/>
+  <dgm:whole/>
+  <dgm:extLst>
+    <a:ext uri="http://schemas.microsoft.com/office/drawing/2008/diagram">
+      <dsp:dataModelExt xmlns:dsp="http://schemas.microsoft.com/office/drawing/2008/diagram" relId="rId6" minVer="http://schemas.openxmlformats.org/drawingml/2006/diagram"/>
+    </a:ext>
+  </dgm:extLst>
+</dgm:dataModel>
+</file>
+
+<file path=ppt/diagrams/data3.xml><?xml version="1.0" encoding="utf-8"?>
+<dgm:dataModel xmlns:dgm="http://schemas.openxmlformats.org/drawingml/2006/diagram" xmlns:a="http://schemas.openxmlformats.org/drawingml/2006/main">
+  <dgm:ptLst>
+    <dgm:pt modelId="{FC34F87B-9BD4-4B6B-9344-D8C527F6152C}" type="doc">
+      <dgm:prSet loTypeId="urn:microsoft.com/office/officeart/2005/8/layout/process1" loCatId="process" qsTypeId="urn:microsoft.com/office/officeart/2005/8/quickstyle/simple1" qsCatId="simple" csTypeId="urn:microsoft.com/office/officeart/2005/8/colors/accent1_2" csCatId="accent1" phldr="1"/>
+      <dgm:spPr/>
+      <dgm:t>
+        <a:bodyPr/>
+        <a:lstStyle/>
+        <a:p>
+          <a:endParaRPr lang="en-US"/>
+        </a:p>
+      </dgm:t>
+    </dgm:pt>
+    <dgm:pt modelId="{E20BF611-ED8F-4B7E-8BBC-60C29CD39248}">
+      <dgm:prSet phldrT="[Text]"/>
+      <dgm:spPr/>
+      <dgm:t>
+        <a:bodyPr/>
+        <a:lstStyle/>
+        <a:p>
+          <a:r>
+            <a:rPr lang="en-US" dirty="0"/>
+            <a:t>Create new metadata construct from known working xml set</a:t>
+          </a:r>
+        </a:p>
+      </dgm:t>
+    </dgm:pt>
+    <dgm:pt modelId="{A45A6721-2E0D-4CDB-B85B-5B7D8791E19F}" type="parTrans" cxnId="{184883AF-4E09-48A8-AF39-7AC6E62D007B}">
+      <dgm:prSet/>
+      <dgm:spPr/>
+      <dgm:t>
+        <a:bodyPr/>
+        <a:lstStyle/>
+        <a:p>
+          <a:endParaRPr lang="en-US"/>
+        </a:p>
+      </dgm:t>
+    </dgm:pt>
+    <dgm:pt modelId="{B9E21CAE-2623-4A6F-B9E7-E89DFC25FA48}" type="sibTrans" cxnId="{184883AF-4E09-48A8-AF39-7AC6E62D007B}">
+      <dgm:prSet/>
+      <dgm:spPr/>
+      <dgm:t>
+        <a:bodyPr/>
+        <a:lstStyle/>
+        <a:p>
+          <a:endParaRPr lang="en-US"/>
+        </a:p>
+      </dgm:t>
+    </dgm:pt>
+    <dgm:pt modelId="{829C5F95-8678-4885-A2E5-80BD3A320A59}">
+      <dgm:prSet phldrT="[Text]"/>
+      <dgm:spPr/>
+      <dgm:t>
+        <a:bodyPr/>
+        <a:lstStyle/>
+        <a:p>
+          <a:r>
+            <a:rPr lang="en-US" dirty="0"/>
+            <a:t>Populate stage coords from saved experiment </a:t>
+          </a:r>
+          <a:r>
+            <a:rPr lang="en-US" dirty="0" err="1"/>
+            <a:t>numpy</a:t>
+          </a:r>
+          <a:r>
+            <a:rPr lang="en-US" dirty="0"/>
+            <a:t> array for the focus map. Update pixel size as well and frame size </a:t>
+          </a:r>
+        </a:p>
+      </dgm:t>
+    </dgm:pt>
+    <dgm:pt modelId="{87E4B44E-9D57-4392-A99B-405D215A28FB}" type="parTrans" cxnId="{6D129EBA-841E-4770-B961-037F2373911C}">
+      <dgm:prSet/>
+      <dgm:spPr/>
+      <dgm:t>
+        <a:bodyPr/>
+        <a:lstStyle/>
+        <a:p>
+          <a:endParaRPr lang="en-US"/>
+        </a:p>
+      </dgm:t>
+    </dgm:pt>
+    <dgm:pt modelId="{DD2397E8-1899-4CEC-B6CE-16085075AFD3}" type="sibTrans" cxnId="{6D129EBA-841E-4770-B961-037F2373911C}">
+      <dgm:prSet/>
+      <dgm:spPr/>
+      <dgm:t>
+        <a:bodyPr/>
+        <a:lstStyle/>
+        <a:p>
+          <a:endParaRPr lang="en-US"/>
+        </a:p>
+      </dgm:t>
+    </dgm:pt>
+    <dgm:pt modelId="{9DC7BC22-3CBA-498F-8EF6-647D5D043390}">
+      <dgm:prSet phldrT="[Text]"/>
+      <dgm:spPr/>
+      <dgm:t>
+        <a:bodyPr/>
+        <a:lstStyle/>
+        <a:p>
+          <a:r>
+            <a:rPr lang="en-US" dirty="0"/>
+            <a:t>Slice tile images into 10x10 sections and use </a:t>
+          </a:r>
+          <a:r>
+            <a:rPr lang="en-US" dirty="0" err="1"/>
+            <a:t>brenner</a:t>
+          </a:r>
+          <a:r>
+            <a:rPr lang="en-US" dirty="0"/>
+            <a:t> scores to determine in focus chunks. Use median filter on z plane chunk map to even out anomalies. Output reconstructed in focus tiles into focused folder</a:t>
+          </a:r>
+        </a:p>
+      </dgm:t>
+    </dgm:pt>
+    <dgm:pt modelId="{F2E84212-3EE9-4742-9C43-85A0AFF34A8D}" type="parTrans" cxnId="{64AA5531-1A6F-4904-8FDF-9F8C6C3977F7}">
+      <dgm:prSet/>
+      <dgm:spPr/>
+      <dgm:t>
+        <a:bodyPr/>
+        <a:lstStyle/>
+        <a:p>
+          <a:endParaRPr lang="en-US"/>
+        </a:p>
+      </dgm:t>
+    </dgm:pt>
+    <dgm:pt modelId="{86B08366-7C36-4561-87D8-48FA2F2CE8D7}" type="sibTrans" cxnId="{64AA5531-1A6F-4904-8FDF-9F8C6C3977F7}">
+      <dgm:prSet/>
+      <dgm:spPr/>
+      <dgm:t>
+        <a:bodyPr/>
+        <a:lstStyle/>
+        <a:p>
+          <a:endParaRPr lang="en-US"/>
+        </a:p>
+      </dgm:t>
+    </dgm:pt>
+    <dgm:pt modelId="{67F1601A-0C55-43ED-817B-0E44200AB47A}">
+      <dgm:prSet/>
+      <dgm:spPr/>
+      <dgm:t>
+        <a:bodyPr/>
+        <a:lstStyle/>
+        <a:p>
+          <a:r>
+            <a:rPr lang="en-US" dirty="0"/>
+            <a:t>Populate </a:t>
+          </a:r>
+          <a:r>
+            <a:rPr lang="en-US" dirty="0" err="1"/>
+            <a:t>mcmicro</a:t>
+          </a:r>
+          <a:r>
+            <a:rPr lang="en-US" dirty="0"/>
+            <a:t> raw data with in focus tiles and add in metadata as a description</a:t>
+          </a:r>
+        </a:p>
+      </dgm:t>
+    </dgm:pt>
+    <dgm:pt modelId="{020A6645-3534-44FB-B7F6-38BA232B477D}" type="parTrans" cxnId="{AA1257E2-3C34-4D61-867C-D50AEAE604FD}">
+      <dgm:prSet/>
+      <dgm:spPr/>
+      <dgm:t>
+        <a:bodyPr/>
+        <a:lstStyle/>
+        <a:p>
+          <a:endParaRPr lang="en-US"/>
+        </a:p>
+      </dgm:t>
+    </dgm:pt>
+    <dgm:pt modelId="{69FB4DCD-8019-4748-B2E3-28F708C80949}" type="sibTrans" cxnId="{AA1257E2-3C34-4D61-867C-D50AEAE604FD}">
+      <dgm:prSet/>
+      <dgm:spPr/>
+      <dgm:t>
+        <a:bodyPr/>
+        <a:lstStyle/>
+        <a:p>
+          <a:endParaRPr lang="en-US"/>
+        </a:p>
+      </dgm:t>
+    </dgm:pt>
+    <dgm:pt modelId="{468D9883-046C-4B44-8F76-FE0ED9300BB7}">
+      <dgm:prSet/>
+      <dgm:spPr/>
+      <dgm:t>
+        <a:bodyPr/>
+        <a:lstStyle/>
+        <a:p>
+          <a:r>
+            <a:rPr lang="en-US" dirty="0"/>
+            <a:t>Create quick tile images into quick tile folder via stage </a:t>
+          </a:r>
+          <a:r>
+            <a:rPr lang="en-US" dirty="0" err="1"/>
+            <a:t>coord</a:t>
+          </a:r>
+          <a:r>
+            <a:rPr lang="en-US" dirty="0"/>
+            <a:t> placement with in focus tiles</a:t>
+          </a:r>
+        </a:p>
+      </dgm:t>
+    </dgm:pt>
+    <dgm:pt modelId="{D69559C0-4110-4E5B-A68C-000E00DC2584}" type="parTrans" cxnId="{434F5D19-C129-4B3F-BE06-4C4885CE9FA9}">
+      <dgm:prSet/>
+      <dgm:spPr/>
+      <dgm:t>
+        <a:bodyPr/>
+        <a:lstStyle/>
+        <a:p>
+          <a:endParaRPr lang="en-US"/>
+        </a:p>
+      </dgm:t>
+    </dgm:pt>
+    <dgm:pt modelId="{F762155E-FA9E-4E4E-9621-7B5779D03E5A}" type="sibTrans" cxnId="{434F5D19-C129-4B3F-BE06-4C4885CE9FA9}">
+      <dgm:prSet/>
+      <dgm:spPr/>
+      <dgm:t>
+        <a:bodyPr/>
+        <a:lstStyle/>
+        <a:p>
+          <a:endParaRPr lang="en-US"/>
+        </a:p>
+      </dgm:t>
+    </dgm:pt>
+    <dgm:pt modelId="{2621206B-59EC-43E8-954A-76A298354E68}">
+      <dgm:prSet/>
+      <dgm:spPr/>
+      <dgm:t>
+        <a:bodyPr/>
+        <a:lstStyle/>
+        <a:p>
+          <a:r>
+            <a:rPr lang="en-US" dirty="0"/>
+            <a:t>Run </a:t>
+          </a:r>
+          <a:r>
+            <a:rPr lang="en-US" dirty="0" err="1"/>
+            <a:t>mcmicro</a:t>
+          </a:r>
+          <a:r>
+            <a:rPr lang="en-US" dirty="0"/>
+            <a:t> folder with </a:t>
+          </a:r>
+          <a:r>
+            <a:rPr lang="en-US" dirty="0" err="1"/>
+            <a:t>mcmicro</a:t>
+          </a:r>
+          <a:r>
+            <a:rPr lang="en-US" dirty="0"/>
+            <a:t> to flatten illumination via </a:t>
+          </a:r>
+          <a:r>
+            <a:rPr lang="en-US" dirty="0" err="1"/>
+            <a:t>BaSiC</a:t>
+          </a:r>
+          <a:r>
+            <a:rPr lang="en-US" dirty="0"/>
+            <a:t> and stitch and align cycles with Ashlar</a:t>
+          </a:r>
+        </a:p>
+      </dgm:t>
+    </dgm:pt>
+    <dgm:pt modelId="{B822F2DD-22C3-42AB-885C-877005B5DD1B}" type="parTrans" cxnId="{ABDB4F99-BF43-40EF-8E5F-5DA366E5B5D3}">
+      <dgm:prSet/>
+      <dgm:spPr/>
+      <dgm:t>
+        <a:bodyPr/>
+        <a:lstStyle/>
+        <a:p>
+          <a:endParaRPr lang="en-US"/>
+        </a:p>
+      </dgm:t>
+    </dgm:pt>
+    <dgm:pt modelId="{012AE56D-19C1-4660-85C0-4D41E57C6EA7}" type="sibTrans" cxnId="{ABDB4F99-BF43-40EF-8E5F-5DA366E5B5D3}">
+      <dgm:prSet/>
+      <dgm:spPr/>
+      <dgm:t>
+        <a:bodyPr/>
+        <a:lstStyle/>
+        <a:p>
+          <a:endParaRPr lang="en-US"/>
+        </a:p>
+      </dgm:t>
+    </dgm:pt>
+    <dgm:pt modelId="{5500036B-9C20-48EB-97ED-E904F3500E58}" type="pres">
+      <dgm:prSet presAssocID="{FC34F87B-9BD4-4B6B-9344-D8C527F6152C}" presName="Name0" presStyleCnt="0">
+        <dgm:presLayoutVars>
+          <dgm:dir/>
+          <dgm:resizeHandles val="exact"/>
+        </dgm:presLayoutVars>
+      </dgm:prSet>
+      <dgm:spPr/>
+    </dgm:pt>
+    <dgm:pt modelId="{E5F2B085-442B-466F-918C-869FCC8E2764}" type="pres">
+      <dgm:prSet presAssocID="{E20BF611-ED8F-4B7E-8BBC-60C29CD39248}" presName="node" presStyleLbl="node1" presStyleIdx="0" presStyleCnt="6">
+        <dgm:presLayoutVars>
+          <dgm:bulletEnabled val="1"/>
+        </dgm:presLayoutVars>
+      </dgm:prSet>
+      <dgm:spPr/>
+    </dgm:pt>
+    <dgm:pt modelId="{602301A9-9BF2-4047-A0FE-89357D5ACB04}" type="pres">
+      <dgm:prSet presAssocID="{B9E21CAE-2623-4A6F-B9E7-E89DFC25FA48}" presName="sibTrans" presStyleLbl="sibTrans2D1" presStyleIdx="0" presStyleCnt="5"/>
+      <dgm:spPr/>
+    </dgm:pt>
+    <dgm:pt modelId="{40F4C580-B6BB-4460-903E-CB236FF9E7C5}" type="pres">
+      <dgm:prSet presAssocID="{B9E21CAE-2623-4A6F-B9E7-E89DFC25FA48}" presName="connectorText" presStyleLbl="sibTrans2D1" presStyleIdx="0" presStyleCnt="5"/>
+      <dgm:spPr/>
+    </dgm:pt>
+    <dgm:pt modelId="{627BEA87-6B8A-4711-8F0A-F3893914B4B1}" type="pres">
+      <dgm:prSet presAssocID="{829C5F95-8678-4885-A2E5-80BD3A320A59}" presName="node" presStyleLbl="node1" presStyleIdx="1" presStyleCnt="6">
+        <dgm:presLayoutVars>
+          <dgm:bulletEnabled val="1"/>
+        </dgm:presLayoutVars>
+      </dgm:prSet>
+      <dgm:spPr/>
+    </dgm:pt>
+    <dgm:pt modelId="{CD0BC564-4B1B-4547-8AAA-95501A14F142}" type="pres">
+      <dgm:prSet presAssocID="{DD2397E8-1899-4CEC-B6CE-16085075AFD3}" presName="sibTrans" presStyleLbl="sibTrans2D1" presStyleIdx="1" presStyleCnt="5"/>
+      <dgm:spPr/>
+    </dgm:pt>
+    <dgm:pt modelId="{BDFC9D9B-4E3A-47D4-8C1D-DC559B2F7ADF}" type="pres">
+      <dgm:prSet presAssocID="{DD2397E8-1899-4CEC-B6CE-16085075AFD3}" presName="connectorText" presStyleLbl="sibTrans2D1" presStyleIdx="1" presStyleCnt="5"/>
+      <dgm:spPr/>
+    </dgm:pt>
+    <dgm:pt modelId="{933A2555-BA65-404E-A947-E43ED22CEA0B}" type="pres">
+      <dgm:prSet presAssocID="{9DC7BC22-3CBA-498F-8EF6-647D5D043390}" presName="node" presStyleLbl="node1" presStyleIdx="2" presStyleCnt="6">
+        <dgm:presLayoutVars>
+          <dgm:bulletEnabled val="1"/>
+        </dgm:presLayoutVars>
+      </dgm:prSet>
+      <dgm:spPr/>
+    </dgm:pt>
+    <dgm:pt modelId="{27E3A82B-605A-4D2C-9B0E-4C622D42D5E4}" type="pres">
+      <dgm:prSet presAssocID="{86B08366-7C36-4561-87D8-48FA2F2CE8D7}" presName="sibTrans" presStyleLbl="sibTrans2D1" presStyleIdx="2" presStyleCnt="5"/>
+      <dgm:spPr/>
+    </dgm:pt>
+    <dgm:pt modelId="{3ABF7EAA-2B97-4CF0-B883-2AD752E50B99}" type="pres">
+      <dgm:prSet presAssocID="{86B08366-7C36-4561-87D8-48FA2F2CE8D7}" presName="connectorText" presStyleLbl="sibTrans2D1" presStyleIdx="2" presStyleCnt="5"/>
+      <dgm:spPr/>
+    </dgm:pt>
+    <dgm:pt modelId="{B7A39CCF-21DE-4D66-ACA3-31C09CA67E6A}" type="pres">
+      <dgm:prSet presAssocID="{67F1601A-0C55-43ED-817B-0E44200AB47A}" presName="node" presStyleLbl="node1" presStyleIdx="3" presStyleCnt="6">
+        <dgm:presLayoutVars>
+          <dgm:bulletEnabled val="1"/>
+        </dgm:presLayoutVars>
+      </dgm:prSet>
+      <dgm:spPr/>
+    </dgm:pt>
+    <dgm:pt modelId="{83BD270E-A4E8-45C6-92FD-E8A58F0BF7F7}" type="pres">
+      <dgm:prSet presAssocID="{69FB4DCD-8019-4748-B2E3-28F708C80949}" presName="sibTrans" presStyleLbl="sibTrans2D1" presStyleIdx="3" presStyleCnt="5"/>
+      <dgm:spPr/>
+    </dgm:pt>
+    <dgm:pt modelId="{473A2C6D-74ED-4D9F-8D19-ACF3D886E5AA}" type="pres">
+      <dgm:prSet presAssocID="{69FB4DCD-8019-4748-B2E3-28F708C80949}" presName="connectorText" presStyleLbl="sibTrans2D1" presStyleIdx="3" presStyleCnt="5"/>
+      <dgm:spPr/>
+    </dgm:pt>
+    <dgm:pt modelId="{C50117A7-E94D-448C-A5AB-63F31D1D5F0B}" type="pres">
+      <dgm:prSet presAssocID="{468D9883-046C-4B44-8F76-FE0ED9300BB7}" presName="node" presStyleLbl="node1" presStyleIdx="4" presStyleCnt="6">
+        <dgm:presLayoutVars>
+          <dgm:bulletEnabled val="1"/>
+        </dgm:presLayoutVars>
+      </dgm:prSet>
+      <dgm:spPr/>
+    </dgm:pt>
+    <dgm:pt modelId="{9C0ED22B-B3A0-43C3-A710-52397272F7DC}" type="pres">
+      <dgm:prSet presAssocID="{F762155E-FA9E-4E4E-9621-7B5779D03E5A}" presName="sibTrans" presStyleLbl="sibTrans2D1" presStyleIdx="4" presStyleCnt="5"/>
+      <dgm:spPr/>
+    </dgm:pt>
+    <dgm:pt modelId="{CD4F3B46-017C-4F77-9CE8-9D9C870C9ACF}" type="pres">
+      <dgm:prSet presAssocID="{F762155E-FA9E-4E4E-9621-7B5779D03E5A}" presName="connectorText" presStyleLbl="sibTrans2D1" presStyleIdx="4" presStyleCnt="5"/>
+      <dgm:spPr/>
+    </dgm:pt>
+    <dgm:pt modelId="{6DE442BC-8DCF-49B9-AF47-073E7DCE6769}" type="pres">
+      <dgm:prSet presAssocID="{2621206B-59EC-43E8-954A-76A298354E68}" presName="node" presStyleLbl="node1" presStyleIdx="5" presStyleCnt="6">
+        <dgm:presLayoutVars>
+          <dgm:bulletEnabled val="1"/>
+        </dgm:presLayoutVars>
+      </dgm:prSet>
+      <dgm:spPr/>
+    </dgm:pt>
+  </dgm:ptLst>
+  <dgm:cxnLst>
+    <dgm:cxn modelId="{434F5D19-C129-4B3F-BE06-4C4885CE9FA9}" srcId="{FC34F87B-9BD4-4B6B-9344-D8C527F6152C}" destId="{468D9883-046C-4B44-8F76-FE0ED9300BB7}" srcOrd="4" destOrd="0" parTransId="{D69559C0-4110-4E5B-A68C-000E00DC2584}" sibTransId="{F762155E-FA9E-4E4E-9621-7B5779D03E5A}"/>
+    <dgm:cxn modelId="{DC71312E-EB8A-40DD-9585-CE16F4D0CDF3}" type="presOf" srcId="{468D9883-046C-4B44-8F76-FE0ED9300BB7}" destId="{C50117A7-E94D-448C-A5AB-63F31D1D5F0B}" srcOrd="0" destOrd="0" presId="urn:microsoft.com/office/officeart/2005/8/layout/process1"/>
+    <dgm:cxn modelId="{31F88330-F0A4-4999-BE65-F7E306781797}" type="presOf" srcId="{9DC7BC22-3CBA-498F-8EF6-647D5D043390}" destId="{933A2555-BA65-404E-A947-E43ED22CEA0B}" srcOrd="0" destOrd="0" presId="urn:microsoft.com/office/officeart/2005/8/layout/process1"/>
+    <dgm:cxn modelId="{64AA5531-1A6F-4904-8FDF-9F8C6C3977F7}" srcId="{FC34F87B-9BD4-4B6B-9344-D8C527F6152C}" destId="{9DC7BC22-3CBA-498F-8EF6-647D5D043390}" srcOrd="2" destOrd="0" parTransId="{F2E84212-3EE9-4742-9C43-85A0AFF34A8D}" sibTransId="{86B08366-7C36-4561-87D8-48FA2F2CE8D7}"/>
+    <dgm:cxn modelId="{E3811F38-A9A8-4F57-B3C9-DF11DB20F2E1}" type="presOf" srcId="{69FB4DCD-8019-4748-B2E3-28F708C80949}" destId="{473A2C6D-74ED-4D9F-8D19-ACF3D886E5AA}" srcOrd="1" destOrd="0" presId="urn:microsoft.com/office/officeart/2005/8/layout/process1"/>
+    <dgm:cxn modelId="{AB6B783A-3F48-40B8-87B1-71514B36FD04}" type="presOf" srcId="{829C5F95-8678-4885-A2E5-80BD3A320A59}" destId="{627BEA87-6B8A-4711-8F0A-F3893914B4B1}" srcOrd="0" destOrd="0" presId="urn:microsoft.com/office/officeart/2005/8/layout/process1"/>
+    <dgm:cxn modelId="{C010F15F-964A-4339-95C1-C8D962F61C49}" type="presOf" srcId="{E20BF611-ED8F-4B7E-8BBC-60C29CD39248}" destId="{E5F2B085-442B-466F-918C-869FCC8E2764}" srcOrd="0" destOrd="0" presId="urn:microsoft.com/office/officeart/2005/8/layout/process1"/>
+    <dgm:cxn modelId="{4CE63162-8B5A-4669-97E4-F53A4233E099}" type="presOf" srcId="{67F1601A-0C55-43ED-817B-0E44200AB47A}" destId="{B7A39CCF-21DE-4D66-ACA3-31C09CA67E6A}" srcOrd="0" destOrd="0" presId="urn:microsoft.com/office/officeart/2005/8/layout/process1"/>
+    <dgm:cxn modelId="{42132D50-BE85-4ABC-AA28-B9FA35AC8819}" type="presOf" srcId="{F762155E-FA9E-4E4E-9621-7B5779D03E5A}" destId="{CD4F3B46-017C-4F77-9CE8-9D9C870C9ACF}" srcOrd="1" destOrd="0" presId="urn:microsoft.com/office/officeart/2005/8/layout/process1"/>
+    <dgm:cxn modelId="{ABDB4F99-BF43-40EF-8E5F-5DA366E5B5D3}" srcId="{FC34F87B-9BD4-4B6B-9344-D8C527F6152C}" destId="{2621206B-59EC-43E8-954A-76A298354E68}" srcOrd="5" destOrd="0" parTransId="{B822F2DD-22C3-42AB-885C-877005B5DD1B}" sibTransId="{012AE56D-19C1-4660-85C0-4D41E57C6EA7}"/>
+    <dgm:cxn modelId="{E933E19A-34C0-4D1D-8DA6-2FF316862D05}" type="presOf" srcId="{86B08366-7C36-4561-87D8-48FA2F2CE8D7}" destId="{27E3A82B-605A-4D2C-9B0E-4C622D42D5E4}" srcOrd="0" destOrd="0" presId="urn:microsoft.com/office/officeart/2005/8/layout/process1"/>
+    <dgm:cxn modelId="{C8750DAD-07DC-4674-945B-7BBD61F54501}" type="presOf" srcId="{DD2397E8-1899-4CEC-B6CE-16085075AFD3}" destId="{BDFC9D9B-4E3A-47D4-8C1D-DC559B2F7ADF}" srcOrd="1" destOrd="0" presId="urn:microsoft.com/office/officeart/2005/8/layout/process1"/>
+    <dgm:cxn modelId="{184883AF-4E09-48A8-AF39-7AC6E62D007B}" srcId="{FC34F87B-9BD4-4B6B-9344-D8C527F6152C}" destId="{E20BF611-ED8F-4B7E-8BBC-60C29CD39248}" srcOrd="0" destOrd="0" parTransId="{A45A6721-2E0D-4CDB-B85B-5B7D8791E19F}" sibTransId="{B9E21CAE-2623-4A6F-B9E7-E89DFC25FA48}"/>
+    <dgm:cxn modelId="{41CCB1B1-64EA-49EC-AA5F-2D314A64BE54}" type="presOf" srcId="{2621206B-59EC-43E8-954A-76A298354E68}" destId="{6DE442BC-8DCF-49B9-AF47-073E7DCE6769}" srcOrd="0" destOrd="0" presId="urn:microsoft.com/office/officeart/2005/8/layout/process1"/>
+    <dgm:cxn modelId="{6D129EBA-841E-4770-B961-037F2373911C}" srcId="{FC34F87B-9BD4-4B6B-9344-D8C527F6152C}" destId="{829C5F95-8678-4885-A2E5-80BD3A320A59}" srcOrd="1" destOrd="0" parTransId="{87E4B44E-9D57-4392-A99B-405D215A28FB}" sibTransId="{DD2397E8-1899-4CEC-B6CE-16085075AFD3}"/>
+    <dgm:cxn modelId="{690F80CC-D8A1-4EDB-A76F-6090D6856B86}" type="presOf" srcId="{69FB4DCD-8019-4748-B2E3-28F708C80949}" destId="{83BD270E-A4E8-45C6-92FD-E8A58F0BF7F7}" srcOrd="0" destOrd="0" presId="urn:microsoft.com/office/officeart/2005/8/layout/process1"/>
+    <dgm:cxn modelId="{922FC8CD-E348-4DB6-B78D-8BDFED34C66E}" type="presOf" srcId="{F762155E-FA9E-4E4E-9621-7B5779D03E5A}" destId="{9C0ED22B-B3A0-43C3-A710-52397272F7DC}" srcOrd="0" destOrd="0" presId="urn:microsoft.com/office/officeart/2005/8/layout/process1"/>
+    <dgm:cxn modelId="{AA1257E2-3C34-4D61-867C-D50AEAE604FD}" srcId="{FC34F87B-9BD4-4B6B-9344-D8C527F6152C}" destId="{67F1601A-0C55-43ED-817B-0E44200AB47A}" srcOrd="3" destOrd="0" parTransId="{020A6645-3534-44FB-B7F6-38BA232B477D}" sibTransId="{69FB4DCD-8019-4748-B2E3-28F708C80949}"/>
+    <dgm:cxn modelId="{3BCD8AE3-6929-4DA2-B133-2A17ACEA59AC}" type="presOf" srcId="{DD2397E8-1899-4CEC-B6CE-16085075AFD3}" destId="{CD0BC564-4B1B-4547-8AAA-95501A14F142}" srcOrd="0" destOrd="0" presId="urn:microsoft.com/office/officeart/2005/8/layout/process1"/>
+    <dgm:cxn modelId="{07B3A2E4-EF48-445F-AD43-3B40195BB6C4}" type="presOf" srcId="{FC34F87B-9BD4-4B6B-9344-D8C527F6152C}" destId="{5500036B-9C20-48EB-97ED-E904F3500E58}" srcOrd="0" destOrd="0" presId="urn:microsoft.com/office/officeart/2005/8/layout/process1"/>
+    <dgm:cxn modelId="{D675F7F8-47BD-484F-8B07-2B96AC839465}" type="presOf" srcId="{B9E21CAE-2623-4A6F-B9E7-E89DFC25FA48}" destId="{40F4C580-B6BB-4460-903E-CB236FF9E7C5}" srcOrd="1" destOrd="0" presId="urn:microsoft.com/office/officeart/2005/8/layout/process1"/>
+    <dgm:cxn modelId="{0E5FF7FB-3269-4D9A-9E7B-16750D722D09}" type="presOf" srcId="{86B08366-7C36-4561-87D8-48FA2F2CE8D7}" destId="{3ABF7EAA-2B97-4CF0-B883-2AD752E50B99}" srcOrd="1" destOrd="0" presId="urn:microsoft.com/office/officeart/2005/8/layout/process1"/>
+    <dgm:cxn modelId="{3FB218FD-79D2-4A90-B428-7E5FF24A9ACF}" type="presOf" srcId="{B9E21CAE-2623-4A6F-B9E7-E89DFC25FA48}" destId="{602301A9-9BF2-4047-A0FE-89357D5ACB04}" srcOrd="0" destOrd="0" presId="urn:microsoft.com/office/officeart/2005/8/layout/process1"/>
+    <dgm:cxn modelId="{74286E43-A2CD-4430-AF79-718F31BBD574}" type="presParOf" srcId="{5500036B-9C20-48EB-97ED-E904F3500E58}" destId="{E5F2B085-442B-466F-918C-869FCC8E2764}" srcOrd="0" destOrd="0" presId="urn:microsoft.com/office/officeart/2005/8/layout/process1"/>
+    <dgm:cxn modelId="{66017756-B986-46C0-9BEA-431808FC842E}" type="presParOf" srcId="{5500036B-9C20-48EB-97ED-E904F3500E58}" destId="{602301A9-9BF2-4047-A0FE-89357D5ACB04}" srcOrd="1" destOrd="0" presId="urn:microsoft.com/office/officeart/2005/8/layout/process1"/>
+    <dgm:cxn modelId="{4D45AB04-4982-41EC-945C-8ACADDD55F6D}" type="presParOf" srcId="{602301A9-9BF2-4047-A0FE-89357D5ACB04}" destId="{40F4C580-B6BB-4460-903E-CB236FF9E7C5}" srcOrd="0" destOrd="0" presId="urn:microsoft.com/office/officeart/2005/8/layout/process1"/>
+    <dgm:cxn modelId="{D8426314-3414-46F8-9F18-74D7B42B52FE}" type="presParOf" srcId="{5500036B-9C20-48EB-97ED-E904F3500E58}" destId="{627BEA87-6B8A-4711-8F0A-F3893914B4B1}" srcOrd="2" destOrd="0" presId="urn:microsoft.com/office/officeart/2005/8/layout/process1"/>
+    <dgm:cxn modelId="{29C8C591-E984-4084-9757-04875A6501D7}" type="presParOf" srcId="{5500036B-9C20-48EB-97ED-E904F3500E58}" destId="{CD0BC564-4B1B-4547-8AAA-95501A14F142}" srcOrd="3" destOrd="0" presId="urn:microsoft.com/office/officeart/2005/8/layout/process1"/>
+    <dgm:cxn modelId="{B498E672-3180-4B7F-8631-BB908E5E37B7}" type="presParOf" srcId="{CD0BC564-4B1B-4547-8AAA-95501A14F142}" destId="{BDFC9D9B-4E3A-47D4-8C1D-DC559B2F7ADF}" srcOrd="0" destOrd="0" presId="urn:microsoft.com/office/officeart/2005/8/layout/process1"/>
+    <dgm:cxn modelId="{C6BC5CC8-AFC8-40BC-B1CD-6AD14263F4F3}" type="presParOf" srcId="{5500036B-9C20-48EB-97ED-E904F3500E58}" destId="{933A2555-BA65-404E-A947-E43ED22CEA0B}" srcOrd="4" destOrd="0" presId="urn:microsoft.com/office/officeart/2005/8/layout/process1"/>
+    <dgm:cxn modelId="{C422CFF0-C137-4181-BC8A-7ABD53CA1D10}" type="presParOf" srcId="{5500036B-9C20-48EB-97ED-E904F3500E58}" destId="{27E3A82B-605A-4D2C-9B0E-4C622D42D5E4}" srcOrd="5" destOrd="0" presId="urn:microsoft.com/office/officeart/2005/8/layout/process1"/>
+    <dgm:cxn modelId="{EF06DB57-D56E-476C-96CD-9B0973F14956}" type="presParOf" srcId="{27E3A82B-605A-4D2C-9B0E-4C622D42D5E4}" destId="{3ABF7EAA-2B97-4CF0-B883-2AD752E50B99}" srcOrd="0" destOrd="0" presId="urn:microsoft.com/office/officeart/2005/8/layout/process1"/>
+    <dgm:cxn modelId="{58D8A932-88EB-45AB-8685-6B9000B72874}" type="presParOf" srcId="{5500036B-9C20-48EB-97ED-E904F3500E58}" destId="{B7A39CCF-21DE-4D66-ACA3-31C09CA67E6A}" srcOrd="6" destOrd="0" presId="urn:microsoft.com/office/officeart/2005/8/layout/process1"/>
+    <dgm:cxn modelId="{8387E3EC-5145-4688-AF03-B1D4AE8D5BB3}" type="presParOf" srcId="{5500036B-9C20-48EB-97ED-E904F3500E58}" destId="{83BD270E-A4E8-45C6-92FD-E8A58F0BF7F7}" srcOrd="7" destOrd="0" presId="urn:microsoft.com/office/officeart/2005/8/layout/process1"/>
+    <dgm:cxn modelId="{79439B2E-B76B-4433-A51D-104D77587C5A}" type="presParOf" srcId="{83BD270E-A4E8-45C6-92FD-E8A58F0BF7F7}" destId="{473A2C6D-74ED-4D9F-8D19-ACF3D886E5AA}" srcOrd="0" destOrd="0" presId="urn:microsoft.com/office/officeart/2005/8/layout/process1"/>
+    <dgm:cxn modelId="{F3FF9196-3CC0-41D1-9A8D-67D733702D03}" type="presParOf" srcId="{5500036B-9C20-48EB-97ED-E904F3500E58}" destId="{C50117A7-E94D-448C-A5AB-63F31D1D5F0B}" srcOrd="8" destOrd="0" presId="urn:microsoft.com/office/officeart/2005/8/layout/process1"/>
+    <dgm:cxn modelId="{5E146465-EAC3-417E-8539-1C82CCA33523}" type="presParOf" srcId="{5500036B-9C20-48EB-97ED-E904F3500E58}" destId="{9C0ED22B-B3A0-43C3-A710-52397272F7DC}" srcOrd="9" destOrd="0" presId="urn:microsoft.com/office/officeart/2005/8/layout/process1"/>
+    <dgm:cxn modelId="{5202D4F9-9B95-47F0-8ECF-979F2D3D6DF8}" type="presParOf" srcId="{9C0ED22B-B3A0-43C3-A710-52397272F7DC}" destId="{CD4F3B46-017C-4F77-9CE8-9D9C870C9ACF}" srcOrd="0" destOrd="0" presId="urn:microsoft.com/office/officeart/2005/8/layout/process1"/>
+    <dgm:cxn modelId="{07063C88-A44C-4E68-A262-79C9A2806504}" type="presParOf" srcId="{5500036B-9C20-48EB-97ED-E904F3500E58}" destId="{6DE442BC-8DCF-49B9-AF47-073E7DCE6769}" srcOrd="10" destOrd="0" presId="urn:microsoft.com/office/officeart/2005/8/layout/process1"/>
+  </dgm:cxnLst>
+  <dgm:bg/>
+  <dgm:whole/>
+  <dgm:extLst>
+    <a:ext uri="http://schemas.microsoft.com/office/drawing/2008/diagram">
+      <dsp:dataModelExt xmlns:dsp="http://schemas.microsoft.com/office/drawing/2008/diagram" relId="rId11" minVer="http://schemas.openxmlformats.org/drawingml/2006/diagram"/>
     </a:ext>
   </dgm:extLst>
 </dgm:dataModel>
@@ -2154,8 +4685,8 @@
       </dsp:nvSpPr>
       <dsp:spPr>
         <a:xfrm>
-          <a:off x="5553936" y="864106"/>
-          <a:ext cx="4503499" cy="497372"/>
+          <a:off x="5577261" y="1048414"/>
+          <a:ext cx="4872061" cy="357821"/>
         </a:xfrm>
         <a:custGeom>
           <a:avLst/>
@@ -2169,13 +4700,13 @@
                 <a:pt x="0" y="0"/>
               </a:moveTo>
               <a:lnTo>
-                <a:pt x="0" y="296510"/>
+                <a:pt x="0" y="213316"/>
               </a:lnTo>
               <a:lnTo>
-                <a:pt x="4503499" y="296510"/>
+                <a:pt x="4872061" y="213316"/>
               </a:lnTo>
               <a:lnTo>
-                <a:pt x="4503499" y="497372"/>
+                <a:pt x="4872061" y="357821"/>
               </a:lnTo>
             </a:path>
           </a:pathLst>
@@ -2216,8 +4747,8 @@
       </dsp:nvSpPr>
       <dsp:spPr>
         <a:xfrm>
-          <a:off x="5553936" y="864106"/>
-          <a:ext cx="2272882" cy="497372"/>
+          <a:off x="5577261" y="1048414"/>
+          <a:ext cx="3267301" cy="357821"/>
         </a:xfrm>
         <a:custGeom>
           <a:avLst/>
@@ -2231,13 +4762,13 @@
                 <a:pt x="0" y="0"/>
               </a:moveTo>
               <a:lnTo>
-                <a:pt x="0" y="296510"/>
+                <a:pt x="0" y="213316"/>
               </a:lnTo>
               <a:lnTo>
-                <a:pt x="2272882" y="296510"/>
+                <a:pt x="3267301" y="213316"/>
               </a:lnTo>
               <a:lnTo>
-                <a:pt x="2272882" y="497372"/>
+                <a:pt x="3267301" y="357821"/>
               </a:lnTo>
             </a:path>
           </a:pathLst>
@@ -2278,8 +4809,8 @@
       </dsp:nvSpPr>
       <dsp:spPr>
         <a:xfrm>
-          <a:off x="5596201" y="2222315"/>
-          <a:ext cx="1115308" cy="497372"/>
+          <a:off x="7239801" y="2025542"/>
+          <a:ext cx="802380" cy="357821"/>
         </a:xfrm>
         <a:custGeom>
           <a:avLst/>
@@ -2293,13 +4824,13 @@
                 <a:pt x="0" y="0"/>
               </a:moveTo>
               <a:lnTo>
-                <a:pt x="0" y="296510"/>
+                <a:pt x="0" y="213316"/>
               </a:lnTo>
               <a:lnTo>
-                <a:pt x="1115308" y="296510"/>
+                <a:pt x="802380" y="213316"/>
               </a:lnTo>
               <a:lnTo>
-                <a:pt x="1115308" y="497372"/>
+                <a:pt x="802380" y="357821"/>
               </a:lnTo>
             </a:path>
           </a:pathLst>
@@ -2340,8 +4871,8 @@
       </dsp:nvSpPr>
       <dsp:spPr>
         <a:xfrm>
-          <a:off x="4480892" y="3580523"/>
-          <a:ext cx="2230617" cy="497372"/>
+          <a:off x="6437421" y="3002671"/>
+          <a:ext cx="1604760" cy="357821"/>
         </a:xfrm>
         <a:custGeom>
           <a:avLst/>
@@ -2355,13 +4886,13 @@
                 <a:pt x="0" y="0"/>
               </a:moveTo>
               <a:lnTo>
-                <a:pt x="0" y="296510"/>
+                <a:pt x="0" y="213316"/>
               </a:lnTo>
               <a:lnTo>
-                <a:pt x="2230617" y="296510"/>
+                <a:pt x="1604760" y="213316"/>
               </a:lnTo>
               <a:lnTo>
-                <a:pt x="2230617" y="497372"/>
+                <a:pt x="1604760" y="357821"/>
               </a:lnTo>
             </a:path>
           </a:pathLst>
@@ -2402,8 +4933,8 @@
       </dsp:nvSpPr>
       <dsp:spPr>
         <a:xfrm>
-          <a:off x="4435172" y="3580523"/>
-          <a:ext cx="91440" cy="497372"/>
+          <a:off x="6391701" y="3002671"/>
+          <a:ext cx="91440" cy="357821"/>
         </a:xfrm>
         <a:custGeom>
           <a:avLst/>
@@ -2417,7 +4948,7 @@
                 <a:pt x="45720" y="0"/>
               </a:moveTo>
               <a:lnTo>
-                <a:pt x="45720" y="497372"/>
+                <a:pt x="45720" y="357821"/>
               </a:lnTo>
             </a:path>
           </a:pathLst>
@@ -2451,15 +4982,15 @@
         <a:fontRef idx="minor"/>
       </dsp:style>
     </dsp:sp>
-    <dsp:sp modelId="{7755AA9A-A6E1-405F-AA76-F8034A2D4EC7}">
+    <dsp:sp modelId="{A30393DF-3A4B-4106-842D-73A689893135}">
       <dsp:nvSpPr>
         <dsp:cNvPr id="0" name=""/>
         <dsp:cNvSpPr/>
       </dsp:nvSpPr>
       <dsp:spPr>
         <a:xfrm>
-          <a:off x="2250275" y="4938732"/>
-          <a:ext cx="1035926" cy="497372"/>
+          <a:off x="4867099" y="4895468"/>
+          <a:ext cx="91440" cy="504251"/>
         </a:xfrm>
         <a:custGeom>
           <a:avLst/>
@@ -2470,16 +5001,16 @@
           <a:pathLst>
             <a:path>
               <a:moveTo>
-                <a:pt x="0" y="0"/>
+                <a:pt x="45720" y="0"/>
               </a:moveTo>
               <a:lnTo>
-                <a:pt x="0" y="296510"/>
+                <a:pt x="45720" y="359746"/>
               </a:lnTo>
               <a:lnTo>
-                <a:pt x="1035926" y="296510"/>
+                <a:pt x="55163" y="359746"/>
               </a:lnTo>
               <a:lnTo>
-                <a:pt x="1035926" y="497372"/>
+                <a:pt x="55163" y="504251"/>
               </a:lnTo>
             </a:path>
           </a:pathLst>
@@ -2520,8 +5051,8 @@
       </dsp:nvSpPr>
       <dsp:spPr>
         <a:xfrm>
-          <a:off x="1246387" y="4938732"/>
-          <a:ext cx="1003887" cy="411942"/>
+          <a:off x="4786940" y="3979799"/>
+          <a:ext cx="91440" cy="296361"/>
         </a:xfrm>
         <a:custGeom>
           <a:avLst/>
@@ -2532,16 +5063,16 @@
           <a:pathLst>
             <a:path>
               <a:moveTo>
-                <a:pt x="1003887" y="0"/>
+                <a:pt x="45720" y="0"/>
               </a:moveTo>
               <a:lnTo>
-                <a:pt x="1003887" y="211080"/>
+                <a:pt x="45720" y="151856"/>
               </a:lnTo>
               <a:lnTo>
-                <a:pt x="0" y="211080"/>
+                <a:pt x="125879" y="151856"/>
               </a:lnTo>
               <a:lnTo>
-                <a:pt x="0" y="411942"/>
+                <a:pt x="125879" y="296361"/>
               </a:lnTo>
             </a:path>
           </a:pathLst>
@@ -2582,8 +5113,8 @@
       </dsp:nvSpPr>
       <dsp:spPr>
         <a:xfrm>
-          <a:off x="2250275" y="3580523"/>
-          <a:ext cx="2230617" cy="497372"/>
+          <a:off x="4832660" y="3002671"/>
+          <a:ext cx="1604760" cy="357821"/>
         </a:xfrm>
         <a:custGeom>
           <a:avLst/>
@@ -2594,16 +5125,16 @@
           <a:pathLst>
             <a:path>
               <a:moveTo>
-                <a:pt x="2230617" y="0"/>
+                <a:pt x="1604760" y="0"/>
               </a:moveTo>
               <a:lnTo>
-                <a:pt x="2230617" y="296510"/>
+                <a:pt x="1604760" y="213316"/>
               </a:lnTo>
               <a:lnTo>
-                <a:pt x="0" y="296510"/>
+                <a:pt x="0" y="213316"/>
               </a:lnTo>
               <a:lnTo>
-                <a:pt x="0" y="497372"/>
+                <a:pt x="0" y="357821"/>
               </a:lnTo>
             </a:path>
           </a:pathLst>
@@ -2644,8 +5175,8 @@
       </dsp:nvSpPr>
       <dsp:spPr>
         <a:xfrm>
-          <a:off x="4480892" y="2222315"/>
-          <a:ext cx="1115308" cy="497372"/>
+          <a:off x="6437421" y="2025542"/>
+          <a:ext cx="802380" cy="357821"/>
         </a:xfrm>
         <a:custGeom>
           <a:avLst/>
@@ -2656,16 +5187,16 @@
           <a:pathLst>
             <a:path>
               <a:moveTo>
-                <a:pt x="1115308" y="0"/>
+                <a:pt x="802380" y="0"/>
               </a:moveTo>
               <a:lnTo>
-                <a:pt x="1115308" y="296510"/>
+                <a:pt x="802380" y="213316"/>
               </a:lnTo>
               <a:lnTo>
-                <a:pt x="0" y="296510"/>
+                <a:pt x="0" y="213316"/>
               </a:lnTo>
               <a:lnTo>
-                <a:pt x="0" y="497372"/>
+                <a:pt x="0" y="357821"/>
               </a:lnTo>
             </a:path>
           </a:pathLst>
@@ -2706,8 +5237,8 @@
       </dsp:nvSpPr>
       <dsp:spPr>
         <a:xfrm>
-          <a:off x="5508216" y="864106"/>
-          <a:ext cx="91440" cy="497372"/>
+          <a:off x="5577261" y="1048414"/>
+          <a:ext cx="1662540" cy="357821"/>
         </a:xfrm>
         <a:custGeom>
           <a:avLst/>
@@ -2718,16 +5249,16 @@
           <a:pathLst>
             <a:path>
               <a:moveTo>
-                <a:pt x="45720" y="0"/>
+                <a:pt x="0" y="0"/>
               </a:moveTo>
               <a:lnTo>
-                <a:pt x="45720" y="296510"/>
+                <a:pt x="0" y="213316"/>
               </a:lnTo>
               <a:lnTo>
-                <a:pt x="87984" y="296510"/>
+                <a:pt x="1662540" y="213316"/>
               </a:lnTo>
               <a:lnTo>
-                <a:pt x="87984" y="497372"/>
+                <a:pt x="1662540" y="357821"/>
               </a:lnTo>
             </a:path>
           </a:pathLst>
@@ -2768,8 +5299,8 @@
       </dsp:nvSpPr>
       <dsp:spPr>
         <a:xfrm>
-          <a:off x="3365584" y="864106"/>
-          <a:ext cx="2188352" cy="497372"/>
+          <a:off x="5531541" y="1048414"/>
+          <a:ext cx="91440" cy="357821"/>
         </a:xfrm>
         <a:custGeom>
           <a:avLst/>
@@ -2780,16 +5311,140 @@
           <a:pathLst>
             <a:path>
               <a:moveTo>
-                <a:pt x="2188352" y="0"/>
+                <a:pt x="45720" y="0"/>
               </a:moveTo>
               <a:lnTo>
-                <a:pt x="2188352" y="296510"/>
+                <a:pt x="45720" y="213316"/>
               </a:lnTo>
               <a:lnTo>
-                <a:pt x="0" y="296510"/>
+                <a:pt x="103499" y="213316"/>
               </a:lnTo>
               <a:lnTo>
-                <a:pt x="0" y="497372"/>
+                <a:pt x="103499" y="357821"/>
+              </a:lnTo>
+            </a:path>
+          </a:pathLst>
+        </a:custGeom>
+        <a:noFill/>
+        <a:ln w="6350" cap="flat" cmpd="sng" algn="ctr">
+          <a:solidFill>
+            <a:schemeClr val="accent1">
+              <a:shade val="60000"/>
+              <a:hueOff val="0"/>
+              <a:satOff val="0"/>
+              <a:lumOff val="0"/>
+              <a:alphaOff val="0"/>
+            </a:schemeClr>
+          </a:solidFill>
+          <a:prstDash val="solid"/>
+          <a:miter lim="800000"/>
+        </a:ln>
+        <a:effectLst/>
+      </dsp:spPr>
+      <dsp:style>
+        <a:lnRef idx="1">
+          <a:scrgbClr r="0" g="0" b="0"/>
+        </a:lnRef>
+        <a:fillRef idx="0">
+          <a:scrgbClr r="0" g="0" b="0"/>
+        </a:fillRef>
+        <a:effectRef idx="0">
+          <a:scrgbClr r="0" g="0" b="0"/>
+        </a:effectRef>
+        <a:fontRef idx="minor"/>
+      </dsp:style>
+    </dsp:sp>
+    <dsp:sp modelId="{72D81A41-C5CD-4EC7-A20D-79AC46B7B7CF}">
+      <dsp:nvSpPr>
+        <dsp:cNvPr id="0" name=""/>
+        <dsp:cNvSpPr/>
+      </dsp:nvSpPr>
+      <dsp:spPr>
+        <a:xfrm>
+          <a:off x="3975533" y="1048414"/>
+          <a:ext cx="1601727" cy="357821"/>
+        </a:xfrm>
+        <a:custGeom>
+          <a:avLst/>
+          <a:gdLst/>
+          <a:ahLst/>
+          <a:cxnLst/>
+          <a:rect l="0" t="0" r="0" b="0"/>
+          <a:pathLst>
+            <a:path>
+              <a:moveTo>
+                <a:pt x="1601727" y="0"/>
+              </a:moveTo>
+              <a:lnTo>
+                <a:pt x="1601727" y="213316"/>
+              </a:lnTo>
+              <a:lnTo>
+                <a:pt x="0" y="213316"/>
+              </a:lnTo>
+              <a:lnTo>
+                <a:pt x="0" y="357821"/>
+              </a:lnTo>
+            </a:path>
+          </a:pathLst>
+        </a:custGeom>
+        <a:noFill/>
+        <a:ln w="6350" cap="flat" cmpd="sng" algn="ctr">
+          <a:solidFill>
+            <a:schemeClr val="accent1">
+              <a:shade val="60000"/>
+              <a:hueOff val="0"/>
+              <a:satOff val="0"/>
+              <a:lumOff val="0"/>
+              <a:alphaOff val="0"/>
+            </a:schemeClr>
+          </a:solidFill>
+          <a:prstDash val="solid"/>
+          <a:miter lim="800000"/>
+        </a:ln>
+        <a:effectLst/>
+      </dsp:spPr>
+      <dsp:style>
+        <a:lnRef idx="1">
+          <a:scrgbClr r="0" g="0" b="0"/>
+        </a:lnRef>
+        <a:fillRef idx="0">
+          <a:scrgbClr r="0" g="0" b="0"/>
+        </a:fillRef>
+        <a:effectRef idx="0">
+          <a:scrgbClr r="0" g="0" b="0"/>
+        </a:effectRef>
+        <a:fontRef idx="minor"/>
+      </dsp:style>
+    </dsp:sp>
+    <dsp:sp modelId="{A4B9E23F-EFCC-45A8-866B-31F65AF72579}">
+      <dsp:nvSpPr>
+        <dsp:cNvPr id="0" name=""/>
+        <dsp:cNvSpPr/>
+      </dsp:nvSpPr>
+      <dsp:spPr>
+        <a:xfrm>
+          <a:off x="2370772" y="1048414"/>
+          <a:ext cx="3206488" cy="357821"/>
+        </a:xfrm>
+        <a:custGeom>
+          <a:avLst/>
+          <a:gdLst/>
+          <a:ahLst/>
+          <a:cxnLst/>
+          <a:rect l="0" t="0" r="0" b="0"/>
+          <a:pathLst>
+            <a:path>
+              <a:moveTo>
+                <a:pt x="3206488" y="0"/>
+              </a:moveTo>
+              <a:lnTo>
+                <a:pt x="3206488" y="213316"/>
+              </a:lnTo>
+              <a:lnTo>
+                <a:pt x="0" y="213316"/>
+              </a:lnTo>
+              <a:lnTo>
+                <a:pt x="0" y="357821"/>
               </a:lnTo>
             </a:path>
           </a:pathLst>
@@ -2830,8 +5485,8 @@
       </dsp:nvSpPr>
       <dsp:spPr>
         <a:xfrm>
-          <a:off x="1050436" y="864106"/>
-          <a:ext cx="4503499" cy="497372"/>
+          <a:off x="705199" y="1048414"/>
+          <a:ext cx="4872061" cy="357821"/>
         </a:xfrm>
         <a:custGeom>
           <a:avLst/>
@@ -2842,16 +5497,16 @@
           <a:pathLst>
             <a:path>
               <a:moveTo>
-                <a:pt x="4503499" y="0"/>
+                <a:pt x="4872061" y="0"/>
               </a:moveTo>
               <a:lnTo>
-                <a:pt x="4503499" y="296510"/>
+                <a:pt x="4872061" y="213316"/>
               </a:lnTo>
               <a:lnTo>
-                <a:pt x="0" y="296510"/>
+                <a:pt x="0" y="213316"/>
               </a:lnTo>
               <a:lnTo>
-                <a:pt x="0" y="497372"/>
+                <a:pt x="0" y="357821"/>
               </a:lnTo>
             </a:path>
           </a:pathLst>
@@ -2892,8 +5547,8 @@
       </dsp:nvSpPr>
       <dsp:spPr>
         <a:xfrm>
-          <a:off x="4722621" y="3270"/>
-          <a:ext cx="1662630" cy="860836"/>
+          <a:off x="4979192" y="429107"/>
+          <a:ext cx="1196137" cy="619306"/>
         </a:xfrm>
         <a:prstGeom prst="rect">
           <a:avLst/>
@@ -2956,12 +5611,12 @@
         </a:fontRef>
       </dsp:style>
       <dsp:txBody>
-        <a:bodyPr spcFirstLastPara="0" vert="horz" wrap="square" lIns="15875" tIns="15875" rIns="15875" bIns="121474" numCol="1" spcCol="1270" anchor="ctr" anchorCtr="0">
+        <a:bodyPr spcFirstLastPara="0" vert="horz" wrap="square" lIns="11430" tIns="11430" rIns="11430" bIns="87391" numCol="1" spcCol="1270" anchor="ctr" anchorCtr="0">
           <a:noAutofit/>
         </a:bodyPr>
         <a:lstStyle/>
         <a:p>
-          <a:pPr marL="0" lvl="0" indent="0" algn="ctr" defTabSz="1111250">
+          <a:pPr marL="0" lvl="0" indent="0" algn="ctr" defTabSz="800100">
             <a:lnSpc>
               <a:spcPct val="90000"/>
             </a:lnSpc>
@@ -2974,14 +5629,14 @@
             <a:buNone/>
           </a:pPr>
           <a:r>
-            <a:rPr lang="en-US" sz="2500" kern="1200" dirty="0"/>
+            <a:rPr lang="en-US" sz="1800" kern="1200" dirty="0"/>
             <a:t>Experiment Folder</a:t>
           </a:r>
         </a:p>
       </dsp:txBody>
       <dsp:txXfrm>
-        <a:off x="4722621" y="3270"/>
-        <a:ext cx="1662630" cy="860836"/>
+        <a:off x="4979192" y="429107"/>
+        <a:ext cx="1196137" cy="619306"/>
       </dsp:txXfrm>
     </dsp:sp>
     <dsp:sp modelId="{3DE32E9D-DA12-4EB5-9010-0838C4639AA2}">
@@ -2991,8 +5646,8 @@
       </dsp:nvSpPr>
       <dsp:spPr>
         <a:xfrm>
-          <a:off x="5055147" y="672809"/>
-          <a:ext cx="1496367" cy="286945"/>
+          <a:off x="5218420" y="910790"/>
+          <a:ext cx="1076523" cy="206435"/>
         </a:xfrm>
         <a:prstGeom prst="rect">
           <a:avLst/>
@@ -3033,12 +5688,12 @@
         <a:fontRef idx="minor"/>
       </dsp:style>
       <dsp:txBody>
-        <a:bodyPr spcFirstLastPara="0" vert="horz" wrap="square" lIns="45720" tIns="11430" rIns="45720" bIns="11430" numCol="1" spcCol="1270" anchor="ctr" anchorCtr="0">
+        <a:bodyPr spcFirstLastPara="0" vert="horz" wrap="square" lIns="33020" tIns="8255" rIns="33020" bIns="8255" numCol="1" spcCol="1270" anchor="ctr" anchorCtr="0">
           <a:noAutofit/>
         </a:bodyPr>
         <a:lstStyle/>
         <a:p>
-          <a:pPr marL="0" lvl="0" indent="0" algn="r" defTabSz="800100">
+          <a:pPr marL="0" lvl="0" indent="0" algn="r" defTabSz="577850">
             <a:lnSpc>
               <a:spcPct val="90000"/>
             </a:lnSpc>
@@ -3050,12 +5705,12 @@
             </a:spcAft>
             <a:buNone/>
           </a:pPr>
-          <a:endParaRPr lang="en-US" sz="1800" kern="1200"/>
+          <a:endParaRPr lang="en-US" sz="1300" kern="1200"/>
         </a:p>
       </dsp:txBody>
       <dsp:txXfrm>
-        <a:off x="5055147" y="672809"/>
-        <a:ext cx="1496367" cy="286945"/>
+        <a:off x="5218420" y="910790"/>
+        <a:ext cx="1076523" cy="206435"/>
       </dsp:txXfrm>
     </dsp:sp>
     <dsp:sp modelId="{8E76F066-6C77-4E75-B4FC-9511995F26E0}">
@@ -3065,8 +5720,8 @@
       </dsp:nvSpPr>
       <dsp:spPr>
         <a:xfrm>
-          <a:off x="219121" y="1361478"/>
-          <a:ext cx="1662630" cy="860836"/>
+          <a:off x="107130" y="1406235"/>
+          <a:ext cx="1196137" cy="619306"/>
         </a:xfrm>
         <a:prstGeom prst="rect">
           <a:avLst/>
@@ -3129,12 +5784,12 @@
         </a:fontRef>
       </dsp:style>
       <dsp:txBody>
-        <a:bodyPr spcFirstLastPara="0" vert="horz" wrap="square" lIns="15875" tIns="15875" rIns="15875" bIns="121474" numCol="1" spcCol="1270" anchor="ctr" anchorCtr="0">
+        <a:bodyPr spcFirstLastPara="0" vert="horz" wrap="square" lIns="11430" tIns="11430" rIns="11430" bIns="87391" numCol="1" spcCol="1270" anchor="ctr" anchorCtr="0">
           <a:noAutofit/>
         </a:bodyPr>
         <a:lstStyle/>
         <a:p>
-          <a:pPr marL="0" lvl="0" indent="0" algn="ctr" defTabSz="1111250">
+          <a:pPr marL="0" lvl="0" indent="0" algn="ctr" defTabSz="800100">
             <a:lnSpc>
               <a:spcPct val="90000"/>
             </a:lnSpc>
@@ -3147,14 +5802,14 @@
             <a:buNone/>
           </a:pPr>
           <a:r>
-            <a:rPr lang="en-US" sz="2500" kern="1200" dirty="0"/>
+            <a:rPr lang="en-US" sz="1800" kern="1200" dirty="0"/>
             <a:t>Quick Tile</a:t>
           </a:r>
         </a:p>
       </dsp:txBody>
       <dsp:txXfrm>
-        <a:off x="219121" y="1361478"/>
-        <a:ext cx="1662630" cy="860836"/>
+        <a:off x="107130" y="1406235"/>
+        <a:ext cx="1196137" cy="619306"/>
       </dsp:txXfrm>
     </dsp:sp>
     <dsp:sp modelId="{23A5FF22-1D76-4F9D-9DC8-99AA04427688}">
@@ -3164,8 +5819,8 @@
       </dsp:nvSpPr>
       <dsp:spPr>
         <a:xfrm>
-          <a:off x="297878" y="1999193"/>
-          <a:ext cx="1665427" cy="823625"/>
+          <a:off x="163790" y="1865023"/>
+          <a:ext cx="1198149" cy="592536"/>
         </a:xfrm>
         <a:prstGeom prst="rect">
           <a:avLst/>
@@ -3230,19 +5885,19 @@
         </a:p>
       </dsp:txBody>
       <dsp:txXfrm>
-        <a:off x="297878" y="1999193"/>
-        <a:ext cx="1665427" cy="823625"/>
+        <a:off x="163790" y="1865023"/>
+        <a:ext cx="1198149" cy="592536"/>
       </dsp:txXfrm>
     </dsp:sp>
-    <dsp:sp modelId="{EFA9F0B3-8231-47B9-9137-5189FE2ABB55}">
+    <dsp:sp modelId="{63113784-90C7-4BC6-B1B4-7508E8078CC5}">
       <dsp:nvSpPr>
         <dsp:cNvPr id="0" name=""/>
         <dsp:cNvSpPr/>
       </dsp:nvSpPr>
       <dsp:spPr>
         <a:xfrm>
-          <a:off x="2534268" y="1361478"/>
-          <a:ext cx="1662630" cy="860836"/>
+          <a:off x="1772704" y="1406235"/>
+          <a:ext cx="1196137" cy="619306"/>
         </a:xfrm>
         <a:prstGeom prst="rect">
           <a:avLst/>
@@ -3305,12 +5960,12 @@
         </a:fontRef>
       </dsp:style>
       <dsp:txBody>
-        <a:bodyPr spcFirstLastPara="0" vert="horz" wrap="square" lIns="15875" tIns="15875" rIns="15875" bIns="121474" numCol="1" spcCol="1270" anchor="ctr" anchorCtr="0">
+        <a:bodyPr spcFirstLastPara="0" vert="horz" wrap="square" lIns="11430" tIns="11430" rIns="11430" bIns="87391" numCol="1" spcCol="1270" anchor="ctr" anchorCtr="0">
           <a:noAutofit/>
         </a:bodyPr>
         <a:lstStyle/>
         <a:p>
-          <a:pPr marL="0" lvl="0" indent="0" algn="ctr" defTabSz="1111250">
+          <a:pPr marL="0" lvl="0" indent="0" algn="ctr" defTabSz="800100">
             <a:lnSpc>
               <a:spcPct val="90000"/>
             </a:lnSpc>
@@ -3323,25 +5978,26 @@
             <a:buNone/>
           </a:pPr>
           <a:r>
-            <a:rPr lang="en-US" sz="2500" kern="1200" dirty="0"/>
-            <a:t>DAPI</a:t>
+            <a:rPr lang="en-US" sz="1800" kern="1200" dirty="0" err="1"/>
+            <a:t>Mcmicro</a:t>
           </a:r>
+          <a:endParaRPr lang="en-US" sz="1800" kern="1200" dirty="0"/>
         </a:p>
       </dsp:txBody>
       <dsp:txXfrm>
-        <a:off x="2534268" y="1361478"/>
-        <a:ext cx="1662630" cy="860836"/>
+        <a:off x="1772704" y="1406235"/>
+        <a:ext cx="1196137" cy="619306"/>
       </dsp:txXfrm>
     </dsp:sp>
-    <dsp:sp modelId="{1DF30EDE-B6C6-484D-8A7A-8B50AE3E34F0}">
+    <dsp:sp modelId="{5DDDA7F8-099B-4942-870A-A1589194340E}">
       <dsp:nvSpPr>
         <dsp:cNvPr id="0" name=""/>
         <dsp:cNvSpPr/>
       </dsp:nvSpPr>
       <dsp:spPr>
         <a:xfrm>
-          <a:off x="2866794" y="2031018"/>
-          <a:ext cx="1496367" cy="286945"/>
+          <a:off x="2011931" y="1887919"/>
+          <a:ext cx="1076523" cy="206435"/>
         </a:xfrm>
         <a:prstGeom prst="rect">
           <a:avLst/>
@@ -3382,12 +6038,12 @@
         <a:fontRef idx="minor"/>
       </dsp:style>
       <dsp:txBody>
-        <a:bodyPr spcFirstLastPara="0" vert="horz" wrap="square" lIns="45720" tIns="11430" rIns="45720" bIns="11430" numCol="1" spcCol="1270" anchor="ctr" anchorCtr="0">
+        <a:bodyPr spcFirstLastPara="0" vert="horz" wrap="square" lIns="25400" tIns="6350" rIns="25400" bIns="6350" numCol="1" spcCol="1270" anchor="ctr" anchorCtr="0">
           <a:noAutofit/>
         </a:bodyPr>
         <a:lstStyle/>
         <a:p>
-          <a:pPr marL="0" lvl="0" indent="0" algn="r" defTabSz="800100">
+          <a:pPr marL="0" lvl="0" indent="0" algn="r" defTabSz="444500">
             <a:lnSpc>
               <a:spcPct val="90000"/>
             </a:lnSpc>
@@ -3399,23 +6055,34 @@
             </a:spcAft>
             <a:buNone/>
           </a:pPr>
-          <a:endParaRPr lang="en-US" sz="1800" kern="1200" dirty="0"/>
+          <a:r>
+            <a:rPr lang="en-US" sz="1000" kern="1200" dirty="0" err="1"/>
+            <a:t>Mcmicro</a:t>
+          </a:r>
+          <a:r>
+            <a:rPr lang="en-US" sz="1000" kern="1200"/>
+            <a:t> input </a:t>
+          </a:r>
+          <a:r>
+            <a:rPr lang="en-US" sz="1000" kern="1200" dirty="0"/>
+            <a:t>data</a:t>
+          </a:r>
         </a:p>
       </dsp:txBody>
       <dsp:txXfrm>
-        <a:off x="2866794" y="2031018"/>
-        <a:ext cx="1496367" cy="286945"/>
+        <a:off x="2011931" y="1887919"/>
+        <a:ext cx="1076523" cy="206435"/>
       </dsp:txXfrm>
     </dsp:sp>
-    <dsp:sp modelId="{6C1C8BAD-0FBB-4BD2-A28C-F18ACE1CB45E}">
+    <dsp:sp modelId="{0C12107F-41D4-4DFC-B4A4-1A81BB298E5B}">
       <dsp:nvSpPr>
         <dsp:cNvPr id="0" name=""/>
         <dsp:cNvSpPr/>
       </dsp:nvSpPr>
       <dsp:spPr>
         <a:xfrm>
-          <a:off x="4764886" y="1361478"/>
-          <a:ext cx="1662630" cy="860836"/>
+          <a:off x="3377465" y="1406235"/>
+          <a:ext cx="1196137" cy="619306"/>
         </a:xfrm>
         <a:prstGeom prst="rect">
           <a:avLst/>
@@ -3478,12 +6145,12 @@
         </a:fontRef>
       </dsp:style>
       <dsp:txBody>
-        <a:bodyPr spcFirstLastPara="0" vert="horz" wrap="square" lIns="15875" tIns="15875" rIns="15875" bIns="121474" numCol="1" spcCol="1270" anchor="ctr" anchorCtr="0">
+        <a:bodyPr spcFirstLastPara="0" vert="horz" wrap="square" lIns="11430" tIns="11430" rIns="11430" bIns="87391" numCol="1" spcCol="1270" anchor="ctr" anchorCtr="0">
           <a:noAutofit/>
         </a:bodyPr>
         <a:lstStyle/>
         <a:p>
-          <a:pPr marL="0" lvl="0" indent="0" algn="ctr" defTabSz="1111250">
+          <a:pPr marL="0" lvl="0" indent="0" algn="ctr" defTabSz="800100">
             <a:lnSpc>
               <a:spcPct val="90000"/>
             </a:lnSpc>
@@ -3496,25 +6163,26 @@
             <a:buNone/>
           </a:pPr>
           <a:r>
-            <a:rPr lang="en-US" sz="2500" kern="1200" dirty="0"/>
-            <a:t>A488</a:t>
+            <a:rPr lang="en-US" sz="1800" kern="1200" dirty="0" err="1"/>
+            <a:t>Numpy</a:t>
           </a:r>
+          <a:endParaRPr lang="en-US" sz="1800" kern="1200" dirty="0"/>
         </a:p>
       </dsp:txBody>
       <dsp:txXfrm>
-        <a:off x="4764886" y="1361478"/>
-        <a:ext cx="1662630" cy="860836"/>
+        <a:off x="3377465" y="1406235"/>
+        <a:ext cx="1196137" cy="619306"/>
       </dsp:txXfrm>
     </dsp:sp>
-    <dsp:sp modelId="{08218965-AD87-41B6-A675-D8B1B4D2FE43}">
+    <dsp:sp modelId="{3B3DB5D1-A977-429D-B85F-44B08C9097E0}">
       <dsp:nvSpPr>
         <dsp:cNvPr id="0" name=""/>
         <dsp:cNvSpPr/>
       </dsp:nvSpPr>
       <dsp:spPr>
         <a:xfrm>
-          <a:off x="5097412" y="2031018"/>
-          <a:ext cx="1496367" cy="286945"/>
+          <a:off x="3430060" y="1881735"/>
+          <a:ext cx="1186016" cy="324312"/>
         </a:xfrm>
         <a:prstGeom prst="rect">
           <a:avLst/>
@@ -3555,12 +6223,12 @@
         <a:fontRef idx="minor"/>
       </dsp:style>
       <dsp:txBody>
-        <a:bodyPr spcFirstLastPara="0" vert="horz" wrap="square" lIns="45720" tIns="11430" rIns="45720" bIns="11430" numCol="1" spcCol="1270" anchor="ctr" anchorCtr="0">
+        <a:bodyPr spcFirstLastPara="0" vert="horz" wrap="square" lIns="22860" tIns="5715" rIns="22860" bIns="5715" numCol="1" spcCol="1270" anchor="ctr" anchorCtr="0">
           <a:noAutofit/>
         </a:bodyPr>
         <a:lstStyle/>
         <a:p>
-          <a:pPr marL="0" lvl="0" indent="0" algn="r" defTabSz="800100">
+          <a:pPr marL="0" lvl="0" indent="0" algn="r" defTabSz="400050">
             <a:lnSpc>
               <a:spcPct val="90000"/>
             </a:lnSpc>
@@ -3572,23 +6240,30 @@
             </a:spcAft>
             <a:buNone/>
           </a:pPr>
-          <a:endParaRPr lang="en-US" sz="1800" kern="1200"/>
+          <a:r>
+            <a:rPr lang="en-US" sz="900" kern="1200" dirty="0" err="1"/>
+            <a:t>Numpy</a:t>
+          </a:r>
+          <a:r>
+            <a:rPr lang="en-US" sz="900" kern="1200" dirty="0"/>
+            <a:t> arrays for focus map and exposures</a:t>
+          </a:r>
         </a:p>
       </dsp:txBody>
       <dsp:txXfrm>
-        <a:off x="5097412" y="2031018"/>
-        <a:ext cx="1496367" cy="286945"/>
+        <a:off x="3430060" y="1881735"/>
+        <a:ext cx="1186016" cy="324312"/>
       </dsp:txXfrm>
     </dsp:sp>
-    <dsp:sp modelId="{39CBADE7-8064-48AF-A84A-C2B842AB7264}">
+    <dsp:sp modelId="{EFA9F0B3-8231-47B9-9137-5189FE2ABB55}">
       <dsp:nvSpPr>
         <dsp:cNvPr id="0" name=""/>
         <dsp:cNvSpPr/>
       </dsp:nvSpPr>
       <dsp:spPr>
         <a:xfrm>
-          <a:off x="3649577" y="2719687"/>
-          <a:ext cx="1662630" cy="860836"/>
+          <a:off x="5036972" y="1406235"/>
+          <a:ext cx="1196137" cy="619306"/>
         </a:xfrm>
         <a:prstGeom prst="rect">
           <a:avLst/>
@@ -3651,12 +6326,12 @@
         </a:fontRef>
       </dsp:style>
       <dsp:txBody>
-        <a:bodyPr spcFirstLastPara="0" vert="horz" wrap="square" lIns="15875" tIns="15875" rIns="15875" bIns="121474" numCol="1" spcCol="1270" anchor="ctr" anchorCtr="0">
+        <a:bodyPr spcFirstLastPara="0" vert="horz" wrap="square" lIns="11430" tIns="11430" rIns="11430" bIns="87391" numCol="1" spcCol="1270" anchor="ctr" anchorCtr="0">
           <a:noAutofit/>
         </a:bodyPr>
         <a:lstStyle/>
         <a:p>
-          <a:pPr marL="0" lvl="0" indent="0" algn="ctr" defTabSz="1111250">
+          <a:pPr marL="0" lvl="0" indent="0" algn="ctr" defTabSz="800100">
             <a:lnSpc>
               <a:spcPct val="90000"/>
             </a:lnSpc>
@@ -3669,25 +6344,25 @@
             <a:buNone/>
           </a:pPr>
           <a:r>
-            <a:rPr lang="en-US" sz="2500" kern="1200" dirty="0"/>
-            <a:t>Stain</a:t>
+            <a:rPr lang="en-US" sz="1800" kern="1200" dirty="0"/>
+            <a:t>DAPI</a:t>
           </a:r>
         </a:p>
       </dsp:txBody>
       <dsp:txXfrm>
-        <a:off x="3649577" y="2719687"/>
-        <a:ext cx="1662630" cy="860836"/>
+        <a:off x="5036972" y="1406235"/>
+        <a:ext cx="1196137" cy="619306"/>
       </dsp:txXfrm>
     </dsp:sp>
-    <dsp:sp modelId="{E0FDC599-4800-4564-AA0E-62DB9DCD17E9}">
+    <dsp:sp modelId="{1DF30EDE-B6C6-484D-8A7A-8B50AE3E34F0}">
       <dsp:nvSpPr>
         <dsp:cNvPr id="0" name=""/>
         <dsp:cNvSpPr/>
       </dsp:nvSpPr>
       <dsp:spPr>
         <a:xfrm>
-          <a:off x="3982103" y="3389226"/>
-          <a:ext cx="1496367" cy="286945"/>
+          <a:off x="5276199" y="1887919"/>
+          <a:ext cx="1076523" cy="206435"/>
         </a:xfrm>
         <a:prstGeom prst="rect">
           <a:avLst/>
@@ -3728,12 +6403,12 @@
         <a:fontRef idx="minor"/>
       </dsp:style>
       <dsp:txBody>
-        <a:bodyPr spcFirstLastPara="0" vert="horz" wrap="square" lIns="45720" tIns="11430" rIns="45720" bIns="11430" numCol="1" spcCol="1270" anchor="ctr" anchorCtr="0">
+        <a:bodyPr spcFirstLastPara="0" vert="horz" wrap="square" lIns="33020" tIns="8255" rIns="33020" bIns="8255" numCol="1" spcCol="1270" anchor="ctr" anchorCtr="0">
           <a:noAutofit/>
         </a:bodyPr>
         <a:lstStyle/>
         <a:p>
-          <a:pPr marL="0" lvl="0" indent="0" algn="r" defTabSz="800100">
+          <a:pPr marL="0" lvl="0" indent="0" algn="r" defTabSz="577850">
             <a:lnSpc>
               <a:spcPct val="90000"/>
             </a:lnSpc>
@@ -3745,23 +6420,23 @@
             </a:spcAft>
             <a:buNone/>
           </a:pPr>
-          <a:endParaRPr lang="en-US" sz="1800" kern="1200"/>
+          <a:endParaRPr lang="en-US" sz="1300" kern="1200" dirty="0"/>
         </a:p>
       </dsp:txBody>
       <dsp:txXfrm>
-        <a:off x="3982103" y="3389226"/>
-        <a:ext cx="1496367" cy="286945"/>
+        <a:off x="5276199" y="1887919"/>
+        <a:ext cx="1076523" cy="206435"/>
       </dsp:txXfrm>
     </dsp:sp>
-    <dsp:sp modelId="{F236C608-0E62-4B5E-A4A1-2A25630065C8}">
+    <dsp:sp modelId="{6C1C8BAD-0FBB-4BD2-A28C-F18ACE1CB45E}">
       <dsp:nvSpPr>
         <dsp:cNvPr id="0" name=""/>
         <dsp:cNvSpPr/>
       </dsp:nvSpPr>
       <dsp:spPr>
         <a:xfrm>
-          <a:off x="1418960" y="4077895"/>
-          <a:ext cx="1662630" cy="860836"/>
+          <a:off x="6641732" y="1406235"/>
+          <a:ext cx="1196137" cy="619306"/>
         </a:xfrm>
         <a:prstGeom prst="rect">
           <a:avLst/>
@@ -3824,12 +6499,12 @@
         </a:fontRef>
       </dsp:style>
       <dsp:txBody>
-        <a:bodyPr spcFirstLastPara="0" vert="horz" wrap="square" lIns="15875" tIns="15875" rIns="15875" bIns="121474" numCol="1" spcCol="1270" anchor="ctr" anchorCtr="0">
+        <a:bodyPr spcFirstLastPara="0" vert="horz" wrap="square" lIns="11430" tIns="11430" rIns="11430" bIns="87391" numCol="1" spcCol="1270" anchor="ctr" anchorCtr="0">
           <a:noAutofit/>
         </a:bodyPr>
         <a:lstStyle/>
         <a:p>
-          <a:pPr marL="0" lvl="0" indent="0" algn="ctr" defTabSz="1111250">
+          <a:pPr marL="0" lvl="0" indent="0" algn="ctr" defTabSz="800100">
             <a:lnSpc>
               <a:spcPct val="90000"/>
             </a:lnSpc>
@@ -3842,25 +6517,25 @@
             <a:buNone/>
           </a:pPr>
           <a:r>
-            <a:rPr lang="en-US" sz="2500" kern="1200" dirty="0"/>
-            <a:t>cy_1</a:t>
+            <a:rPr lang="en-US" sz="1800" kern="1200" dirty="0"/>
+            <a:t>A488</a:t>
           </a:r>
         </a:p>
       </dsp:txBody>
       <dsp:txXfrm>
-        <a:off x="1418960" y="4077895"/>
-        <a:ext cx="1662630" cy="860836"/>
+        <a:off x="6641732" y="1406235"/>
+        <a:ext cx="1196137" cy="619306"/>
       </dsp:txXfrm>
     </dsp:sp>
-    <dsp:sp modelId="{DF213635-EC72-4882-9D8E-FECF9822BA63}">
+    <dsp:sp modelId="{08218965-AD87-41B6-A675-D8B1B4D2FE43}">
       <dsp:nvSpPr>
         <dsp:cNvPr id="0" name=""/>
         <dsp:cNvSpPr/>
       </dsp:nvSpPr>
       <dsp:spPr>
         <a:xfrm>
-          <a:off x="1751486" y="4747435"/>
-          <a:ext cx="1496367" cy="286945"/>
+          <a:off x="6880960" y="1887919"/>
+          <a:ext cx="1076523" cy="206435"/>
         </a:xfrm>
         <a:prstGeom prst="rect">
           <a:avLst/>
@@ -3901,12 +6576,12 @@
         <a:fontRef idx="minor"/>
       </dsp:style>
       <dsp:txBody>
-        <a:bodyPr spcFirstLastPara="0" vert="horz" wrap="square" lIns="45720" tIns="11430" rIns="45720" bIns="11430" numCol="1" spcCol="1270" anchor="ctr" anchorCtr="0">
+        <a:bodyPr spcFirstLastPara="0" vert="horz" wrap="square" lIns="33020" tIns="8255" rIns="33020" bIns="8255" numCol="1" spcCol="1270" anchor="ctr" anchorCtr="0">
           <a:noAutofit/>
         </a:bodyPr>
         <a:lstStyle/>
         <a:p>
-          <a:pPr marL="0" lvl="0" indent="0" algn="r" defTabSz="800100">
+          <a:pPr marL="0" lvl="0" indent="0" algn="r" defTabSz="577850">
             <a:lnSpc>
               <a:spcPct val="90000"/>
             </a:lnSpc>
@@ -3918,23 +6593,23 @@
             </a:spcAft>
             <a:buNone/>
           </a:pPr>
-          <a:endParaRPr lang="en-US" sz="1800" kern="1200"/>
+          <a:endParaRPr lang="en-US" sz="1300" kern="1200"/>
         </a:p>
       </dsp:txBody>
       <dsp:txXfrm>
-        <a:off x="1751486" y="4747435"/>
-        <a:ext cx="1496367" cy="286945"/>
+        <a:off x="6880960" y="1887919"/>
+        <a:ext cx="1076523" cy="206435"/>
       </dsp:txXfrm>
     </dsp:sp>
-    <dsp:sp modelId="{4CBEF5D7-0886-4739-9E39-875F595D453C}">
+    <dsp:sp modelId="{39CBADE7-8064-48AF-A84A-C2B842AB7264}">
       <dsp:nvSpPr>
         <dsp:cNvPr id="0" name=""/>
         <dsp:cNvSpPr/>
       </dsp:nvSpPr>
       <dsp:spPr>
         <a:xfrm>
-          <a:off x="415072" y="5350675"/>
-          <a:ext cx="1662630" cy="860836"/>
+          <a:off x="5839352" y="2383364"/>
+          <a:ext cx="1196137" cy="619306"/>
         </a:xfrm>
         <a:prstGeom prst="rect">
           <a:avLst/>
@@ -3997,12 +6672,12 @@
         </a:fontRef>
       </dsp:style>
       <dsp:txBody>
-        <a:bodyPr spcFirstLastPara="0" vert="horz" wrap="square" lIns="15875" tIns="15875" rIns="15875" bIns="121474" numCol="1" spcCol="1270" anchor="ctr" anchorCtr="0">
+        <a:bodyPr spcFirstLastPara="0" vert="horz" wrap="square" lIns="11430" tIns="11430" rIns="11430" bIns="87391" numCol="1" spcCol="1270" anchor="ctr" anchorCtr="0">
           <a:noAutofit/>
         </a:bodyPr>
         <a:lstStyle/>
         <a:p>
-          <a:pPr marL="0" lvl="0" indent="0" algn="ctr" defTabSz="1111250">
+          <a:pPr marL="0" lvl="0" indent="0" algn="ctr" defTabSz="800100">
             <a:lnSpc>
               <a:spcPct val="90000"/>
             </a:lnSpc>
@@ -4015,25 +6690,25 @@
             <a:buNone/>
           </a:pPr>
           <a:r>
-            <a:rPr lang="en-US" sz="2500" kern="1200" dirty="0"/>
-            <a:t>Tiles</a:t>
+            <a:rPr lang="en-US" sz="1800" kern="1200" dirty="0"/>
+            <a:t>Stain</a:t>
           </a:r>
         </a:p>
       </dsp:txBody>
       <dsp:txXfrm>
-        <a:off x="415072" y="5350675"/>
-        <a:ext cx="1662630" cy="860836"/>
+        <a:off x="5839352" y="2383364"/>
+        <a:ext cx="1196137" cy="619306"/>
       </dsp:txXfrm>
     </dsp:sp>
-    <dsp:sp modelId="{35ECACF9-C2B6-4724-B10F-922137ACA879}">
+    <dsp:sp modelId="{E0FDC599-4800-4564-AA0E-62DB9DCD17E9}">
       <dsp:nvSpPr>
         <dsp:cNvPr id="0" name=""/>
         <dsp:cNvSpPr/>
       </dsp:nvSpPr>
       <dsp:spPr>
         <a:xfrm>
-          <a:off x="512532" y="5980191"/>
-          <a:ext cx="1178838" cy="544390"/>
+          <a:off x="6078580" y="2865047"/>
+          <a:ext cx="1076523" cy="206435"/>
         </a:xfrm>
         <a:prstGeom prst="rect">
           <a:avLst/>
@@ -4074,12 +6749,12 @@
         <a:fontRef idx="minor"/>
       </dsp:style>
       <dsp:txBody>
-        <a:bodyPr spcFirstLastPara="0" vert="horz" wrap="square" lIns="30480" tIns="7620" rIns="30480" bIns="7620" numCol="1" spcCol="1270" anchor="ctr" anchorCtr="0">
+        <a:bodyPr spcFirstLastPara="0" vert="horz" wrap="square" lIns="33020" tIns="8255" rIns="33020" bIns="8255" numCol="1" spcCol="1270" anchor="ctr" anchorCtr="0">
           <a:noAutofit/>
         </a:bodyPr>
         <a:lstStyle/>
         <a:p>
-          <a:pPr marL="0" lvl="0" indent="0" algn="l" defTabSz="533400">
+          <a:pPr marL="0" lvl="0" indent="0" algn="r" defTabSz="577850">
             <a:lnSpc>
               <a:spcPct val="90000"/>
             </a:lnSpc>
@@ -4091,26 +6766,23 @@
             </a:spcAft>
             <a:buNone/>
           </a:pPr>
-          <a:r>
-            <a:rPr lang="en-US" sz="1200" kern="1200" dirty="0"/>
-            <a:t>Each image is individually saved</a:t>
-          </a:r>
+          <a:endParaRPr lang="en-US" sz="1300" kern="1200"/>
         </a:p>
       </dsp:txBody>
       <dsp:txXfrm>
-        <a:off x="512532" y="5980191"/>
-        <a:ext cx="1178838" cy="544390"/>
+        <a:off x="6078580" y="2865047"/>
+        <a:ext cx="1076523" cy="206435"/>
       </dsp:txXfrm>
     </dsp:sp>
-    <dsp:sp modelId="{A7166C54-72AB-4F1E-AEBA-77309A55B7CD}">
+    <dsp:sp modelId="{F236C608-0E62-4B5E-A4A1-2A25630065C8}">
       <dsp:nvSpPr>
         <dsp:cNvPr id="0" name=""/>
         <dsp:cNvSpPr/>
       </dsp:nvSpPr>
       <dsp:spPr>
         <a:xfrm>
-          <a:off x="2454886" y="5436104"/>
-          <a:ext cx="1662630" cy="860836"/>
+          <a:off x="4234591" y="3360492"/>
+          <a:ext cx="1196137" cy="619306"/>
         </a:xfrm>
         <a:prstGeom prst="rect">
           <a:avLst/>
@@ -4173,12 +6845,12 @@
         </a:fontRef>
       </dsp:style>
       <dsp:txBody>
-        <a:bodyPr spcFirstLastPara="0" vert="horz" wrap="square" lIns="15875" tIns="15875" rIns="15875" bIns="121474" numCol="1" spcCol="1270" anchor="ctr" anchorCtr="0">
+        <a:bodyPr spcFirstLastPara="0" vert="horz" wrap="square" lIns="11430" tIns="11430" rIns="11430" bIns="87391" numCol="1" spcCol="1270" anchor="ctr" anchorCtr="0">
           <a:noAutofit/>
         </a:bodyPr>
         <a:lstStyle/>
         <a:p>
-          <a:pPr marL="0" lvl="0" indent="0" algn="ctr" defTabSz="1111250">
+          <a:pPr marL="0" lvl="0" indent="0" algn="ctr" defTabSz="800100">
             <a:lnSpc>
               <a:spcPct val="90000"/>
             </a:lnSpc>
@@ -4191,26 +6863,25 @@
             <a:buNone/>
           </a:pPr>
           <a:r>
-            <a:rPr lang="en-US" sz="2500" kern="1200" dirty="0" err="1"/>
-            <a:t>Quick_Tiles</a:t>
+            <a:rPr lang="en-US" sz="1800" kern="1200" dirty="0"/>
+            <a:t>cy_1</a:t>
           </a:r>
-          <a:endParaRPr lang="en-US" sz="2500" kern="1200" dirty="0"/>
         </a:p>
       </dsp:txBody>
       <dsp:txXfrm>
-        <a:off x="2454886" y="5436104"/>
-        <a:ext cx="1662630" cy="860836"/>
+        <a:off x="4234591" y="3360492"/>
+        <a:ext cx="1196137" cy="619306"/>
       </dsp:txXfrm>
     </dsp:sp>
-    <dsp:sp modelId="{D15CE218-707B-43F4-8E53-A5EA96CF9765}">
+    <dsp:sp modelId="{DF213635-EC72-4882-9D8E-FECF9822BA63}">
       <dsp:nvSpPr>
         <dsp:cNvPr id="0" name=""/>
         <dsp:cNvSpPr/>
       </dsp:nvSpPr>
       <dsp:spPr>
         <a:xfrm>
-          <a:off x="2787412" y="6105644"/>
-          <a:ext cx="1496367" cy="286945"/>
+          <a:off x="4473819" y="3842175"/>
+          <a:ext cx="1076523" cy="206435"/>
         </a:xfrm>
         <a:prstGeom prst="rect">
           <a:avLst/>
@@ -4251,12 +6922,12 @@
         <a:fontRef idx="minor"/>
       </dsp:style>
       <dsp:txBody>
-        <a:bodyPr spcFirstLastPara="0" vert="horz" wrap="square" lIns="25400" tIns="6350" rIns="25400" bIns="6350" numCol="1" spcCol="1270" anchor="ctr" anchorCtr="0">
+        <a:bodyPr spcFirstLastPara="0" vert="horz" wrap="square" lIns="33020" tIns="8255" rIns="33020" bIns="8255" numCol="1" spcCol="1270" anchor="ctr" anchorCtr="0">
           <a:noAutofit/>
         </a:bodyPr>
         <a:lstStyle/>
         <a:p>
-          <a:pPr marL="0" lvl="0" indent="0" algn="r" defTabSz="444500">
+          <a:pPr marL="0" lvl="0" indent="0" algn="r" defTabSz="577850">
             <a:lnSpc>
               <a:spcPct val="90000"/>
             </a:lnSpc>
@@ -4268,26 +6939,23 @@
             </a:spcAft>
             <a:buNone/>
           </a:pPr>
-          <a:r>
-            <a:rPr lang="en-US" sz="1000" kern="1200" dirty="0"/>
-            <a:t>Exactly same as top folder</a:t>
-          </a:r>
+          <a:endParaRPr lang="en-US" sz="1300" kern="1200"/>
         </a:p>
       </dsp:txBody>
       <dsp:txXfrm>
-        <a:off x="2787412" y="6105644"/>
-        <a:ext cx="1496367" cy="286945"/>
+        <a:off x="4473819" y="3842175"/>
+        <a:ext cx="1076523" cy="206435"/>
       </dsp:txXfrm>
     </dsp:sp>
-    <dsp:sp modelId="{B24C0770-9774-4F0B-A1CB-34F8B6218FEB}">
+    <dsp:sp modelId="{4CBEF5D7-0886-4739-9E39-875F595D453C}">
       <dsp:nvSpPr>
         <dsp:cNvPr id="0" name=""/>
         <dsp:cNvSpPr/>
       </dsp:nvSpPr>
       <dsp:spPr>
         <a:xfrm>
-          <a:off x="3649577" y="4077895"/>
-          <a:ext cx="1662630" cy="860836"/>
+          <a:off x="4314751" y="4276161"/>
+          <a:ext cx="1196137" cy="619306"/>
         </a:xfrm>
         <a:prstGeom prst="rect">
           <a:avLst/>
@@ -4350,12 +7018,12 @@
         </a:fontRef>
       </dsp:style>
       <dsp:txBody>
-        <a:bodyPr spcFirstLastPara="0" vert="horz" wrap="square" lIns="15875" tIns="15875" rIns="15875" bIns="121474" numCol="1" spcCol="1270" anchor="ctr" anchorCtr="0">
+        <a:bodyPr spcFirstLastPara="0" vert="horz" wrap="square" lIns="11430" tIns="11430" rIns="11430" bIns="87391" numCol="1" spcCol="1270" anchor="ctr" anchorCtr="0">
           <a:noAutofit/>
         </a:bodyPr>
         <a:lstStyle/>
         <a:p>
-          <a:pPr marL="0" lvl="0" indent="0" algn="ctr" defTabSz="1111250">
+          <a:pPr marL="0" lvl="0" indent="0" algn="ctr" defTabSz="800100">
             <a:lnSpc>
               <a:spcPct val="90000"/>
             </a:lnSpc>
@@ -4368,25 +7036,25 @@
             <a:buNone/>
           </a:pPr>
           <a:r>
-            <a:rPr lang="en-US" sz="2500" kern="1200" dirty="0"/>
-            <a:t>cy_2</a:t>
+            <a:rPr lang="en-US" sz="1800" kern="1200" dirty="0"/>
+            <a:t>Tiles</a:t>
           </a:r>
         </a:p>
       </dsp:txBody>
       <dsp:txXfrm>
-        <a:off x="3649577" y="4077895"/>
-        <a:ext cx="1662630" cy="860836"/>
+        <a:off x="4314751" y="4276161"/>
+        <a:ext cx="1196137" cy="619306"/>
       </dsp:txXfrm>
     </dsp:sp>
-    <dsp:sp modelId="{949639F2-AFEC-4891-A66E-B302918916F6}">
+    <dsp:sp modelId="{35ECACF9-C2B6-4724-B10F-922137ACA879}">
       <dsp:nvSpPr>
         <dsp:cNvPr id="0" name=""/>
         <dsp:cNvSpPr/>
       </dsp:nvSpPr>
       <dsp:spPr>
         <a:xfrm>
-          <a:off x="3982103" y="4747435"/>
-          <a:ext cx="1496367" cy="286945"/>
+          <a:off x="4491786" y="4714900"/>
+          <a:ext cx="848085" cy="391647"/>
         </a:xfrm>
         <a:prstGeom prst="rect">
           <a:avLst/>
@@ -4427,12 +7095,12 @@
         <a:fontRef idx="minor"/>
       </dsp:style>
       <dsp:txBody>
-        <a:bodyPr spcFirstLastPara="0" vert="horz" wrap="square" lIns="45720" tIns="11430" rIns="45720" bIns="11430" numCol="1" spcCol="1270" anchor="ctr" anchorCtr="0">
+        <a:bodyPr spcFirstLastPara="0" vert="horz" wrap="square" lIns="17780" tIns="4445" rIns="17780" bIns="4445" numCol="1" spcCol="1270" anchor="ctr" anchorCtr="0">
           <a:noAutofit/>
         </a:bodyPr>
         <a:lstStyle/>
         <a:p>
-          <a:pPr marL="0" lvl="0" indent="0" algn="r" defTabSz="800100">
+          <a:pPr marL="0" lvl="0" indent="0" algn="l" defTabSz="311150">
             <a:lnSpc>
               <a:spcPct val="90000"/>
             </a:lnSpc>
@@ -4444,23 +7112,26 @@
             </a:spcAft>
             <a:buNone/>
           </a:pPr>
-          <a:endParaRPr lang="en-US" sz="1800" kern="1200"/>
+          <a:r>
+            <a:rPr lang="en-US" sz="700" kern="1200" dirty="0"/>
+            <a:t>Each image is individually saved</a:t>
+          </a:r>
         </a:p>
       </dsp:txBody>
       <dsp:txXfrm>
-        <a:off x="3982103" y="4747435"/>
-        <a:ext cx="1496367" cy="286945"/>
+        <a:off x="4491786" y="4714900"/>
+        <a:ext cx="848085" cy="391647"/>
       </dsp:txXfrm>
     </dsp:sp>
-    <dsp:sp modelId="{1A9F24C7-9601-4F95-84B7-56762ACC6326}">
+    <dsp:sp modelId="{F559EE92-E088-4CEA-A285-1FAC85078D30}">
       <dsp:nvSpPr>
         <dsp:cNvPr id="0" name=""/>
         <dsp:cNvSpPr/>
       </dsp:nvSpPr>
       <dsp:spPr>
         <a:xfrm>
-          <a:off x="5880194" y="4077895"/>
-          <a:ext cx="1662630" cy="860836"/>
+          <a:off x="4324194" y="5399719"/>
+          <a:ext cx="1196137" cy="619306"/>
         </a:xfrm>
         <a:prstGeom prst="rect">
           <a:avLst/>
@@ -4523,12 +7194,12 @@
         </a:fontRef>
       </dsp:style>
       <dsp:txBody>
-        <a:bodyPr spcFirstLastPara="0" vert="horz" wrap="square" lIns="15875" tIns="15875" rIns="15875" bIns="121474" numCol="1" spcCol="1270" anchor="ctr" anchorCtr="0">
+        <a:bodyPr spcFirstLastPara="0" vert="horz" wrap="square" lIns="11430" tIns="11430" rIns="11430" bIns="87391" numCol="1" spcCol="1270" anchor="ctr" anchorCtr="0">
           <a:noAutofit/>
         </a:bodyPr>
         <a:lstStyle/>
         <a:p>
-          <a:pPr marL="0" lvl="0" indent="0" algn="ctr" defTabSz="1111250">
+          <a:pPr marL="0" lvl="0" indent="0" algn="ctr" defTabSz="800100">
             <a:lnSpc>
               <a:spcPct val="90000"/>
             </a:lnSpc>
@@ -4541,25 +7212,25 @@
             <a:buNone/>
           </a:pPr>
           <a:r>
-            <a:rPr lang="en-US" sz="2500" kern="1200" dirty="0"/>
-            <a:t>cy_3</a:t>
+            <a:rPr lang="en-US" sz="1800" kern="1200" dirty="0"/>
+            <a:t>Focused</a:t>
           </a:r>
         </a:p>
       </dsp:txBody>
       <dsp:txXfrm>
-        <a:off x="5880194" y="4077895"/>
-        <a:ext cx="1662630" cy="860836"/>
+        <a:off x="4324194" y="5399719"/>
+        <a:ext cx="1196137" cy="619306"/>
       </dsp:txXfrm>
     </dsp:sp>
-    <dsp:sp modelId="{046D40A8-BDE2-431A-A8E7-EC0AF795CD8D}">
+    <dsp:sp modelId="{5C7CE374-60E9-4888-B103-D10062AF7D7D}">
       <dsp:nvSpPr>
         <dsp:cNvPr id="0" name=""/>
         <dsp:cNvSpPr/>
       </dsp:nvSpPr>
       <dsp:spPr>
         <a:xfrm>
-          <a:off x="6212720" y="4747435"/>
-          <a:ext cx="1496367" cy="286945"/>
+          <a:off x="4473819" y="5889038"/>
+          <a:ext cx="1076523" cy="206435"/>
         </a:xfrm>
         <a:prstGeom prst="rect">
           <a:avLst/>
@@ -4600,12 +7271,12 @@
         <a:fontRef idx="minor"/>
       </dsp:style>
       <dsp:txBody>
-        <a:bodyPr spcFirstLastPara="0" vert="horz" wrap="square" lIns="45720" tIns="11430" rIns="45720" bIns="11430" numCol="1" spcCol="1270" anchor="ctr" anchorCtr="0">
+        <a:bodyPr spcFirstLastPara="0" vert="horz" wrap="square" lIns="17780" tIns="4445" rIns="17780" bIns="4445" numCol="1" spcCol="1270" anchor="ctr" anchorCtr="0">
           <a:noAutofit/>
         </a:bodyPr>
         <a:lstStyle/>
         <a:p>
-          <a:pPr marL="0" lvl="0" indent="0" algn="r" defTabSz="800100">
+          <a:pPr marL="0" lvl="0" indent="0" algn="r" defTabSz="311150">
             <a:lnSpc>
               <a:spcPct val="90000"/>
             </a:lnSpc>
@@ -4617,23 +7288,26 @@
             </a:spcAft>
             <a:buNone/>
           </a:pPr>
-          <a:endParaRPr lang="en-US" sz="1800" kern="1200"/>
+          <a:r>
+            <a:rPr lang="en-US" sz="700" kern="1200" dirty="0"/>
+            <a:t>In focus reconstructed tiles</a:t>
+          </a:r>
         </a:p>
       </dsp:txBody>
       <dsp:txXfrm>
-        <a:off x="6212720" y="4747435"/>
-        <a:ext cx="1496367" cy="286945"/>
+        <a:off x="4473819" y="5889038"/>
+        <a:ext cx="1076523" cy="206435"/>
       </dsp:txXfrm>
     </dsp:sp>
-    <dsp:sp modelId="{1973478A-FF96-4EA6-B3B8-E32EDF0680DD}">
+    <dsp:sp modelId="{B24C0770-9774-4F0B-A1CB-34F8B6218FEB}">
       <dsp:nvSpPr>
         <dsp:cNvPr id="0" name=""/>
         <dsp:cNvSpPr/>
       </dsp:nvSpPr>
       <dsp:spPr>
         <a:xfrm>
-          <a:off x="5880194" y="2719687"/>
-          <a:ext cx="1662630" cy="860836"/>
+          <a:off x="5839352" y="3360492"/>
+          <a:ext cx="1196137" cy="619306"/>
         </a:xfrm>
         <a:prstGeom prst="rect">
           <a:avLst/>
@@ -4696,12 +7370,12 @@
         </a:fontRef>
       </dsp:style>
       <dsp:txBody>
-        <a:bodyPr spcFirstLastPara="0" vert="horz" wrap="square" lIns="15875" tIns="15875" rIns="15875" bIns="121474" numCol="1" spcCol="1270" anchor="ctr" anchorCtr="0">
+        <a:bodyPr spcFirstLastPara="0" vert="horz" wrap="square" lIns="11430" tIns="11430" rIns="11430" bIns="87391" numCol="1" spcCol="1270" anchor="ctr" anchorCtr="0">
           <a:noAutofit/>
         </a:bodyPr>
         <a:lstStyle/>
         <a:p>
-          <a:pPr marL="0" lvl="0" indent="0" algn="ctr" defTabSz="1111250">
+          <a:pPr marL="0" lvl="0" indent="0" algn="ctr" defTabSz="800100">
             <a:lnSpc>
               <a:spcPct val="90000"/>
             </a:lnSpc>
@@ -4714,25 +7388,25 @@
             <a:buNone/>
           </a:pPr>
           <a:r>
-            <a:rPr lang="en-US" sz="2500" kern="1200" dirty="0"/>
-            <a:t>Bleach</a:t>
+            <a:rPr lang="en-US" sz="1800" kern="1200" dirty="0"/>
+            <a:t>cy_2</a:t>
           </a:r>
         </a:p>
       </dsp:txBody>
       <dsp:txXfrm>
-        <a:off x="5880194" y="2719687"/>
-        <a:ext cx="1662630" cy="860836"/>
+        <a:off x="5839352" y="3360492"/>
+        <a:ext cx="1196137" cy="619306"/>
       </dsp:txXfrm>
     </dsp:sp>
-    <dsp:sp modelId="{ADD686FB-F1BA-413B-956A-FAD4BFFB374B}">
+    <dsp:sp modelId="{949639F2-AFEC-4891-A66E-B302918916F6}">
       <dsp:nvSpPr>
         <dsp:cNvPr id="0" name=""/>
         <dsp:cNvSpPr/>
       </dsp:nvSpPr>
       <dsp:spPr>
         <a:xfrm>
-          <a:off x="6212720" y="3389226"/>
-          <a:ext cx="1496367" cy="286945"/>
+          <a:off x="6078580" y="3842175"/>
+          <a:ext cx="1076523" cy="206435"/>
         </a:xfrm>
         <a:prstGeom prst="rect">
           <a:avLst/>
@@ -4773,12 +7447,12 @@
         <a:fontRef idx="minor"/>
       </dsp:style>
       <dsp:txBody>
-        <a:bodyPr spcFirstLastPara="0" vert="horz" wrap="square" lIns="45720" tIns="11430" rIns="45720" bIns="11430" numCol="1" spcCol="1270" anchor="ctr" anchorCtr="0">
+        <a:bodyPr spcFirstLastPara="0" vert="horz" wrap="square" lIns="33020" tIns="8255" rIns="33020" bIns="8255" numCol="1" spcCol="1270" anchor="ctr" anchorCtr="0">
           <a:noAutofit/>
         </a:bodyPr>
         <a:lstStyle/>
         <a:p>
-          <a:pPr marL="0" lvl="0" indent="0" algn="r" defTabSz="800100">
+          <a:pPr marL="0" lvl="0" indent="0" algn="r" defTabSz="577850">
             <a:lnSpc>
               <a:spcPct val="90000"/>
             </a:lnSpc>
@@ -4790,23 +7464,23 @@
             </a:spcAft>
             <a:buNone/>
           </a:pPr>
-          <a:endParaRPr lang="en-US" sz="1800" kern="1200"/>
+          <a:endParaRPr lang="en-US" sz="1300" kern="1200"/>
         </a:p>
       </dsp:txBody>
       <dsp:txXfrm>
-        <a:off x="6212720" y="3389226"/>
-        <a:ext cx="1496367" cy="286945"/>
+        <a:off x="6078580" y="3842175"/>
+        <a:ext cx="1076523" cy="206435"/>
       </dsp:txXfrm>
     </dsp:sp>
-    <dsp:sp modelId="{A0AB0266-667D-431D-856E-23F91F6A02C4}">
+    <dsp:sp modelId="{1A9F24C7-9601-4F95-84B7-56762ACC6326}">
       <dsp:nvSpPr>
         <dsp:cNvPr id="0" name=""/>
         <dsp:cNvSpPr/>
       </dsp:nvSpPr>
       <dsp:spPr>
         <a:xfrm>
-          <a:off x="6995503" y="1361478"/>
-          <a:ext cx="1662630" cy="860836"/>
+          <a:off x="7444113" y="3360492"/>
+          <a:ext cx="1196137" cy="619306"/>
         </a:xfrm>
         <a:prstGeom prst="rect">
           <a:avLst/>
@@ -4869,12 +7543,12 @@
         </a:fontRef>
       </dsp:style>
       <dsp:txBody>
-        <a:bodyPr spcFirstLastPara="0" vert="horz" wrap="square" lIns="15875" tIns="15875" rIns="15875" bIns="121474" numCol="1" spcCol="1270" anchor="ctr" anchorCtr="0">
+        <a:bodyPr spcFirstLastPara="0" vert="horz" wrap="square" lIns="11430" tIns="11430" rIns="11430" bIns="87391" numCol="1" spcCol="1270" anchor="ctr" anchorCtr="0">
           <a:noAutofit/>
         </a:bodyPr>
         <a:lstStyle/>
         <a:p>
-          <a:pPr marL="0" lvl="0" indent="0" algn="ctr" defTabSz="1111250">
+          <a:pPr marL="0" lvl="0" indent="0" algn="ctr" defTabSz="800100">
             <a:lnSpc>
               <a:spcPct val="90000"/>
             </a:lnSpc>
@@ -4887,25 +7561,25 @@
             <a:buNone/>
           </a:pPr>
           <a:r>
-            <a:rPr lang="en-US" sz="2500" kern="1200" dirty="0"/>
-            <a:t>A555</a:t>
+            <a:rPr lang="en-US" sz="1800" kern="1200" dirty="0"/>
+            <a:t>cy_3</a:t>
           </a:r>
         </a:p>
       </dsp:txBody>
       <dsp:txXfrm>
-        <a:off x="6995503" y="1361478"/>
-        <a:ext cx="1662630" cy="860836"/>
+        <a:off x="7444113" y="3360492"/>
+        <a:ext cx="1196137" cy="619306"/>
       </dsp:txXfrm>
     </dsp:sp>
-    <dsp:sp modelId="{1D154E4C-9EE6-4F82-BE44-2A2F6A21D814}">
+    <dsp:sp modelId="{046D40A8-BDE2-431A-A8E7-EC0AF795CD8D}">
       <dsp:nvSpPr>
         <dsp:cNvPr id="0" name=""/>
         <dsp:cNvSpPr/>
       </dsp:nvSpPr>
       <dsp:spPr>
         <a:xfrm>
-          <a:off x="7328029" y="2031018"/>
-          <a:ext cx="1496367" cy="286945"/>
+          <a:off x="7683340" y="3842175"/>
+          <a:ext cx="1076523" cy="206435"/>
         </a:xfrm>
         <a:prstGeom prst="rect">
           <a:avLst/>
@@ -4946,12 +7620,12 @@
         <a:fontRef idx="minor"/>
       </dsp:style>
       <dsp:txBody>
-        <a:bodyPr spcFirstLastPara="0" vert="horz" wrap="square" lIns="45720" tIns="11430" rIns="45720" bIns="11430" numCol="1" spcCol="1270" anchor="ctr" anchorCtr="0">
+        <a:bodyPr spcFirstLastPara="0" vert="horz" wrap="square" lIns="33020" tIns="8255" rIns="33020" bIns="8255" numCol="1" spcCol="1270" anchor="ctr" anchorCtr="0">
           <a:noAutofit/>
         </a:bodyPr>
         <a:lstStyle/>
         <a:p>
-          <a:pPr marL="0" lvl="0" indent="0" algn="r" defTabSz="800100">
+          <a:pPr marL="0" lvl="0" indent="0" algn="r" defTabSz="577850">
             <a:lnSpc>
               <a:spcPct val="90000"/>
             </a:lnSpc>
@@ -4963,23 +7637,23 @@
             </a:spcAft>
             <a:buNone/>
           </a:pPr>
-          <a:endParaRPr lang="en-US" sz="1800" kern="1200"/>
+          <a:endParaRPr lang="en-US" sz="1300" kern="1200"/>
         </a:p>
       </dsp:txBody>
       <dsp:txXfrm>
-        <a:off x="7328029" y="2031018"/>
-        <a:ext cx="1496367" cy="286945"/>
+        <a:off x="7683340" y="3842175"/>
+        <a:ext cx="1076523" cy="206435"/>
       </dsp:txXfrm>
     </dsp:sp>
-    <dsp:sp modelId="{6750009E-174C-4648-BFC6-4D19F450A086}">
+    <dsp:sp modelId="{1973478A-FF96-4EA6-B3B8-E32EDF0680DD}">
       <dsp:nvSpPr>
         <dsp:cNvPr id="0" name=""/>
         <dsp:cNvSpPr/>
       </dsp:nvSpPr>
       <dsp:spPr>
         <a:xfrm>
-          <a:off x="9226120" y="1361478"/>
-          <a:ext cx="1662630" cy="860836"/>
+          <a:off x="7444113" y="2383364"/>
+          <a:ext cx="1196137" cy="619306"/>
         </a:xfrm>
         <a:prstGeom prst="rect">
           <a:avLst/>
@@ -5042,12 +7716,12 @@
         </a:fontRef>
       </dsp:style>
       <dsp:txBody>
-        <a:bodyPr spcFirstLastPara="0" vert="horz" wrap="square" lIns="15875" tIns="15875" rIns="15875" bIns="121474" numCol="1" spcCol="1270" anchor="ctr" anchorCtr="0">
+        <a:bodyPr spcFirstLastPara="0" vert="horz" wrap="square" lIns="11430" tIns="11430" rIns="11430" bIns="87391" numCol="1" spcCol="1270" anchor="ctr" anchorCtr="0">
           <a:noAutofit/>
         </a:bodyPr>
         <a:lstStyle/>
         <a:p>
-          <a:pPr marL="0" lvl="0" indent="0" algn="ctr" defTabSz="1111250">
+          <a:pPr marL="0" lvl="0" indent="0" algn="ctr" defTabSz="800100">
             <a:lnSpc>
               <a:spcPct val="90000"/>
             </a:lnSpc>
@@ -5060,25 +7734,25 @@
             <a:buNone/>
           </a:pPr>
           <a:r>
-            <a:rPr lang="en-US" sz="2500" kern="1200" dirty="0"/>
-            <a:t>A647</a:t>
+            <a:rPr lang="en-US" sz="1800" kern="1200" dirty="0"/>
+            <a:t>Bleach</a:t>
           </a:r>
         </a:p>
       </dsp:txBody>
       <dsp:txXfrm>
-        <a:off x="9226120" y="1361478"/>
-        <a:ext cx="1662630" cy="860836"/>
+        <a:off x="7444113" y="2383364"/>
+        <a:ext cx="1196137" cy="619306"/>
       </dsp:txXfrm>
     </dsp:sp>
-    <dsp:sp modelId="{FD150DA8-934E-4D36-986A-8F655151C716}">
+    <dsp:sp modelId="{ADD686FB-F1BA-413B-956A-FAD4BFFB374B}">
       <dsp:nvSpPr>
         <dsp:cNvPr id="0" name=""/>
         <dsp:cNvSpPr/>
       </dsp:nvSpPr>
       <dsp:spPr>
         <a:xfrm>
-          <a:off x="9558646" y="2031018"/>
-          <a:ext cx="1496367" cy="286945"/>
+          <a:off x="7683340" y="2865047"/>
+          <a:ext cx="1076523" cy="206435"/>
         </a:xfrm>
         <a:prstGeom prst="rect">
           <a:avLst/>
@@ -5119,12 +7793,12 @@
         <a:fontRef idx="minor"/>
       </dsp:style>
       <dsp:txBody>
-        <a:bodyPr spcFirstLastPara="0" vert="horz" wrap="square" lIns="45720" tIns="11430" rIns="45720" bIns="11430" numCol="1" spcCol="1270" anchor="ctr" anchorCtr="0">
+        <a:bodyPr spcFirstLastPara="0" vert="horz" wrap="square" lIns="33020" tIns="8255" rIns="33020" bIns="8255" numCol="1" spcCol="1270" anchor="ctr" anchorCtr="0">
           <a:noAutofit/>
         </a:bodyPr>
         <a:lstStyle/>
         <a:p>
-          <a:pPr marL="0" lvl="0" indent="0" algn="r" defTabSz="800100">
+          <a:pPr marL="0" lvl="0" indent="0" algn="r" defTabSz="577850">
             <a:lnSpc>
               <a:spcPct val="90000"/>
             </a:lnSpc>
@@ -5136,12 +7810,2104 @@
             </a:spcAft>
             <a:buNone/>
           </a:pPr>
-          <a:endParaRPr lang="en-US" sz="1800" kern="1200"/>
+          <a:endParaRPr lang="en-US" sz="1300" kern="1200"/>
         </a:p>
       </dsp:txBody>
       <dsp:txXfrm>
-        <a:off x="9558646" y="2031018"/>
-        <a:ext cx="1496367" cy="286945"/>
+        <a:off x="7683340" y="2865047"/>
+        <a:ext cx="1076523" cy="206435"/>
+      </dsp:txXfrm>
+    </dsp:sp>
+    <dsp:sp modelId="{A0AB0266-667D-431D-856E-23F91F6A02C4}">
+      <dsp:nvSpPr>
+        <dsp:cNvPr id="0" name=""/>
+        <dsp:cNvSpPr/>
+      </dsp:nvSpPr>
+      <dsp:spPr>
+        <a:xfrm>
+          <a:off x="8246493" y="1406235"/>
+          <a:ext cx="1196137" cy="619306"/>
+        </a:xfrm>
+        <a:prstGeom prst="rect">
+          <a:avLst/>
+        </a:prstGeom>
+        <a:gradFill rotWithShape="0">
+          <a:gsLst>
+            <a:gs pos="0">
+              <a:schemeClr val="accent1">
+                <a:hueOff val="0"/>
+                <a:satOff val="0"/>
+                <a:lumOff val="0"/>
+                <a:alphaOff val="0"/>
+                <a:satMod val="103000"/>
+                <a:lumMod val="102000"/>
+                <a:tint val="94000"/>
+              </a:schemeClr>
+            </a:gs>
+            <a:gs pos="50000">
+              <a:schemeClr val="accent1">
+                <a:hueOff val="0"/>
+                <a:satOff val="0"/>
+                <a:lumOff val="0"/>
+                <a:alphaOff val="0"/>
+                <a:satMod val="110000"/>
+                <a:lumMod val="100000"/>
+                <a:shade val="100000"/>
+              </a:schemeClr>
+            </a:gs>
+            <a:gs pos="100000">
+              <a:schemeClr val="accent1">
+                <a:hueOff val="0"/>
+                <a:satOff val="0"/>
+                <a:lumOff val="0"/>
+                <a:alphaOff val="0"/>
+                <a:lumMod val="99000"/>
+                <a:satMod val="120000"/>
+                <a:shade val="78000"/>
+              </a:schemeClr>
+            </a:gs>
+          </a:gsLst>
+          <a:lin ang="5400000" scaled="0"/>
+        </a:gradFill>
+        <a:ln>
+          <a:noFill/>
+        </a:ln>
+        <a:effectLst/>
+      </dsp:spPr>
+      <dsp:style>
+        <a:lnRef idx="0">
+          <a:scrgbClr r="0" g="0" b="0"/>
+        </a:lnRef>
+        <a:fillRef idx="3">
+          <a:scrgbClr r="0" g="0" b="0"/>
+        </a:fillRef>
+        <a:effectRef idx="2">
+          <a:scrgbClr r="0" g="0" b="0"/>
+        </a:effectRef>
+        <a:fontRef idx="minor">
+          <a:schemeClr val="lt1"/>
+        </a:fontRef>
+      </dsp:style>
+      <dsp:txBody>
+        <a:bodyPr spcFirstLastPara="0" vert="horz" wrap="square" lIns="11430" tIns="11430" rIns="11430" bIns="87391" numCol="1" spcCol="1270" anchor="ctr" anchorCtr="0">
+          <a:noAutofit/>
+        </a:bodyPr>
+        <a:lstStyle/>
+        <a:p>
+          <a:pPr marL="0" lvl="0" indent="0" algn="ctr" defTabSz="800100">
+            <a:lnSpc>
+              <a:spcPct val="90000"/>
+            </a:lnSpc>
+            <a:spcBef>
+              <a:spcPct val="0"/>
+            </a:spcBef>
+            <a:spcAft>
+              <a:spcPct val="35000"/>
+            </a:spcAft>
+            <a:buNone/>
+          </a:pPr>
+          <a:r>
+            <a:rPr lang="en-US" sz="1800" kern="1200" dirty="0"/>
+            <a:t>A555</a:t>
+          </a:r>
+        </a:p>
+      </dsp:txBody>
+      <dsp:txXfrm>
+        <a:off x="8246493" y="1406235"/>
+        <a:ext cx="1196137" cy="619306"/>
+      </dsp:txXfrm>
+    </dsp:sp>
+    <dsp:sp modelId="{1D154E4C-9EE6-4F82-BE44-2A2F6A21D814}">
+      <dsp:nvSpPr>
+        <dsp:cNvPr id="0" name=""/>
+        <dsp:cNvSpPr/>
+      </dsp:nvSpPr>
+      <dsp:spPr>
+        <a:xfrm>
+          <a:off x="8485721" y="1887919"/>
+          <a:ext cx="1076523" cy="206435"/>
+        </a:xfrm>
+        <a:prstGeom prst="rect">
+          <a:avLst/>
+        </a:prstGeom>
+        <a:solidFill>
+          <a:schemeClr val="lt1">
+            <a:alpha val="90000"/>
+            <a:hueOff val="0"/>
+            <a:satOff val="0"/>
+            <a:lumOff val="0"/>
+            <a:alphaOff val="0"/>
+          </a:schemeClr>
+        </a:solidFill>
+        <a:ln w="6350" cap="flat" cmpd="sng" algn="ctr">
+          <a:solidFill>
+            <a:schemeClr val="accent1">
+              <a:hueOff val="0"/>
+              <a:satOff val="0"/>
+              <a:lumOff val="0"/>
+              <a:alphaOff val="0"/>
+            </a:schemeClr>
+          </a:solidFill>
+          <a:prstDash val="solid"/>
+          <a:miter lim="800000"/>
+        </a:ln>
+        <a:effectLst/>
+      </dsp:spPr>
+      <dsp:style>
+        <a:lnRef idx="1">
+          <a:scrgbClr r="0" g="0" b="0"/>
+        </a:lnRef>
+        <a:fillRef idx="1">
+          <a:scrgbClr r="0" g="0" b="0"/>
+        </a:fillRef>
+        <a:effectRef idx="0">
+          <a:scrgbClr r="0" g="0" b="0"/>
+        </a:effectRef>
+        <a:fontRef idx="minor"/>
+      </dsp:style>
+      <dsp:txBody>
+        <a:bodyPr spcFirstLastPara="0" vert="horz" wrap="square" lIns="33020" tIns="8255" rIns="33020" bIns="8255" numCol="1" spcCol="1270" anchor="ctr" anchorCtr="0">
+          <a:noAutofit/>
+        </a:bodyPr>
+        <a:lstStyle/>
+        <a:p>
+          <a:pPr marL="0" lvl="0" indent="0" algn="r" defTabSz="577850">
+            <a:lnSpc>
+              <a:spcPct val="90000"/>
+            </a:lnSpc>
+            <a:spcBef>
+              <a:spcPct val="0"/>
+            </a:spcBef>
+            <a:spcAft>
+              <a:spcPct val="35000"/>
+            </a:spcAft>
+            <a:buNone/>
+          </a:pPr>
+          <a:endParaRPr lang="en-US" sz="1300" kern="1200"/>
+        </a:p>
+      </dsp:txBody>
+      <dsp:txXfrm>
+        <a:off x="8485721" y="1887919"/>
+        <a:ext cx="1076523" cy="206435"/>
+      </dsp:txXfrm>
+    </dsp:sp>
+    <dsp:sp modelId="{6750009E-174C-4648-BFC6-4D19F450A086}">
+      <dsp:nvSpPr>
+        <dsp:cNvPr id="0" name=""/>
+        <dsp:cNvSpPr/>
+      </dsp:nvSpPr>
+      <dsp:spPr>
+        <a:xfrm>
+          <a:off x="9851254" y="1406235"/>
+          <a:ext cx="1196137" cy="619306"/>
+        </a:xfrm>
+        <a:prstGeom prst="rect">
+          <a:avLst/>
+        </a:prstGeom>
+        <a:gradFill rotWithShape="0">
+          <a:gsLst>
+            <a:gs pos="0">
+              <a:schemeClr val="accent1">
+                <a:hueOff val="0"/>
+                <a:satOff val="0"/>
+                <a:lumOff val="0"/>
+                <a:alphaOff val="0"/>
+                <a:satMod val="103000"/>
+                <a:lumMod val="102000"/>
+                <a:tint val="94000"/>
+              </a:schemeClr>
+            </a:gs>
+            <a:gs pos="50000">
+              <a:schemeClr val="accent1">
+                <a:hueOff val="0"/>
+                <a:satOff val="0"/>
+                <a:lumOff val="0"/>
+                <a:alphaOff val="0"/>
+                <a:satMod val="110000"/>
+                <a:lumMod val="100000"/>
+                <a:shade val="100000"/>
+              </a:schemeClr>
+            </a:gs>
+            <a:gs pos="100000">
+              <a:schemeClr val="accent1">
+                <a:hueOff val="0"/>
+                <a:satOff val="0"/>
+                <a:lumOff val="0"/>
+                <a:alphaOff val="0"/>
+                <a:lumMod val="99000"/>
+                <a:satMod val="120000"/>
+                <a:shade val="78000"/>
+              </a:schemeClr>
+            </a:gs>
+          </a:gsLst>
+          <a:lin ang="5400000" scaled="0"/>
+        </a:gradFill>
+        <a:ln>
+          <a:noFill/>
+        </a:ln>
+        <a:effectLst/>
+      </dsp:spPr>
+      <dsp:style>
+        <a:lnRef idx="0">
+          <a:scrgbClr r="0" g="0" b="0"/>
+        </a:lnRef>
+        <a:fillRef idx="3">
+          <a:scrgbClr r="0" g="0" b="0"/>
+        </a:fillRef>
+        <a:effectRef idx="2">
+          <a:scrgbClr r="0" g="0" b="0"/>
+        </a:effectRef>
+        <a:fontRef idx="minor">
+          <a:schemeClr val="lt1"/>
+        </a:fontRef>
+      </dsp:style>
+      <dsp:txBody>
+        <a:bodyPr spcFirstLastPara="0" vert="horz" wrap="square" lIns="11430" tIns="11430" rIns="11430" bIns="87391" numCol="1" spcCol="1270" anchor="ctr" anchorCtr="0">
+          <a:noAutofit/>
+        </a:bodyPr>
+        <a:lstStyle/>
+        <a:p>
+          <a:pPr marL="0" lvl="0" indent="0" algn="ctr" defTabSz="800100">
+            <a:lnSpc>
+              <a:spcPct val="90000"/>
+            </a:lnSpc>
+            <a:spcBef>
+              <a:spcPct val="0"/>
+            </a:spcBef>
+            <a:spcAft>
+              <a:spcPct val="35000"/>
+            </a:spcAft>
+            <a:buNone/>
+          </a:pPr>
+          <a:r>
+            <a:rPr lang="en-US" sz="1800" kern="1200" dirty="0"/>
+            <a:t>A647</a:t>
+          </a:r>
+        </a:p>
+      </dsp:txBody>
+      <dsp:txXfrm>
+        <a:off x="9851254" y="1406235"/>
+        <a:ext cx="1196137" cy="619306"/>
+      </dsp:txXfrm>
+    </dsp:sp>
+    <dsp:sp modelId="{FD150DA8-934E-4D36-986A-8F655151C716}">
+      <dsp:nvSpPr>
+        <dsp:cNvPr id="0" name=""/>
+        <dsp:cNvSpPr/>
+      </dsp:nvSpPr>
+      <dsp:spPr>
+        <a:xfrm>
+          <a:off x="10090481" y="1887919"/>
+          <a:ext cx="1076523" cy="206435"/>
+        </a:xfrm>
+        <a:prstGeom prst="rect">
+          <a:avLst/>
+        </a:prstGeom>
+        <a:solidFill>
+          <a:schemeClr val="lt1">
+            <a:alpha val="90000"/>
+            <a:hueOff val="0"/>
+            <a:satOff val="0"/>
+            <a:lumOff val="0"/>
+            <a:alphaOff val="0"/>
+          </a:schemeClr>
+        </a:solidFill>
+        <a:ln w="6350" cap="flat" cmpd="sng" algn="ctr">
+          <a:solidFill>
+            <a:schemeClr val="accent1">
+              <a:hueOff val="0"/>
+              <a:satOff val="0"/>
+              <a:lumOff val="0"/>
+              <a:alphaOff val="0"/>
+            </a:schemeClr>
+          </a:solidFill>
+          <a:prstDash val="solid"/>
+          <a:miter lim="800000"/>
+        </a:ln>
+        <a:effectLst/>
+      </dsp:spPr>
+      <dsp:style>
+        <a:lnRef idx="1">
+          <a:scrgbClr r="0" g="0" b="0"/>
+        </a:lnRef>
+        <a:fillRef idx="1">
+          <a:scrgbClr r="0" g="0" b="0"/>
+        </a:fillRef>
+        <a:effectRef idx="0">
+          <a:scrgbClr r="0" g="0" b="0"/>
+        </a:effectRef>
+        <a:fontRef idx="minor"/>
+      </dsp:style>
+      <dsp:txBody>
+        <a:bodyPr spcFirstLastPara="0" vert="horz" wrap="square" lIns="33020" tIns="8255" rIns="33020" bIns="8255" numCol="1" spcCol="1270" anchor="ctr" anchorCtr="0">
+          <a:noAutofit/>
+        </a:bodyPr>
+        <a:lstStyle/>
+        <a:p>
+          <a:pPr marL="0" lvl="0" indent="0" algn="r" defTabSz="577850">
+            <a:lnSpc>
+              <a:spcPct val="90000"/>
+            </a:lnSpc>
+            <a:spcBef>
+              <a:spcPct val="0"/>
+            </a:spcBef>
+            <a:spcAft>
+              <a:spcPct val="35000"/>
+            </a:spcAft>
+            <a:buNone/>
+          </a:pPr>
+          <a:endParaRPr lang="en-US" sz="1300" kern="1200"/>
+        </a:p>
+      </dsp:txBody>
+      <dsp:txXfrm>
+        <a:off x="10090481" y="1887919"/>
+        <a:ext cx="1076523" cy="206435"/>
+      </dsp:txXfrm>
+    </dsp:sp>
+  </dsp:spTree>
+</dsp:drawing>
+</file>
+
+<file path=ppt/diagrams/drawing2.xml><?xml version="1.0" encoding="utf-8"?>
+<dsp:drawing xmlns:dgm="http://schemas.openxmlformats.org/drawingml/2006/diagram" xmlns:dsp="http://schemas.microsoft.com/office/drawing/2008/diagram" xmlns:a="http://schemas.openxmlformats.org/drawingml/2006/main">
+  <dsp:spTree>
+    <dsp:nvGrpSpPr>
+      <dsp:cNvPr id="0" name=""/>
+      <dsp:cNvGrpSpPr/>
+    </dsp:nvGrpSpPr>
+    <dsp:grpSpPr/>
+    <dsp:sp modelId="{E5F2B085-442B-466F-918C-869FCC8E2764}">
+      <dsp:nvSpPr>
+        <dsp:cNvPr id="0" name=""/>
+        <dsp:cNvSpPr/>
+      </dsp:nvSpPr>
+      <dsp:spPr>
+        <a:xfrm>
+          <a:off x="0" y="711679"/>
+          <a:ext cx="1523999" cy="914399"/>
+        </a:xfrm>
+        <a:prstGeom prst="roundRect">
+          <a:avLst>
+            <a:gd name="adj" fmla="val 10000"/>
+          </a:avLst>
+        </a:prstGeom>
+        <a:solidFill>
+          <a:schemeClr val="accent1">
+            <a:hueOff val="0"/>
+            <a:satOff val="0"/>
+            <a:lumOff val="0"/>
+            <a:alphaOff val="0"/>
+          </a:schemeClr>
+        </a:solidFill>
+        <a:ln w="12700" cap="flat" cmpd="sng" algn="ctr">
+          <a:solidFill>
+            <a:schemeClr val="lt1">
+              <a:hueOff val="0"/>
+              <a:satOff val="0"/>
+              <a:lumOff val="0"/>
+              <a:alphaOff val="0"/>
+            </a:schemeClr>
+          </a:solidFill>
+          <a:prstDash val="solid"/>
+          <a:miter lim="800000"/>
+        </a:ln>
+        <a:effectLst/>
+      </dsp:spPr>
+      <dsp:style>
+        <a:lnRef idx="2">
+          <a:scrgbClr r="0" g="0" b="0"/>
+        </a:lnRef>
+        <a:fillRef idx="1">
+          <a:scrgbClr r="0" g="0" b="0"/>
+        </a:fillRef>
+        <a:effectRef idx="0">
+          <a:scrgbClr r="0" g="0" b="0"/>
+        </a:effectRef>
+        <a:fontRef idx="minor">
+          <a:schemeClr val="lt1"/>
+        </a:fontRef>
+      </dsp:style>
+      <dsp:txBody>
+        <a:bodyPr spcFirstLastPara="0" vert="horz" wrap="square" lIns="30480" tIns="30480" rIns="30480" bIns="30480" numCol="1" spcCol="1270" anchor="ctr" anchorCtr="0">
+          <a:noAutofit/>
+        </a:bodyPr>
+        <a:lstStyle/>
+        <a:p>
+          <a:pPr marL="0" lvl="0" indent="0" algn="ctr" defTabSz="355600">
+            <a:lnSpc>
+              <a:spcPct val="90000"/>
+            </a:lnSpc>
+            <a:spcBef>
+              <a:spcPct val="0"/>
+            </a:spcBef>
+            <a:spcAft>
+              <a:spcPct val="35000"/>
+            </a:spcAft>
+            <a:buNone/>
+          </a:pPr>
+          <a:r>
+            <a:rPr lang="en-US" sz="800" kern="1200" dirty="0" err="1"/>
+            <a:t>metadata_generator</a:t>
+          </a:r>
+          <a:endParaRPr lang="en-US" sz="800" kern="1200" dirty="0"/>
+        </a:p>
+      </dsp:txBody>
+      <dsp:txXfrm>
+        <a:off x="26782" y="738461"/>
+        <a:ext cx="1470435" cy="860835"/>
+      </dsp:txXfrm>
+    </dsp:sp>
+    <dsp:sp modelId="{602301A9-9BF2-4047-A0FE-89357D5ACB04}">
+      <dsp:nvSpPr>
+        <dsp:cNvPr id="0" name=""/>
+        <dsp:cNvSpPr/>
+      </dsp:nvSpPr>
+      <dsp:spPr>
+        <a:xfrm>
+          <a:off x="1676400" y="979903"/>
+          <a:ext cx="323087" cy="377952"/>
+        </a:xfrm>
+        <a:prstGeom prst="rightArrow">
+          <a:avLst>
+            <a:gd name="adj1" fmla="val 60000"/>
+            <a:gd name="adj2" fmla="val 50000"/>
+          </a:avLst>
+        </a:prstGeom>
+        <a:solidFill>
+          <a:schemeClr val="accent1">
+            <a:tint val="60000"/>
+            <a:hueOff val="0"/>
+            <a:satOff val="0"/>
+            <a:lumOff val="0"/>
+            <a:alphaOff val="0"/>
+          </a:schemeClr>
+        </a:solidFill>
+        <a:ln>
+          <a:noFill/>
+        </a:ln>
+        <a:effectLst/>
+      </dsp:spPr>
+      <dsp:style>
+        <a:lnRef idx="0">
+          <a:scrgbClr r="0" g="0" b="0"/>
+        </a:lnRef>
+        <a:fillRef idx="1">
+          <a:scrgbClr r="0" g="0" b="0"/>
+        </a:fillRef>
+        <a:effectRef idx="0">
+          <a:scrgbClr r="0" g="0" b="0"/>
+        </a:effectRef>
+        <a:fontRef idx="minor">
+          <a:schemeClr val="lt1"/>
+        </a:fontRef>
+      </dsp:style>
+      <dsp:txBody>
+        <a:bodyPr spcFirstLastPara="0" vert="horz" wrap="square" lIns="0" tIns="0" rIns="0" bIns="0" numCol="1" spcCol="1270" anchor="ctr" anchorCtr="0">
+          <a:noAutofit/>
+        </a:bodyPr>
+        <a:lstStyle/>
+        <a:p>
+          <a:pPr marL="0" lvl="0" indent="0" algn="ctr" defTabSz="266700">
+            <a:lnSpc>
+              <a:spcPct val="90000"/>
+            </a:lnSpc>
+            <a:spcBef>
+              <a:spcPct val="0"/>
+            </a:spcBef>
+            <a:spcAft>
+              <a:spcPct val="35000"/>
+            </a:spcAft>
+            <a:buNone/>
+          </a:pPr>
+          <a:endParaRPr lang="en-US" sz="600" kern="1200"/>
+        </a:p>
+      </dsp:txBody>
+      <dsp:txXfrm>
+        <a:off x="1676400" y="1055493"/>
+        <a:ext cx="226161" cy="226772"/>
+      </dsp:txXfrm>
+    </dsp:sp>
+    <dsp:sp modelId="{627BEA87-6B8A-4711-8F0A-F3893914B4B1}">
+      <dsp:nvSpPr>
+        <dsp:cNvPr id="0" name=""/>
+        <dsp:cNvSpPr/>
+      </dsp:nvSpPr>
+      <dsp:spPr>
+        <a:xfrm>
+          <a:off x="2133600" y="711679"/>
+          <a:ext cx="1523999" cy="914399"/>
+        </a:xfrm>
+        <a:prstGeom prst="roundRect">
+          <a:avLst>
+            <a:gd name="adj" fmla="val 10000"/>
+          </a:avLst>
+        </a:prstGeom>
+        <a:solidFill>
+          <a:schemeClr val="accent1">
+            <a:hueOff val="0"/>
+            <a:satOff val="0"/>
+            <a:lumOff val="0"/>
+            <a:alphaOff val="0"/>
+          </a:schemeClr>
+        </a:solidFill>
+        <a:ln w="12700" cap="flat" cmpd="sng" algn="ctr">
+          <a:solidFill>
+            <a:schemeClr val="lt1">
+              <a:hueOff val="0"/>
+              <a:satOff val="0"/>
+              <a:lumOff val="0"/>
+              <a:alphaOff val="0"/>
+            </a:schemeClr>
+          </a:solidFill>
+          <a:prstDash val="solid"/>
+          <a:miter lim="800000"/>
+        </a:ln>
+        <a:effectLst/>
+      </dsp:spPr>
+      <dsp:style>
+        <a:lnRef idx="2">
+          <a:scrgbClr r="0" g="0" b="0"/>
+        </a:lnRef>
+        <a:fillRef idx="1">
+          <a:scrgbClr r="0" g="0" b="0"/>
+        </a:fillRef>
+        <a:effectRef idx="0">
+          <a:scrgbClr r="0" g="0" b="0"/>
+        </a:effectRef>
+        <a:fontRef idx="minor">
+          <a:schemeClr val="lt1"/>
+        </a:fontRef>
+      </dsp:style>
+      <dsp:txBody>
+        <a:bodyPr spcFirstLastPara="0" vert="horz" wrap="square" lIns="30480" tIns="30480" rIns="30480" bIns="30480" numCol="1" spcCol="1270" anchor="ctr" anchorCtr="0">
+          <a:noAutofit/>
+        </a:bodyPr>
+        <a:lstStyle/>
+        <a:p>
+          <a:pPr marL="0" lvl="0" indent="0" algn="ctr" defTabSz="355600">
+            <a:lnSpc>
+              <a:spcPct val="90000"/>
+            </a:lnSpc>
+            <a:spcBef>
+              <a:spcPct val="0"/>
+            </a:spcBef>
+            <a:spcAft>
+              <a:spcPct val="35000"/>
+            </a:spcAft>
+            <a:buNone/>
+          </a:pPr>
+          <a:r>
+            <a:rPr lang="en-US" sz="800" kern="1200" dirty="0" err="1"/>
+            <a:t>metadata_generator</a:t>
+          </a:r>
+          <a:endParaRPr lang="en-US" sz="800" kern="1200" dirty="0"/>
+        </a:p>
+      </dsp:txBody>
+      <dsp:txXfrm>
+        <a:off x="2160382" y="738461"/>
+        <a:ext cx="1470435" cy="860835"/>
+      </dsp:txXfrm>
+    </dsp:sp>
+    <dsp:sp modelId="{CD0BC564-4B1B-4547-8AAA-95501A14F142}">
+      <dsp:nvSpPr>
+        <dsp:cNvPr id="0" name=""/>
+        <dsp:cNvSpPr/>
+      </dsp:nvSpPr>
+      <dsp:spPr>
+        <a:xfrm>
+          <a:off x="3810000" y="979903"/>
+          <a:ext cx="323088" cy="377952"/>
+        </a:xfrm>
+        <a:prstGeom prst="rightArrow">
+          <a:avLst>
+            <a:gd name="adj1" fmla="val 60000"/>
+            <a:gd name="adj2" fmla="val 50000"/>
+          </a:avLst>
+        </a:prstGeom>
+        <a:solidFill>
+          <a:schemeClr val="accent1">
+            <a:tint val="60000"/>
+            <a:hueOff val="0"/>
+            <a:satOff val="0"/>
+            <a:lumOff val="0"/>
+            <a:alphaOff val="0"/>
+          </a:schemeClr>
+        </a:solidFill>
+        <a:ln>
+          <a:noFill/>
+        </a:ln>
+        <a:effectLst/>
+      </dsp:spPr>
+      <dsp:style>
+        <a:lnRef idx="0">
+          <a:scrgbClr r="0" g="0" b="0"/>
+        </a:lnRef>
+        <a:fillRef idx="1">
+          <a:scrgbClr r="0" g="0" b="0"/>
+        </a:fillRef>
+        <a:effectRef idx="0">
+          <a:scrgbClr r="0" g="0" b="0"/>
+        </a:effectRef>
+        <a:fontRef idx="minor">
+          <a:schemeClr val="lt1"/>
+        </a:fontRef>
+      </dsp:style>
+      <dsp:txBody>
+        <a:bodyPr spcFirstLastPara="0" vert="horz" wrap="square" lIns="0" tIns="0" rIns="0" bIns="0" numCol="1" spcCol="1270" anchor="ctr" anchorCtr="0">
+          <a:noAutofit/>
+        </a:bodyPr>
+        <a:lstStyle/>
+        <a:p>
+          <a:pPr marL="0" lvl="0" indent="0" algn="ctr" defTabSz="266700">
+            <a:lnSpc>
+              <a:spcPct val="90000"/>
+            </a:lnSpc>
+            <a:spcBef>
+              <a:spcPct val="0"/>
+            </a:spcBef>
+            <a:spcAft>
+              <a:spcPct val="35000"/>
+            </a:spcAft>
+            <a:buNone/>
+          </a:pPr>
+          <a:endParaRPr lang="en-US" sz="600" kern="1200"/>
+        </a:p>
+      </dsp:txBody>
+      <dsp:txXfrm>
+        <a:off x="3810000" y="1055493"/>
+        <a:ext cx="226162" cy="226772"/>
+      </dsp:txXfrm>
+    </dsp:sp>
+    <dsp:sp modelId="{933A2555-BA65-404E-A947-E43ED22CEA0B}">
+      <dsp:nvSpPr>
+        <dsp:cNvPr id="0" name=""/>
+        <dsp:cNvSpPr/>
+      </dsp:nvSpPr>
+      <dsp:spPr>
+        <a:xfrm>
+          <a:off x="4267200" y="711679"/>
+          <a:ext cx="1523999" cy="914399"/>
+        </a:xfrm>
+        <a:prstGeom prst="roundRect">
+          <a:avLst>
+            <a:gd name="adj" fmla="val 10000"/>
+          </a:avLst>
+        </a:prstGeom>
+        <a:solidFill>
+          <a:schemeClr val="accent1">
+            <a:hueOff val="0"/>
+            <a:satOff val="0"/>
+            <a:lumOff val="0"/>
+            <a:alphaOff val="0"/>
+          </a:schemeClr>
+        </a:solidFill>
+        <a:ln w="12700" cap="flat" cmpd="sng" algn="ctr">
+          <a:solidFill>
+            <a:schemeClr val="lt1">
+              <a:hueOff val="0"/>
+              <a:satOff val="0"/>
+              <a:lumOff val="0"/>
+              <a:alphaOff val="0"/>
+            </a:schemeClr>
+          </a:solidFill>
+          <a:prstDash val="solid"/>
+          <a:miter lim="800000"/>
+        </a:ln>
+        <a:effectLst/>
+      </dsp:spPr>
+      <dsp:style>
+        <a:lnRef idx="2">
+          <a:scrgbClr r="0" g="0" b="0"/>
+        </a:lnRef>
+        <a:fillRef idx="1">
+          <a:scrgbClr r="0" g="0" b="0"/>
+        </a:fillRef>
+        <a:effectRef idx="0">
+          <a:scrgbClr r="0" g="0" b="0"/>
+        </a:effectRef>
+        <a:fontRef idx="minor">
+          <a:schemeClr val="lt1"/>
+        </a:fontRef>
+      </dsp:style>
+      <dsp:txBody>
+        <a:bodyPr spcFirstLastPara="0" vert="horz" wrap="square" lIns="30480" tIns="30480" rIns="30480" bIns="30480" numCol="1" spcCol="1270" anchor="ctr" anchorCtr="0">
+          <a:noAutofit/>
+        </a:bodyPr>
+        <a:lstStyle/>
+        <a:p>
+          <a:pPr marL="0" lvl="0" indent="0" algn="ctr" defTabSz="355600">
+            <a:lnSpc>
+              <a:spcPct val="90000"/>
+            </a:lnSpc>
+            <a:spcBef>
+              <a:spcPct val="0"/>
+            </a:spcBef>
+            <a:spcAft>
+              <a:spcPct val="35000"/>
+            </a:spcAft>
+            <a:buNone/>
+          </a:pPr>
+          <a:r>
+            <a:rPr lang="en-US" sz="800" kern="1200" dirty="0" err="1"/>
+            <a:t>infocus</a:t>
+          </a:r>
+          <a:endParaRPr lang="en-US" sz="800" kern="1200" dirty="0"/>
+        </a:p>
+      </dsp:txBody>
+      <dsp:txXfrm>
+        <a:off x="4293982" y="738461"/>
+        <a:ext cx="1470435" cy="860835"/>
+      </dsp:txXfrm>
+    </dsp:sp>
+    <dsp:sp modelId="{27E3A82B-605A-4D2C-9B0E-4C622D42D5E4}">
+      <dsp:nvSpPr>
+        <dsp:cNvPr id="0" name=""/>
+        <dsp:cNvSpPr/>
+      </dsp:nvSpPr>
+      <dsp:spPr>
+        <a:xfrm>
+          <a:off x="5943600" y="979903"/>
+          <a:ext cx="323088" cy="377952"/>
+        </a:xfrm>
+        <a:prstGeom prst="rightArrow">
+          <a:avLst>
+            <a:gd name="adj1" fmla="val 60000"/>
+            <a:gd name="adj2" fmla="val 50000"/>
+          </a:avLst>
+        </a:prstGeom>
+        <a:solidFill>
+          <a:schemeClr val="accent1">
+            <a:tint val="60000"/>
+            <a:hueOff val="0"/>
+            <a:satOff val="0"/>
+            <a:lumOff val="0"/>
+            <a:alphaOff val="0"/>
+          </a:schemeClr>
+        </a:solidFill>
+        <a:ln>
+          <a:noFill/>
+        </a:ln>
+        <a:effectLst/>
+      </dsp:spPr>
+      <dsp:style>
+        <a:lnRef idx="0">
+          <a:scrgbClr r="0" g="0" b="0"/>
+        </a:lnRef>
+        <a:fillRef idx="1">
+          <a:scrgbClr r="0" g="0" b="0"/>
+        </a:fillRef>
+        <a:effectRef idx="0">
+          <a:scrgbClr r="0" g="0" b="0"/>
+        </a:effectRef>
+        <a:fontRef idx="minor">
+          <a:schemeClr val="lt1"/>
+        </a:fontRef>
+      </dsp:style>
+      <dsp:txBody>
+        <a:bodyPr spcFirstLastPara="0" vert="horz" wrap="square" lIns="0" tIns="0" rIns="0" bIns="0" numCol="1" spcCol="1270" anchor="ctr" anchorCtr="0">
+          <a:noAutofit/>
+        </a:bodyPr>
+        <a:lstStyle/>
+        <a:p>
+          <a:pPr marL="0" lvl="0" indent="0" algn="ctr" defTabSz="266700">
+            <a:lnSpc>
+              <a:spcPct val="90000"/>
+            </a:lnSpc>
+            <a:spcBef>
+              <a:spcPct val="0"/>
+            </a:spcBef>
+            <a:spcAft>
+              <a:spcPct val="35000"/>
+            </a:spcAft>
+            <a:buNone/>
+          </a:pPr>
+          <a:endParaRPr lang="en-US" sz="600" kern="1200"/>
+        </a:p>
+      </dsp:txBody>
+      <dsp:txXfrm>
+        <a:off x="5943600" y="1055493"/>
+        <a:ext cx="226162" cy="226772"/>
+      </dsp:txXfrm>
+    </dsp:sp>
+    <dsp:sp modelId="{B7A39CCF-21DE-4D66-ACA3-31C09CA67E6A}">
+      <dsp:nvSpPr>
+        <dsp:cNvPr id="0" name=""/>
+        <dsp:cNvSpPr/>
+      </dsp:nvSpPr>
+      <dsp:spPr>
+        <a:xfrm>
+          <a:off x="6400800" y="711679"/>
+          <a:ext cx="1523999" cy="914399"/>
+        </a:xfrm>
+        <a:prstGeom prst="roundRect">
+          <a:avLst>
+            <a:gd name="adj" fmla="val 10000"/>
+          </a:avLst>
+        </a:prstGeom>
+        <a:solidFill>
+          <a:schemeClr val="accent1">
+            <a:hueOff val="0"/>
+            <a:satOff val="0"/>
+            <a:lumOff val="0"/>
+            <a:alphaOff val="0"/>
+          </a:schemeClr>
+        </a:solidFill>
+        <a:ln w="12700" cap="flat" cmpd="sng" algn="ctr">
+          <a:solidFill>
+            <a:schemeClr val="lt1">
+              <a:hueOff val="0"/>
+              <a:satOff val="0"/>
+              <a:lumOff val="0"/>
+              <a:alphaOff val="0"/>
+            </a:schemeClr>
+          </a:solidFill>
+          <a:prstDash val="solid"/>
+          <a:miter lim="800000"/>
+        </a:ln>
+        <a:effectLst/>
+      </dsp:spPr>
+      <dsp:style>
+        <a:lnRef idx="2">
+          <a:scrgbClr r="0" g="0" b="0"/>
+        </a:lnRef>
+        <a:fillRef idx="1">
+          <a:scrgbClr r="0" g="0" b="0"/>
+        </a:fillRef>
+        <a:effectRef idx="0">
+          <a:scrgbClr r="0" g="0" b="0"/>
+        </a:effectRef>
+        <a:fontRef idx="minor">
+          <a:schemeClr val="lt1"/>
+        </a:fontRef>
+      </dsp:style>
+      <dsp:txBody>
+        <a:bodyPr spcFirstLastPara="0" vert="horz" wrap="square" lIns="30480" tIns="30480" rIns="30480" bIns="30480" numCol="1" spcCol="1270" anchor="ctr" anchorCtr="0">
+          <a:noAutofit/>
+        </a:bodyPr>
+        <a:lstStyle/>
+        <a:p>
+          <a:pPr marL="0" lvl="0" indent="0" algn="ctr" defTabSz="355600">
+            <a:lnSpc>
+              <a:spcPct val="90000"/>
+            </a:lnSpc>
+            <a:spcBef>
+              <a:spcPct val="0"/>
+            </a:spcBef>
+            <a:spcAft>
+              <a:spcPct val="35000"/>
+            </a:spcAft>
+            <a:buNone/>
+          </a:pPr>
+          <a:r>
+            <a:rPr lang="en-US" sz="800" kern="1200" dirty="0" err="1"/>
+            <a:t>mcmicro_image_stack_generator</a:t>
+          </a:r>
+          <a:endParaRPr lang="en-US" sz="800" kern="1200" dirty="0"/>
+        </a:p>
+      </dsp:txBody>
+      <dsp:txXfrm>
+        <a:off x="6427582" y="738461"/>
+        <a:ext cx="1470435" cy="860835"/>
+      </dsp:txXfrm>
+    </dsp:sp>
+    <dsp:sp modelId="{83BD270E-A4E8-45C6-92FD-E8A58F0BF7F7}">
+      <dsp:nvSpPr>
+        <dsp:cNvPr id="0" name=""/>
+        <dsp:cNvSpPr/>
+      </dsp:nvSpPr>
+      <dsp:spPr>
+        <a:xfrm>
+          <a:off x="8077200" y="979903"/>
+          <a:ext cx="323088" cy="377952"/>
+        </a:xfrm>
+        <a:prstGeom prst="rightArrow">
+          <a:avLst>
+            <a:gd name="adj1" fmla="val 60000"/>
+            <a:gd name="adj2" fmla="val 50000"/>
+          </a:avLst>
+        </a:prstGeom>
+        <a:solidFill>
+          <a:schemeClr val="accent1">
+            <a:tint val="60000"/>
+            <a:hueOff val="0"/>
+            <a:satOff val="0"/>
+            <a:lumOff val="0"/>
+            <a:alphaOff val="0"/>
+          </a:schemeClr>
+        </a:solidFill>
+        <a:ln>
+          <a:noFill/>
+        </a:ln>
+        <a:effectLst/>
+      </dsp:spPr>
+      <dsp:style>
+        <a:lnRef idx="0">
+          <a:scrgbClr r="0" g="0" b="0"/>
+        </a:lnRef>
+        <a:fillRef idx="1">
+          <a:scrgbClr r="0" g="0" b="0"/>
+        </a:fillRef>
+        <a:effectRef idx="0">
+          <a:scrgbClr r="0" g="0" b="0"/>
+        </a:effectRef>
+        <a:fontRef idx="minor">
+          <a:schemeClr val="lt1"/>
+        </a:fontRef>
+      </dsp:style>
+      <dsp:txBody>
+        <a:bodyPr spcFirstLastPara="0" vert="horz" wrap="square" lIns="0" tIns="0" rIns="0" bIns="0" numCol="1" spcCol="1270" anchor="ctr" anchorCtr="0">
+          <a:noAutofit/>
+        </a:bodyPr>
+        <a:lstStyle/>
+        <a:p>
+          <a:pPr marL="0" lvl="0" indent="0" algn="ctr" defTabSz="266700">
+            <a:lnSpc>
+              <a:spcPct val="90000"/>
+            </a:lnSpc>
+            <a:spcBef>
+              <a:spcPct val="0"/>
+            </a:spcBef>
+            <a:spcAft>
+              <a:spcPct val="35000"/>
+            </a:spcAft>
+            <a:buNone/>
+          </a:pPr>
+          <a:endParaRPr lang="en-US" sz="600" kern="1200"/>
+        </a:p>
+      </dsp:txBody>
+      <dsp:txXfrm>
+        <a:off x="8077200" y="1055493"/>
+        <a:ext cx="226162" cy="226772"/>
+      </dsp:txXfrm>
+    </dsp:sp>
+    <dsp:sp modelId="{C50117A7-E94D-448C-A5AB-63F31D1D5F0B}">
+      <dsp:nvSpPr>
+        <dsp:cNvPr id="0" name=""/>
+        <dsp:cNvSpPr/>
+      </dsp:nvSpPr>
+      <dsp:spPr>
+        <a:xfrm>
+          <a:off x="8534400" y="711679"/>
+          <a:ext cx="1523999" cy="914399"/>
+        </a:xfrm>
+        <a:prstGeom prst="roundRect">
+          <a:avLst>
+            <a:gd name="adj" fmla="val 10000"/>
+          </a:avLst>
+        </a:prstGeom>
+        <a:solidFill>
+          <a:schemeClr val="accent1">
+            <a:hueOff val="0"/>
+            <a:satOff val="0"/>
+            <a:lumOff val="0"/>
+            <a:alphaOff val="0"/>
+          </a:schemeClr>
+        </a:solidFill>
+        <a:ln w="12700" cap="flat" cmpd="sng" algn="ctr">
+          <a:solidFill>
+            <a:schemeClr val="lt1">
+              <a:hueOff val="0"/>
+              <a:satOff val="0"/>
+              <a:lumOff val="0"/>
+              <a:alphaOff val="0"/>
+            </a:schemeClr>
+          </a:solidFill>
+          <a:prstDash val="solid"/>
+          <a:miter lim="800000"/>
+        </a:ln>
+        <a:effectLst/>
+      </dsp:spPr>
+      <dsp:style>
+        <a:lnRef idx="2">
+          <a:scrgbClr r="0" g="0" b="0"/>
+        </a:lnRef>
+        <a:fillRef idx="1">
+          <a:scrgbClr r="0" g="0" b="0"/>
+        </a:fillRef>
+        <a:effectRef idx="0">
+          <a:scrgbClr r="0" g="0" b="0"/>
+        </a:effectRef>
+        <a:fontRef idx="minor">
+          <a:schemeClr val="lt1"/>
+        </a:fontRef>
+      </dsp:style>
+      <dsp:txBody>
+        <a:bodyPr spcFirstLastPara="0" vert="horz" wrap="square" lIns="30480" tIns="30480" rIns="30480" bIns="30480" numCol="1" spcCol="1270" anchor="ctr" anchorCtr="0">
+          <a:noAutofit/>
+        </a:bodyPr>
+        <a:lstStyle/>
+        <a:p>
+          <a:pPr marL="0" lvl="0" indent="0" algn="ctr" defTabSz="355600">
+            <a:lnSpc>
+              <a:spcPct val="90000"/>
+            </a:lnSpc>
+            <a:spcBef>
+              <a:spcPct val="0"/>
+            </a:spcBef>
+            <a:spcAft>
+              <a:spcPct val="35000"/>
+            </a:spcAft>
+            <a:buNone/>
+          </a:pPr>
+          <a:r>
+            <a:rPr lang="en-US" sz="800" kern="1200" dirty="0" err="1"/>
+            <a:t>stage_placement</a:t>
+          </a:r>
+          <a:endParaRPr lang="en-US" sz="800" kern="1200" dirty="0"/>
+        </a:p>
+      </dsp:txBody>
+      <dsp:txXfrm>
+        <a:off x="8561182" y="738461"/>
+        <a:ext cx="1470435" cy="860835"/>
+      </dsp:txXfrm>
+    </dsp:sp>
+    <dsp:sp modelId="{9C0ED22B-B3A0-43C3-A710-52397272F7DC}">
+      <dsp:nvSpPr>
+        <dsp:cNvPr id="0" name=""/>
+        <dsp:cNvSpPr/>
+      </dsp:nvSpPr>
+      <dsp:spPr>
+        <a:xfrm>
+          <a:off x="10210800" y="979903"/>
+          <a:ext cx="323088" cy="377952"/>
+        </a:xfrm>
+        <a:prstGeom prst="rightArrow">
+          <a:avLst>
+            <a:gd name="adj1" fmla="val 60000"/>
+            <a:gd name="adj2" fmla="val 50000"/>
+          </a:avLst>
+        </a:prstGeom>
+        <a:solidFill>
+          <a:schemeClr val="accent1">
+            <a:tint val="60000"/>
+            <a:hueOff val="0"/>
+            <a:satOff val="0"/>
+            <a:lumOff val="0"/>
+            <a:alphaOff val="0"/>
+          </a:schemeClr>
+        </a:solidFill>
+        <a:ln>
+          <a:noFill/>
+        </a:ln>
+        <a:effectLst/>
+      </dsp:spPr>
+      <dsp:style>
+        <a:lnRef idx="0">
+          <a:scrgbClr r="0" g="0" b="0"/>
+        </a:lnRef>
+        <a:fillRef idx="1">
+          <a:scrgbClr r="0" g="0" b="0"/>
+        </a:fillRef>
+        <a:effectRef idx="0">
+          <a:scrgbClr r="0" g="0" b="0"/>
+        </a:effectRef>
+        <a:fontRef idx="minor">
+          <a:schemeClr val="lt1"/>
+        </a:fontRef>
+      </dsp:style>
+      <dsp:txBody>
+        <a:bodyPr spcFirstLastPara="0" vert="horz" wrap="square" lIns="0" tIns="0" rIns="0" bIns="0" numCol="1" spcCol="1270" anchor="ctr" anchorCtr="0">
+          <a:noAutofit/>
+        </a:bodyPr>
+        <a:lstStyle/>
+        <a:p>
+          <a:pPr marL="0" lvl="0" indent="0" algn="ctr" defTabSz="266700">
+            <a:lnSpc>
+              <a:spcPct val="90000"/>
+            </a:lnSpc>
+            <a:spcBef>
+              <a:spcPct val="0"/>
+            </a:spcBef>
+            <a:spcAft>
+              <a:spcPct val="35000"/>
+            </a:spcAft>
+            <a:buNone/>
+          </a:pPr>
+          <a:endParaRPr lang="en-US" sz="600" kern="1200"/>
+        </a:p>
+      </dsp:txBody>
+      <dsp:txXfrm>
+        <a:off x="10210800" y="1055493"/>
+        <a:ext cx="226162" cy="226772"/>
+      </dsp:txXfrm>
+    </dsp:sp>
+    <dsp:sp modelId="{6DE442BC-8DCF-49B9-AF47-073E7DCE6769}">
+      <dsp:nvSpPr>
+        <dsp:cNvPr id="0" name=""/>
+        <dsp:cNvSpPr/>
+      </dsp:nvSpPr>
+      <dsp:spPr>
+        <a:xfrm>
+          <a:off x="10668000" y="711679"/>
+          <a:ext cx="1523999" cy="914399"/>
+        </a:xfrm>
+        <a:prstGeom prst="roundRect">
+          <a:avLst>
+            <a:gd name="adj" fmla="val 10000"/>
+          </a:avLst>
+        </a:prstGeom>
+        <a:solidFill>
+          <a:schemeClr val="accent1">
+            <a:hueOff val="0"/>
+            <a:satOff val="0"/>
+            <a:lumOff val="0"/>
+            <a:alphaOff val="0"/>
+          </a:schemeClr>
+        </a:solidFill>
+        <a:ln w="12700" cap="flat" cmpd="sng" algn="ctr">
+          <a:solidFill>
+            <a:schemeClr val="lt1">
+              <a:hueOff val="0"/>
+              <a:satOff val="0"/>
+              <a:lumOff val="0"/>
+              <a:alphaOff val="0"/>
+            </a:schemeClr>
+          </a:solidFill>
+          <a:prstDash val="solid"/>
+          <a:miter lim="800000"/>
+        </a:ln>
+        <a:effectLst/>
+      </dsp:spPr>
+      <dsp:style>
+        <a:lnRef idx="2">
+          <a:scrgbClr r="0" g="0" b="0"/>
+        </a:lnRef>
+        <a:fillRef idx="1">
+          <a:scrgbClr r="0" g="0" b="0"/>
+        </a:fillRef>
+        <a:effectRef idx="0">
+          <a:scrgbClr r="0" g="0" b="0"/>
+        </a:effectRef>
+        <a:fontRef idx="minor">
+          <a:schemeClr val="lt1"/>
+        </a:fontRef>
+      </dsp:style>
+      <dsp:txBody>
+        <a:bodyPr spcFirstLastPara="0" vert="horz" wrap="square" lIns="30480" tIns="30480" rIns="30480" bIns="30480" numCol="1" spcCol="1270" anchor="ctr" anchorCtr="0">
+          <a:noAutofit/>
+        </a:bodyPr>
+        <a:lstStyle/>
+        <a:p>
+          <a:pPr marL="0" lvl="0" indent="0" algn="ctr" defTabSz="355600">
+            <a:lnSpc>
+              <a:spcPct val="90000"/>
+            </a:lnSpc>
+            <a:spcBef>
+              <a:spcPct val="0"/>
+            </a:spcBef>
+            <a:spcAft>
+              <a:spcPct val="35000"/>
+            </a:spcAft>
+            <a:buNone/>
+          </a:pPr>
+          <a:r>
+            <a:rPr lang="en-US" sz="800" kern="1200" dirty="0" err="1"/>
+            <a:t>mcmicro</a:t>
+          </a:r>
+          <a:endParaRPr lang="en-US" sz="800" kern="1200" dirty="0"/>
+        </a:p>
+      </dsp:txBody>
+      <dsp:txXfrm>
+        <a:off x="10694782" y="738461"/>
+        <a:ext cx="1470435" cy="860835"/>
+      </dsp:txXfrm>
+    </dsp:sp>
+  </dsp:spTree>
+</dsp:drawing>
+</file>
+
+<file path=ppt/diagrams/drawing3.xml><?xml version="1.0" encoding="utf-8"?>
+<dsp:drawing xmlns:dgm="http://schemas.openxmlformats.org/drawingml/2006/diagram" xmlns:dsp="http://schemas.microsoft.com/office/drawing/2008/diagram" xmlns:a="http://schemas.openxmlformats.org/drawingml/2006/main">
+  <dsp:spTree>
+    <dsp:nvGrpSpPr>
+      <dsp:cNvPr id="0" name=""/>
+      <dsp:cNvGrpSpPr/>
+    </dsp:nvGrpSpPr>
+    <dsp:grpSpPr/>
+    <dsp:sp modelId="{E5F2B085-442B-466F-918C-869FCC8E2764}">
+      <dsp:nvSpPr>
+        <dsp:cNvPr id="0" name=""/>
+        <dsp:cNvSpPr/>
+      </dsp:nvSpPr>
+      <dsp:spPr>
+        <a:xfrm>
+          <a:off x="0" y="471554"/>
+          <a:ext cx="1523999" cy="2050256"/>
+        </a:xfrm>
+        <a:prstGeom prst="roundRect">
+          <a:avLst>
+            <a:gd name="adj" fmla="val 10000"/>
+          </a:avLst>
+        </a:prstGeom>
+        <a:solidFill>
+          <a:schemeClr val="accent1">
+            <a:hueOff val="0"/>
+            <a:satOff val="0"/>
+            <a:lumOff val="0"/>
+            <a:alphaOff val="0"/>
+          </a:schemeClr>
+        </a:solidFill>
+        <a:ln w="12700" cap="flat" cmpd="sng" algn="ctr">
+          <a:solidFill>
+            <a:schemeClr val="lt1">
+              <a:hueOff val="0"/>
+              <a:satOff val="0"/>
+              <a:lumOff val="0"/>
+              <a:alphaOff val="0"/>
+            </a:schemeClr>
+          </a:solidFill>
+          <a:prstDash val="solid"/>
+          <a:miter lim="800000"/>
+        </a:ln>
+        <a:effectLst/>
+      </dsp:spPr>
+      <dsp:style>
+        <a:lnRef idx="2">
+          <a:scrgbClr r="0" g="0" b="0"/>
+        </a:lnRef>
+        <a:fillRef idx="1">
+          <a:scrgbClr r="0" g="0" b="0"/>
+        </a:fillRef>
+        <a:effectRef idx="0">
+          <a:scrgbClr r="0" g="0" b="0"/>
+        </a:effectRef>
+        <a:fontRef idx="minor">
+          <a:schemeClr val="lt1"/>
+        </a:fontRef>
+      </dsp:style>
+      <dsp:txBody>
+        <a:bodyPr spcFirstLastPara="0" vert="horz" wrap="square" lIns="45720" tIns="45720" rIns="45720" bIns="45720" numCol="1" spcCol="1270" anchor="ctr" anchorCtr="0">
+          <a:noAutofit/>
+        </a:bodyPr>
+        <a:lstStyle/>
+        <a:p>
+          <a:pPr marL="0" lvl="0" indent="0" algn="ctr" defTabSz="533400">
+            <a:lnSpc>
+              <a:spcPct val="90000"/>
+            </a:lnSpc>
+            <a:spcBef>
+              <a:spcPct val="0"/>
+            </a:spcBef>
+            <a:spcAft>
+              <a:spcPct val="35000"/>
+            </a:spcAft>
+            <a:buNone/>
+          </a:pPr>
+          <a:r>
+            <a:rPr lang="en-US" sz="1200" kern="1200" dirty="0"/>
+            <a:t>Create new metadata construct from known working xml set</a:t>
+          </a:r>
+        </a:p>
+      </dsp:txBody>
+      <dsp:txXfrm>
+        <a:off x="44636" y="516190"/>
+        <a:ext cx="1434727" cy="1960984"/>
+      </dsp:txXfrm>
+    </dsp:sp>
+    <dsp:sp modelId="{602301A9-9BF2-4047-A0FE-89357D5ACB04}">
+      <dsp:nvSpPr>
+        <dsp:cNvPr id="0" name=""/>
+        <dsp:cNvSpPr/>
+      </dsp:nvSpPr>
+      <dsp:spPr>
+        <a:xfrm>
+          <a:off x="1676400" y="1307707"/>
+          <a:ext cx="323087" cy="377952"/>
+        </a:xfrm>
+        <a:prstGeom prst="rightArrow">
+          <a:avLst>
+            <a:gd name="adj1" fmla="val 60000"/>
+            <a:gd name="adj2" fmla="val 50000"/>
+          </a:avLst>
+        </a:prstGeom>
+        <a:solidFill>
+          <a:schemeClr val="accent1">
+            <a:tint val="60000"/>
+            <a:hueOff val="0"/>
+            <a:satOff val="0"/>
+            <a:lumOff val="0"/>
+            <a:alphaOff val="0"/>
+          </a:schemeClr>
+        </a:solidFill>
+        <a:ln>
+          <a:noFill/>
+        </a:ln>
+        <a:effectLst/>
+      </dsp:spPr>
+      <dsp:style>
+        <a:lnRef idx="0">
+          <a:scrgbClr r="0" g="0" b="0"/>
+        </a:lnRef>
+        <a:fillRef idx="1">
+          <a:scrgbClr r="0" g="0" b="0"/>
+        </a:fillRef>
+        <a:effectRef idx="0">
+          <a:scrgbClr r="0" g="0" b="0"/>
+        </a:effectRef>
+        <a:fontRef idx="minor">
+          <a:schemeClr val="lt1"/>
+        </a:fontRef>
+      </dsp:style>
+      <dsp:txBody>
+        <a:bodyPr spcFirstLastPara="0" vert="horz" wrap="square" lIns="0" tIns="0" rIns="0" bIns="0" numCol="1" spcCol="1270" anchor="ctr" anchorCtr="0">
+          <a:noAutofit/>
+        </a:bodyPr>
+        <a:lstStyle/>
+        <a:p>
+          <a:pPr marL="0" lvl="0" indent="0" algn="ctr" defTabSz="444500">
+            <a:lnSpc>
+              <a:spcPct val="90000"/>
+            </a:lnSpc>
+            <a:spcBef>
+              <a:spcPct val="0"/>
+            </a:spcBef>
+            <a:spcAft>
+              <a:spcPct val="35000"/>
+            </a:spcAft>
+            <a:buNone/>
+          </a:pPr>
+          <a:endParaRPr lang="en-US" sz="1000" kern="1200"/>
+        </a:p>
+      </dsp:txBody>
+      <dsp:txXfrm>
+        <a:off x="1676400" y="1383297"/>
+        <a:ext cx="226161" cy="226772"/>
+      </dsp:txXfrm>
+    </dsp:sp>
+    <dsp:sp modelId="{627BEA87-6B8A-4711-8F0A-F3893914B4B1}">
+      <dsp:nvSpPr>
+        <dsp:cNvPr id="0" name=""/>
+        <dsp:cNvSpPr/>
+      </dsp:nvSpPr>
+      <dsp:spPr>
+        <a:xfrm>
+          <a:off x="2133600" y="471554"/>
+          <a:ext cx="1523999" cy="2050256"/>
+        </a:xfrm>
+        <a:prstGeom prst="roundRect">
+          <a:avLst>
+            <a:gd name="adj" fmla="val 10000"/>
+          </a:avLst>
+        </a:prstGeom>
+        <a:solidFill>
+          <a:schemeClr val="accent1">
+            <a:hueOff val="0"/>
+            <a:satOff val="0"/>
+            <a:lumOff val="0"/>
+            <a:alphaOff val="0"/>
+          </a:schemeClr>
+        </a:solidFill>
+        <a:ln w="12700" cap="flat" cmpd="sng" algn="ctr">
+          <a:solidFill>
+            <a:schemeClr val="lt1">
+              <a:hueOff val="0"/>
+              <a:satOff val="0"/>
+              <a:lumOff val="0"/>
+              <a:alphaOff val="0"/>
+            </a:schemeClr>
+          </a:solidFill>
+          <a:prstDash val="solid"/>
+          <a:miter lim="800000"/>
+        </a:ln>
+        <a:effectLst/>
+      </dsp:spPr>
+      <dsp:style>
+        <a:lnRef idx="2">
+          <a:scrgbClr r="0" g="0" b="0"/>
+        </a:lnRef>
+        <a:fillRef idx="1">
+          <a:scrgbClr r="0" g="0" b="0"/>
+        </a:fillRef>
+        <a:effectRef idx="0">
+          <a:scrgbClr r="0" g="0" b="0"/>
+        </a:effectRef>
+        <a:fontRef idx="minor">
+          <a:schemeClr val="lt1"/>
+        </a:fontRef>
+      </dsp:style>
+      <dsp:txBody>
+        <a:bodyPr spcFirstLastPara="0" vert="horz" wrap="square" lIns="45720" tIns="45720" rIns="45720" bIns="45720" numCol="1" spcCol="1270" anchor="ctr" anchorCtr="0">
+          <a:noAutofit/>
+        </a:bodyPr>
+        <a:lstStyle/>
+        <a:p>
+          <a:pPr marL="0" lvl="0" indent="0" algn="ctr" defTabSz="533400">
+            <a:lnSpc>
+              <a:spcPct val="90000"/>
+            </a:lnSpc>
+            <a:spcBef>
+              <a:spcPct val="0"/>
+            </a:spcBef>
+            <a:spcAft>
+              <a:spcPct val="35000"/>
+            </a:spcAft>
+            <a:buNone/>
+          </a:pPr>
+          <a:r>
+            <a:rPr lang="en-US" sz="1200" kern="1200" dirty="0"/>
+            <a:t>Populate stage coords from saved experiment </a:t>
+          </a:r>
+          <a:r>
+            <a:rPr lang="en-US" sz="1200" kern="1200" dirty="0" err="1"/>
+            <a:t>numpy</a:t>
+          </a:r>
+          <a:r>
+            <a:rPr lang="en-US" sz="1200" kern="1200" dirty="0"/>
+            <a:t> array for the focus map. Update pixel size as well and frame size </a:t>
+          </a:r>
+        </a:p>
+      </dsp:txBody>
+      <dsp:txXfrm>
+        <a:off x="2178236" y="516190"/>
+        <a:ext cx="1434727" cy="1960984"/>
+      </dsp:txXfrm>
+    </dsp:sp>
+    <dsp:sp modelId="{CD0BC564-4B1B-4547-8AAA-95501A14F142}">
+      <dsp:nvSpPr>
+        <dsp:cNvPr id="0" name=""/>
+        <dsp:cNvSpPr/>
+      </dsp:nvSpPr>
+      <dsp:spPr>
+        <a:xfrm>
+          <a:off x="3810000" y="1307707"/>
+          <a:ext cx="323088" cy="377952"/>
+        </a:xfrm>
+        <a:prstGeom prst="rightArrow">
+          <a:avLst>
+            <a:gd name="adj1" fmla="val 60000"/>
+            <a:gd name="adj2" fmla="val 50000"/>
+          </a:avLst>
+        </a:prstGeom>
+        <a:solidFill>
+          <a:schemeClr val="accent1">
+            <a:tint val="60000"/>
+            <a:hueOff val="0"/>
+            <a:satOff val="0"/>
+            <a:lumOff val="0"/>
+            <a:alphaOff val="0"/>
+          </a:schemeClr>
+        </a:solidFill>
+        <a:ln>
+          <a:noFill/>
+        </a:ln>
+        <a:effectLst/>
+      </dsp:spPr>
+      <dsp:style>
+        <a:lnRef idx="0">
+          <a:scrgbClr r="0" g="0" b="0"/>
+        </a:lnRef>
+        <a:fillRef idx="1">
+          <a:scrgbClr r="0" g="0" b="0"/>
+        </a:fillRef>
+        <a:effectRef idx="0">
+          <a:scrgbClr r="0" g="0" b="0"/>
+        </a:effectRef>
+        <a:fontRef idx="minor">
+          <a:schemeClr val="lt1"/>
+        </a:fontRef>
+      </dsp:style>
+      <dsp:txBody>
+        <a:bodyPr spcFirstLastPara="0" vert="horz" wrap="square" lIns="0" tIns="0" rIns="0" bIns="0" numCol="1" spcCol="1270" anchor="ctr" anchorCtr="0">
+          <a:noAutofit/>
+        </a:bodyPr>
+        <a:lstStyle/>
+        <a:p>
+          <a:pPr marL="0" lvl="0" indent="0" algn="ctr" defTabSz="444500">
+            <a:lnSpc>
+              <a:spcPct val="90000"/>
+            </a:lnSpc>
+            <a:spcBef>
+              <a:spcPct val="0"/>
+            </a:spcBef>
+            <a:spcAft>
+              <a:spcPct val="35000"/>
+            </a:spcAft>
+            <a:buNone/>
+          </a:pPr>
+          <a:endParaRPr lang="en-US" sz="1000" kern="1200"/>
+        </a:p>
+      </dsp:txBody>
+      <dsp:txXfrm>
+        <a:off x="3810000" y="1383297"/>
+        <a:ext cx="226162" cy="226772"/>
+      </dsp:txXfrm>
+    </dsp:sp>
+    <dsp:sp modelId="{933A2555-BA65-404E-A947-E43ED22CEA0B}">
+      <dsp:nvSpPr>
+        <dsp:cNvPr id="0" name=""/>
+        <dsp:cNvSpPr/>
+      </dsp:nvSpPr>
+      <dsp:spPr>
+        <a:xfrm>
+          <a:off x="4267200" y="471554"/>
+          <a:ext cx="1523999" cy="2050256"/>
+        </a:xfrm>
+        <a:prstGeom prst="roundRect">
+          <a:avLst>
+            <a:gd name="adj" fmla="val 10000"/>
+          </a:avLst>
+        </a:prstGeom>
+        <a:solidFill>
+          <a:schemeClr val="accent1">
+            <a:hueOff val="0"/>
+            <a:satOff val="0"/>
+            <a:lumOff val="0"/>
+            <a:alphaOff val="0"/>
+          </a:schemeClr>
+        </a:solidFill>
+        <a:ln w="12700" cap="flat" cmpd="sng" algn="ctr">
+          <a:solidFill>
+            <a:schemeClr val="lt1">
+              <a:hueOff val="0"/>
+              <a:satOff val="0"/>
+              <a:lumOff val="0"/>
+              <a:alphaOff val="0"/>
+            </a:schemeClr>
+          </a:solidFill>
+          <a:prstDash val="solid"/>
+          <a:miter lim="800000"/>
+        </a:ln>
+        <a:effectLst/>
+      </dsp:spPr>
+      <dsp:style>
+        <a:lnRef idx="2">
+          <a:scrgbClr r="0" g="0" b="0"/>
+        </a:lnRef>
+        <a:fillRef idx="1">
+          <a:scrgbClr r="0" g="0" b="0"/>
+        </a:fillRef>
+        <a:effectRef idx="0">
+          <a:scrgbClr r="0" g="0" b="0"/>
+        </a:effectRef>
+        <a:fontRef idx="minor">
+          <a:schemeClr val="lt1"/>
+        </a:fontRef>
+      </dsp:style>
+      <dsp:txBody>
+        <a:bodyPr spcFirstLastPara="0" vert="horz" wrap="square" lIns="45720" tIns="45720" rIns="45720" bIns="45720" numCol="1" spcCol="1270" anchor="ctr" anchorCtr="0">
+          <a:noAutofit/>
+        </a:bodyPr>
+        <a:lstStyle/>
+        <a:p>
+          <a:pPr marL="0" lvl="0" indent="0" algn="ctr" defTabSz="533400">
+            <a:lnSpc>
+              <a:spcPct val="90000"/>
+            </a:lnSpc>
+            <a:spcBef>
+              <a:spcPct val="0"/>
+            </a:spcBef>
+            <a:spcAft>
+              <a:spcPct val="35000"/>
+            </a:spcAft>
+            <a:buNone/>
+          </a:pPr>
+          <a:r>
+            <a:rPr lang="en-US" sz="1200" kern="1200" dirty="0"/>
+            <a:t>Slice tile images into 10x10 sections and use </a:t>
+          </a:r>
+          <a:r>
+            <a:rPr lang="en-US" sz="1200" kern="1200" dirty="0" err="1"/>
+            <a:t>brenner</a:t>
+          </a:r>
+          <a:r>
+            <a:rPr lang="en-US" sz="1200" kern="1200" dirty="0"/>
+            <a:t> scores to determine in focus chunks. Use median filter on z plane chunk map to even out anomalies. Output reconstructed in focus tiles into focused folder</a:t>
+          </a:r>
+        </a:p>
+      </dsp:txBody>
+      <dsp:txXfrm>
+        <a:off x="4311836" y="516190"/>
+        <a:ext cx="1434727" cy="1960984"/>
+      </dsp:txXfrm>
+    </dsp:sp>
+    <dsp:sp modelId="{27E3A82B-605A-4D2C-9B0E-4C622D42D5E4}">
+      <dsp:nvSpPr>
+        <dsp:cNvPr id="0" name=""/>
+        <dsp:cNvSpPr/>
+      </dsp:nvSpPr>
+      <dsp:spPr>
+        <a:xfrm>
+          <a:off x="5943600" y="1307707"/>
+          <a:ext cx="323088" cy="377952"/>
+        </a:xfrm>
+        <a:prstGeom prst="rightArrow">
+          <a:avLst>
+            <a:gd name="adj1" fmla="val 60000"/>
+            <a:gd name="adj2" fmla="val 50000"/>
+          </a:avLst>
+        </a:prstGeom>
+        <a:solidFill>
+          <a:schemeClr val="accent1">
+            <a:tint val="60000"/>
+            <a:hueOff val="0"/>
+            <a:satOff val="0"/>
+            <a:lumOff val="0"/>
+            <a:alphaOff val="0"/>
+          </a:schemeClr>
+        </a:solidFill>
+        <a:ln>
+          <a:noFill/>
+        </a:ln>
+        <a:effectLst/>
+      </dsp:spPr>
+      <dsp:style>
+        <a:lnRef idx="0">
+          <a:scrgbClr r="0" g="0" b="0"/>
+        </a:lnRef>
+        <a:fillRef idx="1">
+          <a:scrgbClr r="0" g="0" b="0"/>
+        </a:fillRef>
+        <a:effectRef idx="0">
+          <a:scrgbClr r="0" g="0" b="0"/>
+        </a:effectRef>
+        <a:fontRef idx="minor">
+          <a:schemeClr val="lt1"/>
+        </a:fontRef>
+      </dsp:style>
+      <dsp:txBody>
+        <a:bodyPr spcFirstLastPara="0" vert="horz" wrap="square" lIns="0" tIns="0" rIns="0" bIns="0" numCol="1" spcCol="1270" anchor="ctr" anchorCtr="0">
+          <a:noAutofit/>
+        </a:bodyPr>
+        <a:lstStyle/>
+        <a:p>
+          <a:pPr marL="0" lvl="0" indent="0" algn="ctr" defTabSz="444500">
+            <a:lnSpc>
+              <a:spcPct val="90000"/>
+            </a:lnSpc>
+            <a:spcBef>
+              <a:spcPct val="0"/>
+            </a:spcBef>
+            <a:spcAft>
+              <a:spcPct val="35000"/>
+            </a:spcAft>
+            <a:buNone/>
+          </a:pPr>
+          <a:endParaRPr lang="en-US" sz="1000" kern="1200"/>
+        </a:p>
+      </dsp:txBody>
+      <dsp:txXfrm>
+        <a:off x="5943600" y="1383297"/>
+        <a:ext cx="226162" cy="226772"/>
+      </dsp:txXfrm>
+    </dsp:sp>
+    <dsp:sp modelId="{B7A39CCF-21DE-4D66-ACA3-31C09CA67E6A}">
+      <dsp:nvSpPr>
+        <dsp:cNvPr id="0" name=""/>
+        <dsp:cNvSpPr/>
+      </dsp:nvSpPr>
+      <dsp:spPr>
+        <a:xfrm>
+          <a:off x="6400800" y="471554"/>
+          <a:ext cx="1523999" cy="2050256"/>
+        </a:xfrm>
+        <a:prstGeom prst="roundRect">
+          <a:avLst>
+            <a:gd name="adj" fmla="val 10000"/>
+          </a:avLst>
+        </a:prstGeom>
+        <a:solidFill>
+          <a:schemeClr val="accent1">
+            <a:hueOff val="0"/>
+            <a:satOff val="0"/>
+            <a:lumOff val="0"/>
+            <a:alphaOff val="0"/>
+          </a:schemeClr>
+        </a:solidFill>
+        <a:ln w="12700" cap="flat" cmpd="sng" algn="ctr">
+          <a:solidFill>
+            <a:schemeClr val="lt1">
+              <a:hueOff val="0"/>
+              <a:satOff val="0"/>
+              <a:lumOff val="0"/>
+              <a:alphaOff val="0"/>
+            </a:schemeClr>
+          </a:solidFill>
+          <a:prstDash val="solid"/>
+          <a:miter lim="800000"/>
+        </a:ln>
+        <a:effectLst/>
+      </dsp:spPr>
+      <dsp:style>
+        <a:lnRef idx="2">
+          <a:scrgbClr r="0" g="0" b="0"/>
+        </a:lnRef>
+        <a:fillRef idx="1">
+          <a:scrgbClr r="0" g="0" b="0"/>
+        </a:fillRef>
+        <a:effectRef idx="0">
+          <a:scrgbClr r="0" g="0" b="0"/>
+        </a:effectRef>
+        <a:fontRef idx="minor">
+          <a:schemeClr val="lt1"/>
+        </a:fontRef>
+      </dsp:style>
+      <dsp:txBody>
+        <a:bodyPr spcFirstLastPara="0" vert="horz" wrap="square" lIns="45720" tIns="45720" rIns="45720" bIns="45720" numCol="1" spcCol="1270" anchor="ctr" anchorCtr="0">
+          <a:noAutofit/>
+        </a:bodyPr>
+        <a:lstStyle/>
+        <a:p>
+          <a:pPr marL="0" lvl="0" indent="0" algn="ctr" defTabSz="533400">
+            <a:lnSpc>
+              <a:spcPct val="90000"/>
+            </a:lnSpc>
+            <a:spcBef>
+              <a:spcPct val="0"/>
+            </a:spcBef>
+            <a:spcAft>
+              <a:spcPct val="35000"/>
+            </a:spcAft>
+            <a:buNone/>
+          </a:pPr>
+          <a:r>
+            <a:rPr lang="en-US" sz="1200" kern="1200" dirty="0"/>
+            <a:t>Populate </a:t>
+          </a:r>
+          <a:r>
+            <a:rPr lang="en-US" sz="1200" kern="1200" dirty="0" err="1"/>
+            <a:t>mcmicro</a:t>
+          </a:r>
+          <a:r>
+            <a:rPr lang="en-US" sz="1200" kern="1200" dirty="0"/>
+            <a:t> raw data with in focus tiles and add in metadata as a description</a:t>
+          </a:r>
+        </a:p>
+      </dsp:txBody>
+      <dsp:txXfrm>
+        <a:off x="6445436" y="516190"/>
+        <a:ext cx="1434727" cy="1960984"/>
+      </dsp:txXfrm>
+    </dsp:sp>
+    <dsp:sp modelId="{83BD270E-A4E8-45C6-92FD-E8A58F0BF7F7}">
+      <dsp:nvSpPr>
+        <dsp:cNvPr id="0" name=""/>
+        <dsp:cNvSpPr/>
+      </dsp:nvSpPr>
+      <dsp:spPr>
+        <a:xfrm>
+          <a:off x="8077200" y="1307707"/>
+          <a:ext cx="323088" cy="377952"/>
+        </a:xfrm>
+        <a:prstGeom prst="rightArrow">
+          <a:avLst>
+            <a:gd name="adj1" fmla="val 60000"/>
+            <a:gd name="adj2" fmla="val 50000"/>
+          </a:avLst>
+        </a:prstGeom>
+        <a:solidFill>
+          <a:schemeClr val="accent1">
+            <a:tint val="60000"/>
+            <a:hueOff val="0"/>
+            <a:satOff val="0"/>
+            <a:lumOff val="0"/>
+            <a:alphaOff val="0"/>
+          </a:schemeClr>
+        </a:solidFill>
+        <a:ln>
+          <a:noFill/>
+        </a:ln>
+        <a:effectLst/>
+      </dsp:spPr>
+      <dsp:style>
+        <a:lnRef idx="0">
+          <a:scrgbClr r="0" g="0" b="0"/>
+        </a:lnRef>
+        <a:fillRef idx="1">
+          <a:scrgbClr r="0" g="0" b="0"/>
+        </a:fillRef>
+        <a:effectRef idx="0">
+          <a:scrgbClr r="0" g="0" b="0"/>
+        </a:effectRef>
+        <a:fontRef idx="minor">
+          <a:schemeClr val="lt1"/>
+        </a:fontRef>
+      </dsp:style>
+      <dsp:txBody>
+        <a:bodyPr spcFirstLastPara="0" vert="horz" wrap="square" lIns="0" tIns="0" rIns="0" bIns="0" numCol="1" spcCol="1270" anchor="ctr" anchorCtr="0">
+          <a:noAutofit/>
+        </a:bodyPr>
+        <a:lstStyle/>
+        <a:p>
+          <a:pPr marL="0" lvl="0" indent="0" algn="ctr" defTabSz="444500">
+            <a:lnSpc>
+              <a:spcPct val="90000"/>
+            </a:lnSpc>
+            <a:spcBef>
+              <a:spcPct val="0"/>
+            </a:spcBef>
+            <a:spcAft>
+              <a:spcPct val="35000"/>
+            </a:spcAft>
+            <a:buNone/>
+          </a:pPr>
+          <a:endParaRPr lang="en-US" sz="1000" kern="1200"/>
+        </a:p>
+      </dsp:txBody>
+      <dsp:txXfrm>
+        <a:off x="8077200" y="1383297"/>
+        <a:ext cx="226162" cy="226772"/>
+      </dsp:txXfrm>
+    </dsp:sp>
+    <dsp:sp modelId="{C50117A7-E94D-448C-A5AB-63F31D1D5F0B}">
+      <dsp:nvSpPr>
+        <dsp:cNvPr id="0" name=""/>
+        <dsp:cNvSpPr/>
+      </dsp:nvSpPr>
+      <dsp:spPr>
+        <a:xfrm>
+          <a:off x="8534400" y="471554"/>
+          <a:ext cx="1523999" cy="2050256"/>
+        </a:xfrm>
+        <a:prstGeom prst="roundRect">
+          <a:avLst>
+            <a:gd name="adj" fmla="val 10000"/>
+          </a:avLst>
+        </a:prstGeom>
+        <a:solidFill>
+          <a:schemeClr val="accent1">
+            <a:hueOff val="0"/>
+            <a:satOff val="0"/>
+            <a:lumOff val="0"/>
+            <a:alphaOff val="0"/>
+          </a:schemeClr>
+        </a:solidFill>
+        <a:ln w="12700" cap="flat" cmpd="sng" algn="ctr">
+          <a:solidFill>
+            <a:schemeClr val="lt1">
+              <a:hueOff val="0"/>
+              <a:satOff val="0"/>
+              <a:lumOff val="0"/>
+              <a:alphaOff val="0"/>
+            </a:schemeClr>
+          </a:solidFill>
+          <a:prstDash val="solid"/>
+          <a:miter lim="800000"/>
+        </a:ln>
+        <a:effectLst/>
+      </dsp:spPr>
+      <dsp:style>
+        <a:lnRef idx="2">
+          <a:scrgbClr r="0" g="0" b="0"/>
+        </a:lnRef>
+        <a:fillRef idx="1">
+          <a:scrgbClr r="0" g="0" b="0"/>
+        </a:fillRef>
+        <a:effectRef idx="0">
+          <a:scrgbClr r="0" g="0" b="0"/>
+        </a:effectRef>
+        <a:fontRef idx="minor">
+          <a:schemeClr val="lt1"/>
+        </a:fontRef>
+      </dsp:style>
+      <dsp:txBody>
+        <a:bodyPr spcFirstLastPara="0" vert="horz" wrap="square" lIns="45720" tIns="45720" rIns="45720" bIns="45720" numCol="1" spcCol="1270" anchor="ctr" anchorCtr="0">
+          <a:noAutofit/>
+        </a:bodyPr>
+        <a:lstStyle/>
+        <a:p>
+          <a:pPr marL="0" lvl="0" indent="0" algn="ctr" defTabSz="533400">
+            <a:lnSpc>
+              <a:spcPct val="90000"/>
+            </a:lnSpc>
+            <a:spcBef>
+              <a:spcPct val="0"/>
+            </a:spcBef>
+            <a:spcAft>
+              <a:spcPct val="35000"/>
+            </a:spcAft>
+            <a:buNone/>
+          </a:pPr>
+          <a:r>
+            <a:rPr lang="en-US" sz="1200" kern="1200" dirty="0"/>
+            <a:t>Create quick tile images into quick tile folder via stage </a:t>
+          </a:r>
+          <a:r>
+            <a:rPr lang="en-US" sz="1200" kern="1200" dirty="0" err="1"/>
+            <a:t>coord</a:t>
+          </a:r>
+          <a:r>
+            <a:rPr lang="en-US" sz="1200" kern="1200" dirty="0"/>
+            <a:t> placement with in focus tiles</a:t>
+          </a:r>
+        </a:p>
+      </dsp:txBody>
+      <dsp:txXfrm>
+        <a:off x="8579036" y="516190"/>
+        <a:ext cx="1434727" cy="1960984"/>
+      </dsp:txXfrm>
+    </dsp:sp>
+    <dsp:sp modelId="{9C0ED22B-B3A0-43C3-A710-52397272F7DC}">
+      <dsp:nvSpPr>
+        <dsp:cNvPr id="0" name=""/>
+        <dsp:cNvSpPr/>
+      </dsp:nvSpPr>
+      <dsp:spPr>
+        <a:xfrm>
+          <a:off x="10210800" y="1307707"/>
+          <a:ext cx="323088" cy="377952"/>
+        </a:xfrm>
+        <a:prstGeom prst="rightArrow">
+          <a:avLst>
+            <a:gd name="adj1" fmla="val 60000"/>
+            <a:gd name="adj2" fmla="val 50000"/>
+          </a:avLst>
+        </a:prstGeom>
+        <a:solidFill>
+          <a:schemeClr val="accent1">
+            <a:tint val="60000"/>
+            <a:hueOff val="0"/>
+            <a:satOff val="0"/>
+            <a:lumOff val="0"/>
+            <a:alphaOff val="0"/>
+          </a:schemeClr>
+        </a:solidFill>
+        <a:ln>
+          <a:noFill/>
+        </a:ln>
+        <a:effectLst/>
+      </dsp:spPr>
+      <dsp:style>
+        <a:lnRef idx="0">
+          <a:scrgbClr r="0" g="0" b="0"/>
+        </a:lnRef>
+        <a:fillRef idx="1">
+          <a:scrgbClr r="0" g="0" b="0"/>
+        </a:fillRef>
+        <a:effectRef idx="0">
+          <a:scrgbClr r="0" g="0" b="0"/>
+        </a:effectRef>
+        <a:fontRef idx="minor">
+          <a:schemeClr val="lt1"/>
+        </a:fontRef>
+      </dsp:style>
+      <dsp:txBody>
+        <a:bodyPr spcFirstLastPara="0" vert="horz" wrap="square" lIns="0" tIns="0" rIns="0" bIns="0" numCol="1" spcCol="1270" anchor="ctr" anchorCtr="0">
+          <a:noAutofit/>
+        </a:bodyPr>
+        <a:lstStyle/>
+        <a:p>
+          <a:pPr marL="0" lvl="0" indent="0" algn="ctr" defTabSz="444500">
+            <a:lnSpc>
+              <a:spcPct val="90000"/>
+            </a:lnSpc>
+            <a:spcBef>
+              <a:spcPct val="0"/>
+            </a:spcBef>
+            <a:spcAft>
+              <a:spcPct val="35000"/>
+            </a:spcAft>
+            <a:buNone/>
+          </a:pPr>
+          <a:endParaRPr lang="en-US" sz="1000" kern="1200"/>
+        </a:p>
+      </dsp:txBody>
+      <dsp:txXfrm>
+        <a:off x="10210800" y="1383297"/>
+        <a:ext cx="226162" cy="226772"/>
+      </dsp:txXfrm>
+    </dsp:sp>
+    <dsp:sp modelId="{6DE442BC-8DCF-49B9-AF47-073E7DCE6769}">
+      <dsp:nvSpPr>
+        <dsp:cNvPr id="0" name=""/>
+        <dsp:cNvSpPr/>
+      </dsp:nvSpPr>
+      <dsp:spPr>
+        <a:xfrm>
+          <a:off x="10668000" y="471554"/>
+          <a:ext cx="1523999" cy="2050256"/>
+        </a:xfrm>
+        <a:prstGeom prst="roundRect">
+          <a:avLst>
+            <a:gd name="adj" fmla="val 10000"/>
+          </a:avLst>
+        </a:prstGeom>
+        <a:solidFill>
+          <a:schemeClr val="accent1">
+            <a:hueOff val="0"/>
+            <a:satOff val="0"/>
+            <a:lumOff val="0"/>
+            <a:alphaOff val="0"/>
+          </a:schemeClr>
+        </a:solidFill>
+        <a:ln w="12700" cap="flat" cmpd="sng" algn="ctr">
+          <a:solidFill>
+            <a:schemeClr val="lt1">
+              <a:hueOff val="0"/>
+              <a:satOff val="0"/>
+              <a:lumOff val="0"/>
+              <a:alphaOff val="0"/>
+            </a:schemeClr>
+          </a:solidFill>
+          <a:prstDash val="solid"/>
+          <a:miter lim="800000"/>
+        </a:ln>
+        <a:effectLst/>
+      </dsp:spPr>
+      <dsp:style>
+        <a:lnRef idx="2">
+          <a:scrgbClr r="0" g="0" b="0"/>
+        </a:lnRef>
+        <a:fillRef idx="1">
+          <a:scrgbClr r="0" g="0" b="0"/>
+        </a:fillRef>
+        <a:effectRef idx="0">
+          <a:scrgbClr r="0" g="0" b="0"/>
+        </a:effectRef>
+        <a:fontRef idx="minor">
+          <a:schemeClr val="lt1"/>
+        </a:fontRef>
+      </dsp:style>
+      <dsp:txBody>
+        <a:bodyPr spcFirstLastPara="0" vert="horz" wrap="square" lIns="45720" tIns="45720" rIns="45720" bIns="45720" numCol="1" spcCol="1270" anchor="ctr" anchorCtr="0">
+          <a:noAutofit/>
+        </a:bodyPr>
+        <a:lstStyle/>
+        <a:p>
+          <a:pPr marL="0" lvl="0" indent="0" algn="ctr" defTabSz="533400">
+            <a:lnSpc>
+              <a:spcPct val="90000"/>
+            </a:lnSpc>
+            <a:spcBef>
+              <a:spcPct val="0"/>
+            </a:spcBef>
+            <a:spcAft>
+              <a:spcPct val="35000"/>
+            </a:spcAft>
+            <a:buNone/>
+          </a:pPr>
+          <a:r>
+            <a:rPr lang="en-US" sz="1200" kern="1200" dirty="0"/>
+            <a:t>Run </a:t>
+          </a:r>
+          <a:r>
+            <a:rPr lang="en-US" sz="1200" kern="1200" dirty="0" err="1"/>
+            <a:t>mcmicro</a:t>
+          </a:r>
+          <a:r>
+            <a:rPr lang="en-US" sz="1200" kern="1200" dirty="0"/>
+            <a:t> folder with </a:t>
+          </a:r>
+          <a:r>
+            <a:rPr lang="en-US" sz="1200" kern="1200" dirty="0" err="1"/>
+            <a:t>mcmicro</a:t>
+          </a:r>
+          <a:r>
+            <a:rPr lang="en-US" sz="1200" kern="1200" dirty="0"/>
+            <a:t> to flatten illumination via </a:t>
+          </a:r>
+          <a:r>
+            <a:rPr lang="en-US" sz="1200" kern="1200" dirty="0" err="1"/>
+            <a:t>BaSiC</a:t>
+          </a:r>
+          <a:r>
+            <a:rPr lang="en-US" sz="1200" kern="1200" dirty="0"/>
+            <a:t> and stitch and align cycles with Ashlar</a:t>
+          </a:r>
+        </a:p>
+      </dsp:txBody>
+      <dsp:txXfrm>
+        <a:off x="10712636" y="516190"/>
+        <a:ext cx="1434727" cy="1960984"/>
       </dsp:txXfrm>
     </dsp:sp>
   </dsp:spTree>
@@ -6329,6 +11095,298 @@
 </dgm:layoutDef>
 </file>
 
+<file path=ppt/diagrams/layout2.xml><?xml version="1.0" encoding="utf-8"?>
+<dgm:layoutDef xmlns:dgm="http://schemas.openxmlformats.org/drawingml/2006/diagram" xmlns:a="http://schemas.openxmlformats.org/drawingml/2006/main" uniqueId="urn:microsoft.com/office/officeart/2005/8/layout/process1">
+  <dgm:title val=""/>
+  <dgm:desc val=""/>
+  <dgm:catLst>
+    <dgm:cat type="process" pri="1000"/>
+    <dgm:cat type="convert" pri="15000"/>
+  </dgm:catLst>
+  <dgm:sampData useDef="1">
+    <dgm:dataModel>
+      <dgm:ptLst/>
+      <dgm:bg/>
+      <dgm:whole/>
+    </dgm:dataModel>
+  </dgm:sampData>
+  <dgm:styleData>
+    <dgm:dataModel>
+      <dgm:ptLst>
+        <dgm:pt modelId="0" type="doc"/>
+        <dgm:pt modelId="1"/>
+        <dgm:pt modelId="2"/>
+      </dgm:ptLst>
+      <dgm:cxnLst>
+        <dgm:cxn modelId="3" srcId="0" destId="1" srcOrd="0" destOrd="0"/>
+        <dgm:cxn modelId="4" srcId="0" destId="2" srcOrd="1" destOrd="0"/>
+      </dgm:cxnLst>
+      <dgm:bg/>
+      <dgm:whole/>
+    </dgm:dataModel>
+  </dgm:styleData>
+  <dgm:clrData>
+    <dgm:dataModel>
+      <dgm:ptLst>
+        <dgm:pt modelId="0" type="doc"/>
+        <dgm:pt modelId="1"/>
+        <dgm:pt modelId="2"/>
+        <dgm:pt modelId="3"/>
+        <dgm:pt modelId="4"/>
+      </dgm:ptLst>
+      <dgm:cxnLst>
+        <dgm:cxn modelId="5" srcId="0" destId="1" srcOrd="0" destOrd="0"/>
+        <dgm:cxn modelId="6" srcId="0" destId="2" srcOrd="1" destOrd="0"/>
+        <dgm:cxn modelId="7" srcId="0" destId="3" srcOrd="2" destOrd="0"/>
+        <dgm:cxn modelId="8" srcId="0" destId="4" srcOrd="3" destOrd="0"/>
+      </dgm:cxnLst>
+      <dgm:bg/>
+      <dgm:whole/>
+    </dgm:dataModel>
+  </dgm:clrData>
+  <dgm:layoutNode name="Name0">
+    <dgm:varLst>
+      <dgm:dir/>
+      <dgm:resizeHandles val="exact"/>
+    </dgm:varLst>
+    <dgm:choose name="Name1">
+      <dgm:if name="Name2" func="var" arg="dir" op="equ" val="norm">
+        <dgm:alg type="lin"/>
+      </dgm:if>
+      <dgm:else name="Name3">
+        <dgm:alg type="lin">
+          <dgm:param type="linDir" val="fromR"/>
+        </dgm:alg>
+      </dgm:else>
+    </dgm:choose>
+    <dgm:shape xmlns:r="http://schemas.openxmlformats.org/officeDocument/2006/relationships" r:blip="">
+      <dgm:adjLst/>
+    </dgm:shape>
+    <dgm:presOf/>
+    <dgm:constrLst>
+      <dgm:constr type="w" for="ch" ptType="node" refType="w"/>
+      <dgm:constr type="h" for="ch" ptType="node" op="equ"/>
+      <dgm:constr type="primFontSz" for="ch" ptType="node" op="equ" val="65"/>
+      <dgm:constr type="w" for="ch" ptType="sibTrans" refType="w" refFor="ch" refPtType="node" op="equ" fact="0.4"/>
+      <dgm:constr type="h" for="ch" ptType="sibTrans" op="equ"/>
+      <dgm:constr type="primFontSz" for="des" forName="connectorText" op="equ" val="55"/>
+      <dgm:constr type="primFontSz" for="des" forName="connectorText" refType="primFontSz" refFor="ch" refPtType="node" op="lte" fact="0.8"/>
+    </dgm:constrLst>
+    <dgm:ruleLst/>
+    <dgm:forEach name="nodesForEach" axis="ch" ptType="node">
+      <dgm:layoutNode name="node">
+        <dgm:varLst>
+          <dgm:bulletEnabled val="1"/>
+        </dgm:varLst>
+        <dgm:alg type="tx"/>
+        <dgm:shape xmlns:r="http://schemas.openxmlformats.org/officeDocument/2006/relationships" type="roundRect" r:blip="">
+          <dgm:adjLst>
+            <dgm:adj idx="1" val="0.1"/>
+          </dgm:adjLst>
+        </dgm:shape>
+        <dgm:presOf axis="desOrSelf" ptType="node"/>
+        <dgm:constrLst>
+          <dgm:constr type="h" refType="w" fact="0.6"/>
+          <dgm:constr type="tMarg" refType="primFontSz" fact="0.3"/>
+          <dgm:constr type="bMarg" refType="primFontSz" fact="0.3"/>
+          <dgm:constr type="lMarg" refType="primFontSz" fact="0.3"/>
+          <dgm:constr type="rMarg" refType="primFontSz" fact="0.3"/>
+        </dgm:constrLst>
+        <dgm:ruleLst>
+          <dgm:rule type="primFontSz" val="18" fact="NaN" max="NaN"/>
+          <dgm:rule type="h" val="NaN" fact="1.5" max="NaN"/>
+          <dgm:rule type="primFontSz" val="5" fact="NaN" max="NaN"/>
+          <dgm:rule type="h" val="INF" fact="NaN" max="NaN"/>
+        </dgm:ruleLst>
+      </dgm:layoutNode>
+      <dgm:forEach name="sibTransForEach" axis="followSib" ptType="sibTrans" cnt="1">
+        <dgm:layoutNode name="sibTrans">
+          <dgm:alg type="conn">
+            <dgm:param type="begPts" val="auto"/>
+            <dgm:param type="endPts" val="auto"/>
+          </dgm:alg>
+          <dgm:shape xmlns:r="http://schemas.openxmlformats.org/officeDocument/2006/relationships" type="conn" r:blip="">
+            <dgm:adjLst/>
+          </dgm:shape>
+          <dgm:presOf axis="self"/>
+          <dgm:constrLst>
+            <dgm:constr type="h" refType="w" fact="0.62"/>
+            <dgm:constr type="connDist"/>
+            <dgm:constr type="begPad" refType="connDist" fact="0.25"/>
+            <dgm:constr type="endPad" refType="connDist" fact="0.22"/>
+          </dgm:constrLst>
+          <dgm:ruleLst/>
+          <dgm:layoutNode name="connectorText">
+            <dgm:alg type="tx">
+              <dgm:param type="autoTxRot" val="grav"/>
+            </dgm:alg>
+            <dgm:shape xmlns:r="http://schemas.openxmlformats.org/officeDocument/2006/relationships" type="conn" r:blip="" hideGeom="1">
+              <dgm:adjLst/>
+            </dgm:shape>
+            <dgm:presOf axis="self"/>
+            <dgm:constrLst>
+              <dgm:constr type="lMarg"/>
+              <dgm:constr type="rMarg"/>
+              <dgm:constr type="tMarg"/>
+              <dgm:constr type="bMarg"/>
+            </dgm:constrLst>
+            <dgm:ruleLst>
+              <dgm:rule type="primFontSz" val="5" fact="NaN" max="NaN"/>
+            </dgm:ruleLst>
+          </dgm:layoutNode>
+        </dgm:layoutNode>
+      </dgm:forEach>
+    </dgm:forEach>
+  </dgm:layoutNode>
+</dgm:layoutDef>
+</file>
+
+<file path=ppt/diagrams/layout3.xml><?xml version="1.0" encoding="utf-8"?>
+<dgm:layoutDef xmlns:dgm="http://schemas.openxmlformats.org/drawingml/2006/diagram" xmlns:a="http://schemas.openxmlformats.org/drawingml/2006/main" uniqueId="urn:microsoft.com/office/officeart/2005/8/layout/process1">
+  <dgm:title val=""/>
+  <dgm:desc val=""/>
+  <dgm:catLst>
+    <dgm:cat type="process" pri="1000"/>
+    <dgm:cat type="convert" pri="15000"/>
+  </dgm:catLst>
+  <dgm:sampData useDef="1">
+    <dgm:dataModel>
+      <dgm:ptLst/>
+      <dgm:bg/>
+      <dgm:whole/>
+    </dgm:dataModel>
+  </dgm:sampData>
+  <dgm:styleData>
+    <dgm:dataModel>
+      <dgm:ptLst>
+        <dgm:pt modelId="0" type="doc"/>
+        <dgm:pt modelId="1"/>
+        <dgm:pt modelId="2"/>
+      </dgm:ptLst>
+      <dgm:cxnLst>
+        <dgm:cxn modelId="3" srcId="0" destId="1" srcOrd="0" destOrd="0"/>
+        <dgm:cxn modelId="4" srcId="0" destId="2" srcOrd="1" destOrd="0"/>
+      </dgm:cxnLst>
+      <dgm:bg/>
+      <dgm:whole/>
+    </dgm:dataModel>
+  </dgm:styleData>
+  <dgm:clrData>
+    <dgm:dataModel>
+      <dgm:ptLst>
+        <dgm:pt modelId="0" type="doc"/>
+        <dgm:pt modelId="1"/>
+        <dgm:pt modelId="2"/>
+        <dgm:pt modelId="3"/>
+        <dgm:pt modelId="4"/>
+      </dgm:ptLst>
+      <dgm:cxnLst>
+        <dgm:cxn modelId="5" srcId="0" destId="1" srcOrd="0" destOrd="0"/>
+        <dgm:cxn modelId="6" srcId="0" destId="2" srcOrd="1" destOrd="0"/>
+        <dgm:cxn modelId="7" srcId="0" destId="3" srcOrd="2" destOrd="0"/>
+        <dgm:cxn modelId="8" srcId="0" destId="4" srcOrd="3" destOrd="0"/>
+      </dgm:cxnLst>
+      <dgm:bg/>
+      <dgm:whole/>
+    </dgm:dataModel>
+  </dgm:clrData>
+  <dgm:layoutNode name="Name0">
+    <dgm:varLst>
+      <dgm:dir/>
+      <dgm:resizeHandles val="exact"/>
+    </dgm:varLst>
+    <dgm:choose name="Name1">
+      <dgm:if name="Name2" func="var" arg="dir" op="equ" val="norm">
+        <dgm:alg type="lin"/>
+      </dgm:if>
+      <dgm:else name="Name3">
+        <dgm:alg type="lin">
+          <dgm:param type="linDir" val="fromR"/>
+        </dgm:alg>
+      </dgm:else>
+    </dgm:choose>
+    <dgm:shape xmlns:r="http://schemas.openxmlformats.org/officeDocument/2006/relationships" r:blip="">
+      <dgm:adjLst/>
+    </dgm:shape>
+    <dgm:presOf/>
+    <dgm:constrLst>
+      <dgm:constr type="w" for="ch" ptType="node" refType="w"/>
+      <dgm:constr type="h" for="ch" ptType="node" op="equ"/>
+      <dgm:constr type="primFontSz" for="ch" ptType="node" op="equ" val="65"/>
+      <dgm:constr type="w" for="ch" ptType="sibTrans" refType="w" refFor="ch" refPtType="node" op="equ" fact="0.4"/>
+      <dgm:constr type="h" for="ch" ptType="sibTrans" op="equ"/>
+      <dgm:constr type="primFontSz" for="des" forName="connectorText" op="equ" val="55"/>
+      <dgm:constr type="primFontSz" for="des" forName="connectorText" refType="primFontSz" refFor="ch" refPtType="node" op="lte" fact="0.8"/>
+    </dgm:constrLst>
+    <dgm:ruleLst/>
+    <dgm:forEach name="nodesForEach" axis="ch" ptType="node">
+      <dgm:layoutNode name="node">
+        <dgm:varLst>
+          <dgm:bulletEnabled val="1"/>
+        </dgm:varLst>
+        <dgm:alg type="tx"/>
+        <dgm:shape xmlns:r="http://schemas.openxmlformats.org/officeDocument/2006/relationships" type="roundRect" r:blip="">
+          <dgm:adjLst>
+            <dgm:adj idx="1" val="0.1"/>
+          </dgm:adjLst>
+        </dgm:shape>
+        <dgm:presOf axis="desOrSelf" ptType="node"/>
+        <dgm:constrLst>
+          <dgm:constr type="h" refType="w" fact="0.6"/>
+          <dgm:constr type="tMarg" refType="primFontSz" fact="0.3"/>
+          <dgm:constr type="bMarg" refType="primFontSz" fact="0.3"/>
+          <dgm:constr type="lMarg" refType="primFontSz" fact="0.3"/>
+          <dgm:constr type="rMarg" refType="primFontSz" fact="0.3"/>
+        </dgm:constrLst>
+        <dgm:ruleLst>
+          <dgm:rule type="primFontSz" val="18" fact="NaN" max="NaN"/>
+          <dgm:rule type="h" val="NaN" fact="1.5" max="NaN"/>
+          <dgm:rule type="primFontSz" val="5" fact="NaN" max="NaN"/>
+          <dgm:rule type="h" val="INF" fact="NaN" max="NaN"/>
+        </dgm:ruleLst>
+      </dgm:layoutNode>
+      <dgm:forEach name="sibTransForEach" axis="followSib" ptType="sibTrans" cnt="1">
+        <dgm:layoutNode name="sibTrans">
+          <dgm:alg type="conn">
+            <dgm:param type="begPts" val="auto"/>
+            <dgm:param type="endPts" val="auto"/>
+          </dgm:alg>
+          <dgm:shape xmlns:r="http://schemas.openxmlformats.org/officeDocument/2006/relationships" type="conn" r:blip="">
+            <dgm:adjLst/>
+          </dgm:shape>
+          <dgm:presOf axis="self"/>
+          <dgm:constrLst>
+            <dgm:constr type="h" refType="w" fact="0.62"/>
+            <dgm:constr type="connDist"/>
+            <dgm:constr type="begPad" refType="connDist" fact="0.25"/>
+            <dgm:constr type="endPad" refType="connDist" fact="0.22"/>
+          </dgm:constrLst>
+          <dgm:ruleLst/>
+          <dgm:layoutNode name="connectorText">
+            <dgm:alg type="tx">
+              <dgm:param type="autoTxRot" val="grav"/>
+            </dgm:alg>
+            <dgm:shape xmlns:r="http://schemas.openxmlformats.org/officeDocument/2006/relationships" type="conn" r:blip="" hideGeom="1">
+              <dgm:adjLst/>
+            </dgm:shape>
+            <dgm:presOf axis="self"/>
+            <dgm:constrLst>
+              <dgm:constr type="lMarg"/>
+              <dgm:constr type="rMarg"/>
+              <dgm:constr type="tMarg"/>
+              <dgm:constr type="bMarg"/>
+            </dgm:constrLst>
+            <dgm:ruleLst>
+              <dgm:rule type="primFontSz" val="5" fact="NaN" max="NaN"/>
+            </dgm:ruleLst>
+          </dgm:layoutNode>
+        </dgm:layoutNode>
+      </dgm:forEach>
+    </dgm:forEach>
+  </dgm:layoutNode>
+</dgm:layoutDef>
+</file>
+
 <file path=ppt/diagrams/quickStyle1.xml><?xml version="1.0" encoding="utf-8"?>
 <dgm:styleDef xmlns:dgm="http://schemas.openxmlformats.org/drawingml/2006/diagram" xmlns:a="http://schemas.openxmlformats.org/drawingml/2006/main" uniqueId="urn:microsoft.com/office/officeart/2005/8/quickstyle/simple4">
   <dgm:title val=""/>
@@ -7335,6 +12393,2074 @@
         <a:scrgbClr r="0" g="0" b="0"/>
       </a:fillRef>
       <a:effectRef idx="2">
+        <a:scrgbClr r="0" g="0" b="0"/>
+      </a:effectRef>
+      <a:fontRef idx="minor"/>
+    </dgm:style>
+  </dgm:styleLbl>
+  <dgm:styleLbl name="revTx">
+    <dgm:scene3d>
+      <a:camera prst="orthographicFront"/>
+      <a:lightRig rig="threePt" dir="t"/>
+    </dgm:scene3d>
+    <dgm:sp3d/>
+    <dgm:txPr/>
+    <dgm:style>
+      <a:lnRef idx="0">
+        <a:scrgbClr r="0" g="0" b="0"/>
+      </a:lnRef>
+      <a:fillRef idx="0">
+        <a:scrgbClr r="0" g="0" b="0"/>
+      </a:fillRef>
+      <a:effectRef idx="0">
+        <a:scrgbClr r="0" g="0" b="0"/>
+      </a:effectRef>
+      <a:fontRef idx="minor"/>
+    </dgm:style>
+  </dgm:styleLbl>
+</dgm:styleDef>
+</file>
+
+<file path=ppt/diagrams/quickStyle2.xml><?xml version="1.0" encoding="utf-8"?>
+<dgm:styleDef xmlns:dgm="http://schemas.openxmlformats.org/drawingml/2006/diagram" xmlns:a="http://schemas.openxmlformats.org/drawingml/2006/main" uniqueId="urn:microsoft.com/office/officeart/2005/8/quickstyle/simple1">
+  <dgm:title val=""/>
+  <dgm:desc val=""/>
+  <dgm:catLst>
+    <dgm:cat type="simple" pri="10100"/>
+  </dgm:catLst>
+  <dgm:scene3d>
+    <a:camera prst="orthographicFront"/>
+    <a:lightRig rig="threePt" dir="t"/>
+  </dgm:scene3d>
+  <dgm:styleLbl name="node0">
+    <dgm:scene3d>
+      <a:camera prst="orthographicFront"/>
+      <a:lightRig rig="threePt" dir="t"/>
+    </dgm:scene3d>
+    <dgm:sp3d/>
+    <dgm:txPr/>
+    <dgm:style>
+      <a:lnRef idx="2">
+        <a:scrgbClr r="0" g="0" b="0"/>
+      </a:lnRef>
+      <a:fillRef idx="1">
+        <a:scrgbClr r="0" g="0" b="0"/>
+      </a:fillRef>
+      <a:effectRef idx="0">
+        <a:scrgbClr r="0" g="0" b="0"/>
+      </a:effectRef>
+      <a:fontRef idx="minor">
+        <a:schemeClr val="lt1"/>
+      </a:fontRef>
+    </dgm:style>
+  </dgm:styleLbl>
+  <dgm:styleLbl name="lnNode1">
+    <dgm:scene3d>
+      <a:camera prst="orthographicFront"/>
+      <a:lightRig rig="threePt" dir="t"/>
+    </dgm:scene3d>
+    <dgm:sp3d/>
+    <dgm:txPr/>
+    <dgm:style>
+      <a:lnRef idx="2">
+        <a:scrgbClr r="0" g="0" b="0"/>
+      </a:lnRef>
+      <a:fillRef idx="1">
+        <a:scrgbClr r="0" g="0" b="0"/>
+      </a:fillRef>
+      <a:effectRef idx="0">
+        <a:scrgbClr r="0" g="0" b="0"/>
+      </a:effectRef>
+      <a:fontRef idx="minor">
+        <a:schemeClr val="lt1"/>
+      </a:fontRef>
+    </dgm:style>
+  </dgm:styleLbl>
+  <dgm:styleLbl name="vennNode1">
+    <dgm:scene3d>
+      <a:camera prst="orthographicFront"/>
+      <a:lightRig rig="threePt" dir="t"/>
+    </dgm:scene3d>
+    <dgm:sp3d/>
+    <dgm:txPr/>
+    <dgm:style>
+      <a:lnRef idx="2">
+        <a:scrgbClr r="0" g="0" b="0"/>
+      </a:lnRef>
+      <a:fillRef idx="1">
+        <a:scrgbClr r="0" g="0" b="0"/>
+      </a:fillRef>
+      <a:effectRef idx="0">
+        <a:scrgbClr r="0" g="0" b="0"/>
+      </a:effectRef>
+      <a:fontRef idx="minor">
+        <a:schemeClr val="tx1"/>
+      </a:fontRef>
+    </dgm:style>
+  </dgm:styleLbl>
+  <dgm:styleLbl name="alignNode1">
+    <dgm:scene3d>
+      <a:camera prst="orthographicFront"/>
+      <a:lightRig rig="threePt" dir="t"/>
+    </dgm:scene3d>
+    <dgm:sp3d/>
+    <dgm:txPr/>
+    <dgm:style>
+      <a:lnRef idx="2">
+        <a:scrgbClr r="0" g="0" b="0"/>
+      </a:lnRef>
+      <a:fillRef idx="1">
+        <a:scrgbClr r="0" g="0" b="0"/>
+      </a:fillRef>
+      <a:effectRef idx="0">
+        <a:scrgbClr r="0" g="0" b="0"/>
+      </a:effectRef>
+      <a:fontRef idx="minor">
+        <a:schemeClr val="lt1"/>
+      </a:fontRef>
+    </dgm:style>
+  </dgm:styleLbl>
+  <dgm:styleLbl name="node1">
+    <dgm:scene3d>
+      <a:camera prst="orthographicFront"/>
+      <a:lightRig rig="threePt" dir="t"/>
+    </dgm:scene3d>
+    <dgm:sp3d/>
+    <dgm:txPr/>
+    <dgm:style>
+      <a:lnRef idx="2">
+        <a:scrgbClr r="0" g="0" b="0"/>
+      </a:lnRef>
+      <a:fillRef idx="1">
+        <a:scrgbClr r="0" g="0" b="0"/>
+      </a:fillRef>
+      <a:effectRef idx="0">
+        <a:scrgbClr r="0" g="0" b="0"/>
+      </a:effectRef>
+      <a:fontRef idx="minor">
+        <a:schemeClr val="lt1"/>
+      </a:fontRef>
+    </dgm:style>
+  </dgm:styleLbl>
+  <dgm:styleLbl name="node2">
+    <dgm:scene3d>
+      <a:camera prst="orthographicFront"/>
+      <a:lightRig rig="threePt" dir="t"/>
+    </dgm:scene3d>
+    <dgm:sp3d/>
+    <dgm:txPr/>
+    <dgm:style>
+      <a:lnRef idx="2">
+        <a:scrgbClr r="0" g="0" b="0"/>
+      </a:lnRef>
+      <a:fillRef idx="1">
+        <a:scrgbClr r="0" g="0" b="0"/>
+      </a:fillRef>
+      <a:effectRef idx="0">
+        <a:scrgbClr r="0" g="0" b="0"/>
+      </a:effectRef>
+      <a:fontRef idx="minor">
+        <a:schemeClr val="lt1"/>
+      </a:fontRef>
+    </dgm:style>
+  </dgm:styleLbl>
+  <dgm:styleLbl name="node3">
+    <dgm:scene3d>
+      <a:camera prst="orthographicFront"/>
+      <a:lightRig rig="threePt" dir="t"/>
+    </dgm:scene3d>
+    <dgm:sp3d/>
+    <dgm:txPr/>
+    <dgm:style>
+      <a:lnRef idx="2">
+        <a:scrgbClr r="0" g="0" b="0"/>
+      </a:lnRef>
+      <a:fillRef idx="1">
+        <a:scrgbClr r="0" g="0" b="0"/>
+      </a:fillRef>
+      <a:effectRef idx="0">
+        <a:scrgbClr r="0" g="0" b="0"/>
+      </a:effectRef>
+      <a:fontRef idx="minor">
+        <a:schemeClr val="lt1"/>
+      </a:fontRef>
+    </dgm:style>
+  </dgm:styleLbl>
+  <dgm:styleLbl name="node4">
+    <dgm:scene3d>
+      <a:camera prst="orthographicFront"/>
+      <a:lightRig rig="threePt" dir="t"/>
+    </dgm:scene3d>
+    <dgm:sp3d/>
+    <dgm:txPr/>
+    <dgm:style>
+      <a:lnRef idx="2">
+        <a:scrgbClr r="0" g="0" b="0"/>
+      </a:lnRef>
+      <a:fillRef idx="1">
+        <a:scrgbClr r="0" g="0" b="0"/>
+      </a:fillRef>
+      <a:effectRef idx="0">
+        <a:scrgbClr r="0" g="0" b="0"/>
+      </a:effectRef>
+      <a:fontRef idx="minor">
+        <a:schemeClr val="lt1"/>
+      </a:fontRef>
+    </dgm:style>
+  </dgm:styleLbl>
+  <dgm:styleLbl name="fgImgPlace1">
+    <dgm:scene3d>
+      <a:camera prst="orthographicFront"/>
+      <a:lightRig rig="threePt" dir="t"/>
+    </dgm:scene3d>
+    <dgm:sp3d/>
+    <dgm:txPr/>
+    <dgm:style>
+      <a:lnRef idx="2">
+        <a:scrgbClr r="0" g="0" b="0"/>
+      </a:lnRef>
+      <a:fillRef idx="1">
+        <a:scrgbClr r="0" g="0" b="0"/>
+      </a:fillRef>
+      <a:effectRef idx="0">
+        <a:scrgbClr r="0" g="0" b="0"/>
+      </a:effectRef>
+      <a:fontRef idx="minor"/>
+    </dgm:style>
+  </dgm:styleLbl>
+  <dgm:styleLbl name="alignImgPlace1">
+    <dgm:scene3d>
+      <a:camera prst="orthographicFront"/>
+      <a:lightRig rig="threePt" dir="t"/>
+    </dgm:scene3d>
+    <dgm:sp3d/>
+    <dgm:txPr/>
+    <dgm:style>
+      <a:lnRef idx="2">
+        <a:scrgbClr r="0" g="0" b="0"/>
+      </a:lnRef>
+      <a:fillRef idx="1">
+        <a:scrgbClr r="0" g="0" b="0"/>
+      </a:fillRef>
+      <a:effectRef idx="0">
+        <a:scrgbClr r="0" g="0" b="0"/>
+      </a:effectRef>
+      <a:fontRef idx="minor"/>
+    </dgm:style>
+  </dgm:styleLbl>
+  <dgm:styleLbl name="bgImgPlace1">
+    <dgm:scene3d>
+      <a:camera prst="orthographicFront"/>
+      <a:lightRig rig="threePt" dir="t"/>
+    </dgm:scene3d>
+    <dgm:sp3d/>
+    <dgm:txPr/>
+    <dgm:style>
+      <a:lnRef idx="2">
+        <a:scrgbClr r="0" g="0" b="0"/>
+      </a:lnRef>
+      <a:fillRef idx="1">
+        <a:scrgbClr r="0" g="0" b="0"/>
+      </a:fillRef>
+      <a:effectRef idx="0">
+        <a:scrgbClr r="0" g="0" b="0"/>
+      </a:effectRef>
+      <a:fontRef idx="minor"/>
+    </dgm:style>
+  </dgm:styleLbl>
+  <dgm:styleLbl name="sibTrans2D1">
+    <dgm:scene3d>
+      <a:camera prst="orthographicFront"/>
+      <a:lightRig rig="threePt" dir="t"/>
+    </dgm:scene3d>
+    <dgm:sp3d/>
+    <dgm:txPr/>
+    <dgm:style>
+      <a:lnRef idx="0">
+        <a:scrgbClr r="0" g="0" b="0"/>
+      </a:lnRef>
+      <a:fillRef idx="1">
+        <a:scrgbClr r="0" g="0" b="0"/>
+      </a:fillRef>
+      <a:effectRef idx="0">
+        <a:scrgbClr r="0" g="0" b="0"/>
+      </a:effectRef>
+      <a:fontRef idx="minor">
+        <a:schemeClr val="lt1"/>
+      </a:fontRef>
+    </dgm:style>
+  </dgm:styleLbl>
+  <dgm:styleLbl name="fgSibTrans2D1">
+    <dgm:scene3d>
+      <a:camera prst="orthographicFront"/>
+      <a:lightRig rig="threePt" dir="t"/>
+    </dgm:scene3d>
+    <dgm:sp3d/>
+    <dgm:txPr/>
+    <dgm:style>
+      <a:lnRef idx="0">
+        <a:scrgbClr r="0" g="0" b="0"/>
+      </a:lnRef>
+      <a:fillRef idx="1">
+        <a:scrgbClr r="0" g="0" b="0"/>
+      </a:fillRef>
+      <a:effectRef idx="0">
+        <a:scrgbClr r="0" g="0" b="0"/>
+      </a:effectRef>
+      <a:fontRef idx="minor">
+        <a:schemeClr val="lt1"/>
+      </a:fontRef>
+    </dgm:style>
+  </dgm:styleLbl>
+  <dgm:styleLbl name="bgSibTrans2D1">
+    <dgm:scene3d>
+      <a:camera prst="orthographicFront"/>
+      <a:lightRig rig="threePt" dir="t"/>
+    </dgm:scene3d>
+    <dgm:sp3d/>
+    <dgm:txPr/>
+    <dgm:style>
+      <a:lnRef idx="0">
+        <a:scrgbClr r="0" g="0" b="0"/>
+      </a:lnRef>
+      <a:fillRef idx="1">
+        <a:scrgbClr r="0" g="0" b="0"/>
+      </a:fillRef>
+      <a:effectRef idx="0">
+        <a:scrgbClr r="0" g="0" b="0"/>
+      </a:effectRef>
+      <a:fontRef idx="minor">
+        <a:schemeClr val="lt1"/>
+      </a:fontRef>
+    </dgm:style>
+  </dgm:styleLbl>
+  <dgm:styleLbl name="sibTrans1D1">
+    <dgm:scene3d>
+      <a:camera prst="orthographicFront"/>
+      <a:lightRig rig="threePt" dir="t"/>
+    </dgm:scene3d>
+    <dgm:sp3d/>
+    <dgm:txPr/>
+    <dgm:style>
+      <a:lnRef idx="1">
+        <a:scrgbClr r="0" g="0" b="0"/>
+      </a:lnRef>
+      <a:fillRef idx="0">
+        <a:scrgbClr r="0" g="0" b="0"/>
+      </a:fillRef>
+      <a:effectRef idx="0">
+        <a:scrgbClr r="0" g="0" b="0"/>
+      </a:effectRef>
+      <a:fontRef idx="minor"/>
+    </dgm:style>
+  </dgm:styleLbl>
+  <dgm:styleLbl name="callout">
+    <dgm:scene3d>
+      <a:camera prst="orthographicFront"/>
+      <a:lightRig rig="threePt" dir="t"/>
+    </dgm:scene3d>
+    <dgm:sp3d/>
+    <dgm:txPr/>
+    <dgm:style>
+      <a:lnRef idx="2">
+        <a:scrgbClr r="0" g="0" b="0"/>
+      </a:lnRef>
+      <a:fillRef idx="1">
+        <a:scrgbClr r="0" g="0" b="0"/>
+      </a:fillRef>
+      <a:effectRef idx="0">
+        <a:scrgbClr r="0" g="0" b="0"/>
+      </a:effectRef>
+      <a:fontRef idx="minor"/>
+    </dgm:style>
+  </dgm:styleLbl>
+  <dgm:styleLbl name="asst0">
+    <dgm:scene3d>
+      <a:camera prst="orthographicFront"/>
+      <a:lightRig rig="threePt" dir="t"/>
+    </dgm:scene3d>
+    <dgm:sp3d/>
+    <dgm:txPr/>
+    <dgm:style>
+      <a:lnRef idx="2">
+        <a:scrgbClr r="0" g="0" b="0"/>
+      </a:lnRef>
+      <a:fillRef idx="1">
+        <a:scrgbClr r="0" g="0" b="0"/>
+      </a:fillRef>
+      <a:effectRef idx="0">
+        <a:scrgbClr r="0" g="0" b="0"/>
+      </a:effectRef>
+      <a:fontRef idx="minor">
+        <a:schemeClr val="lt1"/>
+      </a:fontRef>
+    </dgm:style>
+  </dgm:styleLbl>
+  <dgm:styleLbl name="asst1">
+    <dgm:scene3d>
+      <a:camera prst="orthographicFront"/>
+      <a:lightRig rig="threePt" dir="t"/>
+    </dgm:scene3d>
+    <dgm:sp3d/>
+    <dgm:txPr/>
+    <dgm:style>
+      <a:lnRef idx="2">
+        <a:scrgbClr r="0" g="0" b="0"/>
+      </a:lnRef>
+      <a:fillRef idx="1">
+        <a:scrgbClr r="0" g="0" b="0"/>
+      </a:fillRef>
+      <a:effectRef idx="0">
+        <a:scrgbClr r="0" g="0" b="0"/>
+      </a:effectRef>
+      <a:fontRef idx="minor">
+        <a:schemeClr val="lt1"/>
+      </a:fontRef>
+    </dgm:style>
+  </dgm:styleLbl>
+  <dgm:styleLbl name="asst2">
+    <dgm:scene3d>
+      <a:camera prst="orthographicFront"/>
+      <a:lightRig rig="threePt" dir="t"/>
+    </dgm:scene3d>
+    <dgm:sp3d/>
+    <dgm:txPr/>
+    <dgm:style>
+      <a:lnRef idx="2">
+        <a:scrgbClr r="0" g="0" b="0"/>
+      </a:lnRef>
+      <a:fillRef idx="1">
+        <a:scrgbClr r="0" g="0" b="0"/>
+      </a:fillRef>
+      <a:effectRef idx="0">
+        <a:scrgbClr r="0" g="0" b="0"/>
+      </a:effectRef>
+      <a:fontRef idx="minor">
+        <a:schemeClr val="lt1"/>
+      </a:fontRef>
+    </dgm:style>
+  </dgm:styleLbl>
+  <dgm:styleLbl name="asst3">
+    <dgm:scene3d>
+      <a:camera prst="orthographicFront"/>
+      <a:lightRig rig="threePt" dir="t"/>
+    </dgm:scene3d>
+    <dgm:sp3d/>
+    <dgm:txPr/>
+    <dgm:style>
+      <a:lnRef idx="2">
+        <a:scrgbClr r="0" g="0" b="0"/>
+      </a:lnRef>
+      <a:fillRef idx="1">
+        <a:scrgbClr r="0" g="0" b="0"/>
+      </a:fillRef>
+      <a:effectRef idx="0">
+        <a:scrgbClr r="0" g="0" b="0"/>
+      </a:effectRef>
+      <a:fontRef idx="minor">
+        <a:schemeClr val="lt1"/>
+      </a:fontRef>
+    </dgm:style>
+  </dgm:styleLbl>
+  <dgm:styleLbl name="asst4">
+    <dgm:scene3d>
+      <a:camera prst="orthographicFront"/>
+      <a:lightRig rig="threePt" dir="t"/>
+    </dgm:scene3d>
+    <dgm:sp3d/>
+    <dgm:txPr/>
+    <dgm:style>
+      <a:lnRef idx="2">
+        <a:scrgbClr r="0" g="0" b="0"/>
+      </a:lnRef>
+      <a:fillRef idx="1">
+        <a:scrgbClr r="0" g="0" b="0"/>
+      </a:fillRef>
+      <a:effectRef idx="0">
+        <a:scrgbClr r="0" g="0" b="0"/>
+      </a:effectRef>
+      <a:fontRef idx="minor">
+        <a:schemeClr val="lt1"/>
+      </a:fontRef>
+    </dgm:style>
+  </dgm:styleLbl>
+  <dgm:styleLbl name="parChTrans2D1">
+    <dgm:scene3d>
+      <a:camera prst="orthographicFront"/>
+      <a:lightRig rig="threePt" dir="t"/>
+    </dgm:scene3d>
+    <dgm:sp3d/>
+    <dgm:txPr/>
+    <dgm:style>
+      <a:lnRef idx="2">
+        <a:scrgbClr r="0" g="0" b="0"/>
+      </a:lnRef>
+      <a:fillRef idx="1">
+        <a:scrgbClr r="0" g="0" b="0"/>
+      </a:fillRef>
+      <a:effectRef idx="0">
+        <a:scrgbClr r="0" g="0" b="0"/>
+      </a:effectRef>
+      <a:fontRef idx="minor">
+        <a:schemeClr val="lt1"/>
+      </a:fontRef>
+    </dgm:style>
+  </dgm:styleLbl>
+  <dgm:styleLbl name="parChTrans2D2">
+    <dgm:scene3d>
+      <a:camera prst="orthographicFront"/>
+      <a:lightRig rig="threePt" dir="t"/>
+    </dgm:scene3d>
+    <dgm:sp3d/>
+    <dgm:txPr/>
+    <dgm:style>
+      <a:lnRef idx="2">
+        <a:scrgbClr r="0" g="0" b="0"/>
+      </a:lnRef>
+      <a:fillRef idx="1">
+        <a:scrgbClr r="0" g="0" b="0"/>
+      </a:fillRef>
+      <a:effectRef idx="0">
+        <a:scrgbClr r="0" g="0" b="0"/>
+      </a:effectRef>
+      <a:fontRef idx="minor">
+        <a:schemeClr val="lt1"/>
+      </a:fontRef>
+    </dgm:style>
+  </dgm:styleLbl>
+  <dgm:styleLbl name="parChTrans2D3">
+    <dgm:scene3d>
+      <a:camera prst="orthographicFront"/>
+      <a:lightRig rig="threePt" dir="t"/>
+    </dgm:scene3d>
+    <dgm:sp3d/>
+    <dgm:txPr/>
+    <dgm:style>
+      <a:lnRef idx="2">
+        <a:scrgbClr r="0" g="0" b="0"/>
+      </a:lnRef>
+      <a:fillRef idx="1">
+        <a:scrgbClr r="0" g="0" b="0"/>
+      </a:fillRef>
+      <a:effectRef idx="0">
+        <a:scrgbClr r="0" g="0" b="0"/>
+      </a:effectRef>
+      <a:fontRef idx="minor">
+        <a:schemeClr val="lt1"/>
+      </a:fontRef>
+    </dgm:style>
+  </dgm:styleLbl>
+  <dgm:styleLbl name="parChTrans2D4">
+    <dgm:scene3d>
+      <a:camera prst="orthographicFront"/>
+      <a:lightRig rig="threePt" dir="t"/>
+    </dgm:scene3d>
+    <dgm:sp3d/>
+    <dgm:txPr/>
+    <dgm:style>
+      <a:lnRef idx="2">
+        <a:scrgbClr r="0" g="0" b="0"/>
+      </a:lnRef>
+      <a:fillRef idx="1">
+        <a:scrgbClr r="0" g="0" b="0"/>
+      </a:fillRef>
+      <a:effectRef idx="0">
+        <a:scrgbClr r="0" g="0" b="0"/>
+      </a:effectRef>
+      <a:fontRef idx="minor">
+        <a:schemeClr val="lt1"/>
+      </a:fontRef>
+    </dgm:style>
+  </dgm:styleLbl>
+  <dgm:styleLbl name="parChTrans1D1">
+    <dgm:scene3d>
+      <a:camera prst="orthographicFront"/>
+      <a:lightRig rig="threePt" dir="t"/>
+    </dgm:scene3d>
+    <dgm:sp3d/>
+    <dgm:txPr/>
+    <dgm:style>
+      <a:lnRef idx="2">
+        <a:scrgbClr r="0" g="0" b="0"/>
+      </a:lnRef>
+      <a:fillRef idx="0">
+        <a:scrgbClr r="0" g="0" b="0"/>
+      </a:fillRef>
+      <a:effectRef idx="0">
+        <a:scrgbClr r="0" g="0" b="0"/>
+      </a:effectRef>
+      <a:fontRef idx="minor"/>
+    </dgm:style>
+  </dgm:styleLbl>
+  <dgm:styleLbl name="parChTrans1D2">
+    <dgm:scene3d>
+      <a:camera prst="orthographicFront"/>
+      <a:lightRig rig="threePt" dir="t"/>
+    </dgm:scene3d>
+    <dgm:sp3d/>
+    <dgm:txPr/>
+    <dgm:style>
+      <a:lnRef idx="2">
+        <a:scrgbClr r="0" g="0" b="0"/>
+      </a:lnRef>
+      <a:fillRef idx="0">
+        <a:scrgbClr r="0" g="0" b="0"/>
+      </a:fillRef>
+      <a:effectRef idx="0">
+        <a:scrgbClr r="0" g="0" b="0"/>
+      </a:effectRef>
+      <a:fontRef idx="minor"/>
+    </dgm:style>
+  </dgm:styleLbl>
+  <dgm:styleLbl name="parChTrans1D3">
+    <dgm:scene3d>
+      <a:camera prst="orthographicFront"/>
+      <a:lightRig rig="threePt" dir="t"/>
+    </dgm:scene3d>
+    <dgm:sp3d/>
+    <dgm:txPr/>
+    <dgm:style>
+      <a:lnRef idx="2">
+        <a:scrgbClr r="0" g="0" b="0"/>
+      </a:lnRef>
+      <a:fillRef idx="0">
+        <a:scrgbClr r="0" g="0" b="0"/>
+      </a:fillRef>
+      <a:effectRef idx="0">
+        <a:scrgbClr r="0" g="0" b="0"/>
+      </a:effectRef>
+      <a:fontRef idx="minor"/>
+    </dgm:style>
+  </dgm:styleLbl>
+  <dgm:styleLbl name="parChTrans1D4">
+    <dgm:scene3d>
+      <a:camera prst="orthographicFront"/>
+      <a:lightRig rig="threePt" dir="t"/>
+    </dgm:scene3d>
+    <dgm:sp3d/>
+    <dgm:txPr/>
+    <dgm:style>
+      <a:lnRef idx="2">
+        <a:scrgbClr r="0" g="0" b="0"/>
+      </a:lnRef>
+      <a:fillRef idx="0">
+        <a:scrgbClr r="0" g="0" b="0"/>
+      </a:fillRef>
+      <a:effectRef idx="0">
+        <a:scrgbClr r="0" g="0" b="0"/>
+      </a:effectRef>
+      <a:fontRef idx="minor"/>
+    </dgm:style>
+  </dgm:styleLbl>
+  <dgm:styleLbl name="fgAcc1">
+    <dgm:scene3d>
+      <a:camera prst="orthographicFront"/>
+      <a:lightRig rig="threePt" dir="t"/>
+    </dgm:scene3d>
+    <dgm:sp3d/>
+    <dgm:txPr/>
+    <dgm:style>
+      <a:lnRef idx="2">
+        <a:scrgbClr r="0" g="0" b="0"/>
+      </a:lnRef>
+      <a:fillRef idx="1">
+        <a:scrgbClr r="0" g="0" b="0"/>
+      </a:fillRef>
+      <a:effectRef idx="0">
+        <a:scrgbClr r="0" g="0" b="0"/>
+      </a:effectRef>
+      <a:fontRef idx="minor"/>
+    </dgm:style>
+  </dgm:styleLbl>
+  <dgm:styleLbl name="conFgAcc1">
+    <dgm:scene3d>
+      <a:camera prst="orthographicFront"/>
+      <a:lightRig rig="threePt" dir="t"/>
+    </dgm:scene3d>
+    <dgm:sp3d/>
+    <dgm:txPr/>
+    <dgm:style>
+      <a:lnRef idx="2">
+        <a:scrgbClr r="0" g="0" b="0"/>
+      </a:lnRef>
+      <a:fillRef idx="1">
+        <a:scrgbClr r="0" g="0" b="0"/>
+      </a:fillRef>
+      <a:effectRef idx="0">
+        <a:scrgbClr r="0" g="0" b="0"/>
+      </a:effectRef>
+      <a:fontRef idx="minor"/>
+    </dgm:style>
+  </dgm:styleLbl>
+  <dgm:styleLbl name="alignAcc1">
+    <dgm:scene3d>
+      <a:camera prst="orthographicFront"/>
+      <a:lightRig rig="threePt" dir="t"/>
+    </dgm:scene3d>
+    <dgm:sp3d/>
+    <dgm:txPr/>
+    <dgm:style>
+      <a:lnRef idx="2">
+        <a:scrgbClr r="0" g="0" b="0"/>
+      </a:lnRef>
+      <a:fillRef idx="1">
+        <a:scrgbClr r="0" g="0" b="0"/>
+      </a:fillRef>
+      <a:effectRef idx="0">
+        <a:scrgbClr r="0" g="0" b="0"/>
+      </a:effectRef>
+      <a:fontRef idx="minor"/>
+    </dgm:style>
+  </dgm:styleLbl>
+  <dgm:styleLbl name="trAlignAcc1">
+    <dgm:scene3d>
+      <a:camera prst="orthographicFront"/>
+      <a:lightRig rig="threePt" dir="t"/>
+    </dgm:scene3d>
+    <dgm:sp3d/>
+    <dgm:txPr/>
+    <dgm:style>
+      <a:lnRef idx="1">
+        <a:scrgbClr r="0" g="0" b="0"/>
+      </a:lnRef>
+      <a:fillRef idx="1">
+        <a:scrgbClr r="0" g="0" b="0"/>
+      </a:fillRef>
+      <a:effectRef idx="0">
+        <a:scrgbClr r="0" g="0" b="0"/>
+      </a:effectRef>
+      <a:fontRef idx="minor"/>
+    </dgm:style>
+  </dgm:styleLbl>
+  <dgm:styleLbl name="bgAcc1">
+    <dgm:scene3d>
+      <a:camera prst="orthographicFront"/>
+      <a:lightRig rig="threePt" dir="t"/>
+    </dgm:scene3d>
+    <dgm:sp3d/>
+    <dgm:txPr/>
+    <dgm:style>
+      <a:lnRef idx="2">
+        <a:scrgbClr r="0" g="0" b="0"/>
+      </a:lnRef>
+      <a:fillRef idx="1">
+        <a:scrgbClr r="0" g="0" b="0"/>
+      </a:fillRef>
+      <a:effectRef idx="0">
+        <a:scrgbClr r="0" g="0" b="0"/>
+      </a:effectRef>
+      <a:fontRef idx="minor"/>
+    </dgm:style>
+  </dgm:styleLbl>
+  <dgm:styleLbl name="solidFgAcc1">
+    <dgm:scene3d>
+      <a:camera prst="orthographicFront"/>
+      <a:lightRig rig="threePt" dir="t"/>
+    </dgm:scene3d>
+    <dgm:sp3d/>
+    <dgm:txPr/>
+    <dgm:style>
+      <a:lnRef idx="2">
+        <a:scrgbClr r="0" g="0" b="0"/>
+      </a:lnRef>
+      <a:fillRef idx="1">
+        <a:scrgbClr r="0" g="0" b="0"/>
+      </a:fillRef>
+      <a:effectRef idx="0">
+        <a:scrgbClr r="0" g="0" b="0"/>
+      </a:effectRef>
+      <a:fontRef idx="minor"/>
+    </dgm:style>
+  </dgm:styleLbl>
+  <dgm:styleLbl name="solidAlignAcc1">
+    <dgm:scene3d>
+      <a:camera prst="orthographicFront"/>
+      <a:lightRig rig="threePt" dir="t"/>
+    </dgm:scene3d>
+    <dgm:sp3d/>
+    <dgm:txPr/>
+    <dgm:style>
+      <a:lnRef idx="2">
+        <a:scrgbClr r="0" g="0" b="0"/>
+      </a:lnRef>
+      <a:fillRef idx="1">
+        <a:scrgbClr r="0" g="0" b="0"/>
+      </a:fillRef>
+      <a:effectRef idx="0">
+        <a:scrgbClr r="0" g="0" b="0"/>
+      </a:effectRef>
+      <a:fontRef idx="minor"/>
+    </dgm:style>
+  </dgm:styleLbl>
+  <dgm:styleLbl name="solidBgAcc1">
+    <dgm:scene3d>
+      <a:camera prst="orthographicFront"/>
+      <a:lightRig rig="threePt" dir="t"/>
+    </dgm:scene3d>
+    <dgm:sp3d/>
+    <dgm:txPr/>
+    <dgm:style>
+      <a:lnRef idx="2">
+        <a:scrgbClr r="0" g="0" b="0"/>
+      </a:lnRef>
+      <a:fillRef idx="1">
+        <a:scrgbClr r="0" g="0" b="0"/>
+      </a:fillRef>
+      <a:effectRef idx="0">
+        <a:scrgbClr r="0" g="0" b="0"/>
+      </a:effectRef>
+      <a:fontRef idx="minor"/>
+    </dgm:style>
+  </dgm:styleLbl>
+  <dgm:styleLbl name="fgAccFollowNode1">
+    <dgm:scene3d>
+      <a:camera prst="orthographicFront"/>
+      <a:lightRig rig="threePt" dir="t"/>
+    </dgm:scene3d>
+    <dgm:sp3d/>
+    <dgm:txPr/>
+    <dgm:style>
+      <a:lnRef idx="2">
+        <a:scrgbClr r="0" g="0" b="0"/>
+      </a:lnRef>
+      <a:fillRef idx="1">
+        <a:scrgbClr r="0" g="0" b="0"/>
+      </a:fillRef>
+      <a:effectRef idx="0">
+        <a:scrgbClr r="0" g="0" b="0"/>
+      </a:effectRef>
+      <a:fontRef idx="minor"/>
+    </dgm:style>
+  </dgm:styleLbl>
+  <dgm:styleLbl name="alignAccFollowNode1">
+    <dgm:scene3d>
+      <a:camera prst="orthographicFront"/>
+      <a:lightRig rig="threePt" dir="t"/>
+    </dgm:scene3d>
+    <dgm:sp3d/>
+    <dgm:txPr/>
+    <dgm:style>
+      <a:lnRef idx="2">
+        <a:scrgbClr r="0" g="0" b="0"/>
+      </a:lnRef>
+      <a:fillRef idx="1">
+        <a:scrgbClr r="0" g="0" b="0"/>
+      </a:fillRef>
+      <a:effectRef idx="0">
+        <a:scrgbClr r="0" g="0" b="0"/>
+      </a:effectRef>
+      <a:fontRef idx="minor"/>
+    </dgm:style>
+  </dgm:styleLbl>
+  <dgm:styleLbl name="bgAccFollowNode1">
+    <dgm:scene3d>
+      <a:camera prst="orthographicFront"/>
+      <a:lightRig rig="threePt" dir="t"/>
+    </dgm:scene3d>
+    <dgm:sp3d/>
+    <dgm:txPr/>
+    <dgm:style>
+      <a:lnRef idx="2">
+        <a:scrgbClr r="0" g="0" b="0"/>
+      </a:lnRef>
+      <a:fillRef idx="1">
+        <a:scrgbClr r="0" g="0" b="0"/>
+      </a:fillRef>
+      <a:effectRef idx="0">
+        <a:scrgbClr r="0" g="0" b="0"/>
+      </a:effectRef>
+      <a:fontRef idx="minor"/>
+    </dgm:style>
+  </dgm:styleLbl>
+  <dgm:styleLbl name="fgAcc0">
+    <dgm:scene3d>
+      <a:camera prst="orthographicFront"/>
+      <a:lightRig rig="threePt" dir="t"/>
+    </dgm:scene3d>
+    <dgm:sp3d/>
+    <dgm:txPr/>
+    <dgm:style>
+      <a:lnRef idx="2">
+        <a:scrgbClr r="0" g="0" b="0"/>
+      </a:lnRef>
+      <a:fillRef idx="1">
+        <a:scrgbClr r="0" g="0" b="0"/>
+      </a:fillRef>
+      <a:effectRef idx="0">
+        <a:scrgbClr r="0" g="0" b="0"/>
+      </a:effectRef>
+      <a:fontRef idx="minor"/>
+    </dgm:style>
+  </dgm:styleLbl>
+  <dgm:styleLbl name="fgAcc2">
+    <dgm:scene3d>
+      <a:camera prst="orthographicFront"/>
+      <a:lightRig rig="threePt" dir="t"/>
+    </dgm:scene3d>
+    <dgm:sp3d/>
+    <dgm:txPr/>
+    <dgm:style>
+      <a:lnRef idx="2">
+        <a:scrgbClr r="0" g="0" b="0"/>
+      </a:lnRef>
+      <a:fillRef idx="1">
+        <a:scrgbClr r="0" g="0" b="0"/>
+      </a:fillRef>
+      <a:effectRef idx="0">
+        <a:scrgbClr r="0" g="0" b="0"/>
+      </a:effectRef>
+      <a:fontRef idx="minor"/>
+    </dgm:style>
+  </dgm:styleLbl>
+  <dgm:styleLbl name="fgAcc3">
+    <dgm:scene3d>
+      <a:camera prst="orthographicFront"/>
+      <a:lightRig rig="threePt" dir="t"/>
+    </dgm:scene3d>
+    <dgm:sp3d/>
+    <dgm:txPr/>
+    <dgm:style>
+      <a:lnRef idx="2">
+        <a:scrgbClr r="0" g="0" b="0"/>
+      </a:lnRef>
+      <a:fillRef idx="1">
+        <a:scrgbClr r="0" g="0" b="0"/>
+      </a:fillRef>
+      <a:effectRef idx="0">
+        <a:scrgbClr r="0" g="0" b="0"/>
+      </a:effectRef>
+      <a:fontRef idx="minor"/>
+    </dgm:style>
+  </dgm:styleLbl>
+  <dgm:styleLbl name="fgAcc4">
+    <dgm:scene3d>
+      <a:camera prst="orthographicFront"/>
+      <a:lightRig rig="threePt" dir="t"/>
+    </dgm:scene3d>
+    <dgm:sp3d/>
+    <dgm:txPr/>
+    <dgm:style>
+      <a:lnRef idx="2">
+        <a:scrgbClr r="0" g="0" b="0"/>
+      </a:lnRef>
+      <a:fillRef idx="1">
+        <a:scrgbClr r="0" g="0" b="0"/>
+      </a:fillRef>
+      <a:effectRef idx="0">
+        <a:scrgbClr r="0" g="0" b="0"/>
+      </a:effectRef>
+      <a:fontRef idx="minor"/>
+    </dgm:style>
+  </dgm:styleLbl>
+  <dgm:styleLbl name="bgShp">
+    <dgm:scene3d>
+      <a:camera prst="orthographicFront"/>
+      <a:lightRig rig="threePt" dir="t"/>
+    </dgm:scene3d>
+    <dgm:sp3d/>
+    <dgm:txPr/>
+    <dgm:style>
+      <a:lnRef idx="0">
+        <a:scrgbClr r="0" g="0" b="0"/>
+      </a:lnRef>
+      <a:fillRef idx="1">
+        <a:scrgbClr r="0" g="0" b="0"/>
+      </a:fillRef>
+      <a:effectRef idx="0">
+        <a:scrgbClr r="0" g="0" b="0"/>
+      </a:effectRef>
+      <a:fontRef idx="minor"/>
+    </dgm:style>
+  </dgm:styleLbl>
+  <dgm:styleLbl name="dkBgShp">
+    <dgm:scene3d>
+      <a:camera prst="orthographicFront"/>
+      <a:lightRig rig="threePt" dir="t"/>
+    </dgm:scene3d>
+    <dgm:sp3d/>
+    <dgm:txPr/>
+    <dgm:style>
+      <a:lnRef idx="0">
+        <a:scrgbClr r="0" g="0" b="0"/>
+      </a:lnRef>
+      <a:fillRef idx="1">
+        <a:scrgbClr r="0" g="0" b="0"/>
+      </a:fillRef>
+      <a:effectRef idx="0">
+        <a:scrgbClr r="0" g="0" b="0"/>
+      </a:effectRef>
+      <a:fontRef idx="minor"/>
+    </dgm:style>
+  </dgm:styleLbl>
+  <dgm:styleLbl name="trBgShp">
+    <dgm:scene3d>
+      <a:camera prst="orthographicFront"/>
+      <a:lightRig rig="threePt" dir="t"/>
+    </dgm:scene3d>
+    <dgm:sp3d/>
+    <dgm:txPr/>
+    <dgm:style>
+      <a:lnRef idx="0">
+        <a:scrgbClr r="0" g="0" b="0"/>
+      </a:lnRef>
+      <a:fillRef idx="1">
+        <a:scrgbClr r="0" g="0" b="0"/>
+      </a:fillRef>
+      <a:effectRef idx="0">
+        <a:scrgbClr r="0" g="0" b="0"/>
+      </a:effectRef>
+      <a:fontRef idx="minor"/>
+    </dgm:style>
+  </dgm:styleLbl>
+  <dgm:styleLbl name="fgShp">
+    <dgm:scene3d>
+      <a:camera prst="orthographicFront"/>
+      <a:lightRig rig="threePt" dir="t"/>
+    </dgm:scene3d>
+    <dgm:sp3d/>
+    <dgm:txPr/>
+    <dgm:style>
+      <a:lnRef idx="2">
+        <a:scrgbClr r="0" g="0" b="0"/>
+      </a:lnRef>
+      <a:fillRef idx="1">
+        <a:scrgbClr r="0" g="0" b="0"/>
+      </a:fillRef>
+      <a:effectRef idx="0">
+        <a:scrgbClr r="0" g="0" b="0"/>
+      </a:effectRef>
+      <a:fontRef idx="minor"/>
+    </dgm:style>
+  </dgm:styleLbl>
+  <dgm:styleLbl name="revTx">
+    <dgm:scene3d>
+      <a:camera prst="orthographicFront"/>
+      <a:lightRig rig="threePt" dir="t"/>
+    </dgm:scene3d>
+    <dgm:sp3d/>
+    <dgm:txPr/>
+    <dgm:style>
+      <a:lnRef idx="0">
+        <a:scrgbClr r="0" g="0" b="0"/>
+      </a:lnRef>
+      <a:fillRef idx="0">
+        <a:scrgbClr r="0" g="0" b="0"/>
+      </a:fillRef>
+      <a:effectRef idx="0">
+        <a:scrgbClr r="0" g="0" b="0"/>
+      </a:effectRef>
+      <a:fontRef idx="minor"/>
+    </dgm:style>
+  </dgm:styleLbl>
+</dgm:styleDef>
+</file>
+
+<file path=ppt/diagrams/quickStyle3.xml><?xml version="1.0" encoding="utf-8"?>
+<dgm:styleDef xmlns:dgm="http://schemas.openxmlformats.org/drawingml/2006/diagram" xmlns:a="http://schemas.openxmlformats.org/drawingml/2006/main" uniqueId="urn:microsoft.com/office/officeart/2005/8/quickstyle/simple1">
+  <dgm:title val=""/>
+  <dgm:desc val=""/>
+  <dgm:catLst>
+    <dgm:cat type="simple" pri="10100"/>
+  </dgm:catLst>
+  <dgm:scene3d>
+    <a:camera prst="orthographicFront"/>
+    <a:lightRig rig="threePt" dir="t"/>
+  </dgm:scene3d>
+  <dgm:styleLbl name="node0">
+    <dgm:scene3d>
+      <a:camera prst="orthographicFront"/>
+      <a:lightRig rig="threePt" dir="t"/>
+    </dgm:scene3d>
+    <dgm:sp3d/>
+    <dgm:txPr/>
+    <dgm:style>
+      <a:lnRef idx="2">
+        <a:scrgbClr r="0" g="0" b="0"/>
+      </a:lnRef>
+      <a:fillRef idx="1">
+        <a:scrgbClr r="0" g="0" b="0"/>
+      </a:fillRef>
+      <a:effectRef idx="0">
+        <a:scrgbClr r="0" g="0" b="0"/>
+      </a:effectRef>
+      <a:fontRef idx="minor">
+        <a:schemeClr val="lt1"/>
+      </a:fontRef>
+    </dgm:style>
+  </dgm:styleLbl>
+  <dgm:styleLbl name="lnNode1">
+    <dgm:scene3d>
+      <a:camera prst="orthographicFront"/>
+      <a:lightRig rig="threePt" dir="t"/>
+    </dgm:scene3d>
+    <dgm:sp3d/>
+    <dgm:txPr/>
+    <dgm:style>
+      <a:lnRef idx="2">
+        <a:scrgbClr r="0" g="0" b="0"/>
+      </a:lnRef>
+      <a:fillRef idx="1">
+        <a:scrgbClr r="0" g="0" b="0"/>
+      </a:fillRef>
+      <a:effectRef idx="0">
+        <a:scrgbClr r="0" g="0" b="0"/>
+      </a:effectRef>
+      <a:fontRef idx="minor">
+        <a:schemeClr val="lt1"/>
+      </a:fontRef>
+    </dgm:style>
+  </dgm:styleLbl>
+  <dgm:styleLbl name="vennNode1">
+    <dgm:scene3d>
+      <a:camera prst="orthographicFront"/>
+      <a:lightRig rig="threePt" dir="t"/>
+    </dgm:scene3d>
+    <dgm:sp3d/>
+    <dgm:txPr/>
+    <dgm:style>
+      <a:lnRef idx="2">
+        <a:scrgbClr r="0" g="0" b="0"/>
+      </a:lnRef>
+      <a:fillRef idx="1">
+        <a:scrgbClr r="0" g="0" b="0"/>
+      </a:fillRef>
+      <a:effectRef idx="0">
+        <a:scrgbClr r="0" g="0" b="0"/>
+      </a:effectRef>
+      <a:fontRef idx="minor">
+        <a:schemeClr val="tx1"/>
+      </a:fontRef>
+    </dgm:style>
+  </dgm:styleLbl>
+  <dgm:styleLbl name="alignNode1">
+    <dgm:scene3d>
+      <a:camera prst="orthographicFront"/>
+      <a:lightRig rig="threePt" dir="t"/>
+    </dgm:scene3d>
+    <dgm:sp3d/>
+    <dgm:txPr/>
+    <dgm:style>
+      <a:lnRef idx="2">
+        <a:scrgbClr r="0" g="0" b="0"/>
+      </a:lnRef>
+      <a:fillRef idx="1">
+        <a:scrgbClr r="0" g="0" b="0"/>
+      </a:fillRef>
+      <a:effectRef idx="0">
+        <a:scrgbClr r="0" g="0" b="0"/>
+      </a:effectRef>
+      <a:fontRef idx="minor">
+        <a:schemeClr val="lt1"/>
+      </a:fontRef>
+    </dgm:style>
+  </dgm:styleLbl>
+  <dgm:styleLbl name="node1">
+    <dgm:scene3d>
+      <a:camera prst="orthographicFront"/>
+      <a:lightRig rig="threePt" dir="t"/>
+    </dgm:scene3d>
+    <dgm:sp3d/>
+    <dgm:txPr/>
+    <dgm:style>
+      <a:lnRef idx="2">
+        <a:scrgbClr r="0" g="0" b="0"/>
+      </a:lnRef>
+      <a:fillRef idx="1">
+        <a:scrgbClr r="0" g="0" b="0"/>
+      </a:fillRef>
+      <a:effectRef idx="0">
+        <a:scrgbClr r="0" g="0" b="0"/>
+      </a:effectRef>
+      <a:fontRef idx="minor">
+        <a:schemeClr val="lt1"/>
+      </a:fontRef>
+    </dgm:style>
+  </dgm:styleLbl>
+  <dgm:styleLbl name="node2">
+    <dgm:scene3d>
+      <a:camera prst="orthographicFront"/>
+      <a:lightRig rig="threePt" dir="t"/>
+    </dgm:scene3d>
+    <dgm:sp3d/>
+    <dgm:txPr/>
+    <dgm:style>
+      <a:lnRef idx="2">
+        <a:scrgbClr r="0" g="0" b="0"/>
+      </a:lnRef>
+      <a:fillRef idx="1">
+        <a:scrgbClr r="0" g="0" b="0"/>
+      </a:fillRef>
+      <a:effectRef idx="0">
+        <a:scrgbClr r="0" g="0" b="0"/>
+      </a:effectRef>
+      <a:fontRef idx="minor">
+        <a:schemeClr val="lt1"/>
+      </a:fontRef>
+    </dgm:style>
+  </dgm:styleLbl>
+  <dgm:styleLbl name="node3">
+    <dgm:scene3d>
+      <a:camera prst="orthographicFront"/>
+      <a:lightRig rig="threePt" dir="t"/>
+    </dgm:scene3d>
+    <dgm:sp3d/>
+    <dgm:txPr/>
+    <dgm:style>
+      <a:lnRef idx="2">
+        <a:scrgbClr r="0" g="0" b="0"/>
+      </a:lnRef>
+      <a:fillRef idx="1">
+        <a:scrgbClr r="0" g="0" b="0"/>
+      </a:fillRef>
+      <a:effectRef idx="0">
+        <a:scrgbClr r="0" g="0" b="0"/>
+      </a:effectRef>
+      <a:fontRef idx="minor">
+        <a:schemeClr val="lt1"/>
+      </a:fontRef>
+    </dgm:style>
+  </dgm:styleLbl>
+  <dgm:styleLbl name="node4">
+    <dgm:scene3d>
+      <a:camera prst="orthographicFront"/>
+      <a:lightRig rig="threePt" dir="t"/>
+    </dgm:scene3d>
+    <dgm:sp3d/>
+    <dgm:txPr/>
+    <dgm:style>
+      <a:lnRef idx="2">
+        <a:scrgbClr r="0" g="0" b="0"/>
+      </a:lnRef>
+      <a:fillRef idx="1">
+        <a:scrgbClr r="0" g="0" b="0"/>
+      </a:fillRef>
+      <a:effectRef idx="0">
+        <a:scrgbClr r="0" g="0" b="0"/>
+      </a:effectRef>
+      <a:fontRef idx="minor">
+        <a:schemeClr val="lt1"/>
+      </a:fontRef>
+    </dgm:style>
+  </dgm:styleLbl>
+  <dgm:styleLbl name="fgImgPlace1">
+    <dgm:scene3d>
+      <a:camera prst="orthographicFront"/>
+      <a:lightRig rig="threePt" dir="t"/>
+    </dgm:scene3d>
+    <dgm:sp3d/>
+    <dgm:txPr/>
+    <dgm:style>
+      <a:lnRef idx="2">
+        <a:scrgbClr r="0" g="0" b="0"/>
+      </a:lnRef>
+      <a:fillRef idx="1">
+        <a:scrgbClr r="0" g="0" b="0"/>
+      </a:fillRef>
+      <a:effectRef idx="0">
+        <a:scrgbClr r="0" g="0" b="0"/>
+      </a:effectRef>
+      <a:fontRef idx="minor"/>
+    </dgm:style>
+  </dgm:styleLbl>
+  <dgm:styleLbl name="alignImgPlace1">
+    <dgm:scene3d>
+      <a:camera prst="orthographicFront"/>
+      <a:lightRig rig="threePt" dir="t"/>
+    </dgm:scene3d>
+    <dgm:sp3d/>
+    <dgm:txPr/>
+    <dgm:style>
+      <a:lnRef idx="2">
+        <a:scrgbClr r="0" g="0" b="0"/>
+      </a:lnRef>
+      <a:fillRef idx="1">
+        <a:scrgbClr r="0" g="0" b="0"/>
+      </a:fillRef>
+      <a:effectRef idx="0">
+        <a:scrgbClr r="0" g="0" b="0"/>
+      </a:effectRef>
+      <a:fontRef idx="minor"/>
+    </dgm:style>
+  </dgm:styleLbl>
+  <dgm:styleLbl name="bgImgPlace1">
+    <dgm:scene3d>
+      <a:camera prst="orthographicFront"/>
+      <a:lightRig rig="threePt" dir="t"/>
+    </dgm:scene3d>
+    <dgm:sp3d/>
+    <dgm:txPr/>
+    <dgm:style>
+      <a:lnRef idx="2">
+        <a:scrgbClr r="0" g="0" b="0"/>
+      </a:lnRef>
+      <a:fillRef idx="1">
+        <a:scrgbClr r="0" g="0" b="0"/>
+      </a:fillRef>
+      <a:effectRef idx="0">
+        <a:scrgbClr r="0" g="0" b="0"/>
+      </a:effectRef>
+      <a:fontRef idx="minor"/>
+    </dgm:style>
+  </dgm:styleLbl>
+  <dgm:styleLbl name="sibTrans2D1">
+    <dgm:scene3d>
+      <a:camera prst="orthographicFront"/>
+      <a:lightRig rig="threePt" dir="t"/>
+    </dgm:scene3d>
+    <dgm:sp3d/>
+    <dgm:txPr/>
+    <dgm:style>
+      <a:lnRef idx="0">
+        <a:scrgbClr r="0" g="0" b="0"/>
+      </a:lnRef>
+      <a:fillRef idx="1">
+        <a:scrgbClr r="0" g="0" b="0"/>
+      </a:fillRef>
+      <a:effectRef idx="0">
+        <a:scrgbClr r="0" g="0" b="0"/>
+      </a:effectRef>
+      <a:fontRef idx="minor">
+        <a:schemeClr val="lt1"/>
+      </a:fontRef>
+    </dgm:style>
+  </dgm:styleLbl>
+  <dgm:styleLbl name="fgSibTrans2D1">
+    <dgm:scene3d>
+      <a:camera prst="orthographicFront"/>
+      <a:lightRig rig="threePt" dir="t"/>
+    </dgm:scene3d>
+    <dgm:sp3d/>
+    <dgm:txPr/>
+    <dgm:style>
+      <a:lnRef idx="0">
+        <a:scrgbClr r="0" g="0" b="0"/>
+      </a:lnRef>
+      <a:fillRef idx="1">
+        <a:scrgbClr r="0" g="0" b="0"/>
+      </a:fillRef>
+      <a:effectRef idx="0">
+        <a:scrgbClr r="0" g="0" b="0"/>
+      </a:effectRef>
+      <a:fontRef idx="minor">
+        <a:schemeClr val="lt1"/>
+      </a:fontRef>
+    </dgm:style>
+  </dgm:styleLbl>
+  <dgm:styleLbl name="bgSibTrans2D1">
+    <dgm:scene3d>
+      <a:camera prst="orthographicFront"/>
+      <a:lightRig rig="threePt" dir="t"/>
+    </dgm:scene3d>
+    <dgm:sp3d/>
+    <dgm:txPr/>
+    <dgm:style>
+      <a:lnRef idx="0">
+        <a:scrgbClr r="0" g="0" b="0"/>
+      </a:lnRef>
+      <a:fillRef idx="1">
+        <a:scrgbClr r="0" g="0" b="0"/>
+      </a:fillRef>
+      <a:effectRef idx="0">
+        <a:scrgbClr r="0" g="0" b="0"/>
+      </a:effectRef>
+      <a:fontRef idx="minor">
+        <a:schemeClr val="lt1"/>
+      </a:fontRef>
+    </dgm:style>
+  </dgm:styleLbl>
+  <dgm:styleLbl name="sibTrans1D1">
+    <dgm:scene3d>
+      <a:camera prst="orthographicFront"/>
+      <a:lightRig rig="threePt" dir="t"/>
+    </dgm:scene3d>
+    <dgm:sp3d/>
+    <dgm:txPr/>
+    <dgm:style>
+      <a:lnRef idx="1">
+        <a:scrgbClr r="0" g="0" b="0"/>
+      </a:lnRef>
+      <a:fillRef idx="0">
+        <a:scrgbClr r="0" g="0" b="0"/>
+      </a:fillRef>
+      <a:effectRef idx="0">
+        <a:scrgbClr r="0" g="0" b="0"/>
+      </a:effectRef>
+      <a:fontRef idx="minor"/>
+    </dgm:style>
+  </dgm:styleLbl>
+  <dgm:styleLbl name="callout">
+    <dgm:scene3d>
+      <a:camera prst="orthographicFront"/>
+      <a:lightRig rig="threePt" dir="t"/>
+    </dgm:scene3d>
+    <dgm:sp3d/>
+    <dgm:txPr/>
+    <dgm:style>
+      <a:lnRef idx="2">
+        <a:scrgbClr r="0" g="0" b="0"/>
+      </a:lnRef>
+      <a:fillRef idx="1">
+        <a:scrgbClr r="0" g="0" b="0"/>
+      </a:fillRef>
+      <a:effectRef idx="0">
+        <a:scrgbClr r="0" g="0" b="0"/>
+      </a:effectRef>
+      <a:fontRef idx="minor"/>
+    </dgm:style>
+  </dgm:styleLbl>
+  <dgm:styleLbl name="asst0">
+    <dgm:scene3d>
+      <a:camera prst="orthographicFront"/>
+      <a:lightRig rig="threePt" dir="t"/>
+    </dgm:scene3d>
+    <dgm:sp3d/>
+    <dgm:txPr/>
+    <dgm:style>
+      <a:lnRef idx="2">
+        <a:scrgbClr r="0" g="0" b="0"/>
+      </a:lnRef>
+      <a:fillRef idx="1">
+        <a:scrgbClr r="0" g="0" b="0"/>
+      </a:fillRef>
+      <a:effectRef idx="0">
+        <a:scrgbClr r="0" g="0" b="0"/>
+      </a:effectRef>
+      <a:fontRef idx="minor">
+        <a:schemeClr val="lt1"/>
+      </a:fontRef>
+    </dgm:style>
+  </dgm:styleLbl>
+  <dgm:styleLbl name="asst1">
+    <dgm:scene3d>
+      <a:camera prst="orthographicFront"/>
+      <a:lightRig rig="threePt" dir="t"/>
+    </dgm:scene3d>
+    <dgm:sp3d/>
+    <dgm:txPr/>
+    <dgm:style>
+      <a:lnRef idx="2">
+        <a:scrgbClr r="0" g="0" b="0"/>
+      </a:lnRef>
+      <a:fillRef idx="1">
+        <a:scrgbClr r="0" g="0" b="0"/>
+      </a:fillRef>
+      <a:effectRef idx="0">
+        <a:scrgbClr r="0" g="0" b="0"/>
+      </a:effectRef>
+      <a:fontRef idx="minor">
+        <a:schemeClr val="lt1"/>
+      </a:fontRef>
+    </dgm:style>
+  </dgm:styleLbl>
+  <dgm:styleLbl name="asst2">
+    <dgm:scene3d>
+      <a:camera prst="orthographicFront"/>
+      <a:lightRig rig="threePt" dir="t"/>
+    </dgm:scene3d>
+    <dgm:sp3d/>
+    <dgm:txPr/>
+    <dgm:style>
+      <a:lnRef idx="2">
+        <a:scrgbClr r="0" g="0" b="0"/>
+      </a:lnRef>
+      <a:fillRef idx="1">
+        <a:scrgbClr r="0" g="0" b="0"/>
+      </a:fillRef>
+      <a:effectRef idx="0">
+        <a:scrgbClr r="0" g="0" b="0"/>
+      </a:effectRef>
+      <a:fontRef idx="minor">
+        <a:schemeClr val="lt1"/>
+      </a:fontRef>
+    </dgm:style>
+  </dgm:styleLbl>
+  <dgm:styleLbl name="asst3">
+    <dgm:scene3d>
+      <a:camera prst="orthographicFront"/>
+      <a:lightRig rig="threePt" dir="t"/>
+    </dgm:scene3d>
+    <dgm:sp3d/>
+    <dgm:txPr/>
+    <dgm:style>
+      <a:lnRef idx="2">
+        <a:scrgbClr r="0" g="0" b="0"/>
+      </a:lnRef>
+      <a:fillRef idx="1">
+        <a:scrgbClr r="0" g="0" b="0"/>
+      </a:fillRef>
+      <a:effectRef idx="0">
+        <a:scrgbClr r="0" g="0" b="0"/>
+      </a:effectRef>
+      <a:fontRef idx="minor">
+        <a:schemeClr val="lt1"/>
+      </a:fontRef>
+    </dgm:style>
+  </dgm:styleLbl>
+  <dgm:styleLbl name="asst4">
+    <dgm:scene3d>
+      <a:camera prst="orthographicFront"/>
+      <a:lightRig rig="threePt" dir="t"/>
+    </dgm:scene3d>
+    <dgm:sp3d/>
+    <dgm:txPr/>
+    <dgm:style>
+      <a:lnRef idx="2">
+        <a:scrgbClr r="0" g="0" b="0"/>
+      </a:lnRef>
+      <a:fillRef idx="1">
+        <a:scrgbClr r="0" g="0" b="0"/>
+      </a:fillRef>
+      <a:effectRef idx="0">
+        <a:scrgbClr r="0" g="0" b="0"/>
+      </a:effectRef>
+      <a:fontRef idx="minor">
+        <a:schemeClr val="lt1"/>
+      </a:fontRef>
+    </dgm:style>
+  </dgm:styleLbl>
+  <dgm:styleLbl name="parChTrans2D1">
+    <dgm:scene3d>
+      <a:camera prst="orthographicFront"/>
+      <a:lightRig rig="threePt" dir="t"/>
+    </dgm:scene3d>
+    <dgm:sp3d/>
+    <dgm:txPr/>
+    <dgm:style>
+      <a:lnRef idx="2">
+        <a:scrgbClr r="0" g="0" b="0"/>
+      </a:lnRef>
+      <a:fillRef idx="1">
+        <a:scrgbClr r="0" g="0" b="0"/>
+      </a:fillRef>
+      <a:effectRef idx="0">
+        <a:scrgbClr r="0" g="0" b="0"/>
+      </a:effectRef>
+      <a:fontRef idx="minor">
+        <a:schemeClr val="lt1"/>
+      </a:fontRef>
+    </dgm:style>
+  </dgm:styleLbl>
+  <dgm:styleLbl name="parChTrans2D2">
+    <dgm:scene3d>
+      <a:camera prst="orthographicFront"/>
+      <a:lightRig rig="threePt" dir="t"/>
+    </dgm:scene3d>
+    <dgm:sp3d/>
+    <dgm:txPr/>
+    <dgm:style>
+      <a:lnRef idx="2">
+        <a:scrgbClr r="0" g="0" b="0"/>
+      </a:lnRef>
+      <a:fillRef idx="1">
+        <a:scrgbClr r="0" g="0" b="0"/>
+      </a:fillRef>
+      <a:effectRef idx="0">
+        <a:scrgbClr r="0" g="0" b="0"/>
+      </a:effectRef>
+      <a:fontRef idx="minor">
+        <a:schemeClr val="lt1"/>
+      </a:fontRef>
+    </dgm:style>
+  </dgm:styleLbl>
+  <dgm:styleLbl name="parChTrans2D3">
+    <dgm:scene3d>
+      <a:camera prst="orthographicFront"/>
+      <a:lightRig rig="threePt" dir="t"/>
+    </dgm:scene3d>
+    <dgm:sp3d/>
+    <dgm:txPr/>
+    <dgm:style>
+      <a:lnRef idx="2">
+        <a:scrgbClr r="0" g="0" b="0"/>
+      </a:lnRef>
+      <a:fillRef idx="1">
+        <a:scrgbClr r="0" g="0" b="0"/>
+      </a:fillRef>
+      <a:effectRef idx="0">
+        <a:scrgbClr r="0" g="0" b="0"/>
+      </a:effectRef>
+      <a:fontRef idx="minor">
+        <a:schemeClr val="lt1"/>
+      </a:fontRef>
+    </dgm:style>
+  </dgm:styleLbl>
+  <dgm:styleLbl name="parChTrans2D4">
+    <dgm:scene3d>
+      <a:camera prst="orthographicFront"/>
+      <a:lightRig rig="threePt" dir="t"/>
+    </dgm:scene3d>
+    <dgm:sp3d/>
+    <dgm:txPr/>
+    <dgm:style>
+      <a:lnRef idx="2">
+        <a:scrgbClr r="0" g="0" b="0"/>
+      </a:lnRef>
+      <a:fillRef idx="1">
+        <a:scrgbClr r="0" g="0" b="0"/>
+      </a:fillRef>
+      <a:effectRef idx="0">
+        <a:scrgbClr r="0" g="0" b="0"/>
+      </a:effectRef>
+      <a:fontRef idx="minor">
+        <a:schemeClr val="lt1"/>
+      </a:fontRef>
+    </dgm:style>
+  </dgm:styleLbl>
+  <dgm:styleLbl name="parChTrans1D1">
+    <dgm:scene3d>
+      <a:camera prst="orthographicFront"/>
+      <a:lightRig rig="threePt" dir="t"/>
+    </dgm:scene3d>
+    <dgm:sp3d/>
+    <dgm:txPr/>
+    <dgm:style>
+      <a:lnRef idx="2">
+        <a:scrgbClr r="0" g="0" b="0"/>
+      </a:lnRef>
+      <a:fillRef idx="0">
+        <a:scrgbClr r="0" g="0" b="0"/>
+      </a:fillRef>
+      <a:effectRef idx="0">
+        <a:scrgbClr r="0" g="0" b="0"/>
+      </a:effectRef>
+      <a:fontRef idx="minor"/>
+    </dgm:style>
+  </dgm:styleLbl>
+  <dgm:styleLbl name="parChTrans1D2">
+    <dgm:scene3d>
+      <a:camera prst="orthographicFront"/>
+      <a:lightRig rig="threePt" dir="t"/>
+    </dgm:scene3d>
+    <dgm:sp3d/>
+    <dgm:txPr/>
+    <dgm:style>
+      <a:lnRef idx="2">
+        <a:scrgbClr r="0" g="0" b="0"/>
+      </a:lnRef>
+      <a:fillRef idx="0">
+        <a:scrgbClr r="0" g="0" b="0"/>
+      </a:fillRef>
+      <a:effectRef idx="0">
+        <a:scrgbClr r="0" g="0" b="0"/>
+      </a:effectRef>
+      <a:fontRef idx="minor"/>
+    </dgm:style>
+  </dgm:styleLbl>
+  <dgm:styleLbl name="parChTrans1D3">
+    <dgm:scene3d>
+      <a:camera prst="orthographicFront"/>
+      <a:lightRig rig="threePt" dir="t"/>
+    </dgm:scene3d>
+    <dgm:sp3d/>
+    <dgm:txPr/>
+    <dgm:style>
+      <a:lnRef idx="2">
+        <a:scrgbClr r="0" g="0" b="0"/>
+      </a:lnRef>
+      <a:fillRef idx="0">
+        <a:scrgbClr r="0" g="0" b="0"/>
+      </a:fillRef>
+      <a:effectRef idx="0">
+        <a:scrgbClr r="0" g="0" b="0"/>
+      </a:effectRef>
+      <a:fontRef idx="minor"/>
+    </dgm:style>
+  </dgm:styleLbl>
+  <dgm:styleLbl name="parChTrans1D4">
+    <dgm:scene3d>
+      <a:camera prst="orthographicFront"/>
+      <a:lightRig rig="threePt" dir="t"/>
+    </dgm:scene3d>
+    <dgm:sp3d/>
+    <dgm:txPr/>
+    <dgm:style>
+      <a:lnRef idx="2">
+        <a:scrgbClr r="0" g="0" b="0"/>
+      </a:lnRef>
+      <a:fillRef idx="0">
+        <a:scrgbClr r="0" g="0" b="0"/>
+      </a:fillRef>
+      <a:effectRef idx="0">
+        <a:scrgbClr r="0" g="0" b="0"/>
+      </a:effectRef>
+      <a:fontRef idx="minor"/>
+    </dgm:style>
+  </dgm:styleLbl>
+  <dgm:styleLbl name="fgAcc1">
+    <dgm:scene3d>
+      <a:camera prst="orthographicFront"/>
+      <a:lightRig rig="threePt" dir="t"/>
+    </dgm:scene3d>
+    <dgm:sp3d/>
+    <dgm:txPr/>
+    <dgm:style>
+      <a:lnRef idx="2">
+        <a:scrgbClr r="0" g="0" b="0"/>
+      </a:lnRef>
+      <a:fillRef idx="1">
+        <a:scrgbClr r="0" g="0" b="0"/>
+      </a:fillRef>
+      <a:effectRef idx="0">
+        <a:scrgbClr r="0" g="0" b="0"/>
+      </a:effectRef>
+      <a:fontRef idx="minor"/>
+    </dgm:style>
+  </dgm:styleLbl>
+  <dgm:styleLbl name="conFgAcc1">
+    <dgm:scene3d>
+      <a:camera prst="orthographicFront"/>
+      <a:lightRig rig="threePt" dir="t"/>
+    </dgm:scene3d>
+    <dgm:sp3d/>
+    <dgm:txPr/>
+    <dgm:style>
+      <a:lnRef idx="2">
+        <a:scrgbClr r="0" g="0" b="0"/>
+      </a:lnRef>
+      <a:fillRef idx="1">
+        <a:scrgbClr r="0" g="0" b="0"/>
+      </a:fillRef>
+      <a:effectRef idx="0">
+        <a:scrgbClr r="0" g="0" b="0"/>
+      </a:effectRef>
+      <a:fontRef idx="minor"/>
+    </dgm:style>
+  </dgm:styleLbl>
+  <dgm:styleLbl name="alignAcc1">
+    <dgm:scene3d>
+      <a:camera prst="orthographicFront"/>
+      <a:lightRig rig="threePt" dir="t"/>
+    </dgm:scene3d>
+    <dgm:sp3d/>
+    <dgm:txPr/>
+    <dgm:style>
+      <a:lnRef idx="2">
+        <a:scrgbClr r="0" g="0" b="0"/>
+      </a:lnRef>
+      <a:fillRef idx="1">
+        <a:scrgbClr r="0" g="0" b="0"/>
+      </a:fillRef>
+      <a:effectRef idx="0">
+        <a:scrgbClr r="0" g="0" b="0"/>
+      </a:effectRef>
+      <a:fontRef idx="minor"/>
+    </dgm:style>
+  </dgm:styleLbl>
+  <dgm:styleLbl name="trAlignAcc1">
+    <dgm:scene3d>
+      <a:camera prst="orthographicFront"/>
+      <a:lightRig rig="threePt" dir="t"/>
+    </dgm:scene3d>
+    <dgm:sp3d/>
+    <dgm:txPr/>
+    <dgm:style>
+      <a:lnRef idx="1">
+        <a:scrgbClr r="0" g="0" b="0"/>
+      </a:lnRef>
+      <a:fillRef idx="1">
+        <a:scrgbClr r="0" g="0" b="0"/>
+      </a:fillRef>
+      <a:effectRef idx="0">
+        <a:scrgbClr r="0" g="0" b="0"/>
+      </a:effectRef>
+      <a:fontRef idx="minor"/>
+    </dgm:style>
+  </dgm:styleLbl>
+  <dgm:styleLbl name="bgAcc1">
+    <dgm:scene3d>
+      <a:camera prst="orthographicFront"/>
+      <a:lightRig rig="threePt" dir="t"/>
+    </dgm:scene3d>
+    <dgm:sp3d/>
+    <dgm:txPr/>
+    <dgm:style>
+      <a:lnRef idx="2">
+        <a:scrgbClr r="0" g="0" b="0"/>
+      </a:lnRef>
+      <a:fillRef idx="1">
+        <a:scrgbClr r="0" g="0" b="0"/>
+      </a:fillRef>
+      <a:effectRef idx="0">
+        <a:scrgbClr r="0" g="0" b="0"/>
+      </a:effectRef>
+      <a:fontRef idx="minor"/>
+    </dgm:style>
+  </dgm:styleLbl>
+  <dgm:styleLbl name="solidFgAcc1">
+    <dgm:scene3d>
+      <a:camera prst="orthographicFront"/>
+      <a:lightRig rig="threePt" dir="t"/>
+    </dgm:scene3d>
+    <dgm:sp3d/>
+    <dgm:txPr/>
+    <dgm:style>
+      <a:lnRef idx="2">
+        <a:scrgbClr r="0" g="0" b="0"/>
+      </a:lnRef>
+      <a:fillRef idx="1">
+        <a:scrgbClr r="0" g="0" b="0"/>
+      </a:fillRef>
+      <a:effectRef idx="0">
+        <a:scrgbClr r="0" g="0" b="0"/>
+      </a:effectRef>
+      <a:fontRef idx="minor"/>
+    </dgm:style>
+  </dgm:styleLbl>
+  <dgm:styleLbl name="solidAlignAcc1">
+    <dgm:scene3d>
+      <a:camera prst="orthographicFront"/>
+      <a:lightRig rig="threePt" dir="t"/>
+    </dgm:scene3d>
+    <dgm:sp3d/>
+    <dgm:txPr/>
+    <dgm:style>
+      <a:lnRef idx="2">
+        <a:scrgbClr r="0" g="0" b="0"/>
+      </a:lnRef>
+      <a:fillRef idx="1">
+        <a:scrgbClr r="0" g="0" b="0"/>
+      </a:fillRef>
+      <a:effectRef idx="0">
+        <a:scrgbClr r="0" g="0" b="0"/>
+      </a:effectRef>
+      <a:fontRef idx="minor"/>
+    </dgm:style>
+  </dgm:styleLbl>
+  <dgm:styleLbl name="solidBgAcc1">
+    <dgm:scene3d>
+      <a:camera prst="orthographicFront"/>
+      <a:lightRig rig="threePt" dir="t"/>
+    </dgm:scene3d>
+    <dgm:sp3d/>
+    <dgm:txPr/>
+    <dgm:style>
+      <a:lnRef idx="2">
+        <a:scrgbClr r="0" g="0" b="0"/>
+      </a:lnRef>
+      <a:fillRef idx="1">
+        <a:scrgbClr r="0" g="0" b="0"/>
+      </a:fillRef>
+      <a:effectRef idx="0">
+        <a:scrgbClr r="0" g="0" b="0"/>
+      </a:effectRef>
+      <a:fontRef idx="minor"/>
+    </dgm:style>
+  </dgm:styleLbl>
+  <dgm:styleLbl name="fgAccFollowNode1">
+    <dgm:scene3d>
+      <a:camera prst="orthographicFront"/>
+      <a:lightRig rig="threePt" dir="t"/>
+    </dgm:scene3d>
+    <dgm:sp3d/>
+    <dgm:txPr/>
+    <dgm:style>
+      <a:lnRef idx="2">
+        <a:scrgbClr r="0" g="0" b="0"/>
+      </a:lnRef>
+      <a:fillRef idx="1">
+        <a:scrgbClr r="0" g="0" b="0"/>
+      </a:fillRef>
+      <a:effectRef idx="0">
+        <a:scrgbClr r="0" g="0" b="0"/>
+      </a:effectRef>
+      <a:fontRef idx="minor"/>
+    </dgm:style>
+  </dgm:styleLbl>
+  <dgm:styleLbl name="alignAccFollowNode1">
+    <dgm:scene3d>
+      <a:camera prst="orthographicFront"/>
+      <a:lightRig rig="threePt" dir="t"/>
+    </dgm:scene3d>
+    <dgm:sp3d/>
+    <dgm:txPr/>
+    <dgm:style>
+      <a:lnRef idx="2">
+        <a:scrgbClr r="0" g="0" b="0"/>
+      </a:lnRef>
+      <a:fillRef idx="1">
+        <a:scrgbClr r="0" g="0" b="0"/>
+      </a:fillRef>
+      <a:effectRef idx="0">
+        <a:scrgbClr r="0" g="0" b="0"/>
+      </a:effectRef>
+      <a:fontRef idx="minor"/>
+    </dgm:style>
+  </dgm:styleLbl>
+  <dgm:styleLbl name="bgAccFollowNode1">
+    <dgm:scene3d>
+      <a:camera prst="orthographicFront"/>
+      <a:lightRig rig="threePt" dir="t"/>
+    </dgm:scene3d>
+    <dgm:sp3d/>
+    <dgm:txPr/>
+    <dgm:style>
+      <a:lnRef idx="2">
+        <a:scrgbClr r="0" g="0" b="0"/>
+      </a:lnRef>
+      <a:fillRef idx="1">
+        <a:scrgbClr r="0" g="0" b="0"/>
+      </a:fillRef>
+      <a:effectRef idx="0">
+        <a:scrgbClr r="0" g="0" b="0"/>
+      </a:effectRef>
+      <a:fontRef idx="minor"/>
+    </dgm:style>
+  </dgm:styleLbl>
+  <dgm:styleLbl name="fgAcc0">
+    <dgm:scene3d>
+      <a:camera prst="orthographicFront"/>
+      <a:lightRig rig="threePt" dir="t"/>
+    </dgm:scene3d>
+    <dgm:sp3d/>
+    <dgm:txPr/>
+    <dgm:style>
+      <a:lnRef idx="2">
+        <a:scrgbClr r="0" g="0" b="0"/>
+      </a:lnRef>
+      <a:fillRef idx="1">
+        <a:scrgbClr r="0" g="0" b="0"/>
+      </a:fillRef>
+      <a:effectRef idx="0">
+        <a:scrgbClr r="0" g="0" b="0"/>
+      </a:effectRef>
+      <a:fontRef idx="minor"/>
+    </dgm:style>
+  </dgm:styleLbl>
+  <dgm:styleLbl name="fgAcc2">
+    <dgm:scene3d>
+      <a:camera prst="orthographicFront"/>
+      <a:lightRig rig="threePt" dir="t"/>
+    </dgm:scene3d>
+    <dgm:sp3d/>
+    <dgm:txPr/>
+    <dgm:style>
+      <a:lnRef idx="2">
+        <a:scrgbClr r="0" g="0" b="0"/>
+      </a:lnRef>
+      <a:fillRef idx="1">
+        <a:scrgbClr r="0" g="0" b="0"/>
+      </a:fillRef>
+      <a:effectRef idx="0">
+        <a:scrgbClr r="0" g="0" b="0"/>
+      </a:effectRef>
+      <a:fontRef idx="minor"/>
+    </dgm:style>
+  </dgm:styleLbl>
+  <dgm:styleLbl name="fgAcc3">
+    <dgm:scene3d>
+      <a:camera prst="orthographicFront"/>
+      <a:lightRig rig="threePt" dir="t"/>
+    </dgm:scene3d>
+    <dgm:sp3d/>
+    <dgm:txPr/>
+    <dgm:style>
+      <a:lnRef idx="2">
+        <a:scrgbClr r="0" g="0" b="0"/>
+      </a:lnRef>
+      <a:fillRef idx="1">
+        <a:scrgbClr r="0" g="0" b="0"/>
+      </a:fillRef>
+      <a:effectRef idx="0">
+        <a:scrgbClr r="0" g="0" b="0"/>
+      </a:effectRef>
+      <a:fontRef idx="minor"/>
+    </dgm:style>
+  </dgm:styleLbl>
+  <dgm:styleLbl name="fgAcc4">
+    <dgm:scene3d>
+      <a:camera prst="orthographicFront"/>
+      <a:lightRig rig="threePt" dir="t"/>
+    </dgm:scene3d>
+    <dgm:sp3d/>
+    <dgm:txPr/>
+    <dgm:style>
+      <a:lnRef idx="2">
+        <a:scrgbClr r="0" g="0" b="0"/>
+      </a:lnRef>
+      <a:fillRef idx="1">
+        <a:scrgbClr r="0" g="0" b="0"/>
+      </a:fillRef>
+      <a:effectRef idx="0">
+        <a:scrgbClr r="0" g="0" b="0"/>
+      </a:effectRef>
+      <a:fontRef idx="minor"/>
+    </dgm:style>
+  </dgm:styleLbl>
+  <dgm:styleLbl name="bgShp">
+    <dgm:scene3d>
+      <a:camera prst="orthographicFront"/>
+      <a:lightRig rig="threePt" dir="t"/>
+    </dgm:scene3d>
+    <dgm:sp3d/>
+    <dgm:txPr/>
+    <dgm:style>
+      <a:lnRef idx="0">
+        <a:scrgbClr r="0" g="0" b="0"/>
+      </a:lnRef>
+      <a:fillRef idx="1">
+        <a:scrgbClr r="0" g="0" b="0"/>
+      </a:fillRef>
+      <a:effectRef idx="0">
+        <a:scrgbClr r="0" g="0" b="0"/>
+      </a:effectRef>
+      <a:fontRef idx="minor"/>
+    </dgm:style>
+  </dgm:styleLbl>
+  <dgm:styleLbl name="dkBgShp">
+    <dgm:scene3d>
+      <a:camera prst="orthographicFront"/>
+      <a:lightRig rig="threePt" dir="t"/>
+    </dgm:scene3d>
+    <dgm:sp3d/>
+    <dgm:txPr/>
+    <dgm:style>
+      <a:lnRef idx="0">
+        <a:scrgbClr r="0" g="0" b="0"/>
+      </a:lnRef>
+      <a:fillRef idx="1">
+        <a:scrgbClr r="0" g="0" b="0"/>
+      </a:fillRef>
+      <a:effectRef idx="0">
+        <a:scrgbClr r="0" g="0" b="0"/>
+      </a:effectRef>
+      <a:fontRef idx="minor"/>
+    </dgm:style>
+  </dgm:styleLbl>
+  <dgm:styleLbl name="trBgShp">
+    <dgm:scene3d>
+      <a:camera prst="orthographicFront"/>
+      <a:lightRig rig="threePt" dir="t"/>
+    </dgm:scene3d>
+    <dgm:sp3d/>
+    <dgm:txPr/>
+    <dgm:style>
+      <a:lnRef idx="0">
+        <a:scrgbClr r="0" g="0" b="0"/>
+      </a:lnRef>
+      <a:fillRef idx="1">
+        <a:scrgbClr r="0" g="0" b="0"/>
+      </a:fillRef>
+      <a:effectRef idx="0">
+        <a:scrgbClr r="0" g="0" b="0"/>
+      </a:effectRef>
+      <a:fontRef idx="minor"/>
+    </dgm:style>
+  </dgm:styleLbl>
+  <dgm:styleLbl name="fgShp">
+    <dgm:scene3d>
+      <a:camera prst="orthographicFront"/>
+      <a:lightRig rig="threePt" dir="t"/>
+    </dgm:scene3d>
+    <dgm:sp3d/>
+    <dgm:txPr/>
+    <dgm:style>
+      <a:lnRef idx="2">
+        <a:scrgbClr r="0" g="0" b="0"/>
+      </a:lnRef>
+      <a:fillRef idx="1">
+        <a:scrgbClr r="0" g="0" b="0"/>
+      </a:fillRef>
+      <a:effectRef idx="0">
         <a:scrgbClr r="0" g="0" b="0"/>
       </a:effectRef>
       <a:fontRef idx="minor"/>
@@ -7510,7 +14636,7 @@
           <a:p>
             <a:fld id="{29AC0BB6-EC28-41B7-849F-86726C0EA16F}" type="datetimeFigureOut">
               <a:rPr lang="en-US" smtClean="0"/>
-              <a:t>3/3/2023</a:t>
+              <a:t>6/16/2023</a:t>
             </a:fld>
             <a:endParaRPr lang="en-US"/>
           </a:p>
@@ -7708,7 +14834,7 @@
           <a:p>
             <a:fld id="{29AC0BB6-EC28-41B7-849F-86726C0EA16F}" type="datetimeFigureOut">
               <a:rPr lang="en-US" smtClean="0"/>
-              <a:t>3/3/2023</a:t>
+              <a:t>6/16/2023</a:t>
             </a:fld>
             <a:endParaRPr lang="en-US"/>
           </a:p>
@@ -7916,7 +15042,7 @@
           <a:p>
             <a:fld id="{29AC0BB6-EC28-41B7-849F-86726C0EA16F}" type="datetimeFigureOut">
               <a:rPr lang="en-US" smtClean="0"/>
-              <a:t>3/3/2023</a:t>
+              <a:t>6/16/2023</a:t>
             </a:fld>
             <a:endParaRPr lang="en-US"/>
           </a:p>
@@ -8114,7 +15240,7 @@
           <a:p>
             <a:fld id="{29AC0BB6-EC28-41B7-849F-86726C0EA16F}" type="datetimeFigureOut">
               <a:rPr lang="en-US" smtClean="0"/>
-              <a:t>3/3/2023</a:t>
+              <a:t>6/16/2023</a:t>
             </a:fld>
             <a:endParaRPr lang="en-US"/>
           </a:p>
@@ -8389,7 +15515,7 @@
           <a:p>
             <a:fld id="{29AC0BB6-EC28-41B7-849F-86726C0EA16F}" type="datetimeFigureOut">
               <a:rPr lang="en-US" smtClean="0"/>
-              <a:t>3/3/2023</a:t>
+              <a:t>6/16/2023</a:t>
             </a:fld>
             <a:endParaRPr lang="en-US"/>
           </a:p>
@@ -8654,7 +15780,7 @@
           <a:p>
             <a:fld id="{29AC0BB6-EC28-41B7-849F-86726C0EA16F}" type="datetimeFigureOut">
               <a:rPr lang="en-US" smtClean="0"/>
-              <a:t>3/3/2023</a:t>
+              <a:t>6/16/2023</a:t>
             </a:fld>
             <a:endParaRPr lang="en-US"/>
           </a:p>
@@ -9066,7 +16192,7 @@
           <a:p>
             <a:fld id="{29AC0BB6-EC28-41B7-849F-86726C0EA16F}" type="datetimeFigureOut">
               <a:rPr lang="en-US" smtClean="0"/>
-              <a:t>3/3/2023</a:t>
+              <a:t>6/16/2023</a:t>
             </a:fld>
             <a:endParaRPr lang="en-US"/>
           </a:p>
@@ -9207,7 +16333,7 @@
           <a:p>
             <a:fld id="{29AC0BB6-EC28-41B7-849F-86726C0EA16F}" type="datetimeFigureOut">
               <a:rPr lang="en-US" smtClean="0"/>
-              <a:t>3/3/2023</a:t>
+              <a:t>6/16/2023</a:t>
             </a:fld>
             <a:endParaRPr lang="en-US"/>
           </a:p>
@@ -9320,7 +16446,7 @@
           <a:p>
             <a:fld id="{29AC0BB6-EC28-41B7-849F-86726C0EA16F}" type="datetimeFigureOut">
               <a:rPr lang="en-US" smtClean="0"/>
-              <a:t>3/3/2023</a:t>
+              <a:t>6/16/2023</a:t>
             </a:fld>
             <a:endParaRPr lang="en-US"/>
           </a:p>
@@ -9631,7 +16757,7 @@
           <a:p>
             <a:fld id="{29AC0BB6-EC28-41B7-849F-86726C0EA16F}" type="datetimeFigureOut">
               <a:rPr lang="en-US" smtClean="0"/>
-              <a:t>3/3/2023</a:t>
+              <a:t>6/16/2023</a:t>
             </a:fld>
             <a:endParaRPr lang="en-US"/>
           </a:p>
@@ -9919,7 +17045,7 @@
           <a:p>
             <a:fld id="{29AC0BB6-EC28-41B7-849F-86726C0EA16F}" type="datetimeFigureOut">
               <a:rPr lang="en-US" smtClean="0"/>
-              <a:t>3/3/2023</a:t>
+              <a:t>6/16/2023</a:t>
             </a:fld>
             <a:endParaRPr lang="en-US"/>
           </a:p>
@@ -10160,7 +17286,7 @@
           <a:p>
             <a:fld id="{29AC0BB6-EC28-41B7-849F-86726C0EA16F}" type="datetimeFigureOut">
               <a:rPr lang="en-US" smtClean="0"/>
-              <a:t>3/3/2023</a:t>
+              <a:t>6/16/2023</a:t>
             </a:fld>
             <a:endParaRPr lang="en-US"/>
           </a:p>
@@ -10717,13 +17843,13 @@
           <p:nvPr>
             <p:extLst>
               <p:ext uri="{D42A27DB-BD31-4B8C-83A1-F6EECF244321}">
-                <p14:modId xmlns:p14="http://schemas.microsoft.com/office/powerpoint/2010/main" val="765628794"/>
+                <p14:modId xmlns:p14="http://schemas.microsoft.com/office/powerpoint/2010/main" val="344114620"/>
               </p:ext>
             </p:extLst>
           </p:nvPr>
         </p:nvGraphicFramePr>
         <p:xfrm>
-          <a:off x="-207818" y="909"/>
+          <a:off x="-84726" y="8474"/>
           <a:ext cx="11274136" cy="6524582"/>
         </p:xfrm>
         <a:graphic>
@@ -10781,7 +17907,7 @@
         </p:nvSpPr>
         <p:spPr>
           <a:xfrm>
-            <a:off x="9916772" y="2901434"/>
+            <a:off x="9916772" y="2396660"/>
             <a:ext cx="2299091" cy="369332"/>
           </a:xfrm>
           <a:prstGeom prst="rect">
@@ -10816,7 +17942,7 @@
         </p:nvSpPr>
         <p:spPr>
           <a:xfrm>
-            <a:off x="10691249" y="4466272"/>
+            <a:off x="10605654" y="3587235"/>
             <a:ext cx="1473737" cy="369332"/>
           </a:xfrm>
           <a:prstGeom prst="rect">
@@ -10851,7 +17977,7 @@
         </p:nvSpPr>
         <p:spPr>
           <a:xfrm>
-            <a:off x="8776139" y="6031110"/>
+            <a:off x="8776139" y="4871697"/>
             <a:ext cx="3439724" cy="369332"/>
           </a:xfrm>
           <a:prstGeom prst="rect">
@@ -10868,6 +17994,41 @@
             <a:r>
               <a:rPr lang="en-US" dirty="0"/>
               <a:t>Tiled images and individual images</a:t>
+            </a:r>
+          </a:p>
+        </p:txBody>
+      </p:sp>
+      <p:sp>
+        <p:nvSpPr>
+          <p:cNvPr id="3" name="TextBox 2">
+            <a:extLst>
+              <a:ext uri="{FF2B5EF4-FFF2-40B4-BE49-F238E27FC236}">
+                <a16:creationId xmlns:a16="http://schemas.microsoft.com/office/drawing/2014/main" id="{32F71AD9-A25A-448E-BEFE-62F595F968DC}"/>
+              </a:ext>
+            </a:extLst>
+          </p:cNvPr>
+          <p:cNvSpPr txBox="1"/>
+          <p:nvPr/>
+        </p:nvSpPr>
+        <p:spPr>
+          <a:xfrm>
+            <a:off x="9998270" y="5877606"/>
+            <a:ext cx="2059923" cy="369332"/>
+          </a:xfrm>
+          <a:prstGeom prst="rect">
+            <a:avLst/>
+          </a:prstGeom>
+          <a:noFill/>
+        </p:spPr>
+        <p:txBody>
+          <a:bodyPr wrap="none" rtlCol="0">
+            <a:spAutoFit/>
+          </a:bodyPr>
+          <a:lstStyle/>
+          <a:p>
+            <a:r>
+              <a:rPr lang="en-US" dirty="0"/>
+              <a:t>Focused Tile Images</a:t>
             </a:r>
           </a:p>
         </p:txBody>
@@ -10965,18 +18126,29 @@
           <a:p>
             <a:r>
               <a:rPr lang="en-US" dirty="0"/>
-              <a:t>Quick Tiled images are named: quick_tile_channel_cy#.</a:t>
+              <a:t>Quick Tiled images are named: placed_cy#_</a:t>
             </a:r>
             <a:r>
               <a:rPr lang="en-US" dirty="0" err="1"/>
-              <a:t>tif</a:t>
+              <a:t>channel.tif</a:t>
             </a:r>
             <a:endParaRPr lang="en-US" dirty="0"/>
           </a:p>
           <a:p>
             <a:r>
               <a:rPr lang="en-US" dirty="0"/>
-              <a:t>Tile images are named: z_#_t#_</a:t>
+              <a:t>Tile images are named: z_#_x#_y_#_</a:t>
+            </a:r>
+            <a:r>
+              <a:rPr lang="en-US" dirty="0" err="1"/>
+              <a:t>channel.tif</a:t>
+            </a:r>
+            <a:endParaRPr lang="en-US" dirty="0"/>
+          </a:p>
+          <a:p>
+            <a:r>
+              <a:rPr lang="en-US" dirty="0"/>
+              <a:t>Focused tile images are named x#_y_#_</a:t>
             </a:r>
             <a:r>
               <a:rPr lang="en-US" dirty="0" err="1"/>
@@ -12113,6 +19285,373 @@
 </p:sld>
 </file>
 
+<file path=ppt/slides/slide5.xml><?xml version="1.0" encoding="utf-8"?>
+<p:sld xmlns:a="http://schemas.openxmlformats.org/drawingml/2006/main" xmlns:r="http://schemas.openxmlformats.org/officeDocument/2006/relationships" xmlns:p="http://schemas.openxmlformats.org/presentationml/2006/main">
+  <p:cSld>
+    <p:spTree>
+      <p:nvGrpSpPr>
+        <p:cNvPr id="1" name=""/>
+        <p:cNvGrpSpPr/>
+        <p:nvPr/>
+      </p:nvGrpSpPr>
+      <p:grpSpPr>
+        <a:xfrm>
+          <a:off x="0" y="0"/>
+          <a:ext cx="0" cy="0"/>
+          <a:chOff x="0" y="0"/>
+          <a:chExt cx="0" cy="0"/>
+        </a:xfrm>
+      </p:grpSpPr>
+      <p:sp>
+        <p:nvSpPr>
+          <p:cNvPr id="2" name="Title 1">
+            <a:extLst>
+              <a:ext uri="{FF2B5EF4-FFF2-40B4-BE49-F238E27FC236}">
+                <a16:creationId xmlns:a16="http://schemas.microsoft.com/office/drawing/2014/main" id="{7483CF6B-3353-915D-DB3A-946089103608}"/>
+              </a:ext>
+            </a:extLst>
+          </p:cNvPr>
+          <p:cNvSpPr>
+            <a:spLocks noGrp="1"/>
+          </p:cNvSpPr>
+          <p:nvPr>
+            <p:ph type="title"/>
+          </p:nvPr>
+        </p:nvSpPr>
+        <p:spPr>
+          <a:xfrm>
+            <a:off x="0" y="0"/>
+            <a:ext cx="10515600" cy="523396"/>
+          </a:xfrm>
+        </p:spPr>
+        <p:txBody>
+          <a:bodyPr>
+            <a:normAutofit fontScale="90000"/>
+          </a:bodyPr>
+          <a:lstStyle/>
+          <a:p>
+            <a:r>
+              <a:rPr lang="en-US" dirty="0"/>
+              <a:t>Processing Scheme</a:t>
+            </a:r>
+          </a:p>
+        </p:txBody>
+      </p:sp>
+      <p:graphicFrame>
+        <p:nvGraphicFramePr>
+          <p:cNvPr id="4" name="Diagram 3">
+            <a:extLst>
+              <a:ext uri="{FF2B5EF4-FFF2-40B4-BE49-F238E27FC236}">
+                <a16:creationId xmlns:a16="http://schemas.microsoft.com/office/drawing/2014/main" id="{8A0487DA-7E64-DC81-B366-C92DCE07150E}"/>
+              </a:ext>
+            </a:extLst>
+          </p:cNvPr>
+          <p:cNvGraphicFramePr/>
+          <p:nvPr>
+            <p:extLst>
+              <p:ext uri="{D42A27DB-BD31-4B8C-83A1-F6EECF244321}">
+                <p14:modId xmlns:p14="http://schemas.microsoft.com/office/powerpoint/2010/main" val="1854223883"/>
+              </p:ext>
+            </p:extLst>
+          </p:nvPr>
+        </p:nvGraphicFramePr>
+        <p:xfrm>
+          <a:off x="0" y="1017917"/>
+          <a:ext cx="12192000" cy="2337758"/>
+        </p:xfrm>
+        <a:graphic>
+          <a:graphicData uri="http://schemas.openxmlformats.org/drawingml/2006/diagram">
+            <dgm:relIds xmlns:dgm="http://schemas.openxmlformats.org/drawingml/2006/diagram" xmlns:r="http://schemas.openxmlformats.org/officeDocument/2006/relationships" r:dm="rId2" r:lo="rId3" r:qs="rId4" r:cs="rId5"/>
+          </a:graphicData>
+        </a:graphic>
+      </p:graphicFrame>
+      <p:graphicFrame>
+        <p:nvGraphicFramePr>
+          <p:cNvPr id="5" name="Diagram 4">
+            <a:extLst>
+              <a:ext uri="{FF2B5EF4-FFF2-40B4-BE49-F238E27FC236}">
+                <a16:creationId xmlns:a16="http://schemas.microsoft.com/office/drawing/2014/main" id="{F77DC436-3279-394C-1837-3C0B6E6A8F50}"/>
+              </a:ext>
+            </a:extLst>
+          </p:cNvPr>
+          <p:cNvGraphicFramePr/>
+          <p:nvPr>
+            <p:extLst>
+              <p:ext uri="{D42A27DB-BD31-4B8C-83A1-F6EECF244321}">
+                <p14:modId xmlns:p14="http://schemas.microsoft.com/office/powerpoint/2010/main" val="1796037650"/>
+              </p:ext>
+            </p:extLst>
+          </p:nvPr>
+        </p:nvGraphicFramePr>
+        <p:xfrm>
+          <a:off x="0" y="3743864"/>
+          <a:ext cx="12192000" cy="2993366"/>
+        </p:xfrm>
+        <a:graphic>
+          <a:graphicData uri="http://schemas.openxmlformats.org/drawingml/2006/diagram">
+            <dgm:relIds xmlns:dgm="http://schemas.openxmlformats.org/drawingml/2006/diagram" xmlns:r="http://schemas.openxmlformats.org/officeDocument/2006/relationships" r:dm="rId7" r:lo="rId8" r:qs="rId9" r:cs="rId10"/>
+          </a:graphicData>
+        </a:graphic>
+      </p:graphicFrame>
+      <p:sp>
+        <p:nvSpPr>
+          <p:cNvPr id="6" name="TextBox 5">
+            <a:extLst>
+              <a:ext uri="{FF2B5EF4-FFF2-40B4-BE49-F238E27FC236}">
+                <a16:creationId xmlns:a16="http://schemas.microsoft.com/office/drawing/2014/main" id="{E48E2F63-3390-C4C5-468E-0757F5293F0D}"/>
+              </a:ext>
+            </a:extLst>
+          </p:cNvPr>
+          <p:cNvSpPr txBox="1"/>
+          <p:nvPr/>
+        </p:nvSpPr>
+        <p:spPr>
+          <a:xfrm>
+            <a:off x="1699404" y="785004"/>
+            <a:ext cx="5477718" cy="369332"/>
+          </a:xfrm>
+          <a:prstGeom prst="rect">
+            <a:avLst/>
+          </a:prstGeom>
+          <a:noFill/>
+        </p:spPr>
+        <p:txBody>
+          <a:bodyPr wrap="none" rtlCol="0">
+            <a:spAutoFit/>
+          </a:bodyPr>
+          <a:lstStyle/>
+          <a:p>
+            <a:r>
+              <a:rPr lang="en-US" dirty="0"/>
+              <a:t>Python function name. </a:t>
+            </a:r>
+            <a:r>
+              <a:rPr lang="en-US" dirty="0" err="1"/>
+              <a:t>mcmicro</a:t>
+            </a:r>
+            <a:r>
+              <a:rPr lang="en-US" dirty="0"/>
+              <a:t> is </a:t>
+            </a:r>
+            <a:r>
+              <a:rPr lang="en-US" dirty="0" err="1"/>
+              <a:t>linux</a:t>
+            </a:r>
+            <a:r>
+              <a:rPr lang="en-US" dirty="0"/>
+              <a:t> program though</a:t>
+            </a:r>
+          </a:p>
+        </p:txBody>
+      </p:sp>
+      <p:sp>
+        <p:nvSpPr>
+          <p:cNvPr id="7" name="TextBox 6">
+            <a:extLst>
+              <a:ext uri="{FF2B5EF4-FFF2-40B4-BE49-F238E27FC236}">
+                <a16:creationId xmlns:a16="http://schemas.microsoft.com/office/drawing/2014/main" id="{47F8C308-92C4-9AE8-3921-9E9042191B54}"/>
+              </a:ext>
+            </a:extLst>
+          </p:cNvPr>
+          <p:cNvSpPr txBox="1"/>
+          <p:nvPr/>
+        </p:nvSpPr>
+        <p:spPr>
+          <a:xfrm>
+            <a:off x="2054027" y="3317660"/>
+            <a:ext cx="2999667" cy="369332"/>
+          </a:xfrm>
+          <a:prstGeom prst="rect">
+            <a:avLst/>
+          </a:prstGeom>
+          <a:noFill/>
+        </p:spPr>
+        <p:txBody>
+          <a:bodyPr wrap="none" rtlCol="0">
+            <a:spAutoFit/>
+          </a:bodyPr>
+          <a:lstStyle/>
+          <a:p>
+            <a:r>
+              <a:rPr lang="en-US" dirty="0"/>
+              <a:t>Function/program description</a:t>
+            </a:r>
+          </a:p>
+        </p:txBody>
+      </p:sp>
+    </p:spTree>
+    <p:extLst>
+      <p:ext uri="{BB962C8B-B14F-4D97-AF65-F5344CB8AC3E}">
+        <p14:creationId xmlns:p14="http://schemas.microsoft.com/office/powerpoint/2010/main" val="876645196"/>
+      </p:ext>
+    </p:extLst>
+  </p:cSld>
+  <p:clrMapOvr>
+    <a:masterClrMapping/>
+  </p:clrMapOvr>
+</p:sld>
+</file>
+
+<file path=ppt/slides/slide6.xml><?xml version="1.0" encoding="utf-8"?>
+<p:sld xmlns:a="http://schemas.openxmlformats.org/drawingml/2006/main" xmlns:r="http://schemas.openxmlformats.org/officeDocument/2006/relationships" xmlns:p="http://schemas.openxmlformats.org/presentationml/2006/main">
+  <p:cSld>
+    <p:spTree>
+      <p:nvGrpSpPr>
+        <p:cNvPr id="1" name=""/>
+        <p:cNvGrpSpPr/>
+        <p:nvPr/>
+      </p:nvGrpSpPr>
+      <p:grpSpPr>
+        <a:xfrm>
+          <a:off x="0" y="0"/>
+          <a:ext cx="0" cy="0"/>
+          <a:chOff x="0" y="0"/>
+          <a:chExt cx="0" cy="0"/>
+        </a:xfrm>
+      </p:grpSpPr>
+      <p:sp>
+        <p:nvSpPr>
+          <p:cNvPr id="2" name="Title 1">
+            <a:extLst>
+              <a:ext uri="{FF2B5EF4-FFF2-40B4-BE49-F238E27FC236}">
+                <a16:creationId xmlns:a16="http://schemas.microsoft.com/office/drawing/2014/main" id="{0447800E-359C-B6A6-9921-5F333AA3E143}"/>
+              </a:ext>
+            </a:extLst>
+          </p:cNvPr>
+          <p:cNvSpPr>
+            <a:spLocks noGrp="1"/>
+          </p:cNvSpPr>
+          <p:nvPr>
+            <p:ph type="title"/>
+          </p:nvPr>
+        </p:nvSpPr>
+        <p:spPr/>
+        <p:txBody>
+          <a:bodyPr/>
+          <a:lstStyle/>
+          <a:p>
+            <a:endParaRPr lang="en-US"/>
+          </a:p>
+        </p:txBody>
+      </p:sp>
+      <p:sp>
+        <p:nvSpPr>
+          <p:cNvPr id="3" name="Content Placeholder 2">
+            <a:extLst>
+              <a:ext uri="{FF2B5EF4-FFF2-40B4-BE49-F238E27FC236}">
+                <a16:creationId xmlns:a16="http://schemas.microsoft.com/office/drawing/2014/main" id="{247AECE7-C088-0CA3-A30E-E78AB076122F}"/>
+              </a:ext>
+            </a:extLst>
+          </p:cNvPr>
+          <p:cNvSpPr>
+            <a:spLocks noGrp="1"/>
+          </p:cNvSpPr>
+          <p:nvPr>
+            <p:ph idx="1"/>
+          </p:nvPr>
+        </p:nvSpPr>
+        <p:spPr/>
+        <p:txBody>
+          <a:bodyPr/>
+          <a:lstStyle/>
+          <a:p>
+            <a:endParaRPr lang="en-US"/>
+          </a:p>
+        </p:txBody>
+      </p:sp>
+    </p:spTree>
+    <p:extLst>
+      <p:ext uri="{BB962C8B-B14F-4D97-AF65-F5344CB8AC3E}">
+        <p14:creationId xmlns:p14="http://schemas.microsoft.com/office/powerpoint/2010/main" val="1826964781"/>
+      </p:ext>
+    </p:extLst>
+  </p:cSld>
+  <p:clrMapOvr>
+    <a:masterClrMapping/>
+  </p:clrMapOvr>
+</p:sld>
+</file>
+
+<file path=ppt/slides/slide7.xml><?xml version="1.0" encoding="utf-8"?>
+<p:sld xmlns:a="http://schemas.openxmlformats.org/drawingml/2006/main" xmlns:r="http://schemas.openxmlformats.org/officeDocument/2006/relationships" xmlns:p="http://schemas.openxmlformats.org/presentationml/2006/main">
+  <p:cSld>
+    <p:spTree>
+      <p:nvGrpSpPr>
+        <p:cNvPr id="1" name=""/>
+        <p:cNvGrpSpPr/>
+        <p:nvPr/>
+      </p:nvGrpSpPr>
+      <p:grpSpPr>
+        <a:xfrm>
+          <a:off x="0" y="0"/>
+          <a:ext cx="0" cy="0"/>
+          <a:chOff x="0" y="0"/>
+          <a:chExt cx="0" cy="0"/>
+        </a:xfrm>
+      </p:grpSpPr>
+      <p:sp>
+        <p:nvSpPr>
+          <p:cNvPr id="2" name="Title 1">
+            <a:extLst>
+              <a:ext uri="{FF2B5EF4-FFF2-40B4-BE49-F238E27FC236}">
+                <a16:creationId xmlns:a16="http://schemas.microsoft.com/office/drawing/2014/main" id="{5749968D-AB25-0254-3156-61EAEE551763}"/>
+              </a:ext>
+            </a:extLst>
+          </p:cNvPr>
+          <p:cNvSpPr>
+            <a:spLocks noGrp="1"/>
+          </p:cNvSpPr>
+          <p:nvPr>
+            <p:ph type="title"/>
+          </p:nvPr>
+        </p:nvSpPr>
+        <p:spPr/>
+        <p:txBody>
+          <a:bodyPr/>
+          <a:lstStyle/>
+          <a:p>
+            <a:endParaRPr lang="en-US"/>
+          </a:p>
+        </p:txBody>
+      </p:sp>
+      <p:sp>
+        <p:nvSpPr>
+          <p:cNvPr id="3" name="Content Placeholder 2">
+            <a:extLst>
+              <a:ext uri="{FF2B5EF4-FFF2-40B4-BE49-F238E27FC236}">
+                <a16:creationId xmlns:a16="http://schemas.microsoft.com/office/drawing/2014/main" id="{0A5B1B0C-BF5E-97C7-A253-BB246D64E3CD}"/>
+              </a:ext>
+            </a:extLst>
+          </p:cNvPr>
+          <p:cNvSpPr>
+            <a:spLocks noGrp="1"/>
+          </p:cNvSpPr>
+          <p:nvPr>
+            <p:ph idx="1"/>
+          </p:nvPr>
+        </p:nvSpPr>
+        <p:spPr/>
+        <p:txBody>
+          <a:bodyPr/>
+          <a:lstStyle/>
+          <a:p>
+            <a:endParaRPr lang="en-US"/>
+          </a:p>
+        </p:txBody>
+      </p:sp>
+    </p:spTree>
+    <p:extLst>
+      <p:ext uri="{BB962C8B-B14F-4D97-AF65-F5344CB8AC3E}">
+        <p14:creationId xmlns:p14="http://schemas.microsoft.com/office/powerpoint/2010/main" val="1083551268"/>
+      </p:ext>
+    </p:extLst>
+  </p:cSld>
+  <p:clrMapOvr>
+    <a:masterClrMapping/>
+  </p:clrMapOvr>
+</p:sld>
+</file>
+
 <file path=ppt/theme/theme1.xml><?xml version="1.0" encoding="utf-8"?>
 <a:theme xmlns:a="http://schemas.openxmlformats.org/drawingml/2006/main" name="Office Theme">
   <a:themeElements>

--- a/Presentation/AutoCyPlex File Saving Setup.pptx
+++ b/Presentation/AutoCyPlex File Saving Setup.pptx
@@ -8,10 +8,9 @@
     <p:sldId id="256" r:id="rId2"/>
     <p:sldId id="257" r:id="rId3"/>
     <p:sldId id="258" r:id="rId4"/>
-    <p:sldId id="259" r:id="rId5"/>
-    <p:sldId id="260" r:id="rId6"/>
-    <p:sldId id="261" r:id="rId7"/>
-    <p:sldId id="262" r:id="rId8"/>
+    <p:sldId id="260" r:id="rId5"/>
+    <p:sldId id="261" r:id="rId6"/>
+    <p:sldId id="262" r:id="rId7"/>
   </p:sldIdLst>
   <p:sldSz cx="12192000" cy="6858000"/>
   <p:notesSz cx="6858000" cy="9144000"/>
@@ -14636,7 +14635,7 @@
           <a:p>
             <a:fld id="{29AC0BB6-EC28-41B7-849F-86726C0EA16F}" type="datetimeFigureOut">
               <a:rPr lang="en-US" smtClean="0"/>
-              <a:t>6/16/2023</a:t>
+              <a:t>7/7/2023</a:t>
             </a:fld>
             <a:endParaRPr lang="en-US"/>
           </a:p>
@@ -14834,7 +14833,7 @@
           <a:p>
             <a:fld id="{29AC0BB6-EC28-41B7-849F-86726C0EA16F}" type="datetimeFigureOut">
               <a:rPr lang="en-US" smtClean="0"/>
-              <a:t>6/16/2023</a:t>
+              <a:t>7/7/2023</a:t>
             </a:fld>
             <a:endParaRPr lang="en-US"/>
           </a:p>
@@ -15042,7 +15041,7 @@
           <a:p>
             <a:fld id="{29AC0BB6-EC28-41B7-849F-86726C0EA16F}" type="datetimeFigureOut">
               <a:rPr lang="en-US" smtClean="0"/>
-              <a:t>6/16/2023</a:t>
+              <a:t>7/7/2023</a:t>
             </a:fld>
             <a:endParaRPr lang="en-US"/>
           </a:p>
@@ -15240,7 +15239,7 @@
           <a:p>
             <a:fld id="{29AC0BB6-EC28-41B7-849F-86726C0EA16F}" type="datetimeFigureOut">
               <a:rPr lang="en-US" smtClean="0"/>
-              <a:t>6/16/2023</a:t>
+              <a:t>7/7/2023</a:t>
             </a:fld>
             <a:endParaRPr lang="en-US"/>
           </a:p>
@@ -15515,7 +15514,7 @@
           <a:p>
             <a:fld id="{29AC0BB6-EC28-41B7-849F-86726C0EA16F}" type="datetimeFigureOut">
               <a:rPr lang="en-US" smtClean="0"/>
-              <a:t>6/16/2023</a:t>
+              <a:t>7/7/2023</a:t>
             </a:fld>
             <a:endParaRPr lang="en-US"/>
           </a:p>
@@ -15780,7 +15779,7 @@
           <a:p>
             <a:fld id="{29AC0BB6-EC28-41B7-849F-86726C0EA16F}" type="datetimeFigureOut">
               <a:rPr lang="en-US" smtClean="0"/>
-              <a:t>6/16/2023</a:t>
+              <a:t>7/7/2023</a:t>
             </a:fld>
             <a:endParaRPr lang="en-US"/>
           </a:p>
@@ -16192,7 +16191,7 @@
           <a:p>
             <a:fld id="{29AC0BB6-EC28-41B7-849F-86726C0EA16F}" type="datetimeFigureOut">
               <a:rPr lang="en-US" smtClean="0"/>
-              <a:t>6/16/2023</a:t>
+              <a:t>7/7/2023</a:t>
             </a:fld>
             <a:endParaRPr lang="en-US"/>
           </a:p>
@@ -16333,7 +16332,7 @@
           <a:p>
             <a:fld id="{29AC0BB6-EC28-41B7-849F-86726C0EA16F}" type="datetimeFigureOut">
               <a:rPr lang="en-US" smtClean="0"/>
-              <a:t>6/16/2023</a:t>
+              <a:t>7/7/2023</a:t>
             </a:fld>
             <a:endParaRPr lang="en-US"/>
           </a:p>
@@ -16446,7 +16445,7 @@
           <a:p>
             <a:fld id="{29AC0BB6-EC28-41B7-849F-86726C0EA16F}" type="datetimeFigureOut">
               <a:rPr lang="en-US" smtClean="0"/>
-              <a:t>6/16/2023</a:t>
+              <a:t>7/7/2023</a:t>
             </a:fld>
             <a:endParaRPr lang="en-US"/>
           </a:p>
@@ -16757,7 +16756,7 @@
           <a:p>
             <a:fld id="{29AC0BB6-EC28-41B7-849F-86726C0EA16F}" type="datetimeFigureOut">
               <a:rPr lang="en-US" smtClean="0"/>
-              <a:t>6/16/2023</a:t>
+              <a:t>7/7/2023</a:t>
             </a:fld>
             <a:endParaRPr lang="en-US"/>
           </a:p>
@@ -17045,7 +17044,7 @@
           <a:p>
             <a:fld id="{29AC0BB6-EC28-41B7-849F-86726C0EA16F}" type="datetimeFigureOut">
               <a:rPr lang="en-US" smtClean="0"/>
-              <a:t>6/16/2023</a:t>
+              <a:t>7/7/2023</a:t>
             </a:fld>
             <a:endParaRPr lang="en-US"/>
           </a:p>
@@ -17286,7 +17285,7 @@
           <a:p>
             <a:fld id="{29AC0BB6-EC28-41B7-849F-86726C0EA16F}" type="datetimeFigureOut">
               <a:rPr lang="en-US" smtClean="0"/>
-              <a:t>6/16/2023</a:t>
+              <a:t>7/7/2023</a:t>
             </a:fld>
             <a:endParaRPr lang="en-US"/>
           </a:p>
@@ -18193,1120 +18192,6 @@
           <p:cNvPr id="2" name="Title 1">
             <a:extLst>
               <a:ext uri="{FF2B5EF4-FFF2-40B4-BE49-F238E27FC236}">
-                <a16:creationId xmlns:a16="http://schemas.microsoft.com/office/drawing/2014/main" id="{906CE8FB-5332-DD35-934E-9835E1C3C131}"/>
-              </a:ext>
-            </a:extLst>
-          </p:cNvPr>
-          <p:cNvSpPr>
-            <a:spLocks noGrp="1"/>
-          </p:cNvSpPr>
-          <p:nvPr>
-            <p:ph type="title"/>
-          </p:nvPr>
-        </p:nvSpPr>
-        <p:spPr>
-          <a:xfrm>
-            <a:off x="235527" y="0"/>
-            <a:ext cx="10515600" cy="653184"/>
-          </a:xfrm>
-        </p:spPr>
-        <p:txBody>
-          <a:bodyPr>
-            <a:normAutofit fontScale="90000"/>
-          </a:bodyPr>
-          <a:lstStyle/>
-          <a:p>
-            <a:r>
-              <a:rPr lang="en-US" dirty="0"/>
-              <a:t>Tile pattern</a:t>
-            </a:r>
-          </a:p>
-        </p:txBody>
-      </p:sp>
-      <p:graphicFrame>
-        <p:nvGraphicFramePr>
-          <p:cNvPr id="4" name="Table 4">
-            <a:extLst>
-              <a:ext uri="{FF2B5EF4-FFF2-40B4-BE49-F238E27FC236}">
-                <a16:creationId xmlns:a16="http://schemas.microsoft.com/office/drawing/2014/main" id="{9F88E5C0-0E54-1CA8-F4DA-F58C1A6C62FE}"/>
-              </a:ext>
-            </a:extLst>
-          </p:cNvPr>
-          <p:cNvGraphicFramePr>
-            <a:graphicFrameLocks noGrp="1"/>
-          </p:cNvGraphicFramePr>
-          <p:nvPr>
-            <p:extLst>
-              <p:ext uri="{D42A27DB-BD31-4B8C-83A1-F6EECF244321}">
-                <p14:modId xmlns:p14="http://schemas.microsoft.com/office/powerpoint/2010/main" val="3858509698"/>
-              </p:ext>
-            </p:extLst>
-          </p:nvPr>
-        </p:nvGraphicFramePr>
-        <p:xfrm>
-          <a:off x="2135907" y="1381993"/>
-          <a:ext cx="7163956" cy="4987635"/>
-        </p:xfrm>
-        <a:graphic>
-          <a:graphicData uri="http://schemas.openxmlformats.org/drawingml/2006/table">
-            <a:tbl>
-              <a:tblPr firstRow="1" bandRow="1">
-                <a:tableStyleId>{5C22544A-7EE6-4342-B048-85BDC9FD1C3A}</a:tableStyleId>
-              </a:tblPr>
-              <a:tblGrid>
-                <a:gridCol w="1790989">
-                  <a:extLst>
-                    <a:ext uri="{9D8B030D-6E8A-4147-A177-3AD203B41FA5}">
-                      <a16:colId xmlns:a16="http://schemas.microsoft.com/office/drawing/2014/main" val="2684515373"/>
-                    </a:ext>
-                  </a:extLst>
-                </a:gridCol>
-                <a:gridCol w="1790989">
-                  <a:extLst>
-                    <a:ext uri="{9D8B030D-6E8A-4147-A177-3AD203B41FA5}">
-                      <a16:colId xmlns:a16="http://schemas.microsoft.com/office/drawing/2014/main" val="3517601338"/>
-                    </a:ext>
-                  </a:extLst>
-                </a:gridCol>
-                <a:gridCol w="1790989">
-                  <a:extLst>
-                    <a:ext uri="{9D8B030D-6E8A-4147-A177-3AD203B41FA5}">
-                      <a16:colId xmlns:a16="http://schemas.microsoft.com/office/drawing/2014/main" val="4149367897"/>
-                    </a:ext>
-                  </a:extLst>
-                </a:gridCol>
-                <a:gridCol w="1790989">
-                  <a:extLst>
-                    <a:ext uri="{9D8B030D-6E8A-4147-A177-3AD203B41FA5}">
-                      <a16:colId xmlns:a16="http://schemas.microsoft.com/office/drawing/2014/main" val="2736823246"/>
-                    </a:ext>
-                  </a:extLst>
-                </a:gridCol>
-              </a:tblGrid>
-              <a:tr h="997527">
-                <a:tc>
-                  <a:txBody>
-                    <a:bodyPr/>
-                    <a:lstStyle/>
-                    <a:p>
-                      <a:endParaRPr lang="en-US"/>
-                    </a:p>
-                  </a:txBody>
-                  <a:tcPr>
-                    <a:solidFill>
-                      <a:schemeClr val="accent2"/>
-                    </a:solidFill>
-                  </a:tcPr>
-                </a:tc>
-                <a:tc>
-                  <a:txBody>
-                    <a:bodyPr/>
-                    <a:lstStyle/>
-                    <a:p>
-                      <a:endParaRPr lang="en-US"/>
-                    </a:p>
-                  </a:txBody>
-                  <a:tcPr>
-                    <a:solidFill>
-                      <a:schemeClr val="accent2"/>
-                    </a:solidFill>
-                  </a:tcPr>
-                </a:tc>
-                <a:tc>
-                  <a:txBody>
-                    <a:bodyPr/>
-                    <a:lstStyle/>
-                    <a:p>
-                      <a:endParaRPr lang="en-US"/>
-                    </a:p>
-                  </a:txBody>
-                  <a:tcPr>
-                    <a:solidFill>
-                      <a:schemeClr val="accent2"/>
-                    </a:solidFill>
-                  </a:tcPr>
-                </a:tc>
-                <a:tc>
-                  <a:txBody>
-                    <a:bodyPr/>
-                    <a:lstStyle/>
-                    <a:p>
-                      <a:endParaRPr lang="en-US"/>
-                    </a:p>
-                  </a:txBody>
-                  <a:tcPr>
-                    <a:solidFill>
-                      <a:schemeClr val="accent2"/>
-                    </a:solidFill>
-                  </a:tcPr>
-                </a:tc>
-                <a:extLst>
-                  <a:ext uri="{0D108BD9-81ED-4DB2-BD59-A6C34878D82A}">
-                    <a16:rowId xmlns:a16="http://schemas.microsoft.com/office/drawing/2014/main" val="3491844552"/>
-                  </a:ext>
-                </a:extLst>
-              </a:tr>
-              <a:tr h="997527">
-                <a:tc>
-                  <a:txBody>
-                    <a:bodyPr/>
-                    <a:lstStyle/>
-                    <a:p>
-                      <a:endParaRPr lang="en-US"/>
-                    </a:p>
-                  </a:txBody>
-                  <a:tcPr>
-                    <a:solidFill>
-                      <a:schemeClr val="accent2"/>
-                    </a:solidFill>
-                  </a:tcPr>
-                </a:tc>
-                <a:tc>
-                  <a:txBody>
-                    <a:bodyPr/>
-                    <a:lstStyle/>
-                    <a:p>
-                      <a:endParaRPr lang="en-US"/>
-                    </a:p>
-                  </a:txBody>
-                  <a:tcPr>
-                    <a:solidFill>
-                      <a:schemeClr val="accent2"/>
-                    </a:solidFill>
-                  </a:tcPr>
-                </a:tc>
-                <a:tc>
-                  <a:txBody>
-                    <a:bodyPr/>
-                    <a:lstStyle/>
-                    <a:p>
-                      <a:endParaRPr lang="en-US"/>
-                    </a:p>
-                  </a:txBody>
-                  <a:tcPr>
-                    <a:solidFill>
-                      <a:schemeClr val="accent2"/>
-                    </a:solidFill>
-                  </a:tcPr>
-                </a:tc>
-                <a:tc>
-                  <a:txBody>
-                    <a:bodyPr/>
-                    <a:lstStyle/>
-                    <a:p>
-                      <a:endParaRPr lang="en-US"/>
-                    </a:p>
-                  </a:txBody>
-                  <a:tcPr>
-                    <a:solidFill>
-                      <a:schemeClr val="accent2"/>
-                    </a:solidFill>
-                  </a:tcPr>
-                </a:tc>
-                <a:extLst>
-                  <a:ext uri="{0D108BD9-81ED-4DB2-BD59-A6C34878D82A}">
-                    <a16:rowId xmlns:a16="http://schemas.microsoft.com/office/drawing/2014/main" val="1206408089"/>
-                  </a:ext>
-                </a:extLst>
-              </a:tr>
-              <a:tr h="997527">
-                <a:tc>
-                  <a:txBody>
-                    <a:bodyPr/>
-                    <a:lstStyle/>
-                    <a:p>
-                      <a:endParaRPr lang="en-US"/>
-                    </a:p>
-                  </a:txBody>
-                  <a:tcPr>
-                    <a:solidFill>
-                      <a:schemeClr val="accent2"/>
-                    </a:solidFill>
-                  </a:tcPr>
-                </a:tc>
-                <a:tc>
-                  <a:txBody>
-                    <a:bodyPr/>
-                    <a:lstStyle/>
-                    <a:p>
-                      <a:endParaRPr lang="en-US"/>
-                    </a:p>
-                  </a:txBody>
-                  <a:tcPr>
-                    <a:solidFill>
-                      <a:schemeClr val="accent2"/>
-                    </a:solidFill>
-                  </a:tcPr>
-                </a:tc>
-                <a:tc>
-                  <a:txBody>
-                    <a:bodyPr/>
-                    <a:lstStyle/>
-                    <a:p>
-                      <a:endParaRPr lang="en-US"/>
-                    </a:p>
-                  </a:txBody>
-                  <a:tcPr>
-                    <a:solidFill>
-                      <a:schemeClr val="accent2"/>
-                    </a:solidFill>
-                  </a:tcPr>
-                </a:tc>
-                <a:tc>
-                  <a:txBody>
-                    <a:bodyPr/>
-                    <a:lstStyle/>
-                    <a:p>
-                      <a:endParaRPr lang="en-US"/>
-                    </a:p>
-                  </a:txBody>
-                  <a:tcPr>
-                    <a:solidFill>
-                      <a:schemeClr val="accent2"/>
-                    </a:solidFill>
-                  </a:tcPr>
-                </a:tc>
-                <a:extLst>
-                  <a:ext uri="{0D108BD9-81ED-4DB2-BD59-A6C34878D82A}">
-                    <a16:rowId xmlns:a16="http://schemas.microsoft.com/office/drawing/2014/main" val="471729273"/>
-                  </a:ext>
-                </a:extLst>
-              </a:tr>
-              <a:tr h="997527">
-                <a:tc>
-                  <a:txBody>
-                    <a:bodyPr/>
-                    <a:lstStyle/>
-                    <a:p>
-                      <a:endParaRPr lang="en-US"/>
-                    </a:p>
-                  </a:txBody>
-                  <a:tcPr>
-                    <a:solidFill>
-                      <a:schemeClr val="accent2"/>
-                    </a:solidFill>
-                  </a:tcPr>
-                </a:tc>
-                <a:tc>
-                  <a:txBody>
-                    <a:bodyPr/>
-                    <a:lstStyle/>
-                    <a:p>
-                      <a:endParaRPr lang="en-US"/>
-                    </a:p>
-                  </a:txBody>
-                  <a:tcPr>
-                    <a:solidFill>
-                      <a:schemeClr val="accent2"/>
-                    </a:solidFill>
-                  </a:tcPr>
-                </a:tc>
-                <a:tc>
-                  <a:txBody>
-                    <a:bodyPr/>
-                    <a:lstStyle/>
-                    <a:p>
-                      <a:endParaRPr lang="en-US"/>
-                    </a:p>
-                  </a:txBody>
-                  <a:tcPr>
-                    <a:solidFill>
-                      <a:schemeClr val="accent2"/>
-                    </a:solidFill>
-                  </a:tcPr>
-                </a:tc>
-                <a:tc>
-                  <a:txBody>
-                    <a:bodyPr/>
-                    <a:lstStyle/>
-                    <a:p>
-                      <a:endParaRPr lang="en-US"/>
-                    </a:p>
-                  </a:txBody>
-                  <a:tcPr>
-                    <a:solidFill>
-                      <a:schemeClr val="accent2"/>
-                    </a:solidFill>
-                  </a:tcPr>
-                </a:tc>
-                <a:extLst>
-                  <a:ext uri="{0D108BD9-81ED-4DB2-BD59-A6C34878D82A}">
-                    <a16:rowId xmlns:a16="http://schemas.microsoft.com/office/drawing/2014/main" val="2524020762"/>
-                  </a:ext>
-                </a:extLst>
-              </a:tr>
-              <a:tr h="997527">
-                <a:tc>
-                  <a:txBody>
-                    <a:bodyPr/>
-                    <a:lstStyle/>
-                    <a:p>
-                      <a:endParaRPr lang="en-US"/>
-                    </a:p>
-                  </a:txBody>
-                  <a:tcPr>
-                    <a:solidFill>
-                      <a:schemeClr val="accent2"/>
-                    </a:solidFill>
-                  </a:tcPr>
-                </a:tc>
-                <a:tc>
-                  <a:txBody>
-                    <a:bodyPr/>
-                    <a:lstStyle/>
-                    <a:p>
-                      <a:endParaRPr lang="en-US"/>
-                    </a:p>
-                  </a:txBody>
-                  <a:tcPr>
-                    <a:solidFill>
-                      <a:schemeClr val="accent2"/>
-                    </a:solidFill>
-                  </a:tcPr>
-                </a:tc>
-                <a:tc>
-                  <a:txBody>
-                    <a:bodyPr/>
-                    <a:lstStyle/>
-                    <a:p>
-                      <a:endParaRPr lang="en-US"/>
-                    </a:p>
-                  </a:txBody>
-                  <a:tcPr>
-                    <a:solidFill>
-                      <a:schemeClr val="accent2"/>
-                    </a:solidFill>
-                  </a:tcPr>
-                </a:tc>
-                <a:tc>
-                  <a:txBody>
-                    <a:bodyPr/>
-                    <a:lstStyle/>
-                    <a:p>
-                      <a:endParaRPr lang="en-US" dirty="0"/>
-                    </a:p>
-                  </a:txBody>
-                  <a:tcPr>
-                    <a:solidFill>
-                      <a:schemeClr val="accent2"/>
-                    </a:solidFill>
-                  </a:tcPr>
-                </a:tc>
-                <a:extLst>
-                  <a:ext uri="{0D108BD9-81ED-4DB2-BD59-A6C34878D82A}">
-                    <a16:rowId xmlns:a16="http://schemas.microsoft.com/office/drawing/2014/main" val="1970553538"/>
-                  </a:ext>
-                </a:extLst>
-              </a:tr>
-            </a:tbl>
-          </a:graphicData>
-        </a:graphic>
-      </p:graphicFrame>
-      <p:cxnSp>
-        <p:nvCxnSpPr>
-          <p:cNvPr id="6" name="Straight Arrow Connector 5">
-            <a:extLst>
-              <a:ext uri="{FF2B5EF4-FFF2-40B4-BE49-F238E27FC236}">
-                <a16:creationId xmlns:a16="http://schemas.microsoft.com/office/drawing/2014/main" id="{F6F9516E-EDDB-7A46-53DD-12EDBAA206D7}"/>
-              </a:ext>
-            </a:extLst>
-          </p:cNvPr>
-          <p:cNvCxnSpPr/>
-          <p:nvPr/>
-        </p:nvCxnSpPr>
-        <p:spPr>
-          <a:xfrm>
-            <a:off x="2329295" y="1922318"/>
-            <a:ext cx="6328064" cy="0"/>
-          </a:xfrm>
-          <a:prstGeom prst="straightConnector1">
-            <a:avLst/>
-          </a:prstGeom>
-          <a:ln w="38100">
-            <a:solidFill>
-              <a:srgbClr val="00B0F0"/>
-            </a:solidFill>
-            <a:tailEnd type="triangle"/>
-          </a:ln>
-        </p:spPr>
-        <p:style>
-          <a:lnRef idx="1">
-            <a:schemeClr val="accent1"/>
-          </a:lnRef>
-          <a:fillRef idx="0">
-            <a:schemeClr val="accent1"/>
-          </a:fillRef>
-          <a:effectRef idx="0">
-            <a:schemeClr val="accent1"/>
-          </a:effectRef>
-          <a:fontRef idx="minor">
-            <a:schemeClr val="tx1"/>
-          </a:fontRef>
-        </p:style>
-      </p:cxnSp>
-      <p:cxnSp>
-        <p:nvCxnSpPr>
-          <p:cNvPr id="7" name="Straight Arrow Connector 6">
-            <a:extLst>
-              <a:ext uri="{FF2B5EF4-FFF2-40B4-BE49-F238E27FC236}">
-                <a16:creationId xmlns:a16="http://schemas.microsoft.com/office/drawing/2014/main" id="{08DAC39A-765C-71C8-FA3A-4FE3DD8FD261}"/>
-              </a:ext>
-            </a:extLst>
-          </p:cNvPr>
-          <p:cNvCxnSpPr/>
-          <p:nvPr/>
-        </p:nvCxnSpPr>
-        <p:spPr>
-          <a:xfrm>
-            <a:off x="2329295" y="3872346"/>
-            <a:ext cx="6328064" cy="0"/>
-          </a:xfrm>
-          <a:prstGeom prst="straightConnector1">
-            <a:avLst/>
-          </a:prstGeom>
-          <a:ln w="38100">
-            <a:solidFill>
-              <a:srgbClr val="00B0F0"/>
-            </a:solidFill>
-            <a:tailEnd type="triangle"/>
-          </a:ln>
-        </p:spPr>
-        <p:style>
-          <a:lnRef idx="1">
-            <a:schemeClr val="accent1"/>
-          </a:lnRef>
-          <a:fillRef idx="0">
-            <a:schemeClr val="accent1"/>
-          </a:fillRef>
-          <a:effectRef idx="0">
-            <a:schemeClr val="accent1"/>
-          </a:effectRef>
-          <a:fontRef idx="minor">
-            <a:schemeClr val="tx1"/>
-          </a:fontRef>
-        </p:style>
-      </p:cxnSp>
-      <p:cxnSp>
-        <p:nvCxnSpPr>
-          <p:cNvPr id="8" name="Straight Arrow Connector 7">
-            <a:extLst>
-              <a:ext uri="{FF2B5EF4-FFF2-40B4-BE49-F238E27FC236}">
-                <a16:creationId xmlns:a16="http://schemas.microsoft.com/office/drawing/2014/main" id="{70A9F55E-5DC7-1089-C093-AA18FA893EA0}"/>
-              </a:ext>
-            </a:extLst>
-          </p:cNvPr>
-          <p:cNvCxnSpPr/>
-          <p:nvPr/>
-        </p:nvCxnSpPr>
-        <p:spPr>
-          <a:xfrm>
-            <a:off x="2329295" y="5857009"/>
-            <a:ext cx="6328064" cy="0"/>
-          </a:xfrm>
-          <a:prstGeom prst="straightConnector1">
-            <a:avLst/>
-          </a:prstGeom>
-          <a:ln w="38100">
-            <a:solidFill>
-              <a:srgbClr val="00B0F0"/>
-            </a:solidFill>
-            <a:tailEnd type="triangle"/>
-          </a:ln>
-        </p:spPr>
-        <p:style>
-          <a:lnRef idx="1">
-            <a:schemeClr val="accent1"/>
-          </a:lnRef>
-          <a:fillRef idx="0">
-            <a:schemeClr val="accent1"/>
-          </a:fillRef>
-          <a:effectRef idx="0">
-            <a:schemeClr val="accent1"/>
-          </a:effectRef>
-          <a:fontRef idx="minor">
-            <a:schemeClr val="tx1"/>
-          </a:fontRef>
-        </p:style>
-      </p:cxnSp>
-      <p:cxnSp>
-        <p:nvCxnSpPr>
-          <p:cNvPr id="9" name="Straight Arrow Connector 8">
-            <a:extLst>
-              <a:ext uri="{FF2B5EF4-FFF2-40B4-BE49-F238E27FC236}">
-                <a16:creationId xmlns:a16="http://schemas.microsoft.com/office/drawing/2014/main" id="{7508CF5F-8956-9487-C2A8-198D99B2B379}"/>
-              </a:ext>
-            </a:extLst>
-          </p:cNvPr>
-          <p:cNvCxnSpPr>
-            <a:cxnSpLocks/>
-          </p:cNvCxnSpPr>
-          <p:nvPr/>
-        </p:nvCxnSpPr>
-        <p:spPr>
-          <a:xfrm flipH="1">
-            <a:off x="2329295" y="4852555"/>
-            <a:ext cx="6328064" cy="0"/>
-          </a:xfrm>
-          <a:prstGeom prst="straightConnector1">
-            <a:avLst/>
-          </a:prstGeom>
-          <a:ln w="38100">
-            <a:solidFill>
-              <a:srgbClr val="00B0F0"/>
-            </a:solidFill>
-            <a:tailEnd type="triangle"/>
-          </a:ln>
-        </p:spPr>
-        <p:style>
-          <a:lnRef idx="1">
-            <a:schemeClr val="accent1"/>
-          </a:lnRef>
-          <a:fillRef idx="0">
-            <a:schemeClr val="accent1"/>
-          </a:fillRef>
-          <a:effectRef idx="0">
-            <a:schemeClr val="accent1"/>
-          </a:effectRef>
-          <a:fontRef idx="minor">
-            <a:schemeClr val="tx1"/>
-          </a:fontRef>
-        </p:style>
-      </p:cxnSp>
-      <p:cxnSp>
-        <p:nvCxnSpPr>
-          <p:cNvPr id="12" name="Straight Arrow Connector 11">
-            <a:extLst>
-              <a:ext uri="{FF2B5EF4-FFF2-40B4-BE49-F238E27FC236}">
-                <a16:creationId xmlns:a16="http://schemas.microsoft.com/office/drawing/2014/main" id="{F966F5BD-2A89-EC52-F7C7-2B71802DF9AE}"/>
-              </a:ext>
-            </a:extLst>
-          </p:cNvPr>
-          <p:cNvCxnSpPr>
-            <a:cxnSpLocks/>
-          </p:cNvCxnSpPr>
-          <p:nvPr/>
-        </p:nvCxnSpPr>
-        <p:spPr>
-          <a:xfrm flipH="1">
-            <a:off x="2329295" y="2895601"/>
-            <a:ext cx="6328064" cy="0"/>
-          </a:xfrm>
-          <a:prstGeom prst="straightConnector1">
-            <a:avLst/>
-          </a:prstGeom>
-          <a:ln w="38100">
-            <a:solidFill>
-              <a:srgbClr val="00B0F0"/>
-            </a:solidFill>
-            <a:tailEnd type="triangle"/>
-          </a:ln>
-        </p:spPr>
-        <p:style>
-          <a:lnRef idx="1">
-            <a:schemeClr val="accent1"/>
-          </a:lnRef>
-          <a:fillRef idx="0">
-            <a:schemeClr val="accent1"/>
-          </a:fillRef>
-          <a:effectRef idx="0">
-            <a:schemeClr val="accent1"/>
-          </a:effectRef>
-          <a:fontRef idx="minor">
-            <a:schemeClr val="tx1"/>
-          </a:fontRef>
-        </p:style>
-      </p:cxnSp>
-      <p:cxnSp>
-        <p:nvCxnSpPr>
-          <p:cNvPr id="13" name="Straight Arrow Connector 12">
-            <a:extLst>
-              <a:ext uri="{FF2B5EF4-FFF2-40B4-BE49-F238E27FC236}">
-                <a16:creationId xmlns:a16="http://schemas.microsoft.com/office/drawing/2014/main" id="{54C05A27-697C-33D2-6331-3357CAA151D8}"/>
-              </a:ext>
-            </a:extLst>
-          </p:cNvPr>
-          <p:cNvCxnSpPr>
-            <a:cxnSpLocks/>
-          </p:cNvCxnSpPr>
-          <p:nvPr/>
-        </p:nvCxnSpPr>
-        <p:spPr>
-          <a:xfrm>
-            <a:off x="8657359" y="2074718"/>
-            <a:ext cx="0" cy="730827"/>
-          </a:xfrm>
-          <a:prstGeom prst="straightConnector1">
-            <a:avLst/>
-          </a:prstGeom>
-          <a:ln w="38100">
-            <a:solidFill>
-              <a:srgbClr val="00B0F0"/>
-            </a:solidFill>
-            <a:tailEnd type="triangle"/>
-          </a:ln>
-        </p:spPr>
-        <p:style>
-          <a:lnRef idx="1">
-            <a:schemeClr val="accent1"/>
-          </a:lnRef>
-          <a:fillRef idx="0">
-            <a:schemeClr val="accent1"/>
-          </a:fillRef>
-          <a:effectRef idx="0">
-            <a:schemeClr val="accent1"/>
-          </a:effectRef>
-          <a:fontRef idx="minor">
-            <a:schemeClr val="tx1"/>
-          </a:fontRef>
-        </p:style>
-      </p:cxnSp>
-      <p:cxnSp>
-        <p:nvCxnSpPr>
-          <p:cNvPr id="16" name="Straight Arrow Connector 15">
-            <a:extLst>
-              <a:ext uri="{FF2B5EF4-FFF2-40B4-BE49-F238E27FC236}">
-                <a16:creationId xmlns:a16="http://schemas.microsoft.com/office/drawing/2014/main" id="{F865A9DB-AB93-A0BF-A1AF-D1FC7741DDB1}"/>
-              </a:ext>
-            </a:extLst>
-          </p:cNvPr>
-          <p:cNvCxnSpPr>
-            <a:cxnSpLocks/>
-          </p:cNvCxnSpPr>
-          <p:nvPr/>
-        </p:nvCxnSpPr>
-        <p:spPr>
-          <a:xfrm>
-            <a:off x="2440132" y="3063586"/>
-            <a:ext cx="0" cy="730827"/>
-          </a:xfrm>
-          <a:prstGeom prst="straightConnector1">
-            <a:avLst/>
-          </a:prstGeom>
-          <a:ln w="38100">
-            <a:solidFill>
-              <a:srgbClr val="00B0F0"/>
-            </a:solidFill>
-            <a:tailEnd type="triangle"/>
-          </a:ln>
-        </p:spPr>
-        <p:style>
-          <a:lnRef idx="1">
-            <a:schemeClr val="accent1"/>
-          </a:lnRef>
-          <a:fillRef idx="0">
-            <a:schemeClr val="accent1"/>
-          </a:fillRef>
-          <a:effectRef idx="0">
-            <a:schemeClr val="accent1"/>
-          </a:effectRef>
-          <a:fontRef idx="minor">
-            <a:schemeClr val="tx1"/>
-          </a:fontRef>
-        </p:style>
-      </p:cxnSp>
-      <p:cxnSp>
-        <p:nvCxnSpPr>
-          <p:cNvPr id="17" name="Straight Arrow Connector 16">
-            <a:extLst>
-              <a:ext uri="{FF2B5EF4-FFF2-40B4-BE49-F238E27FC236}">
-                <a16:creationId xmlns:a16="http://schemas.microsoft.com/office/drawing/2014/main" id="{1B567DB3-785E-E76F-696B-0E2C34398D5C}"/>
-              </a:ext>
-            </a:extLst>
-          </p:cNvPr>
-          <p:cNvCxnSpPr>
-            <a:cxnSpLocks/>
-          </p:cNvCxnSpPr>
-          <p:nvPr/>
-        </p:nvCxnSpPr>
-        <p:spPr>
-          <a:xfrm>
-            <a:off x="8546523" y="4016086"/>
-            <a:ext cx="0" cy="730827"/>
-          </a:xfrm>
-          <a:prstGeom prst="straightConnector1">
-            <a:avLst/>
-          </a:prstGeom>
-          <a:ln w="38100">
-            <a:solidFill>
-              <a:srgbClr val="00B0F0"/>
-            </a:solidFill>
-            <a:tailEnd type="triangle"/>
-          </a:ln>
-        </p:spPr>
-        <p:style>
-          <a:lnRef idx="1">
-            <a:schemeClr val="accent1"/>
-          </a:lnRef>
-          <a:fillRef idx="0">
-            <a:schemeClr val="accent1"/>
-          </a:fillRef>
-          <a:effectRef idx="0">
-            <a:schemeClr val="accent1"/>
-          </a:effectRef>
-          <a:fontRef idx="minor">
-            <a:schemeClr val="tx1"/>
-          </a:fontRef>
-        </p:style>
-      </p:cxnSp>
-      <p:cxnSp>
-        <p:nvCxnSpPr>
-          <p:cNvPr id="18" name="Straight Arrow Connector 17">
-            <a:extLst>
-              <a:ext uri="{FF2B5EF4-FFF2-40B4-BE49-F238E27FC236}">
-                <a16:creationId xmlns:a16="http://schemas.microsoft.com/office/drawing/2014/main" id="{649B8EE9-0EEE-9719-156C-DB1833FBBDBB}"/>
-              </a:ext>
-            </a:extLst>
-          </p:cNvPr>
-          <p:cNvCxnSpPr>
-            <a:cxnSpLocks/>
-          </p:cNvCxnSpPr>
-          <p:nvPr/>
-        </p:nvCxnSpPr>
-        <p:spPr>
-          <a:xfrm>
-            <a:off x="2440132" y="4989367"/>
-            <a:ext cx="0" cy="730827"/>
-          </a:xfrm>
-          <a:prstGeom prst="straightConnector1">
-            <a:avLst/>
-          </a:prstGeom>
-          <a:ln w="38100">
-            <a:solidFill>
-              <a:srgbClr val="00B0F0"/>
-            </a:solidFill>
-            <a:tailEnd type="triangle"/>
-          </a:ln>
-        </p:spPr>
-        <p:style>
-          <a:lnRef idx="1">
-            <a:schemeClr val="accent1"/>
-          </a:lnRef>
-          <a:fillRef idx="0">
-            <a:schemeClr val="accent1"/>
-          </a:fillRef>
-          <a:effectRef idx="0">
-            <a:schemeClr val="accent1"/>
-          </a:effectRef>
-          <a:fontRef idx="minor">
-            <a:schemeClr val="tx1"/>
-          </a:fontRef>
-        </p:style>
-      </p:cxnSp>
-      <p:sp>
-        <p:nvSpPr>
-          <p:cNvPr id="19" name="TextBox 18">
-            <a:extLst>
-              <a:ext uri="{FF2B5EF4-FFF2-40B4-BE49-F238E27FC236}">
-                <a16:creationId xmlns:a16="http://schemas.microsoft.com/office/drawing/2014/main" id="{C26ACC9A-1D65-2C2E-632D-98D710D088F3}"/>
-              </a:ext>
-            </a:extLst>
-          </p:cNvPr>
-          <p:cNvSpPr txBox="1"/>
-          <p:nvPr/>
-        </p:nvSpPr>
-        <p:spPr>
-          <a:xfrm>
-            <a:off x="2654671" y="1436727"/>
-            <a:ext cx="494046" cy="369332"/>
-          </a:xfrm>
-          <a:prstGeom prst="rect">
-            <a:avLst/>
-          </a:prstGeom>
-          <a:noFill/>
-        </p:spPr>
-        <p:txBody>
-          <a:bodyPr wrap="none" rtlCol="0">
-            <a:spAutoFit/>
-          </a:bodyPr>
-          <a:lstStyle/>
-          <a:p>
-            <a:r>
-              <a:rPr lang="en-US" dirty="0"/>
-              <a:t>t=0</a:t>
-            </a:r>
-          </a:p>
-        </p:txBody>
-      </p:sp>
-      <p:sp>
-        <p:nvSpPr>
-          <p:cNvPr id="20" name="TextBox 19">
-            <a:extLst>
-              <a:ext uri="{FF2B5EF4-FFF2-40B4-BE49-F238E27FC236}">
-                <a16:creationId xmlns:a16="http://schemas.microsoft.com/office/drawing/2014/main" id="{A607160A-9036-CEDF-90CC-45E81FBA0285}"/>
-              </a:ext>
-            </a:extLst>
-          </p:cNvPr>
-          <p:cNvSpPr txBox="1"/>
-          <p:nvPr/>
-        </p:nvSpPr>
-        <p:spPr>
-          <a:xfrm>
-            <a:off x="4532742" y="1472971"/>
-            <a:ext cx="494046" cy="369332"/>
-          </a:xfrm>
-          <a:prstGeom prst="rect">
-            <a:avLst/>
-          </a:prstGeom>
-          <a:noFill/>
-        </p:spPr>
-        <p:txBody>
-          <a:bodyPr wrap="none" rtlCol="0">
-            <a:spAutoFit/>
-          </a:bodyPr>
-          <a:lstStyle/>
-          <a:p>
-            <a:r>
-              <a:rPr lang="en-US" dirty="0"/>
-              <a:t>t=1</a:t>
-            </a:r>
-          </a:p>
-        </p:txBody>
-      </p:sp>
-      <p:sp>
-        <p:nvSpPr>
-          <p:cNvPr id="21" name="TextBox 20">
-            <a:extLst>
-              <a:ext uri="{FF2B5EF4-FFF2-40B4-BE49-F238E27FC236}">
-                <a16:creationId xmlns:a16="http://schemas.microsoft.com/office/drawing/2014/main" id="{247DB71D-BC3B-67AB-DDE8-9C324F3925EE}"/>
-              </a:ext>
-            </a:extLst>
-          </p:cNvPr>
-          <p:cNvSpPr txBox="1"/>
-          <p:nvPr/>
-        </p:nvSpPr>
-        <p:spPr>
-          <a:xfrm>
-            <a:off x="6422256" y="1436727"/>
-            <a:ext cx="494046" cy="369332"/>
-          </a:xfrm>
-          <a:prstGeom prst="rect">
-            <a:avLst/>
-          </a:prstGeom>
-          <a:noFill/>
-        </p:spPr>
-        <p:txBody>
-          <a:bodyPr wrap="none" rtlCol="0">
-            <a:spAutoFit/>
-          </a:bodyPr>
-          <a:lstStyle/>
-          <a:p>
-            <a:r>
-              <a:rPr lang="en-US" dirty="0"/>
-              <a:t>t=2</a:t>
-            </a:r>
-          </a:p>
-        </p:txBody>
-      </p:sp>
-      <p:sp>
-        <p:nvSpPr>
-          <p:cNvPr id="22" name="TextBox 21">
-            <a:extLst>
-              <a:ext uri="{FF2B5EF4-FFF2-40B4-BE49-F238E27FC236}">
-                <a16:creationId xmlns:a16="http://schemas.microsoft.com/office/drawing/2014/main" id="{3BE54291-22FA-1F3F-CE88-DB759CC3CEB1}"/>
-              </a:ext>
-            </a:extLst>
-          </p:cNvPr>
-          <p:cNvSpPr txBox="1"/>
-          <p:nvPr/>
-        </p:nvSpPr>
-        <p:spPr>
-          <a:xfrm>
-            <a:off x="8052477" y="1462354"/>
-            <a:ext cx="494046" cy="369332"/>
-          </a:xfrm>
-          <a:prstGeom prst="rect">
-            <a:avLst/>
-          </a:prstGeom>
-          <a:noFill/>
-        </p:spPr>
-        <p:txBody>
-          <a:bodyPr wrap="none" rtlCol="0">
-            <a:spAutoFit/>
-          </a:bodyPr>
-          <a:lstStyle/>
-          <a:p>
-            <a:r>
-              <a:rPr lang="en-US" dirty="0"/>
-              <a:t>t=2</a:t>
-            </a:r>
-          </a:p>
-        </p:txBody>
-      </p:sp>
-      <p:sp>
-        <p:nvSpPr>
-          <p:cNvPr id="23" name="TextBox 22">
-            <a:extLst>
-              <a:ext uri="{FF2B5EF4-FFF2-40B4-BE49-F238E27FC236}">
-                <a16:creationId xmlns:a16="http://schemas.microsoft.com/office/drawing/2014/main" id="{1092345C-0E10-1F0F-91E0-44DCEA999FE8}"/>
-              </a:ext>
-            </a:extLst>
-          </p:cNvPr>
-          <p:cNvSpPr txBox="1"/>
-          <p:nvPr/>
-        </p:nvSpPr>
-        <p:spPr>
-          <a:xfrm>
-            <a:off x="7821041" y="2425596"/>
-            <a:ext cx="494046" cy="369332"/>
-          </a:xfrm>
-          <a:prstGeom prst="rect">
-            <a:avLst/>
-          </a:prstGeom>
-          <a:noFill/>
-        </p:spPr>
-        <p:txBody>
-          <a:bodyPr wrap="none" rtlCol="0">
-            <a:spAutoFit/>
-          </a:bodyPr>
-          <a:lstStyle/>
-          <a:p>
-            <a:r>
-              <a:rPr lang="en-US" dirty="0"/>
-              <a:t>t=3</a:t>
-            </a:r>
-          </a:p>
-        </p:txBody>
-      </p:sp>
-      <p:sp>
-        <p:nvSpPr>
-          <p:cNvPr id="24" name="TextBox 23">
-            <a:extLst>
-              <a:ext uri="{FF2B5EF4-FFF2-40B4-BE49-F238E27FC236}">
-                <a16:creationId xmlns:a16="http://schemas.microsoft.com/office/drawing/2014/main" id="{3F59330F-30CB-F10D-141E-C36F2C96EE18}"/>
-              </a:ext>
-            </a:extLst>
-          </p:cNvPr>
-          <p:cNvSpPr txBox="1"/>
-          <p:nvPr/>
-        </p:nvSpPr>
-        <p:spPr>
-          <a:xfrm>
-            <a:off x="6261777" y="2473448"/>
-            <a:ext cx="494046" cy="369332"/>
-          </a:xfrm>
-          <a:prstGeom prst="rect">
-            <a:avLst/>
-          </a:prstGeom>
-          <a:noFill/>
-        </p:spPr>
-        <p:txBody>
-          <a:bodyPr wrap="none" rtlCol="0">
-            <a:spAutoFit/>
-          </a:bodyPr>
-          <a:lstStyle/>
-          <a:p>
-            <a:r>
-              <a:rPr lang="en-US" dirty="0"/>
-              <a:t>t=4</a:t>
-            </a:r>
-          </a:p>
-        </p:txBody>
-      </p:sp>
-      <p:sp>
-        <p:nvSpPr>
-          <p:cNvPr id="25" name="TextBox 24">
-            <a:extLst>
-              <a:ext uri="{FF2B5EF4-FFF2-40B4-BE49-F238E27FC236}">
-                <a16:creationId xmlns:a16="http://schemas.microsoft.com/office/drawing/2014/main" id="{727AB1E7-114E-3941-8ED9-5EF19A97FE8C}"/>
-              </a:ext>
-            </a:extLst>
-          </p:cNvPr>
-          <p:cNvSpPr txBox="1"/>
-          <p:nvPr/>
-        </p:nvSpPr>
-        <p:spPr>
-          <a:xfrm>
-            <a:off x="4595918" y="2409431"/>
-            <a:ext cx="494046" cy="369332"/>
-          </a:xfrm>
-          <a:prstGeom prst="rect">
-            <a:avLst/>
-          </a:prstGeom>
-          <a:noFill/>
-        </p:spPr>
-        <p:txBody>
-          <a:bodyPr wrap="none" rtlCol="0">
-            <a:spAutoFit/>
-          </a:bodyPr>
-          <a:lstStyle/>
-          <a:p>
-            <a:r>
-              <a:rPr lang="en-US" dirty="0"/>
-              <a:t>t=5</a:t>
-            </a:r>
-          </a:p>
-        </p:txBody>
-      </p:sp>
-      <p:sp>
-        <p:nvSpPr>
-          <p:cNvPr id="26" name="TextBox 25">
-            <a:extLst>
-              <a:ext uri="{FF2B5EF4-FFF2-40B4-BE49-F238E27FC236}">
-                <a16:creationId xmlns:a16="http://schemas.microsoft.com/office/drawing/2014/main" id="{7F88EE2B-151C-4E92-C2A5-D0B0C36FDABB}"/>
-              </a:ext>
-            </a:extLst>
-          </p:cNvPr>
-          <p:cNvSpPr txBox="1"/>
-          <p:nvPr/>
-        </p:nvSpPr>
-        <p:spPr>
-          <a:xfrm>
-            <a:off x="2892137" y="2466462"/>
-            <a:ext cx="494046" cy="369332"/>
-          </a:xfrm>
-          <a:prstGeom prst="rect">
-            <a:avLst/>
-          </a:prstGeom>
-          <a:noFill/>
-        </p:spPr>
-        <p:txBody>
-          <a:bodyPr wrap="none" rtlCol="0">
-            <a:spAutoFit/>
-          </a:bodyPr>
-          <a:lstStyle/>
-          <a:p>
-            <a:r>
-              <a:rPr lang="en-US" dirty="0"/>
-              <a:t>t=6</a:t>
-            </a:r>
-          </a:p>
-        </p:txBody>
-      </p:sp>
-    </p:spTree>
-    <p:extLst>
-      <p:ext uri="{BB962C8B-B14F-4D97-AF65-F5344CB8AC3E}">
-        <p14:creationId xmlns:p14="http://schemas.microsoft.com/office/powerpoint/2010/main" val="3717189182"/>
-      </p:ext>
-    </p:extLst>
-  </p:cSld>
-  <p:clrMapOvr>
-    <a:masterClrMapping/>
-  </p:clrMapOvr>
-</p:sld>
-</file>
-
-<file path=ppt/slides/slide5.xml><?xml version="1.0" encoding="utf-8"?>
-<p:sld xmlns:a="http://schemas.openxmlformats.org/drawingml/2006/main" xmlns:r="http://schemas.openxmlformats.org/officeDocument/2006/relationships" xmlns:p="http://schemas.openxmlformats.org/presentationml/2006/main">
-  <p:cSld>
-    <p:spTree>
-      <p:nvGrpSpPr>
-        <p:cNvPr id="1" name=""/>
-        <p:cNvGrpSpPr/>
-        <p:nvPr/>
-      </p:nvGrpSpPr>
-      <p:grpSpPr>
-        <a:xfrm>
-          <a:off x="0" y="0"/>
-          <a:ext cx="0" cy="0"/>
-          <a:chOff x="0" y="0"/>
-          <a:chExt cx="0" cy="0"/>
-        </a:xfrm>
-      </p:grpSpPr>
-      <p:sp>
-        <p:nvSpPr>
-          <p:cNvPr id="2" name="Title 1">
-            <a:extLst>
-              <a:ext uri="{FF2B5EF4-FFF2-40B4-BE49-F238E27FC236}">
                 <a16:creationId xmlns:a16="http://schemas.microsoft.com/office/drawing/2014/main" id="{7483CF6B-3353-915D-DB3A-946089103608}"/>
               </a:ext>
             </a:extLst>
@@ -19492,7 +18377,7 @@
 </p:sld>
 </file>
 
-<file path=ppt/slides/slide6.xml><?xml version="1.0" encoding="utf-8"?>
+<file path=ppt/slides/slide5.xml><?xml version="1.0" encoding="utf-8"?>
 <p:sld xmlns:a="http://schemas.openxmlformats.org/drawingml/2006/main" xmlns:r="http://schemas.openxmlformats.org/officeDocument/2006/relationships" xmlns:p="http://schemas.openxmlformats.org/presentationml/2006/main">
   <p:cSld>
     <p:spTree>
@@ -19572,7 +18457,7 @@
 </p:sld>
 </file>
 
-<file path=ppt/slides/slide7.xml><?xml version="1.0" encoding="utf-8"?>
+<file path=ppt/slides/slide6.xml><?xml version="1.0" encoding="utf-8"?>
 <p:sld xmlns:a="http://schemas.openxmlformats.org/drawingml/2006/main" xmlns:r="http://schemas.openxmlformats.org/officeDocument/2006/relationships" xmlns:p="http://schemas.openxmlformats.org/presentationml/2006/main">
   <p:cSld>
     <p:spTree>
